--- a/PlanseeGroup.pptx
+++ b/PlanseeGroup.pptx
@@ -115,6 +115,11 @@
       </a:defRPr>
     </a:lvl9pPr>
   </p:defaultTextStyle>
+  <p:extLst>
+    <p:ext uri="{EFAFB233-063F-42B5-8137-9DF3F51BA10A}">
+      <p15:sldGuideLst xmlns:p15="http://schemas.microsoft.com/office/powerpoint/2012/main"/>
+    </p:ext>
+  </p:extLst>
 </p:presentation>
 </file>
 
@@ -359,7 +364,7 @@
           <a:p>
             <a:fld id="{48EDD995-683E-4D85-9C42-851AB99740B3}" type="slidenum">
               <a:rPr lang="de-AT" smtClean="0"/>
-              <a:t>‹#›</a:t>
+              <a:t>‹Nr.›</a:t>
             </a:fld>
             <a:endParaRPr lang="de-AT"/>
           </a:p>
@@ -868,7 +873,7 @@
           <a:p>
             <a:fld id="{7E4B9D8A-30A2-4509-8A2B-BAB999C5542B}" type="slidenum">
               <a:rPr lang="de-AT" smtClean="0"/>
-              <a:t>‹#›</a:t>
+              <a:t>‹Nr.›</a:t>
             </a:fld>
             <a:endParaRPr lang="de-AT"/>
           </a:p>
@@ -1147,7 +1152,7 @@
           <a:p>
             <a:fld id="{7E4B9D8A-30A2-4509-8A2B-BAB999C5542B}" type="slidenum">
               <a:rPr lang="de-AT" smtClean="0"/>
-              <a:t>‹#›</a:t>
+              <a:t>‹Nr.›</a:t>
             </a:fld>
             <a:endParaRPr lang="de-AT"/>
           </a:p>
@@ -1345,7 +1350,7 @@
           <a:p>
             <a:fld id="{7E4B9D8A-30A2-4509-8A2B-BAB999C5542B}" type="slidenum">
               <a:rPr lang="de-AT" smtClean="0"/>
-              <a:t>‹#›</a:t>
+              <a:t>‹Nr.›</a:t>
             </a:fld>
             <a:endParaRPr lang="de-AT"/>
           </a:p>
@@ -1622,7 +1627,7 @@
           <a:p>
             <a:fld id="{7E4B9D8A-30A2-4509-8A2B-BAB999C5542B}" type="slidenum">
               <a:rPr lang="de-AT" smtClean="0"/>
-              <a:t>‹#›</a:t>
+              <a:t>‹Nr.›</a:t>
             </a:fld>
             <a:endParaRPr lang="de-AT"/>
           </a:p>
@@ -1967,7 +1972,7 @@
           <a:p>
             <a:fld id="{7E4B9D8A-30A2-4509-8A2B-BAB999C5542B}" type="slidenum">
               <a:rPr lang="de-AT" smtClean="0"/>
-              <a:t>‹#›</a:t>
+              <a:t>‹Nr.›</a:t>
             </a:fld>
             <a:endParaRPr lang="de-AT"/>
           </a:p>
@@ -2594,7 +2599,7 @@
           <a:p>
             <a:fld id="{7E4B9D8A-30A2-4509-8A2B-BAB999C5542B}" type="slidenum">
               <a:rPr lang="de-AT" smtClean="0"/>
-              <a:t>‹#›</a:t>
+              <a:t>‹Nr.›</a:t>
             </a:fld>
             <a:endParaRPr lang="de-AT"/>
           </a:p>
@@ -3458,7 +3463,7 @@
           <a:p>
             <a:fld id="{7E4B9D8A-30A2-4509-8A2B-BAB999C5542B}" type="slidenum">
               <a:rPr lang="de-AT" smtClean="0"/>
-              <a:t>‹#›</a:t>
+              <a:t>‹Nr.›</a:t>
             </a:fld>
             <a:endParaRPr lang="de-AT"/>
           </a:p>
@@ -3632,7 +3637,7 @@
           <a:p>
             <a:fld id="{7E4B9D8A-30A2-4509-8A2B-BAB999C5542B}" type="slidenum">
               <a:rPr lang="de-AT" smtClean="0"/>
-              <a:t>‹#›</a:t>
+              <a:t>‹Nr.›</a:t>
             </a:fld>
             <a:endParaRPr lang="de-AT"/>
           </a:p>
@@ -3816,7 +3821,7 @@
           <a:p>
             <a:fld id="{7E4B9D8A-30A2-4509-8A2B-BAB999C5542B}" type="slidenum">
               <a:rPr lang="de-AT" smtClean="0"/>
-              <a:t>‹#›</a:t>
+              <a:t>‹Nr.›</a:t>
             </a:fld>
             <a:endParaRPr lang="de-AT"/>
           </a:p>
@@ -3990,7 +3995,7 @@
           <a:p>
             <a:fld id="{7E4B9D8A-30A2-4509-8A2B-BAB999C5542B}" type="slidenum">
               <a:rPr lang="de-AT" smtClean="0"/>
-              <a:t>‹#›</a:t>
+              <a:t>‹Nr.›</a:t>
             </a:fld>
             <a:endParaRPr lang="de-AT"/>
           </a:p>
@@ -4241,7 +4246,7 @@
           <a:p>
             <a:fld id="{7E4B9D8A-30A2-4509-8A2B-BAB999C5542B}" type="slidenum">
               <a:rPr lang="de-AT" smtClean="0"/>
-              <a:t>‹#›</a:t>
+              <a:t>‹Nr.›</a:t>
             </a:fld>
             <a:endParaRPr lang="de-AT"/>
           </a:p>
@@ -4537,7 +4542,7 @@
           <a:p>
             <a:fld id="{7E4B9D8A-30A2-4509-8A2B-BAB999C5542B}" type="slidenum">
               <a:rPr lang="de-AT" smtClean="0"/>
-              <a:t>‹#›</a:t>
+              <a:t>‹Nr.›</a:t>
             </a:fld>
             <a:endParaRPr lang="de-AT"/>
           </a:p>
@@ -4985,7 +4990,7 @@
           <a:p>
             <a:fld id="{7E4B9D8A-30A2-4509-8A2B-BAB999C5542B}" type="slidenum">
               <a:rPr lang="de-AT" smtClean="0"/>
-              <a:t>‹#›</a:t>
+              <a:t>‹Nr.›</a:t>
             </a:fld>
             <a:endParaRPr lang="de-AT"/>
           </a:p>
@@ -5107,7 +5112,7 @@
           <a:p>
             <a:fld id="{7E4B9D8A-30A2-4509-8A2B-BAB999C5542B}" type="slidenum">
               <a:rPr lang="de-AT" smtClean="0"/>
-              <a:t>‹#›</a:t>
+              <a:t>‹Nr.›</a:t>
             </a:fld>
             <a:endParaRPr lang="de-AT"/>
           </a:p>
@@ -5206,7 +5211,7 @@
           <a:p>
             <a:fld id="{7E4B9D8A-30A2-4509-8A2B-BAB999C5542B}" type="slidenum">
               <a:rPr lang="de-AT" smtClean="0"/>
-              <a:t>‹#›</a:t>
+              <a:t>‹Nr.›</a:t>
             </a:fld>
             <a:endParaRPr lang="de-AT"/>
           </a:p>
@@ -5489,7 +5494,7 @@
           <a:p>
             <a:fld id="{7E4B9D8A-30A2-4509-8A2B-BAB999C5542B}" type="slidenum">
               <a:rPr lang="de-AT" smtClean="0"/>
-              <a:t>‹#›</a:t>
+              <a:t>‹Nr.›</a:t>
             </a:fld>
             <a:endParaRPr lang="de-AT"/>
           </a:p>
@@ -5768,7 +5773,7 @@
           <a:p>
             <a:fld id="{7E4B9D8A-30A2-4509-8A2B-BAB999C5542B}" type="slidenum">
               <a:rPr lang="de-AT" smtClean="0"/>
-              <a:t>‹#›</a:t>
+              <a:t>‹Nr.›</a:t>
             </a:fld>
             <a:endParaRPr lang="de-AT"/>
           </a:p>
@@ -6238,7 +6243,7 @@
           <a:p>
             <a:fld id="{7E4B9D8A-30A2-4509-8A2B-BAB999C5542B}" type="slidenum">
               <a:rPr lang="de-AT" smtClean="0"/>
-              <a:t>‹#›</a:t>
+              <a:t>‹Nr.›</a:t>
             </a:fld>
             <a:endParaRPr lang="de-AT"/>
           </a:p>
@@ -6732,18 +6737,30 @@
           <a:p>
             <a:r>
               <a:rPr lang="de-AT" dirty="0" smtClean="0"/>
-              <a:t>Referat von </a:t>
-            </a:r>
-            <a:r>
-              <a:rPr lang="de-AT" dirty="0" err="1" smtClean="0"/>
+              <a:t>Referat </a:t>
+            </a:r>
+            <a:r>
+              <a:rPr lang="de-AT" dirty="0" smtClean="0"/>
+              <a:t>von </a:t>
+            </a:r>
+            <a:r>
+              <a:rPr lang="de-AT" dirty="0" smtClean="0"/>
               <a:t>Klepp</a:t>
             </a:r>
             <a:r>
+              <a:rPr lang="de-AT" dirty="0"/>
+              <a:t>, </a:t>
+            </a:r>
+            <a:r>
               <a:rPr lang="de-AT" dirty="0" smtClean="0"/>
-              <a:t>, Vogt, Mair, </a:t>
-            </a:r>
-            <a:r>
-              <a:rPr lang="de-AT" dirty="0" err="1" smtClean="0"/>
+              <a:t>Mair, </a:t>
+            </a:r>
+            <a:r>
+              <a:rPr lang="de-AT" dirty="0" smtClean="0"/>
+              <a:t>Vogt, </a:t>
+            </a:r>
+            <a:r>
+              <a:rPr lang="de-AT" dirty="0" smtClean="0"/>
               <a:t>Willinger</a:t>
             </a:r>
             <a:endParaRPr lang="de-AT" dirty="0"/>
@@ -7004,7 +7021,97 @@
           <a:bodyPr/>
           <a:lstStyle/>
           <a:p>
-            <a:endParaRPr lang="de-AT"/>
+            <a:r>
+              <a:rPr lang="de-AT" dirty="0" smtClean="0"/>
+              <a:t>1921 gegründet ,</a:t>
+            </a:r>
+            <a:r>
+              <a:rPr lang="de-AT" dirty="0" smtClean="0"/>
+              <a:t>Gründer Paul Schwarzkopf</a:t>
+            </a:r>
+          </a:p>
+          <a:p>
+            <a:endParaRPr lang="de-AT" dirty="0" smtClean="0"/>
+          </a:p>
+          <a:p>
+            <a:r>
+              <a:rPr lang="de-AT" dirty="0" smtClean="0"/>
+              <a:t>Standort </a:t>
+            </a:r>
+            <a:r>
+              <a:rPr lang="de-AT" dirty="0" err="1" smtClean="0"/>
+              <a:t>Breitenwang</a:t>
+            </a:r>
+            <a:r>
+              <a:rPr lang="de-AT" dirty="0" smtClean="0"/>
+              <a:t> </a:t>
+            </a:r>
+            <a:r>
+              <a:rPr lang="de-AT" dirty="0" smtClean="0">
+                <a:sym typeface="Wingdings" panose="05000000000000000000" pitchFamily="2" charset="2"/>
+              </a:rPr>
+              <a:t></a:t>
+            </a:r>
+          </a:p>
+          <a:p>
+            <a:r>
+              <a:rPr lang="de-AT" dirty="0" err="1" smtClean="0">
+                <a:sym typeface="Wingdings" panose="05000000000000000000" pitchFamily="2" charset="2"/>
+              </a:rPr>
+              <a:t>Plansee</a:t>
+            </a:r>
+            <a:r>
+              <a:rPr lang="de-AT" dirty="0" smtClean="0">
+                <a:sym typeface="Wingdings" panose="05000000000000000000" pitchFamily="2" charset="2"/>
+              </a:rPr>
+              <a:t> Wasserkraft, Platz zum Ausbau</a:t>
+            </a:r>
+          </a:p>
+          <a:p>
+            <a:pPr marL="0" indent="0">
+              <a:buNone/>
+            </a:pPr>
+            <a:endParaRPr lang="de-AT" dirty="0"/>
+          </a:p>
+          <a:p>
+            <a:r>
+              <a:rPr lang="de-AT" dirty="0" smtClean="0"/>
+              <a:t>Flucht USA wegen Nationalismus</a:t>
+            </a:r>
+            <a:r>
+              <a:rPr lang="de-AT" dirty="0" smtClean="0">
+                <a:sym typeface="Wingdings" panose="05000000000000000000" pitchFamily="2" charset="2"/>
+              </a:rPr>
+              <a:t> </a:t>
+            </a:r>
+          </a:p>
+          <a:p>
+            <a:r>
+              <a:rPr lang="de-AT" dirty="0" smtClean="0">
+                <a:sym typeface="Wingdings" panose="05000000000000000000" pitchFamily="2" charset="2"/>
+              </a:rPr>
+              <a:t>Deutsche Edelstahlwerk AG</a:t>
+            </a:r>
+          </a:p>
+          <a:p>
+            <a:endParaRPr lang="de-AT" dirty="0">
+              <a:sym typeface="Wingdings" panose="05000000000000000000" pitchFamily="2" charset="2"/>
+            </a:endParaRPr>
+          </a:p>
+          <a:p>
+            <a:r>
+              <a:rPr lang="de-AT" dirty="0" smtClean="0">
+                <a:sym typeface="Wingdings" panose="05000000000000000000" pitchFamily="2" charset="2"/>
+              </a:rPr>
+              <a:t>Wieder Eigentümer nach Kriegsende</a:t>
+            </a:r>
+            <a:endParaRPr lang="de-AT" dirty="0" smtClean="0"/>
+          </a:p>
+          <a:p>
+            <a:endParaRPr lang="de-AT" dirty="0"/>
+          </a:p>
+          <a:p>
+            <a:endParaRPr lang="de-AT" dirty="0"/>
           </a:p>
         </p:txBody>
       </p:sp>
@@ -7145,10 +7252,79 @@
         </p:nvSpPr>
         <p:spPr/>
         <p:txBody>
-          <a:bodyPr/>
-          <a:lstStyle/>
-          <a:p>
-            <a:endParaRPr lang="de-AT"/>
+          <a:bodyPr>
+            <a:normAutofit fontScale="92500" lnSpcReduction="10000"/>
+          </a:bodyPr>
+          <a:lstStyle/>
+          <a:p>
+            <a:r>
+              <a:rPr lang="de-AT" dirty="0" smtClean="0"/>
+              <a:t>Führender Anbieter weltweit</a:t>
+            </a:r>
+          </a:p>
+          <a:p>
+            <a:pPr marL="0" indent="0">
+              <a:buNone/>
+            </a:pPr>
+            <a:r>
+              <a:rPr lang="de-AT" dirty="0"/>
+              <a:t>	Hochtechnologie-Werkstoffe Molybdän und </a:t>
+            </a:r>
+            <a:r>
+              <a:rPr lang="de-AT" dirty="0" smtClean="0"/>
+              <a:t>Wolfram</a:t>
+            </a:r>
+          </a:p>
+          <a:p>
+            <a:pPr marL="0" indent="0">
+              <a:buNone/>
+            </a:pPr>
+            <a:endParaRPr lang="de-AT" dirty="0" smtClean="0"/>
+          </a:p>
+          <a:p>
+            <a:r>
+              <a:rPr lang="de-AT" dirty="0" smtClean="0"/>
+              <a:t>Geschäftsaktivität führende Markposition</a:t>
+            </a:r>
+          </a:p>
+          <a:p>
+            <a:endParaRPr lang="de-AT" dirty="0"/>
+          </a:p>
+          <a:p>
+            <a:r>
+              <a:rPr lang="de-AT" dirty="0" err="1" smtClean="0"/>
+              <a:t>Plansee</a:t>
+            </a:r>
+            <a:r>
+              <a:rPr lang="de-AT" dirty="0" smtClean="0"/>
+              <a:t> entwickelt sich besser als Markt</a:t>
+            </a:r>
+          </a:p>
+          <a:p>
+            <a:endParaRPr lang="de-AT" dirty="0"/>
+          </a:p>
+          <a:p>
+            <a:r>
+              <a:rPr lang="de-AT" dirty="0" smtClean="0"/>
+              <a:t>Klar positioniert, nachhaltig profitabel und erreichen ambitionierte Finanzziele</a:t>
+            </a:r>
+          </a:p>
+          <a:p>
+            <a:pPr marL="0" indent="0">
+              <a:buNone/>
+            </a:pPr>
+            <a:endParaRPr lang="de-AT" dirty="0" smtClean="0"/>
+          </a:p>
+          <a:p>
+            <a:r>
+              <a:rPr lang="de-AT" dirty="0" err="1" smtClean="0"/>
+              <a:t>Weiltweit</a:t>
+            </a:r>
+            <a:r>
+              <a:rPr lang="de-AT" dirty="0" smtClean="0"/>
+              <a:t> attraktiver Arbeitgeber</a:t>
+            </a:r>
+            <a:endParaRPr lang="de-AT" dirty="0"/>
           </a:p>
         </p:txBody>
       </p:sp>
@@ -7292,7 +7468,99 @@
           <a:bodyPr/>
           <a:lstStyle/>
           <a:p>
-            <a:endParaRPr lang="de-AT"/>
+            <a:r>
+              <a:rPr lang="de-AT" dirty="0" smtClean="0"/>
+              <a:t>Standorte Weltweit</a:t>
+            </a:r>
+          </a:p>
+          <a:p>
+            <a:pPr marL="0" indent="0">
+              <a:buNone/>
+            </a:pPr>
+            <a:endParaRPr lang="de-AT" dirty="0" smtClean="0"/>
+          </a:p>
+          <a:p>
+            <a:r>
+              <a:rPr lang="de-AT" dirty="0" smtClean="0"/>
+              <a:t>Besitzt Produktlinienstruktur</a:t>
+            </a:r>
+          </a:p>
+          <a:p>
+            <a:r>
+              <a:rPr lang="de-AT" dirty="0" smtClean="0"/>
+              <a:t>An der Börse notiert </a:t>
+            </a:r>
+          </a:p>
+          <a:p>
+            <a:pPr marL="0" indent="0">
+              <a:buNone/>
+            </a:pPr>
+            <a:endParaRPr lang="de-AT" dirty="0"/>
+          </a:p>
+          <a:p>
+            <a:r>
+              <a:rPr lang="de-AT" dirty="0"/>
+              <a:t>D</a:t>
+            </a:r>
+            <a:r>
+              <a:rPr lang="de-AT" dirty="0" smtClean="0"/>
+              <a:t>rei Hauptbereiche :</a:t>
+            </a:r>
+            <a:endParaRPr lang="de-AT" dirty="0"/>
+          </a:p>
+          <a:p>
+            <a:pPr marL="0" indent="0">
+              <a:buNone/>
+            </a:pPr>
+            <a:r>
+              <a:rPr lang="de-AT" dirty="0"/>
+              <a:t>	</a:t>
+            </a:r>
+            <a:r>
+              <a:rPr lang="de-AT" dirty="0" smtClean="0"/>
+              <a:t>PLANSEE Hochleistungswerkstoffe</a:t>
+            </a:r>
+          </a:p>
+          <a:p>
+            <a:pPr marL="0" indent="0">
+              <a:buNone/>
+            </a:pPr>
+            <a:r>
+              <a:rPr lang="de-AT" dirty="0"/>
+              <a:t>	</a:t>
+            </a:r>
+            <a:r>
+              <a:rPr lang="de-AT" dirty="0"/>
+              <a:t>CERATIZIT Hartstoffe &amp; </a:t>
+            </a:r>
+            <a:r>
+              <a:rPr lang="de-AT" dirty="0" smtClean="0"/>
+              <a:t>Werkzeuge</a:t>
+            </a:r>
+          </a:p>
+          <a:p>
+            <a:pPr marL="0" indent="0">
+              <a:buNone/>
+            </a:pPr>
+            <a:r>
+              <a:rPr lang="de-AT" dirty="0"/>
+              <a:t>	</a:t>
+            </a:r>
+            <a:r>
+              <a:rPr lang="de-AT" dirty="0"/>
+              <a:t>Global Tungsten &amp; </a:t>
+            </a:r>
+            <a:r>
+              <a:rPr lang="de-AT" dirty="0" err="1"/>
+              <a:t>Powders</a:t>
+            </a:r>
+            <a:endParaRPr lang="de-AT" dirty="0"/>
+          </a:p>
+          <a:p>
+            <a:pPr marL="0" indent="0">
+              <a:buNone/>
+            </a:pPr>
+            <a:endParaRPr lang="de-AT" dirty="0" smtClean="0"/>
           </a:p>
         </p:txBody>
       </p:sp>
@@ -7722,7 +7990,50 @@
           <a:bodyPr/>
           <a:lstStyle/>
           <a:p>
-            <a:endParaRPr lang="de-AT"/>
+            <a:r>
+              <a:rPr lang="de-AT" dirty="0" smtClean="0"/>
+              <a:t>Betriebsgeheimnisse an Konkurrenz weitergeleitet</a:t>
+            </a:r>
+          </a:p>
+          <a:p>
+            <a:endParaRPr lang="de-AT" dirty="0"/>
+          </a:p>
+          <a:p>
+            <a:r>
+              <a:rPr lang="de-AT" dirty="0" smtClean="0"/>
+              <a:t>Immer mehr Konkurrenz auf China</a:t>
+            </a:r>
+          </a:p>
+          <a:p>
+            <a:endParaRPr lang="de-AT" dirty="0"/>
+          </a:p>
+          <a:p>
+            <a:r>
+              <a:rPr lang="de-AT" dirty="0" smtClean="0"/>
+              <a:t>GTAT</a:t>
+            </a:r>
+            <a:r>
+              <a:rPr lang="de-AT" dirty="0"/>
+              <a:t> </a:t>
+            </a:r>
+            <a:r>
+              <a:rPr lang="de-AT" dirty="0" smtClean="0"/>
+              <a:t>Pleite </a:t>
+            </a:r>
+            <a:r>
+              <a:rPr lang="de-AT" dirty="0" smtClean="0"/>
+              <a:t>kostet 80 Arbeitsplätze </a:t>
+            </a:r>
+          </a:p>
+          <a:p>
+            <a:endParaRPr lang="de-AT" dirty="0"/>
+          </a:p>
+          <a:p>
+            <a:r>
+              <a:rPr lang="de-AT" dirty="0" smtClean="0"/>
+              <a:t>Zeitkonten für Mitarbeiter eingeführt</a:t>
+            </a:r>
+            <a:endParaRPr lang="de-AT" dirty="0"/>
           </a:p>
         </p:txBody>
       </p:sp>

--- a/PlanseeGroup.pptx
+++ b/PlanseeGroup.pptx
@@ -5,7 +5,7 @@
     <p:sldMasterId id="2147483678" r:id="rId1"/>
   </p:sldMasterIdLst>
   <p:notesMasterIdLst>
-    <p:notesMasterId r:id="rId11"/>
+    <p:notesMasterId r:id="rId20"/>
   </p:notesMasterIdLst>
   <p:sldIdLst>
     <p:sldId id="256" r:id="rId2"/>
@@ -13,10 +13,19 @@
     <p:sldId id="258" r:id="rId4"/>
     <p:sldId id="259" r:id="rId5"/>
     <p:sldId id="260" r:id="rId6"/>
-    <p:sldId id="261" r:id="rId7"/>
-    <p:sldId id="264" r:id="rId8"/>
-    <p:sldId id="262" r:id="rId9"/>
-    <p:sldId id="263" r:id="rId10"/>
+    <p:sldId id="266" r:id="rId7"/>
+    <p:sldId id="267" r:id="rId8"/>
+    <p:sldId id="269" r:id="rId9"/>
+    <p:sldId id="270" r:id="rId10"/>
+    <p:sldId id="268" r:id="rId11"/>
+    <p:sldId id="273" r:id="rId12"/>
+    <p:sldId id="271" r:id="rId13"/>
+    <p:sldId id="272" r:id="rId14"/>
+    <p:sldId id="261" r:id="rId15"/>
+    <p:sldId id="264" r:id="rId16"/>
+    <p:sldId id="265" r:id="rId17"/>
+    <p:sldId id="262" r:id="rId18"/>
+    <p:sldId id="263" r:id="rId19"/>
   </p:sldIdLst>
   <p:sldSz cx="12192000" cy="6858000"/>
   <p:notesSz cx="6858000" cy="9144000"/>
@@ -117,7 +126,7 @@
   </p:defaultTextStyle>
   <p:extLst>
     <p:ext uri="{EFAFB233-063F-42B5-8137-9DF3F51BA10A}">
-      <p15:sldGuideLst xmlns:p15="http://schemas.microsoft.com/office/powerpoint/2012/main"/>
+      <p15:sldGuideLst xmlns:p15="http://schemas.microsoft.com/office/powerpoint/2012/main" xmlns=""/>
     </p:ext>
   </p:extLst>
 </p:presentation>
@@ -632,6 +641,918 @@
     <p:extLst>
       <p:ext uri="{BB962C8B-B14F-4D97-AF65-F5344CB8AC3E}">
         <p14:creationId xmlns:p14="http://schemas.microsoft.com/office/powerpoint/2010/main" val="1442596853"/>
+      </p:ext>
+    </p:extLst>
+  </p:cSld>
+  <p:clrMapOvr>
+    <a:masterClrMapping/>
+  </p:clrMapOvr>
+</p:notes>
+</file>
+
+<file path=ppt/notesSlides/notesSlide3.xml><?xml version="1.0" encoding="utf-8"?>
+<p:notes xmlns:a="http://schemas.openxmlformats.org/drawingml/2006/main" xmlns:r="http://schemas.openxmlformats.org/officeDocument/2006/relationships" xmlns:p="http://schemas.openxmlformats.org/presentationml/2006/main">
+  <p:cSld>
+    <p:spTree>
+      <p:nvGrpSpPr>
+        <p:cNvPr id="1" name=""/>
+        <p:cNvGrpSpPr/>
+        <p:nvPr/>
+      </p:nvGrpSpPr>
+      <p:grpSpPr>
+        <a:xfrm>
+          <a:off x="0" y="0"/>
+          <a:ext cx="0" cy="0"/>
+          <a:chOff x="0" y="0"/>
+          <a:chExt cx="0" cy="0"/>
+        </a:xfrm>
+      </p:grpSpPr>
+      <p:sp>
+        <p:nvSpPr>
+          <p:cNvPr id="2" name="Folienbildplatzhalter 1"/>
+          <p:cNvSpPr>
+            <a:spLocks noGrp="1" noRot="1" noChangeAspect="1"/>
+          </p:cNvSpPr>
+          <p:nvPr>
+            <p:ph type="sldImg"/>
+          </p:nvPr>
+        </p:nvSpPr>
+        <p:spPr/>
+      </p:sp>
+      <p:sp>
+        <p:nvSpPr>
+          <p:cNvPr id="3" name="Notizenplatzhalter 2"/>
+          <p:cNvSpPr>
+            <a:spLocks noGrp="1"/>
+          </p:cNvSpPr>
+          <p:nvPr>
+            <p:ph type="body" idx="1"/>
+          </p:nvPr>
+        </p:nvSpPr>
+        <p:spPr/>
+        <p:txBody>
+          <a:bodyPr/>
+          <a:lstStyle/>
+          <a:p>
+            <a:r>
+              <a:rPr lang="de-AT" dirty="0" smtClean="0"/>
+              <a:t>Produktlinienstruktur:</a:t>
+            </a:r>
+            <a:r>
+              <a:rPr lang="de-AT" baseline="0" dirty="0" smtClean="0"/>
+              <a:t> Ordnet die Aktivitäten eines Unternehmens nach Geschäftsbereichen bzw. Produktgruppen</a:t>
+            </a:r>
+          </a:p>
+          <a:p>
+            <a:endParaRPr lang="de-AT" baseline="0" dirty="0" smtClean="0"/>
+          </a:p>
+          <a:p>
+            <a:r>
+              <a:rPr lang="de-AT" sz="1200" kern="1200" dirty="0" smtClean="0">
+                <a:solidFill>
+                  <a:schemeClr val="tx1"/>
+                </a:solidFill>
+                <a:effectLst/>
+                <a:latin typeface="+mn-lt"/>
+                <a:ea typeface="+mn-ea"/>
+                <a:cs typeface="+mn-cs"/>
+              </a:rPr>
+              <a:t>Vorteile:</a:t>
+            </a:r>
+            <a:endParaRPr lang="de-AT" dirty="0" smtClean="0">
+              <a:effectLst/>
+            </a:endParaRPr>
+          </a:p>
+          <a:p>
+            <a:r>
+              <a:rPr lang="de-AT" sz="1200" kern="1200" dirty="0" smtClean="0">
+                <a:solidFill>
+                  <a:schemeClr val="tx1"/>
+                </a:solidFill>
+                <a:effectLst/>
+                <a:latin typeface="+mn-lt"/>
+                <a:ea typeface="+mn-ea"/>
+                <a:cs typeface="+mn-cs"/>
+              </a:rPr>
+              <a:t>·       Verantwortlichkeit für die Geschäftsbereiche ist näher am direkten Umfeld der Bereiche angesiedelt.</a:t>
+            </a:r>
+            <a:endParaRPr lang="de-AT" dirty="0" smtClean="0">
+              <a:effectLst/>
+            </a:endParaRPr>
+          </a:p>
+          <a:p>
+            <a:r>
+              <a:rPr lang="de-AT" sz="1200" kern="1200" dirty="0" smtClean="0">
+                <a:solidFill>
+                  <a:schemeClr val="tx1"/>
+                </a:solidFill>
+                <a:effectLst/>
+                <a:latin typeface="+mn-lt"/>
+                <a:ea typeface="+mn-ea"/>
+                <a:cs typeface="+mn-cs"/>
+              </a:rPr>
+              <a:t>·       Die Unternehmensleitung wird von produktbezogenen Problemen belastet und kann sich auf Aufgaben konzentrieren, die das Gesamtunternehmen betreffen.</a:t>
+            </a:r>
+            <a:endParaRPr lang="de-AT" dirty="0" smtClean="0">
+              <a:effectLst/>
+            </a:endParaRPr>
+          </a:p>
+          <a:p>
+            <a:r>
+              <a:rPr lang="de-AT" sz="1200" kern="1200" dirty="0" smtClean="0">
+                <a:solidFill>
+                  <a:schemeClr val="tx1"/>
+                </a:solidFill>
+                <a:effectLst/>
+                <a:latin typeface="+mn-lt"/>
+                <a:ea typeface="+mn-ea"/>
+                <a:cs typeface="+mn-cs"/>
+              </a:rPr>
+              <a:t>·       Ergebnisverantwortlichkeit liegt bei den Verantwortlichen für die Geschäftsbereiche.</a:t>
+            </a:r>
+            <a:endParaRPr lang="de-AT" dirty="0" smtClean="0">
+              <a:effectLst/>
+            </a:endParaRPr>
+          </a:p>
+          <a:p>
+            <a:r>
+              <a:rPr lang="de-AT" sz="1200" kern="1200" dirty="0" smtClean="0">
+                <a:solidFill>
+                  <a:schemeClr val="tx1"/>
+                </a:solidFill>
+                <a:effectLst/>
+                <a:latin typeface="+mn-lt"/>
+                <a:ea typeface="+mn-ea"/>
+                <a:cs typeface="+mn-cs"/>
+              </a:rPr>
+              <a:t>·       Jeder Geschäftsbereich kann seine Aktivitäten auf seine </a:t>
+            </a:r>
+            <a:r>
+              <a:rPr lang="de-AT" sz="1200" kern="1200" dirty="0" err="1" smtClean="0">
+                <a:solidFill>
+                  <a:schemeClr val="tx1"/>
+                </a:solidFill>
+                <a:effectLst/>
+                <a:latin typeface="+mn-lt"/>
+                <a:ea typeface="+mn-ea"/>
+                <a:cs typeface="+mn-cs"/>
+              </a:rPr>
+              <a:t>Kernsgeschäfte</a:t>
+            </a:r>
+            <a:r>
+              <a:rPr lang="de-AT" sz="1200" kern="1200" dirty="0" smtClean="0">
+                <a:solidFill>
+                  <a:schemeClr val="tx1"/>
+                </a:solidFill>
+                <a:effectLst/>
+                <a:latin typeface="+mn-lt"/>
+                <a:ea typeface="+mn-ea"/>
+                <a:cs typeface="+mn-cs"/>
+              </a:rPr>
+              <a:t> fokussieren.</a:t>
+            </a:r>
+            <a:endParaRPr lang="de-AT" dirty="0" smtClean="0">
+              <a:effectLst/>
+            </a:endParaRPr>
+          </a:p>
+          <a:p>
+            <a:r>
+              <a:rPr lang="de-AT" sz="1200" kern="1200" dirty="0" smtClean="0">
+                <a:solidFill>
+                  <a:schemeClr val="tx1"/>
+                </a:solidFill>
+                <a:latin typeface="+mn-lt"/>
+                <a:ea typeface="+mn-ea"/>
+                <a:cs typeface="+mn-cs"/>
+              </a:rPr>
+              <a:t> </a:t>
+            </a:r>
+            <a:endParaRPr lang="de-AT" dirty="0" smtClean="0"/>
+          </a:p>
+          <a:p>
+            <a:r>
+              <a:rPr lang="de-AT" sz="1200" kern="1200" dirty="0" smtClean="0">
+                <a:solidFill>
+                  <a:schemeClr val="tx1"/>
+                </a:solidFill>
+                <a:effectLst/>
+                <a:latin typeface="+mn-lt"/>
+                <a:ea typeface="+mn-ea"/>
+                <a:cs typeface="+mn-cs"/>
+              </a:rPr>
+              <a:t>Nachteile:</a:t>
+            </a:r>
+            <a:endParaRPr lang="de-AT" dirty="0" smtClean="0"/>
+          </a:p>
+          <a:p>
+            <a:r>
+              <a:rPr lang="de-AT" sz="1200" kern="1200" dirty="0" smtClean="0">
+                <a:solidFill>
+                  <a:schemeClr val="tx1"/>
+                </a:solidFill>
+                <a:effectLst/>
+                <a:latin typeface="+mn-lt"/>
+                <a:ea typeface="+mn-ea"/>
+                <a:cs typeface="+mn-cs"/>
+              </a:rPr>
+              <a:t>·       Duplizierung bestimmter Aufgaben.</a:t>
+            </a:r>
+            <a:endParaRPr lang="de-AT" dirty="0" smtClean="0">
+              <a:effectLst/>
+            </a:endParaRPr>
+          </a:p>
+          <a:p>
+            <a:r>
+              <a:rPr lang="de-AT" sz="1200" kern="1200" dirty="0" smtClean="0">
+                <a:solidFill>
+                  <a:schemeClr val="tx1"/>
+                </a:solidFill>
+                <a:effectLst/>
+                <a:latin typeface="+mn-lt"/>
+                <a:ea typeface="+mn-ea"/>
+                <a:cs typeface="+mn-cs"/>
+              </a:rPr>
+              <a:t>·       U.U. Rivalität und Konkurrenzdenken zwischen den Bereichen.</a:t>
+            </a:r>
+            <a:endParaRPr lang="de-AT" dirty="0" smtClean="0">
+              <a:effectLst/>
+            </a:endParaRPr>
+          </a:p>
+          <a:p>
+            <a:r>
+              <a:rPr lang="de-AT" sz="1200" kern="1200" dirty="0" smtClean="0">
+                <a:solidFill>
+                  <a:schemeClr val="tx1"/>
+                </a:solidFill>
+                <a:effectLst/>
+                <a:latin typeface="+mn-lt"/>
+                <a:ea typeface="+mn-ea"/>
+                <a:cs typeface="+mn-cs"/>
+              </a:rPr>
+              <a:t>·       Unternehmensleitung kann direkten Kontakt zum eigentlichen Geschäft verlieren.</a:t>
+            </a:r>
+            <a:endParaRPr lang="de-AT" dirty="0" smtClean="0">
+              <a:effectLst/>
+            </a:endParaRPr>
+          </a:p>
+          <a:p>
+            <a:r>
+              <a:rPr lang="de-AT" sz="1200" kern="1200" dirty="0" smtClean="0">
+                <a:solidFill>
+                  <a:schemeClr val="tx1"/>
+                </a:solidFill>
+                <a:effectLst/>
+                <a:latin typeface="+mn-lt"/>
+                <a:ea typeface="+mn-ea"/>
+                <a:cs typeface="+mn-cs"/>
+              </a:rPr>
+              <a:t>·       Abgrenzungsproblem, welche Aufgaben zentralisiert oder dezentralisiert werden sollten.</a:t>
+            </a:r>
+            <a:endParaRPr lang="de-AT" dirty="0" smtClean="0">
+              <a:effectLst/>
+            </a:endParaRPr>
+          </a:p>
+          <a:p>
+            <a:r>
+              <a:rPr lang="de-AT" sz="1200" kern="1200" dirty="0" smtClean="0">
+                <a:solidFill>
+                  <a:schemeClr val="tx1"/>
+                </a:solidFill>
+                <a:effectLst/>
+                <a:latin typeface="+mn-lt"/>
+                <a:ea typeface="+mn-ea"/>
+                <a:cs typeface="+mn-cs"/>
+              </a:rPr>
+              <a:t>·       Gefahr starker Bürokratie und hoher Verwaltungsaufwendungen.</a:t>
+            </a:r>
+            <a:endParaRPr lang="de-AT" dirty="0" smtClean="0">
+              <a:effectLst/>
+            </a:endParaRPr>
+          </a:p>
+          <a:p>
+            <a:endParaRPr lang="de-AT" dirty="0"/>
+          </a:p>
+        </p:txBody>
+      </p:sp>
+      <p:sp>
+        <p:nvSpPr>
+          <p:cNvPr id="4" name="Foliennummernplatzhalter 3"/>
+          <p:cNvSpPr>
+            <a:spLocks noGrp="1"/>
+          </p:cNvSpPr>
+          <p:nvPr>
+            <p:ph type="sldNum" sz="quarter" idx="10"/>
+          </p:nvPr>
+        </p:nvSpPr>
+        <p:spPr/>
+        <p:txBody>
+          <a:bodyPr/>
+          <a:lstStyle/>
+          <a:p>
+            <a:fld id="{48EDD995-683E-4D85-9C42-851AB99740B3}" type="slidenum">
+              <a:rPr lang="de-AT" smtClean="0"/>
+              <a:t>5</a:t>
+            </a:fld>
+            <a:endParaRPr lang="de-AT"/>
+          </a:p>
+        </p:txBody>
+      </p:sp>
+    </p:spTree>
+    <p:extLst>
+      <p:ext uri="{BB962C8B-B14F-4D97-AF65-F5344CB8AC3E}">
+        <p14:creationId xmlns:p14="http://schemas.microsoft.com/office/powerpoint/2010/main" val="250014390"/>
+      </p:ext>
+    </p:extLst>
+  </p:cSld>
+  <p:clrMapOvr>
+    <a:masterClrMapping/>
+  </p:clrMapOvr>
+</p:notes>
+</file>
+
+<file path=ppt/notesSlides/notesSlide4.xml><?xml version="1.0" encoding="utf-8"?>
+<p:notes xmlns:a="http://schemas.openxmlformats.org/drawingml/2006/main" xmlns:r="http://schemas.openxmlformats.org/officeDocument/2006/relationships" xmlns:p="http://schemas.openxmlformats.org/presentationml/2006/main">
+  <p:cSld>
+    <p:spTree>
+      <p:nvGrpSpPr>
+        <p:cNvPr id="1" name=""/>
+        <p:cNvGrpSpPr/>
+        <p:nvPr/>
+      </p:nvGrpSpPr>
+      <p:grpSpPr>
+        <a:xfrm>
+          <a:off x="0" y="0"/>
+          <a:ext cx="0" cy="0"/>
+          <a:chOff x="0" y="0"/>
+          <a:chExt cx="0" cy="0"/>
+        </a:xfrm>
+      </p:grpSpPr>
+      <p:sp>
+        <p:nvSpPr>
+          <p:cNvPr id="2" name="Folienbildplatzhalter 1"/>
+          <p:cNvSpPr>
+            <a:spLocks noGrp="1" noRot="1" noChangeAspect="1"/>
+          </p:cNvSpPr>
+          <p:nvPr>
+            <p:ph type="sldImg"/>
+          </p:nvPr>
+        </p:nvSpPr>
+        <p:spPr/>
+      </p:sp>
+      <p:sp>
+        <p:nvSpPr>
+          <p:cNvPr id="3" name="Notizenplatzhalter 2"/>
+          <p:cNvSpPr>
+            <a:spLocks noGrp="1"/>
+          </p:cNvSpPr>
+          <p:nvPr>
+            <p:ph type="body" idx="1"/>
+          </p:nvPr>
+        </p:nvSpPr>
+        <p:spPr/>
+        <p:txBody>
+          <a:bodyPr/>
+          <a:lstStyle/>
+          <a:p>
+            <a:pPr marL="171450" indent="-171450">
+              <a:buFontTx/>
+              <a:buChar char="-"/>
+            </a:pPr>
+            <a:r>
+              <a:rPr lang="de-AT" baseline="0" dirty="0" smtClean="0"/>
+              <a:t>Verbundwerkstoff: Werkstoff aus zwei oder mehr verbundenen Materialien, der andere Werkstoffeigenschaften (thermisch, chemisch, </a:t>
+            </a:r>
+            <a:r>
+              <a:rPr lang="de-AT" baseline="0" dirty="0" err="1" smtClean="0"/>
+              <a:t>gießbarkeit</a:t>
+            </a:r>
+            <a:r>
+              <a:rPr lang="de-AT" baseline="0" dirty="0" smtClean="0"/>
+              <a:t>, etc.) besitzt als seine einzelnen Komponenten.</a:t>
+            </a:r>
+          </a:p>
+          <a:p>
+            <a:pPr marL="171450" indent="-171450">
+              <a:buFontTx/>
+              <a:buChar char="-"/>
+            </a:pPr>
+            <a:r>
+              <a:rPr lang="de-AT" baseline="0" dirty="0" smtClean="0"/>
+              <a:t>Sinter: </a:t>
+            </a:r>
+            <a:r>
+              <a:rPr lang="de-AT" dirty="0" smtClean="0"/>
+              <a:t>ist ein Verfahren zur Herstellung oder Veränderung von</a:t>
+            </a:r>
+            <a:r>
+              <a:rPr lang="de-AT" baseline="0" dirty="0" smtClean="0"/>
+              <a:t> Werkstoffen</a:t>
+            </a:r>
+            <a:r>
+              <a:rPr lang="de-AT" dirty="0" smtClean="0"/>
+              <a:t>. Dabei werden feinkörnige, keramische oder metallische Stoffe – oft unter erhöhtem Druck – erhitzt, wobei die Temperaturen jedoch unterhalb der Schmelztemperatur der Hauptkomponenten bleiben, so dass die Gestalt (Form) des Werkstückes erhalten bleibt. Dabei kommt es in der Regel zu einer Schwindung, weil sich die Partikel des Ausgangsmaterials verdichten und Porenräume aufgefüllt werden. Sinterprozesse besitzen große Bedeutung bei der Keramikherstellung („Sinterglaskeramik“) und in der Metallurgie („Sintermetalle“ und „Pulvermetallurgie“). Das Sintererzeugnis erhält erst durch die Temperaturbehandlung seine endgültigen Eigenschaften, wie Härte, Festigkeit oder Temperaturleitfähigkeit, die im jeweiligen Einsatz erforderlich sind.</a:t>
+            </a:r>
+            <a:endParaRPr lang="de-AT" baseline="0" dirty="0" smtClean="0"/>
+          </a:p>
+          <a:p>
+            <a:pPr marL="171450" indent="-171450">
+              <a:buFontTx/>
+              <a:buChar char="-"/>
+            </a:pPr>
+            <a:r>
+              <a:rPr lang="de-AT" baseline="0" dirty="0" smtClean="0"/>
+              <a:t>Geschäftsbereiche: </a:t>
+            </a:r>
+            <a:r>
+              <a:rPr lang="de-AT" sz="1200" b="0" i="0" u="none" strike="noStrike" kern="1200" dirty="0" smtClean="0">
+                <a:solidFill>
+                  <a:schemeClr val="tx1"/>
+                </a:solidFill>
+                <a:effectLst/>
+                <a:latin typeface="+mn-lt"/>
+                <a:ea typeface="+mn-ea"/>
+                <a:cs typeface="+mn-cs"/>
+              </a:rPr>
+              <a:t>Beschichtungsindustrie, Energieübertragung und Energieverteilung, Lichtindustrie, Thermische Prozesse, Ionenimplantation, Elektronikindustrie, Wolfram-Schwermetalllegierungen, Medizintechnik und Saphirherstellung.</a:t>
+            </a:r>
+            <a:endParaRPr lang="de-AT" dirty="0"/>
+          </a:p>
+        </p:txBody>
+      </p:sp>
+      <p:sp>
+        <p:nvSpPr>
+          <p:cNvPr id="4" name="Foliennummernplatzhalter 3"/>
+          <p:cNvSpPr>
+            <a:spLocks noGrp="1"/>
+          </p:cNvSpPr>
+          <p:nvPr>
+            <p:ph type="sldNum" sz="quarter" idx="10"/>
+          </p:nvPr>
+        </p:nvSpPr>
+        <p:spPr/>
+        <p:txBody>
+          <a:bodyPr/>
+          <a:lstStyle/>
+          <a:p>
+            <a:fld id="{48EDD995-683E-4D85-9C42-851AB99740B3}" type="slidenum">
+              <a:rPr lang="de-AT" smtClean="0"/>
+              <a:t>6</a:t>
+            </a:fld>
+            <a:endParaRPr lang="de-AT"/>
+          </a:p>
+        </p:txBody>
+      </p:sp>
+    </p:spTree>
+    <p:extLst>
+      <p:ext uri="{BB962C8B-B14F-4D97-AF65-F5344CB8AC3E}">
+        <p14:creationId xmlns:p14="http://schemas.microsoft.com/office/powerpoint/2010/main" val="3774248814"/>
+      </p:ext>
+    </p:extLst>
+  </p:cSld>
+  <p:clrMapOvr>
+    <a:masterClrMapping/>
+  </p:clrMapOvr>
+</p:notes>
+</file>
+
+<file path=ppt/notesSlides/notesSlide5.xml><?xml version="1.0" encoding="utf-8"?>
+<p:notes xmlns:a="http://schemas.openxmlformats.org/drawingml/2006/main" xmlns:r="http://schemas.openxmlformats.org/officeDocument/2006/relationships" xmlns:p="http://schemas.openxmlformats.org/presentationml/2006/main">
+  <p:cSld>
+    <p:spTree>
+      <p:nvGrpSpPr>
+        <p:cNvPr id="1" name=""/>
+        <p:cNvGrpSpPr/>
+        <p:nvPr/>
+      </p:nvGrpSpPr>
+      <p:grpSpPr>
+        <a:xfrm>
+          <a:off x="0" y="0"/>
+          <a:ext cx="0" cy="0"/>
+          <a:chOff x="0" y="0"/>
+          <a:chExt cx="0" cy="0"/>
+        </a:xfrm>
+      </p:grpSpPr>
+      <p:sp>
+        <p:nvSpPr>
+          <p:cNvPr id="2" name="Folienbildplatzhalter 1"/>
+          <p:cNvSpPr>
+            <a:spLocks noGrp="1" noRot="1" noChangeAspect="1"/>
+          </p:cNvSpPr>
+          <p:nvPr>
+            <p:ph type="sldImg"/>
+          </p:nvPr>
+        </p:nvSpPr>
+        <p:spPr/>
+      </p:sp>
+      <p:sp>
+        <p:nvSpPr>
+          <p:cNvPr id="3" name="Notizenplatzhalter 2"/>
+          <p:cNvSpPr>
+            <a:spLocks noGrp="1"/>
+          </p:cNvSpPr>
+          <p:nvPr>
+            <p:ph type="body" idx="1"/>
+          </p:nvPr>
+        </p:nvSpPr>
+        <p:spPr/>
+        <p:txBody>
+          <a:bodyPr/>
+          <a:lstStyle/>
+          <a:p>
+            <a:r>
+              <a:rPr lang="de-AT" dirty="0" smtClean="0"/>
+              <a:t>APW:</a:t>
+            </a:r>
+            <a:r>
+              <a:rPr lang="de-AT" baseline="0" dirty="0" smtClean="0"/>
+              <a:t> </a:t>
+            </a:r>
+            <a:r>
+              <a:rPr lang="de-AT" baseline="0" dirty="0" err="1" smtClean="0"/>
+              <a:t>Ammoniumparawolframat</a:t>
+            </a:r>
+            <a:endParaRPr lang="de-AT" baseline="0" dirty="0" smtClean="0"/>
+          </a:p>
+          <a:p>
+            <a:r>
+              <a:rPr lang="de-AT" baseline="0" dirty="0" smtClean="0"/>
+              <a:t>+ Recycling von Wolfram</a:t>
+            </a:r>
+          </a:p>
+          <a:p>
+            <a:endParaRPr lang="de-AT" baseline="0" dirty="0" smtClean="0"/>
+          </a:p>
+          <a:p>
+            <a:r>
+              <a:rPr lang="de-AT" baseline="0" dirty="0" smtClean="0"/>
+              <a:t>Reines Wolframpulver, Wolframkarbid, pressfertige Pulvermischungen auf Wolframbasis: Werkzeugindustrie, Verschleißschutzlösungen, Luft-/Raumfahrt, Lichtindustrie, Energieerzeugung</a:t>
+            </a:r>
+          </a:p>
+        </p:txBody>
+      </p:sp>
+      <p:sp>
+        <p:nvSpPr>
+          <p:cNvPr id="4" name="Foliennummernplatzhalter 3"/>
+          <p:cNvSpPr>
+            <a:spLocks noGrp="1"/>
+          </p:cNvSpPr>
+          <p:nvPr>
+            <p:ph type="sldNum" sz="quarter" idx="10"/>
+          </p:nvPr>
+        </p:nvSpPr>
+        <p:spPr/>
+        <p:txBody>
+          <a:bodyPr/>
+          <a:lstStyle/>
+          <a:p>
+            <a:fld id="{48EDD995-683E-4D85-9C42-851AB99740B3}" type="slidenum">
+              <a:rPr lang="de-AT" smtClean="0"/>
+              <a:t>7</a:t>
+            </a:fld>
+            <a:endParaRPr lang="de-AT"/>
+          </a:p>
+        </p:txBody>
+      </p:sp>
+    </p:spTree>
+    <p:extLst>
+      <p:ext uri="{BB962C8B-B14F-4D97-AF65-F5344CB8AC3E}">
+        <p14:creationId xmlns:p14="http://schemas.microsoft.com/office/powerpoint/2010/main" val="3704177449"/>
+      </p:ext>
+    </p:extLst>
+  </p:cSld>
+  <p:clrMapOvr>
+    <a:masterClrMapping/>
+  </p:clrMapOvr>
+</p:notes>
+</file>
+
+<file path=ppt/notesSlides/notesSlide6.xml><?xml version="1.0" encoding="utf-8"?>
+<p:notes xmlns:a="http://schemas.openxmlformats.org/drawingml/2006/main" xmlns:r="http://schemas.openxmlformats.org/officeDocument/2006/relationships" xmlns:p="http://schemas.openxmlformats.org/presentationml/2006/main">
+  <p:cSld>
+    <p:spTree>
+      <p:nvGrpSpPr>
+        <p:cNvPr id="1" name=""/>
+        <p:cNvGrpSpPr/>
+        <p:nvPr/>
+      </p:nvGrpSpPr>
+      <p:grpSpPr>
+        <a:xfrm>
+          <a:off x="0" y="0"/>
+          <a:ext cx="0" cy="0"/>
+          <a:chOff x="0" y="0"/>
+          <a:chExt cx="0" cy="0"/>
+        </a:xfrm>
+      </p:grpSpPr>
+      <p:sp>
+        <p:nvSpPr>
+          <p:cNvPr id="2" name="Folienbildplatzhalter 1"/>
+          <p:cNvSpPr>
+            <a:spLocks noGrp="1" noRot="1" noChangeAspect="1"/>
+          </p:cNvSpPr>
+          <p:nvPr>
+            <p:ph type="sldImg"/>
+          </p:nvPr>
+        </p:nvSpPr>
+        <p:spPr/>
+      </p:sp>
+      <p:sp>
+        <p:nvSpPr>
+          <p:cNvPr id="3" name="Notizenplatzhalter 2"/>
+          <p:cNvSpPr>
+            <a:spLocks noGrp="1"/>
+          </p:cNvSpPr>
+          <p:nvPr>
+            <p:ph type="body" idx="1"/>
+          </p:nvPr>
+        </p:nvSpPr>
+        <p:spPr/>
+        <p:txBody>
+          <a:bodyPr/>
+          <a:lstStyle/>
+          <a:p>
+            <a:r>
+              <a:rPr lang="de-AT" dirty="0" smtClean="0"/>
+              <a:t>- </a:t>
+            </a:r>
+            <a:r>
+              <a:rPr lang="de-AT" dirty="0" err="1" smtClean="0"/>
+              <a:t>Zersparnung</a:t>
+            </a:r>
+            <a:r>
+              <a:rPr lang="de-AT" dirty="0" smtClean="0"/>
+              <a:t>: bezeichnet alle mechanischen</a:t>
+            </a:r>
+            <a:r>
+              <a:rPr lang="de-AT" baseline="0" dirty="0" smtClean="0"/>
+              <a:t> Bearbeitungsverfahren, bei denen das Material in die gewünschte Form gebracht wird, indem überflüssiges Material in Form von Spänen abgetragen wird.</a:t>
+            </a:r>
+            <a:endParaRPr lang="de-AT" dirty="0"/>
+          </a:p>
+        </p:txBody>
+      </p:sp>
+      <p:sp>
+        <p:nvSpPr>
+          <p:cNvPr id="4" name="Foliennummernplatzhalter 3"/>
+          <p:cNvSpPr>
+            <a:spLocks noGrp="1"/>
+          </p:cNvSpPr>
+          <p:nvPr>
+            <p:ph type="sldNum" sz="quarter" idx="10"/>
+          </p:nvPr>
+        </p:nvSpPr>
+        <p:spPr/>
+        <p:txBody>
+          <a:bodyPr/>
+          <a:lstStyle/>
+          <a:p>
+            <a:fld id="{48EDD995-683E-4D85-9C42-851AB99740B3}" type="slidenum">
+              <a:rPr lang="de-AT" smtClean="0"/>
+              <a:t>8</a:t>
+            </a:fld>
+            <a:endParaRPr lang="de-AT"/>
+          </a:p>
+        </p:txBody>
+      </p:sp>
+    </p:spTree>
+    <p:extLst>
+      <p:ext uri="{BB962C8B-B14F-4D97-AF65-F5344CB8AC3E}">
+        <p14:creationId xmlns:p14="http://schemas.microsoft.com/office/powerpoint/2010/main" val="1788490057"/>
+      </p:ext>
+    </p:extLst>
+  </p:cSld>
+  <p:clrMapOvr>
+    <a:masterClrMapping/>
+  </p:clrMapOvr>
+</p:notes>
+</file>
+
+<file path=ppt/notesSlides/notesSlide7.xml><?xml version="1.0" encoding="utf-8"?>
+<p:notes xmlns:a="http://schemas.openxmlformats.org/drawingml/2006/main" xmlns:r="http://schemas.openxmlformats.org/officeDocument/2006/relationships" xmlns:p="http://schemas.openxmlformats.org/presentationml/2006/main">
+  <p:cSld>
+    <p:spTree>
+      <p:nvGrpSpPr>
+        <p:cNvPr id="1" name=""/>
+        <p:cNvGrpSpPr/>
+        <p:nvPr/>
+      </p:nvGrpSpPr>
+      <p:grpSpPr>
+        <a:xfrm>
+          <a:off x="0" y="0"/>
+          <a:ext cx="0" cy="0"/>
+          <a:chOff x="0" y="0"/>
+          <a:chExt cx="0" cy="0"/>
+        </a:xfrm>
+      </p:grpSpPr>
+      <p:sp>
+        <p:nvSpPr>
+          <p:cNvPr id="2" name="Folienbildplatzhalter 1"/>
+          <p:cNvSpPr>
+            <a:spLocks noGrp="1" noRot="1" noChangeAspect="1"/>
+          </p:cNvSpPr>
+          <p:nvPr>
+            <p:ph type="sldImg"/>
+          </p:nvPr>
+        </p:nvSpPr>
+        <p:spPr/>
+      </p:sp>
+      <p:sp>
+        <p:nvSpPr>
+          <p:cNvPr id="3" name="Notizenplatzhalter 2"/>
+          <p:cNvSpPr>
+            <a:spLocks noGrp="1"/>
+          </p:cNvSpPr>
+          <p:nvPr>
+            <p:ph type="body" idx="1"/>
+          </p:nvPr>
+        </p:nvSpPr>
+        <p:spPr/>
+        <p:txBody>
+          <a:bodyPr/>
+          <a:lstStyle/>
+          <a:p>
+            <a:pPr marL="171450" indent="-171450">
+              <a:buFontTx/>
+              <a:buChar char="-"/>
+            </a:pPr>
+            <a:r>
+              <a:rPr lang="de-AT" dirty="0" smtClean="0"/>
+              <a:t>Einsatz: </a:t>
+            </a:r>
+            <a:r>
+              <a:rPr lang="de-AT" sz="1200" b="0" i="0" u="none" strike="noStrike" kern="1200" dirty="0" smtClean="0">
+                <a:solidFill>
+                  <a:schemeClr val="tx1"/>
+                </a:solidFill>
+                <a:effectLst/>
+                <a:latin typeface="+mn-lt"/>
+                <a:ea typeface="+mn-ea"/>
+                <a:cs typeface="+mn-cs"/>
+              </a:rPr>
+              <a:t>Maschinen- und Werkzeugbau, in der Automobilindustrie, der Luft- und Raumfahrtindustrie sowie der </a:t>
+            </a:r>
+            <a:r>
+              <a:rPr lang="de-AT" sz="1200" b="0" i="0" u="none" strike="noStrike" kern="1200" dirty="0" err="1" smtClean="0">
+                <a:solidFill>
+                  <a:schemeClr val="tx1"/>
+                </a:solidFill>
+                <a:effectLst/>
+                <a:latin typeface="+mn-lt"/>
+                <a:ea typeface="+mn-ea"/>
+                <a:cs typeface="+mn-cs"/>
+              </a:rPr>
+              <a:t>Petroindustrie</a:t>
+            </a:r>
+            <a:endParaRPr lang="de-AT" sz="1200" b="0" i="0" u="none" strike="noStrike" kern="1200" dirty="0" smtClean="0">
+              <a:solidFill>
+                <a:schemeClr val="tx1"/>
+              </a:solidFill>
+              <a:effectLst/>
+              <a:latin typeface="+mn-lt"/>
+              <a:ea typeface="+mn-ea"/>
+              <a:cs typeface="+mn-cs"/>
+            </a:endParaRPr>
+          </a:p>
+          <a:p>
+            <a:pPr marL="171450" indent="-171450">
+              <a:buFontTx/>
+              <a:buChar char="-"/>
+            </a:pPr>
+            <a:r>
+              <a:rPr lang="de-AT" sz="1200" b="0" i="0" u="none" strike="noStrike" kern="1200" dirty="0" smtClean="0">
+                <a:solidFill>
+                  <a:schemeClr val="tx1"/>
+                </a:solidFill>
+                <a:effectLst/>
+                <a:latin typeface="+mn-lt"/>
+                <a:ea typeface="+mn-ea"/>
+                <a:cs typeface="+mn-cs"/>
+              </a:rPr>
+              <a:t>WMT: Vertreibt</a:t>
+            </a:r>
+            <a:r>
+              <a:rPr lang="de-AT" sz="1200" b="0" i="0" u="none" strike="noStrike" kern="1200" baseline="0" dirty="0" smtClean="0">
+                <a:solidFill>
+                  <a:schemeClr val="tx1"/>
+                </a:solidFill>
+                <a:effectLst/>
+                <a:latin typeface="+mn-lt"/>
+                <a:ea typeface="+mn-ea"/>
+                <a:cs typeface="+mn-cs"/>
+              </a:rPr>
+              <a:t> Zerspanungswerkzeuge, beliefert kleine und mittlere Zerspanungsunternehmen mit Präzisionswerkzeugen</a:t>
+            </a:r>
+            <a:br>
+              <a:rPr lang="de-AT" sz="1200" b="0" i="0" u="none" strike="noStrike" kern="1200" baseline="0" dirty="0" smtClean="0">
+                <a:solidFill>
+                  <a:schemeClr val="tx1"/>
+                </a:solidFill>
+                <a:effectLst/>
+                <a:latin typeface="+mn-lt"/>
+                <a:ea typeface="+mn-ea"/>
+                <a:cs typeface="+mn-cs"/>
+              </a:rPr>
+            </a:br>
+            <a:r>
+              <a:rPr lang="de-AT" sz="1200" b="0" i="0" u="none" strike="noStrike" kern="1200" baseline="0" dirty="0" smtClean="0">
+                <a:solidFill>
+                  <a:schemeClr val="tx1"/>
+                </a:solidFill>
+                <a:effectLst/>
+                <a:latin typeface="+mn-lt"/>
+                <a:ea typeface="+mn-ea"/>
+                <a:cs typeface="+mn-cs"/>
+              </a:rPr>
+              <a:t>Ist mit 11 Vertriebsgesellschaften in 18 Ländern vertreten</a:t>
+            </a:r>
+          </a:p>
+          <a:p>
+            <a:pPr marL="171450" indent="-171450">
+              <a:buFontTx/>
+              <a:buChar char="-"/>
+            </a:pPr>
+            <a:r>
+              <a:rPr lang="de-AT" sz="1200" b="0" i="0" u="none" strike="noStrike" kern="1200" baseline="0" dirty="0" smtClean="0">
+                <a:solidFill>
+                  <a:schemeClr val="tx1"/>
+                </a:solidFill>
+                <a:effectLst/>
+                <a:latin typeface="+mn-lt"/>
+                <a:ea typeface="+mn-ea"/>
+                <a:cs typeface="+mn-cs"/>
+              </a:rPr>
+              <a:t>CB: China, Taiwan, Südostasien, Australien</a:t>
+            </a:r>
+          </a:p>
+          <a:p>
+            <a:pPr marL="171450" indent="-171450">
+              <a:buFontTx/>
+              <a:buChar char="-"/>
+            </a:pPr>
+            <a:r>
+              <a:rPr lang="de-AT" sz="1200" b="0" i="0" u="none" strike="noStrike" kern="1200" baseline="0" dirty="0" smtClean="0">
+                <a:solidFill>
+                  <a:schemeClr val="tx1"/>
+                </a:solidFill>
+                <a:effectLst/>
+                <a:latin typeface="+mn-lt"/>
+                <a:ea typeface="+mn-ea"/>
+                <a:cs typeface="+mn-cs"/>
+              </a:rPr>
+              <a:t>GW: Bohrer, Fräser, Reibahlen, Senker und Sonderwerkzeuge</a:t>
+            </a:r>
+          </a:p>
+          <a:p>
+            <a:pPr marL="171450" indent="-171450">
+              <a:buFontTx/>
+              <a:buChar char="-"/>
+            </a:pPr>
+            <a:r>
+              <a:rPr lang="de-AT" dirty="0" smtClean="0"/>
+              <a:t>PROMAX:</a:t>
+            </a:r>
+            <a:r>
+              <a:rPr lang="de-AT" baseline="0" dirty="0" smtClean="0"/>
+              <a:t> Rancho </a:t>
+            </a:r>
+            <a:r>
+              <a:rPr lang="de-AT" baseline="0" dirty="0" err="1" smtClean="0"/>
+              <a:t>Cordova</a:t>
+            </a:r>
+            <a:r>
+              <a:rPr lang="de-AT" baseline="0" dirty="0" smtClean="0"/>
+              <a:t>, KA – Anfang 2014: CERATIZIT mit 80% beteiligt</a:t>
+            </a:r>
+            <a:endParaRPr lang="de-AT" dirty="0"/>
+          </a:p>
+        </p:txBody>
+      </p:sp>
+      <p:sp>
+        <p:nvSpPr>
+          <p:cNvPr id="4" name="Foliennummernplatzhalter 3"/>
+          <p:cNvSpPr>
+            <a:spLocks noGrp="1"/>
+          </p:cNvSpPr>
+          <p:nvPr>
+            <p:ph type="sldNum" sz="quarter" idx="10"/>
+          </p:nvPr>
+        </p:nvSpPr>
+        <p:spPr/>
+        <p:txBody>
+          <a:bodyPr/>
+          <a:lstStyle/>
+          <a:p>
+            <a:fld id="{48EDD995-683E-4D85-9C42-851AB99740B3}" type="slidenum">
+              <a:rPr lang="de-AT" smtClean="0"/>
+              <a:t>9</a:t>
+            </a:fld>
+            <a:endParaRPr lang="de-AT"/>
+          </a:p>
+        </p:txBody>
+      </p:sp>
+    </p:spTree>
+    <p:extLst>
+      <p:ext uri="{BB962C8B-B14F-4D97-AF65-F5344CB8AC3E}">
+        <p14:creationId xmlns:p14="http://schemas.microsoft.com/office/powerpoint/2010/main" val="2156347808"/>
       </p:ext>
     </p:extLst>
   </p:cSld>
@@ -6737,15 +7658,7 @@
           <a:p>
             <a:r>
               <a:rPr lang="de-AT" dirty="0" smtClean="0"/>
-              <a:t>Referat </a:t>
-            </a:r>
-            <a:r>
-              <a:rPr lang="de-AT" dirty="0" smtClean="0"/>
-              <a:t>von </a:t>
-            </a:r>
-            <a:r>
-              <a:rPr lang="de-AT" dirty="0" smtClean="0"/>
-              <a:t>Klepp</a:t>
+              <a:t>Referat von Klepp</a:t>
             </a:r>
             <a:r>
               <a:rPr lang="de-AT" dirty="0"/>
@@ -6753,15 +7666,7 @@
             </a:r>
             <a:r>
               <a:rPr lang="de-AT" dirty="0" smtClean="0"/>
-              <a:t>Mair, </a:t>
-            </a:r>
-            <a:r>
-              <a:rPr lang="de-AT" dirty="0" smtClean="0"/>
-              <a:t>Vogt, </a:t>
-            </a:r>
-            <a:r>
-              <a:rPr lang="de-AT" dirty="0" smtClean="0"/>
-              <a:t>Willinger</a:t>
+              <a:t>Mair, Vogt, Willinger</a:t>
             </a:r>
             <a:endParaRPr lang="de-AT" dirty="0"/>
           </a:p>
@@ -6771,6 +7676,1794 @@
     <p:extLst>
       <p:ext uri="{BB962C8B-B14F-4D97-AF65-F5344CB8AC3E}">
         <p14:creationId xmlns:p14="http://schemas.microsoft.com/office/powerpoint/2010/main" val="3400851328"/>
+      </p:ext>
+    </p:extLst>
+  </p:cSld>
+  <p:clrMapOvr>
+    <a:masterClrMapping/>
+  </p:clrMapOvr>
+</p:sld>
+</file>
+
+<file path=ppt/slides/slide10.xml><?xml version="1.0" encoding="utf-8"?>
+<p:sld xmlns:a="http://schemas.openxmlformats.org/drawingml/2006/main" xmlns:r="http://schemas.openxmlformats.org/officeDocument/2006/relationships" xmlns:p="http://schemas.openxmlformats.org/presentationml/2006/main">
+  <p:cSld>
+    <p:spTree>
+      <p:nvGrpSpPr>
+        <p:cNvPr id="1" name=""/>
+        <p:cNvGrpSpPr/>
+        <p:nvPr/>
+      </p:nvGrpSpPr>
+      <p:grpSpPr>
+        <a:xfrm>
+          <a:off x="0" y="0"/>
+          <a:ext cx="0" cy="0"/>
+          <a:chOff x="0" y="0"/>
+          <a:chExt cx="0" cy="0"/>
+        </a:xfrm>
+      </p:grpSpPr>
+      <p:sp>
+        <p:nvSpPr>
+          <p:cNvPr id="2" name="Titel 1"/>
+          <p:cNvSpPr>
+            <a:spLocks noGrp="1"/>
+          </p:cNvSpPr>
+          <p:nvPr>
+            <p:ph type="title"/>
+          </p:nvPr>
+        </p:nvSpPr>
+        <p:spPr/>
+        <p:txBody>
+          <a:bodyPr/>
+          <a:lstStyle/>
+          <a:p>
+            <a:r>
+              <a:rPr lang="de-AT" dirty="0" smtClean="0"/>
+              <a:t>Unternehmensstruktur</a:t>
+            </a:r>
+            <a:br>
+              <a:rPr lang="de-AT" dirty="0" smtClean="0"/>
+            </a:br>
+            <a:r>
+              <a:rPr lang="de-AT" sz="2800" dirty="0" smtClean="0"/>
+              <a:t>Anteile</a:t>
+            </a:r>
+            <a:endParaRPr lang="de-AT" sz="2800" dirty="0"/>
+          </a:p>
+        </p:txBody>
+      </p:sp>
+      <p:sp>
+        <p:nvSpPr>
+          <p:cNvPr id="3" name="Inhaltsplatzhalter 2"/>
+          <p:cNvSpPr>
+            <a:spLocks noGrp="1"/>
+          </p:cNvSpPr>
+          <p:nvPr>
+            <p:ph idx="1"/>
+          </p:nvPr>
+        </p:nvSpPr>
+        <p:spPr/>
+        <p:txBody>
+          <a:bodyPr>
+            <a:normAutofit lnSpcReduction="10000"/>
+          </a:bodyPr>
+          <a:lstStyle/>
+          <a:p>
+            <a:r>
+              <a:rPr lang="de-AT" dirty="0" smtClean="0"/>
+              <a:t>Mit 20% an Chilenischen Unternehmen </a:t>
+            </a:r>
+            <a:r>
+              <a:rPr lang="de-AT" dirty="0" err="1" smtClean="0"/>
+              <a:t>Molymet</a:t>
+            </a:r>
+            <a:r>
+              <a:rPr lang="de-AT" dirty="0" smtClean="0"/>
+              <a:t>, beliefert Gruppe mit Rohstoff Molybdän</a:t>
+            </a:r>
+          </a:p>
+          <a:p>
+            <a:endParaRPr lang="de-AT" dirty="0"/>
+          </a:p>
+          <a:p>
+            <a:r>
+              <a:rPr lang="de-AT" dirty="0" smtClean="0"/>
+              <a:t>Größter Verarbeiter von Molybdän-Erzkonzentraten/Rhenium</a:t>
+            </a:r>
+          </a:p>
+          <a:p>
+            <a:endParaRPr lang="de-AT" dirty="0"/>
+          </a:p>
+          <a:p>
+            <a:r>
+              <a:rPr lang="de-AT" dirty="0" smtClean="0"/>
+              <a:t>Molybdän: Legierungselement, steigert Festigkeit, Korrosions- und Hitzebeständigkeit, vor allem Stahllegierungen</a:t>
+            </a:r>
+            <a:br>
+              <a:rPr lang="de-AT" dirty="0" smtClean="0"/>
+            </a:br>
+            <a:r>
+              <a:rPr lang="de-AT" dirty="0" smtClean="0"/>
+              <a:t>Petrochemie: Katalysator zur Schwefelentfernung</a:t>
+            </a:r>
+          </a:p>
+          <a:p>
+            <a:endParaRPr lang="de-AT" dirty="0" smtClean="0"/>
+          </a:p>
+          <a:p>
+            <a:r>
+              <a:rPr lang="de-AT" dirty="0" smtClean="0"/>
+              <a:t>Seit 1983 an Börse (Santiago) notiert, 1.525 Mitarbeiter an 6 Standorten weltweit</a:t>
+            </a:r>
+            <a:endParaRPr lang="de-AT" dirty="0"/>
+          </a:p>
+          <a:p>
+            <a:endParaRPr lang="de-AT" dirty="0"/>
+          </a:p>
+        </p:txBody>
+      </p:sp>
+      <p:sp>
+        <p:nvSpPr>
+          <p:cNvPr id="4" name="Datumsplatzhalter 3"/>
+          <p:cNvSpPr>
+            <a:spLocks noGrp="1"/>
+          </p:cNvSpPr>
+          <p:nvPr>
+            <p:ph type="dt" sz="half" idx="10"/>
+          </p:nvPr>
+        </p:nvSpPr>
+        <p:spPr/>
+        <p:txBody>
+          <a:bodyPr/>
+          <a:lstStyle/>
+          <a:p>
+            <a:fld id="{5DC49387-FBA4-4741-9A41-019152E901E7}" type="datetime1">
+              <a:rPr lang="de-AT" smtClean="0"/>
+              <a:t>11.03.2015</a:t>
+            </a:fld>
+            <a:endParaRPr lang="de-AT"/>
+          </a:p>
+        </p:txBody>
+      </p:sp>
+      <p:sp>
+        <p:nvSpPr>
+          <p:cNvPr id="5" name="Fußzeilenplatzhalter 4"/>
+          <p:cNvSpPr>
+            <a:spLocks noGrp="1"/>
+          </p:cNvSpPr>
+          <p:nvPr>
+            <p:ph type="ftr" sz="quarter" idx="11"/>
+          </p:nvPr>
+        </p:nvSpPr>
+        <p:spPr/>
+        <p:txBody>
+          <a:bodyPr/>
+          <a:lstStyle/>
+          <a:p>
+            <a:r>
+              <a:rPr lang="de-AT" smtClean="0"/>
+              <a:t>Plansee Group - TGM 5AHITT</a:t>
+            </a:r>
+            <a:endParaRPr lang="de-AT"/>
+          </a:p>
+        </p:txBody>
+      </p:sp>
+      <p:sp>
+        <p:nvSpPr>
+          <p:cNvPr id="6" name="Foliennummernplatzhalter 5"/>
+          <p:cNvSpPr>
+            <a:spLocks noGrp="1"/>
+          </p:cNvSpPr>
+          <p:nvPr>
+            <p:ph type="sldNum" sz="quarter" idx="12"/>
+          </p:nvPr>
+        </p:nvSpPr>
+        <p:spPr/>
+        <p:txBody>
+          <a:bodyPr/>
+          <a:lstStyle/>
+          <a:p>
+            <a:fld id="{7E4B9D8A-30A2-4509-8A2B-BAB999C5542B}" type="slidenum">
+              <a:rPr lang="de-AT" smtClean="0"/>
+              <a:t>10</a:t>
+            </a:fld>
+            <a:endParaRPr lang="de-AT"/>
+          </a:p>
+        </p:txBody>
+      </p:sp>
+    </p:spTree>
+    <p:extLst>
+      <p:ext uri="{BB962C8B-B14F-4D97-AF65-F5344CB8AC3E}">
+        <p14:creationId xmlns:p14="http://schemas.microsoft.com/office/powerpoint/2010/main" val="2520681511"/>
+      </p:ext>
+    </p:extLst>
+  </p:cSld>
+  <p:clrMapOvr>
+    <a:masterClrMapping/>
+  </p:clrMapOvr>
+</p:sld>
+</file>
+
+<file path=ppt/slides/slide11.xml><?xml version="1.0" encoding="utf-8"?>
+<p:sld xmlns:a="http://schemas.openxmlformats.org/drawingml/2006/main" xmlns:r="http://schemas.openxmlformats.org/officeDocument/2006/relationships" xmlns:p="http://schemas.openxmlformats.org/presentationml/2006/main">
+  <p:cSld>
+    <p:spTree>
+      <p:nvGrpSpPr>
+        <p:cNvPr id="1" name=""/>
+        <p:cNvGrpSpPr/>
+        <p:nvPr/>
+      </p:nvGrpSpPr>
+      <p:grpSpPr>
+        <a:xfrm>
+          <a:off x="0" y="0"/>
+          <a:ext cx="0" cy="0"/>
+          <a:chOff x="0" y="0"/>
+          <a:chExt cx="0" cy="0"/>
+        </a:xfrm>
+      </p:grpSpPr>
+      <p:sp>
+        <p:nvSpPr>
+          <p:cNvPr id="2" name="Titel 1"/>
+          <p:cNvSpPr>
+            <a:spLocks noGrp="1"/>
+          </p:cNvSpPr>
+          <p:nvPr>
+            <p:ph type="title"/>
+          </p:nvPr>
+        </p:nvSpPr>
+        <p:spPr/>
+        <p:txBody>
+          <a:bodyPr/>
+          <a:lstStyle/>
+          <a:p>
+            <a:r>
+              <a:rPr lang="de-AT" dirty="0" smtClean="0"/>
+              <a:t>Unternehmensstruktur</a:t>
+            </a:r>
+            <a:br>
+              <a:rPr lang="de-AT" dirty="0" smtClean="0"/>
+            </a:br>
+            <a:r>
+              <a:rPr lang="de-AT" sz="2800" dirty="0" smtClean="0"/>
+              <a:t>Beteiligung</a:t>
+            </a:r>
+            <a:endParaRPr lang="de-AT" sz="2800" dirty="0"/>
+          </a:p>
+        </p:txBody>
+      </p:sp>
+      <p:sp>
+        <p:nvSpPr>
+          <p:cNvPr id="3" name="Inhaltsplatzhalter 2"/>
+          <p:cNvSpPr>
+            <a:spLocks noGrp="1"/>
+          </p:cNvSpPr>
+          <p:nvPr>
+            <p:ph idx="1"/>
+          </p:nvPr>
+        </p:nvSpPr>
+        <p:spPr/>
+        <p:txBody>
+          <a:bodyPr>
+            <a:normAutofit lnSpcReduction="10000"/>
+          </a:bodyPr>
+          <a:lstStyle/>
+          <a:p>
+            <a:r>
+              <a:rPr lang="de-AT" dirty="0" smtClean="0"/>
+              <a:t>Alleinaktionär: </a:t>
+            </a:r>
+            <a:r>
+              <a:rPr lang="de-AT" dirty="0" err="1" smtClean="0"/>
+              <a:t>Plansee</a:t>
+            </a:r>
+            <a:r>
+              <a:rPr lang="de-AT" dirty="0" smtClean="0"/>
+              <a:t> SE</a:t>
+            </a:r>
+          </a:p>
+          <a:p>
+            <a:endParaRPr lang="de-AT" dirty="0"/>
+          </a:p>
+          <a:p>
+            <a:r>
+              <a:rPr lang="de-AT" dirty="0" smtClean="0"/>
+              <a:t>Gesellschafter (100%):</a:t>
+            </a:r>
+            <a:br>
+              <a:rPr lang="de-AT" dirty="0" smtClean="0"/>
+            </a:br>
+            <a:r>
+              <a:rPr lang="de-AT" dirty="0" smtClean="0">
+                <a:sym typeface="Wingdings" panose="05000000000000000000" pitchFamily="2" charset="2"/>
+              </a:rPr>
+              <a:t> PMG </a:t>
+            </a:r>
+            <a:r>
+              <a:rPr lang="de-AT" dirty="0" err="1" smtClean="0">
+                <a:sym typeface="Wingdings" panose="05000000000000000000" pitchFamily="2" charset="2"/>
+              </a:rPr>
+              <a:t>Beteilungs</a:t>
+            </a:r>
+            <a:r>
+              <a:rPr lang="de-AT" dirty="0" smtClean="0">
+                <a:sym typeface="Wingdings" panose="05000000000000000000" pitchFamily="2" charset="2"/>
+              </a:rPr>
+              <a:t>-GmbH</a:t>
+            </a:r>
+            <a:br>
+              <a:rPr lang="de-AT" dirty="0" smtClean="0">
+                <a:sym typeface="Wingdings" panose="05000000000000000000" pitchFamily="2" charset="2"/>
+              </a:rPr>
+            </a:br>
+            <a:r>
+              <a:rPr lang="de-AT" dirty="0" smtClean="0">
+                <a:sym typeface="Wingdings" panose="05000000000000000000" pitchFamily="2" charset="2"/>
+              </a:rPr>
+              <a:t> GTP Holding GmbH</a:t>
+            </a:r>
+            <a:br>
+              <a:rPr lang="de-AT" dirty="0" smtClean="0">
+                <a:sym typeface="Wingdings" panose="05000000000000000000" pitchFamily="2" charset="2"/>
+              </a:rPr>
+            </a:br>
+            <a:r>
+              <a:rPr lang="de-AT" dirty="0" smtClean="0">
+                <a:sym typeface="Wingdings" panose="05000000000000000000" pitchFamily="2" charset="2"/>
+              </a:rPr>
+              <a:t> </a:t>
+            </a:r>
+            <a:r>
+              <a:rPr lang="de-AT" dirty="0" err="1" smtClean="0">
+                <a:sym typeface="Wingdings" panose="05000000000000000000" pitchFamily="2" charset="2"/>
+              </a:rPr>
+              <a:t>Plansee</a:t>
+            </a:r>
+            <a:r>
+              <a:rPr lang="de-AT" dirty="0" smtClean="0">
+                <a:sym typeface="Wingdings" panose="05000000000000000000" pitchFamily="2" charset="2"/>
+              </a:rPr>
+              <a:t> Group Service GmbH</a:t>
+            </a:r>
+            <a:br>
+              <a:rPr lang="de-AT" dirty="0" smtClean="0">
+                <a:sym typeface="Wingdings" panose="05000000000000000000" pitchFamily="2" charset="2"/>
+              </a:rPr>
+            </a:br>
+            <a:r>
+              <a:rPr lang="de-AT" dirty="0" smtClean="0">
+                <a:sym typeface="Wingdings" panose="05000000000000000000" pitchFamily="2" charset="2"/>
+              </a:rPr>
+              <a:t> PGF Holding </a:t>
+            </a:r>
+            <a:r>
+              <a:rPr lang="de-AT" dirty="0" err="1" smtClean="0">
+                <a:sym typeface="Wingdings" panose="05000000000000000000" pitchFamily="2" charset="2"/>
+              </a:rPr>
+              <a:t>Gmbh</a:t>
+            </a:r>
+            <a:endParaRPr lang="de-AT" dirty="0" smtClean="0">
+              <a:sym typeface="Wingdings" panose="05000000000000000000" pitchFamily="2" charset="2"/>
+            </a:endParaRPr>
+          </a:p>
+          <a:p>
+            <a:endParaRPr lang="de-AT" dirty="0">
+              <a:sym typeface="Wingdings" panose="05000000000000000000" pitchFamily="2" charset="2"/>
+            </a:endParaRPr>
+          </a:p>
+          <a:p>
+            <a:r>
+              <a:rPr lang="de-AT" dirty="0" smtClean="0">
+                <a:sym typeface="Wingdings" panose="05000000000000000000" pitchFamily="2" charset="2"/>
+              </a:rPr>
+              <a:t>Shareholder (50%):</a:t>
+            </a:r>
+            <a:r>
+              <a:rPr lang="de-AT" dirty="0">
+                <a:sym typeface="Wingdings" panose="05000000000000000000" pitchFamily="2" charset="2"/>
+              </a:rPr>
+              <a:t/>
+            </a:r>
+            <a:br>
+              <a:rPr lang="de-AT" dirty="0">
+                <a:sym typeface="Wingdings" panose="05000000000000000000" pitchFamily="2" charset="2"/>
+              </a:rPr>
+            </a:br>
+            <a:r>
+              <a:rPr lang="de-AT" dirty="0" smtClean="0">
+                <a:sym typeface="Wingdings" panose="05000000000000000000" pitchFamily="2" charset="2"/>
+              </a:rPr>
+              <a:t> CERATIZIT S.A. (Luxemburg)</a:t>
+            </a:r>
+            <a:br>
+              <a:rPr lang="de-AT" dirty="0" smtClean="0">
+                <a:sym typeface="Wingdings" panose="05000000000000000000" pitchFamily="2" charset="2"/>
+              </a:rPr>
+            </a:br>
+            <a:r>
+              <a:rPr lang="de-AT" dirty="0" smtClean="0">
+                <a:sym typeface="Wingdings" panose="05000000000000000000" pitchFamily="2" charset="2"/>
+              </a:rPr>
+              <a:t> PCP GmbH (Deutschland – 100)</a:t>
+            </a:r>
+            <a:br>
+              <a:rPr lang="de-AT" dirty="0" smtClean="0">
+                <a:sym typeface="Wingdings" panose="05000000000000000000" pitchFamily="2" charset="2"/>
+              </a:rPr>
+            </a:br>
+            <a:r>
+              <a:rPr lang="de-AT" dirty="0" smtClean="0">
+                <a:sym typeface="Wingdings" panose="05000000000000000000" pitchFamily="2" charset="2"/>
+              </a:rPr>
+              <a:t> </a:t>
+            </a:r>
+            <a:r>
+              <a:rPr lang="de-AT" dirty="0" err="1" smtClean="0">
+                <a:sym typeface="Wingdings" panose="05000000000000000000" pitchFamily="2" charset="2"/>
+              </a:rPr>
+              <a:t>Plansee</a:t>
+            </a:r>
+            <a:r>
+              <a:rPr lang="de-AT" dirty="0">
+                <a:sym typeface="Wingdings" panose="05000000000000000000" pitchFamily="2" charset="2"/>
+              </a:rPr>
+              <a:t> </a:t>
+            </a:r>
+            <a:r>
+              <a:rPr lang="de-AT" dirty="0" smtClean="0">
+                <a:sym typeface="Wingdings" panose="05000000000000000000" pitchFamily="2" charset="2"/>
+              </a:rPr>
+              <a:t>Brasil </a:t>
+            </a:r>
+            <a:r>
+              <a:rPr lang="de-AT" dirty="0" err="1" smtClean="0">
+                <a:sym typeface="Wingdings" panose="05000000000000000000" pitchFamily="2" charset="2"/>
+              </a:rPr>
+              <a:t>Ltda</a:t>
+            </a:r>
+            <a:r>
+              <a:rPr lang="de-AT" dirty="0" smtClean="0">
+                <a:sym typeface="Wingdings" panose="05000000000000000000" pitchFamily="2" charset="2"/>
+              </a:rPr>
+              <a:t>. (Brasilien – 0,03)</a:t>
+            </a:r>
+          </a:p>
+        </p:txBody>
+      </p:sp>
+      <p:sp>
+        <p:nvSpPr>
+          <p:cNvPr id="4" name="Datumsplatzhalter 3"/>
+          <p:cNvSpPr>
+            <a:spLocks noGrp="1"/>
+          </p:cNvSpPr>
+          <p:nvPr>
+            <p:ph type="dt" sz="half" idx="10"/>
+          </p:nvPr>
+        </p:nvSpPr>
+        <p:spPr/>
+        <p:txBody>
+          <a:bodyPr/>
+          <a:lstStyle/>
+          <a:p>
+            <a:fld id="{5DC49387-FBA4-4741-9A41-019152E901E7}" type="datetime1">
+              <a:rPr lang="de-AT" smtClean="0"/>
+              <a:t>11.03.2015</a:t>
+            </a:fld>
+            <a:endParaRPr lang="de-AT"/>
+          </a:p>
+        </p:txBody>
+      </p:sp>
+      <p:sp>
+        <p:nvSpPr>
+          <p:cNvPr id="5" name="Fußzeilenplatzhalter 4"/>
+          <p:cNvSpPr>
+            <a:spLocks noGrp="1"/>
+          </p:cNvSpPr>
+          <p:nvPr>
+            <p:ph type="ftr" sz="quarter" idx="11"/>
+          </p:nvPr>
+        </p:nvSpPr>
+        <p:spPr/>
+        <p:txBody>
+          <a:bodyPr/>
+          <a:lstStyle/>
+          <a:p>
+            <a:r>
+              <a:rPr lang="de-AT" smtClean="0"/>
+              <a:t>Plansee Group - TGM 5AHITT</a:t>
+            </a:r>
+            <a:endParaRPr lang="de-AT"/>
+          </a:p>
+        </p:txBody>
+      </p:sp>
+      <p:sp>
+        <p:nvSpPr>
+          <p:cNvPr id="6" name="Foliennummernplatzhalter 5"/>
+          <p:cNvSpPr>
+            <a:spLocks noGrp="1"/>
+          </p:cNvSpPr>
+          <p:nvPr>
+            <p:ph type="sldNum" sz="quarter" idx="12"/>
+          </p:nvPr>
+        </p:nvSpPr>
+        <p:spPr/>
+        <p:txBody>
+          <a:bodyPr/>
+          <a:lstStyle/>
+          <a:p>
+            <a:fld id="{7E4B9D8A-30A2-4509-8A2B-BAB999C5542B}" type="slidenum">
+              <a:rPr lang="de-AT" smtClean="0"/>
+              <a:t>11</a:t>
+            </a:fld>
+            <a:endParaRPr lang="de-AT"/>
+          </a:p>
+        </p:txBody>
+      </p:sp>
+    </p:spTree>
+    <p:extLst>
+      <p:ext uri="{BB962C8B-B14F-4D97-AF65-F5344CB8AC3E}">
+        <p14:creationId xmlns:p14="http://schemas.microsoft.com/office/powerpoint/2010/main" val="2332188972"/>
+      </p:ext>
+    </p:extLst>
+  </p:cSld>
+  <p:clrMapOvr>
+    <a:masterClrMapping/>
+  </p:clrMapOvr>
+</p:sld>
+</file>
+
+<file path=ppt/slides/slide12.xml><?xml version="1.0" encoding="utf-8"?>
+<p:sld xmlns:a="http://schemas.openxmlformats.org/drawingml/2006/main" xmlns:r="http://schemas.openxmlformats.org/officeDocument/2006/relationships" xmlns:p="http://schemas.openxmlformats.org/presentationml/2006/main">
+  <p:cSld>
+    <p:spTree>
+      <p:nvGrpSpPr>
+        <p:cNvPr id="1" name=""/>
+        <p:cNvGrpSpPr/>
+        <p:nvPr/>
+      </p:nvGrpSpPr>
+      <p:grpSpPr>
+        <a:xfrm>
+          <a:off x="0" y="0"/>
+          <a:ext cx="0" cy="0"/>
+          <a:chOff x="0" y="0"/>
+          <a:chExt cx="0" cy="0"/>
+        </a:xfrm>
+      </p:grpSpPr>
+      <p:sp>
+        <p:nvSpPr>
+          <p:cNvPr id="2" name="Titel 1"/>
+          <p:cNvSpPr>
+            <a:spLocks noGrp="1"/>
+          </p:cNvSpPr>
+          <p:nvPr>
+            <p:ph type="title"/>
+          </p:nvPr>
+        </p:nvSpPr>
+        <p:spPr/>
+        <p:txBody>
+          <a:bodyPr/>
+          <a:lstStyle/>
+          <a:p>
+            <a:r>
+              <a:rPr lang="de-AT" dirty="0" smtClean="0"/>
+              <a:t>Unternehmensstruktur</a:t>
+            </a:r>
+            <a:br>
+              <a:rPr lang="de-AT" dirty="0" smtClean="0"/>
+            </a:br>
+            <a:r>
+              <a:rPr lang="de-AT" sz="2800" dirty="0" smtClean="0"/>
+              <a:t>Übersicht</a:t>
+            </a:r>
+            <a:endParaRPr lang="de-AT" sz="2800" dirty="0"/>
+          </a:p>
+        </p:txBody>
+      </p:sp>
+      <p:sp>
+        <p:nvSpPr>
+          <p:cNvPr id="4" name="Datumsplatzhalter 3"/>
+          <p:cNvSpPr>
+            <a:spLocks noGrp="1"/>
+          </p:cNvSpPr>
+          <p:nvPr>
+            <p:ph type="dt" sz="half" idx="10"/>
+          </p:nvPr>
+        </p:nvSpPr>
+        <p:spPr/>
+        <p:txBody>
+          <a:bodyPr/>
+          <a:lstStyle/>
+          <a:p>
+            <a:fld id="{5DC49387-FBA4-4741-9A41-019152E901E7}" type="datetime1">
+              <a:rPr lang="de-AT" smtClean="0"/>
+              <a:t>11.03.2015</a:t>
+            </a:fld>
+            <a:endParaRPr lang="de-AT"/>
+          </a:p>
+        </p:txBody>
+      </p:sp>
+      <p:sp>
+        <p:nvSpPr>
+          <p:cNvPr id="5" name="Fußzeilenplatzhalter 4"/>
+          <p:cNvSpPr>
+            <a:spLocks noGrp="1"/>
+          </p:cNvSpPr>
+          <p:nvPr>
+            <p:ph type="ftr" sz="quarter" idx="11"/>
+          </p:nvPr>
+        </p:nvSpPr>
+        <p:spPr/>
+        <p:txBody>
+          <a:bodyPr/>
+          <a:lstStyle/>
+          <a:p>
+            <a:r>
+              <a:rPr lang="de-AT" smtClean="0"/>
+              <a:t>Plansee Group - TGM 5AHITT</a:t>
+            </a:r>
+            <a:endParaRPr lang="de-AT"/>
+          </a:p>
+        </p:txBody>
+      </p:sp>
+      <p:sp>
+        <p:nvSpPr>
+          <p:cNvPr id="6" name="Foliennummernplatzhalter 5"/>
+          <p:cNvSpPr>
+            <a:spLocks noGrp="1"/>
+          </p:cNvSpPr>
+          <p:nvPr>
+            <p:ph type="sldNum" sz="quarter" idx="12"/>
+          </p:nvPr>
+        </p:nvSpPr>
+        <p:spPr/>
+        <p:txBody>
+          <a:bodyPr/>
+          <a:lstStyle/>
+          <a:p>
+            <a:fld id="{7E4B9D8A-30A2-4509-8A2B-BAB999C5542B}" type="slidenum">
+              <a:rPr lang="de-AT" smtClean="0"/>
+              <a:t>12</a:t>
+            </a:fld>
+            <a:endParaRPr lang="de-AT"/>
+          </a:p>
+        </p:txBody>
+      </p:sp>
+      <p:pic>
+        <p:nvPicPr>
+          <p:cNvPr id="8" name="Grafik 7"/>
+          <p:cNvPicPr>
+            <a:picLocks noChangeAspect="1"/>
+          </p:cNvPicPr>
+          <p:nvPr/>
+        </p:nvPicPr>
+        <p:blipFill>
+          <a:blip r:embed="rId2">
+            <a:extLst>
+              <a:ext uri="{28A0092B-C50C-407E-A947-70E740481C1C}">
+                <a14:useLocalDpi xmlns:a14="http://schemas.microsoft.com/office/drawing/2010/main" val="0"/>
+              </a:ext>
+            </a:extLst>
+          </a:blip>
+          <a:stretch>
+            <a:fillRect/>
+          </a:stretch>
+        </p:blipFill>
+        <p:spPr>
+          <a:xfrm>
+            <a:off x="861392" y="1485347"/>
+            <a:ext cx="8441634" cy="4761948"/>
+          </a:xfrm>
+          <a:prstGeom prst="rect">
+            <a:avLst/>
+          </a:prstGeom>
+        </p:spPr>
+      </p:pic>
+      <p:sp>
+        <p:nvSpPr>
+          <p:cNvPr id="9" name="Textfeld 8"/>
+          <p:cNvSpPr txBox="1"/>
+          <p:nvPr/>
+        </p:nvSpPr>
+        <p:spPr>
+          <a:xfrm>
+            <a:off x="861392" y="6346371"/>
+            <a:ext cx="4762842" cy="246221"/>
+          </a:xfrm>
+          <a:prstGeom prst="rect">
+            <a:avLst/>
+          </a:prstGeom>
+          <a:noFill/>
+        </p:spPr>
+        <p:txBody>
+          <a:bodyPr wrap="none" rtlCol="0">
+            <a:spAutoFit/>
+          </a:bodyPr>
+          <a:lstStyle/>
+          <a:p>
+            <a:r>
+              <a:rPr lang="de-AT" sz="1000" dirty="0"/>
+              <a:t>Quelle: http://www.globaltungsten.com/en/about-us_plansee-group.htm</a:t>
+            </a:r>
+          </a:p>
+        </p:txBody>
+      </p:sp>
+    </p:spTree>
+    <p:extLst>
+      <p:ext uri="{BB962C8B-B14F-4D97-AF65-F5344CB8AC3E}">
+        <p14:creationId xmlns:p14="http://schemas.microsoft.com/office/powerpoint/2010/main" val="303228601"/>
+      </p:ext>
+    </p:extLst>
+  </p:cSld>
+  <p:clrMapOvr>
+    <a:masterClrMapping/>
+  </p:clrMapOvr>
+</p:sld>
+</file>
+
+<file path=ppt/slides/slide13.xml><?xml version="1.0" encoding="utf-8"?>
+<p:sld xmlns:a="http://schemas.openxmlformats.org/drawingml/2006/main" xmlns:r="http://schemas.openxmlformats.org/officeDocument/2006/relationships" xmlns:p="http://schemas.openxmlformats.org/presentationml/2006/main">
+  <p:cSld>
+    <p:spTree>
+      <p:nvGrpSpPr>
+        <p:cNvPr id="1" name=""/>
+        <p:cNvGrpSpPr/>
+        <p:nvPr/>
+      </p:nvGrpSpPr>
+      <p:grpSpPr>
+        <a:xfrm>
+          <a:off x="0" y="0"/>
+          <a:ext cx="0" cy="0"/>
+          <a:chOff x="0" y="0"/>
+          <a:chExt cx="0" cy="0"/>
+        </a:xfrm>
+      </p:grpSpPr>
+      <p:sp>
+        <p:nvSpPr>
+          <p:cNvPr id="2" name="Titel 1"/>
+          <p:cNvSpPr>
+            <a:spLocks noGrp="1"/>
+          </p:cNvSpPr>
+          <p:nvPr>
+            <p:ph type="title"/>
+          </p:nvPr>
+        </p:nvSpPr>
+        <p:spPr/>
+        <p:txBody>
+          <a:bodyPr/>
+          <a:lstStyle/>
+          <a:p>
+            <a:r>
+              <a:rPr lang="de-AT" dirty="0" smtClean="0"/>
+              <a:t>Unternehmensstruktur</a:t>
+            </a:r>
+            <a:br>
+              <a:rPr lang="de-AT" dirty="0" smtClean="0"/>
+            </a:br>
+            <a:r>
+              <a:rPr lang="de-AT" sz="2800" dirty="0" smtClean="0"/>
+              <a:t>Standorte</a:t>
+            </a:r>
+            <a:endParaRPr lang="de-AT" sz="2800" dirty="0"/>
+          </a:p>
+        </p:txBody>
+      </p:sp>
+      <p:sp>
+        <p:nvSpPr>
+          <p:cNvPr id="4" name="Datumsplatzhalter 3"/>
+          <p:cNvSpPr>
+            <a:spLocks noGrp="1"/>
+          </p:cNvSpPr>
+          <p:nvPr>
+            <p:ph type="dt" sz="half" idx="10"/>
+          </p:nvPr>
+        </p:nvSpPr>
+        <p:spPr/>
+        <p:txBody>
+          <a:bodyPr/>
+          <a:lstStyle/>
+          <a:p>
+            <a:fld id="{5DC49387-FBA4-4741-9A41-019152E901E7}" type="datetime1">
+              <a:rPr lang="de-AT" smtClean="0"/>
+              <a:t>11.03.2015</a:t>
+            </a:fld>
+            <a:endParaRPr lang="de-AT"/>
+          </a:p>
+        </p:txBody>
+      </p:sp>
+      <p:sp>
+        <p:nvSpPr>
+          <p:cNvPr id="5" name="Fußzeilenplatzhalter 4"/>
+          <p:cNvSpPr>
+            <a:spLocks noGrp="1"/>
+          </p:cNvSpPr>
+          <p:nvPr>
+            <p:ph type="ftr" sz="quarter" idx="11"/>
+          </p:nvPr>
+        </p:nvSpPr>
+        <p:spPr/>
+        <p:txBody>
+          <a:bodyPr/>
+          <a:lstStyle/>
+          <a:p>
+            <a:r>
+              <a:rPr lang="de-AT" smtClean="0"/>
+              <a:t>Plansee Group - TGM 5AHITT</a:t>
+            </a:r>
+            <a:endParaRPr lang="de-AT"/>
+          </a:p>
+        </p:txBody>
+      </p:sp>
+      <p:sp>
+        <p:nvSpPr>
+          <p:cNvPr id="6" name="Foliennummernplatzhalter 5"/>
+          <p:cNvSpPr>
+            <a:spLocks noGrp="1"/>
+          </p:cNvSpPr>
+          <p:nvPr>
+            <p:ph type="sldNum" sz="quarter" idx="12"/>
+          </p:nvPr>
+        </p:nvSpPr>
+        <p:spPr/>
+        <p:txBody>
+          <a:bodyPr/>
+          <a:lstStyle/>
+          <a:p>
+            <a:fld id="{7E4B9D8A-30A2-4509-8A2B-BAB999C5542B}" type="slidenum">
+              <a:rPr lang="de-AT" smtClean="0"/>
+              <a:t>13</a:t>
+            </a:fld>
+            <a:endParaRPr lang="de-AT"/>
+          </a:p>
+        </p:txBody>
+      </p:sp>
+      <p:pic>
+        <p:nvPicPr>
+          <p:cNvPr id="2050" name="Picture 2" descr="E:\Schule\5. Jahrgang\BIM\plansee_group_locations.jpg"/>
+          <p:cNvPicPr>
+            <a:picLocks noChangeAspect="1" noChangeArrowheads="1"/>
+          </p:cNvPicPr>
+          <p:nvPr/>
+        </p:nvPicPr>
+        <p:blipFill>
+          <a:blip r:embed="rId2">
+            <a:extLst>
+              <a:ext uri="{28A0092B-C50C-407E-A947-70E740481C1C}">
+                <a14:useLocalDpi xmlns:a14="http://schemas.microsoft.com/office/drawing/2010/main" val="0"/>
+              </a:ext>
+            </a:extLst>
+          </a:blip>
+          <a:srcRect/>
+          <a:stretch>
+            <a:fillRect/>
+          </a:stretch>
+        </p:blipFill>
+        <p:spPr bwMode="auto">
+          <a:xfrm>
+            <a:off x="1490519" y="1833494"/>
+            <a:ext cx="7986530" cy="4632620"/>
+          </a:xfrm>
+          <a:prstGeom prst="rect">
+            <a:avLst/>
+          </a:prstGeom>
+          <a:noFill/>
+          <a:extLst>
+            <a:ext uri="{909E8E84-426E-40DD-AFC4-6F175D3DCCD1}">
+              <a14:hiddenFill xmlns:a14="http://schemas.microsoft.com/office/drawing/2010/main">
+                <a:solidFill>
+                  <a:srgbClr val="FFFFFF"/>
+                </a:solidFill>
+              </a14:hiddenFill>
+            </a:ext>
+          </a:extLst>
+        </p:spPr>
+      </p:pic>
+      <p:sp>
+        <p:nvSpPr>
+          <p:cNvPr id="7" name="Textfeld 6"/>
+          <p:cNvSpPr txBox="1"/>
+          <p:nvPr/>
+        </p:nvSpPr>
+        <p:spPr>
+          <a:xfrm>
+            <a:off x="1490518" y="6519054"/>
+            <a:ext cx="6011582" cy="246221"/>
+          </a:xfrm>
+          <a:prstGeom prst="rect">
+            <a:avLst/>
+          </a:prstGeom>
+          <a:noFill/>
+        </p:spPr>
+        <p:txBody>
+          <a:bodyPr wrap="none" rtlCol="0">
+            <a:spAutoFit/>
+          </a:bodyPr>
+          <a:lstStyle/>
+          <a:p>
+            <a:r>
+              <a:rPr lang="de-AT" sz="1000" dirty="0"/>
+              <a:t>Quelle: http://www.plansee-group.com/fileadmin/customer/dokumente/ZDF/ZDF_2014_D.pdf</a:t>
+            </a:r>
+          </a:p>
+        </p:txBody>
+      </p:sp>
+    </p:spTree>
+    <p:extLst>
+      <p:ext uri="{BB962C8B-B14F-4D97-AF65-F5344CB8AC3E}">
+        <p14:creationId xmlns:p14="http://schemas.microsoft.com/office/powerpoint/2010/main" val="3868227916"/>
+      </p:ext>
+    </p:extLst>
+  </p:cSld>
+  <p:clrMapOvr>
+    <a:masterClrMapping/>
+  </p:clrMapOvr>
+</p:sld>
+</file>
+
+<file path=ppt/slides/slide14.xml><?xml version="1.0" encoding="utf-8"?>
+<p:sld xmlns:a="http://schemas.openxmlformats.org/drawingml/2006/main" xmlns:r="http://schemas.openxmlformats.org/officeDocument/2006/relationships" xmlns:p="http://schemas.openxmlformats.org/presentationml/2006/main">
+  <p:cSld>
+    <p:spTree>
+      <p:nvGrpSpPr>
+        <p:cNvPr id="1" name=""/>
+        <p:cNvGrpSpPr/>
+        <p:nvPr/>
+      </p:nvGrpSpPr>
+      <p:grpSpPr>
+        <a:xfrm>
+          <a:off x="0" y="0"/>
+          <a:ext cx="0" cy="0"/>
+          <a:chOff x="0" y="0"/>
+          <a:chExt cx="0" cy="0"/>
+        </a:xfrm>
+      </p:grpSpPr>
+      <p:sp>
+        <p:nvSpPr>
+          <p:cNvPr id="2" name="Title 1"/>
+          <p:cNvSpPr>
+            <a:spLocks noGrp="1"/>
+          </p:cNvSpPr>
+          <p:nvPr>
+            <p:ph type="title"/>
+          </p:nvPr>
+        </p:nvSpPr>
+        <p:spPr/>
+        <p:txBody>
+          <a:bodyPr/>
+          <a:lstStyle/>
+          <a:p>
+            <a:r>
+              <a:rPr lang="de-AT" dirty="0"/>
+              <a:t>Produkte &amp; Ablauf</a:t>
+            </a:r>
+            <a:br>
+              <a:rPr lang="de-AT" dirty="0"/>
+            </a:br>
+            <a:endParaRPr lang="de-AT" dirty="0"/>
+          </a:p>
+        </p:txBody>
+      </p:sp>
+      <p:sp>
+        <p:nvSpPr>
+          <p:cNvPr id="3" name="Content Placeholder 2"/>
+          <p:cNvSpPr>
+            <a:spLocks noGrp="1"/>
+          </p:cNvSpPr>
+          <p:nvPr>
+            <p:ph idx="1"/>
+          </p:nvPr>
+        </p:nvSpPr>
+        <p:spPr/>
+        <p:txBody>
+          <a:bodyPr/>
+          <a:lstStyle/>
+          <a:p>
+            <a:endParaRPr lang="de-AT"/>
+          </a:p>
+        </p:txBody>
+      </p:sp>
+      <p:sp>
+        <p:nvSpPr>
+          <p:cNvPr id="4" name="Date Placeholder 3"/>
+          <p:cNvSpPr>
+            <a:spLocks noGrp="1"/>
+          </p:cNvSpPr>
+          <p:nvPr>
+            <p:ph type="dt" sz="half" idx="10"/>
+          </p:nvPr>
+        </p:nvSpPr>
+        <p:spPr/>
+        <p:txBody>
+          <a:bodyPr/>
+          <a:lstStyle/>
+          <a:p>
+            <a:fld id="{4A585FD5-F139-4851-9C60-8BA356910DE0}" type="datetime1">
+              <a:rPr lang="de-AT" smtClean="0"/>
+              <a:t>11.03.2015</a:t>
+            </a:fld>
+            <a:endParaRPr lang="de-AT"/>
+          </a:p>
+        </p:txBody>
+      </p:sp>
+      <p:sp>
+        <p:nvSpPr>
+          <p:cNvPr id="5" name="Footer Placeholder 4"/>
+          <p:cNvSpPr>
+            <a:spLocks noGrp="1"/>
+          </p:cNvSpPr>
+          <p:nvPr>
+            <p:ph type="ftr" sz="quarter" idx="11"/>
+          </p:nvPr>
+        </p:nvSpPr>
+        <p:spPr/>
+        <p:txBody>
+          <a:bodyPr/>
+          <a:lstStyle/>
+          <a:p>
+            <a:r>
+              <a:rPr lang="de-AT" smtClean="0"/>
+              <a:t>Plansee Group - TGM 5AHITT</a:t>
+            </a:r>
+            <a:endParaRPr lang="de-AT"/>
+          </a:p>
+        </p:txBody>
+      </p:sp>
+      <p:sp>
+        <p:nvSpPr>
+          <p:cNvPr id="6" name="Slide Number Placeholder 5"/>
+          <p:cNvSpPr>
+            <a:spLocks noGrp="1"/>
+          </p:cNvSpPr>
+          <p:nvPr>
+            <p:ph type="sldNum" sz="quarter" idx="12"/>
+          </p:nvPr>
+        </p:nvSpPr>
+        <p:spPr/>
+        <p:txBody>
+          <a:bodyPr/>
+          <a:lstStyle/>
+          <a:p>
+            <a:fld id="{7E4B9D8A-30A2-4509-8A2B-BAB999C5542B}" type="slidenum">
+              <a:rPr lang="de-AT" smtClean="0"/>
+              <a:t>14</a:t>
+            </a:fld>
+            <a:endParaRPr lang="de-AT"/>
+          </a:p>
+        </p:txBody>
+      </p:sp>
+    </p:spTree>
+    <p:extLst>
+      <p:ext uri="{BB962C8B-B14F-4D97-AF65-F5344CB8AC3E}">
+        <p14:creationId xmlns:p14="http://schemas.microsoft.com/office/powerpoint/2010/main" val="262729864"/>
+      </p:ext>
+    </p:extLst>
+  </p:cSld>
+  <p:clrMapOvr>
+    <a:masterClrMapping/>
+  </p:clrMapOvr>
+</p:sld>
+</file>
+
+<file path=ppt/slides/slide15.xml><?xml version="1.0" encoding="utf-8"?>
+<p:sld xmlns:a="http://schemas.openxmlformats.org/drawingml/2006/main" xmlns:r="http://schemas.openxmlformats.org/officeDocument/2006/relationships" xmlns:p="http://schemas.openxmlformats.org/presentationml/2006/main">
+  <p:cSld>
+    <p:spTree>
+      <p:nvGrpSpPr>
+        <p:cNvPr id="1" name=""/>
+        <p:cNvGrpSpPr/>
+        <p:nvPr/>
+      </p:nvGrpSpPr>
+      <p:grpSpPr>
+        <a:xfrm>
+          <a:off x="0" y="0"/>
+          <a:ext cx="0" cy="0"/>
+          <a:chOff x="0" y="0"/>
+          <a:chExt cx="0" cy="0"/>
+        </a:xfrm>
+      </p:grpSpPr>
+      <p:sp>
+        <p:nvSpPr>
+          <p:cNvPr id="2" name="Title 1"/>
+          <p:cNvSpPr>
+            <a:spLocks noGrp="1"/>
+          </p:cNvSpPr>
+          <p:nvPr>
+            <p:ph type="title"/>
+          </p:nvPr>
+        </p:nvSpPr>
+        <p:spPr/>
+        <p:txBody>
+          <a:bodyPr/>
+          <a:lstStyle/>
+          <a:p>
+            <a:r>
+              <a:rPr lang="de-AT" dirty="0" smtClean="0"/>
+              <a:t>Umsatz &amp; Gewinn</a:t>
+            </a:r>
+            <a:endParaRPr lang="de-AT" dirty="0"/>
+          </a:p>
+        </p:txBody>
+      </p:sp>
+      <p:sp>
+        <p:nvSpPr>
+          <p:cNvPr id="3" name="Content Placeholder 2"/>
+          <p:cNvSpPr>
+            <a:spLocks noGrp="1"/>
+          </p:cNvSpPr>
+          <p:nvPr>
+            <p:ph idx="1"/>
+          </p:nvPr>
+        </p:nvSpPr>
+        <p:spPr/>
+        <p:txBody>
+          <a:bodyPr/>
+          <a:lstStyle/>
+          <a:p>
+            <a:pPr marL="0" indent="0">
+              <a:buNone/>
+            </a:pPr>
+            <a:endParaRPr lang="de-AT" dirty="0"/>
+          </a:p>
+          <a:p>
+            <a:r>
+              <a:rPr lang="de-AT" dirty="0" smtClean="0"/>
+              <a:t>Die Plansee-Gruppe hat 2013/14:</a:t>
+            </a:r>
+            <a:br>
+              <a:rPr lang="de-AT" dirty="0" smtClean="0"/>
+            </a:br>
+            <a:r>
+              <a:rPr lang="de-AT" dirty="0" smtClean="0">
+                <a:sym typeface="Wingdings" panose="05000000000000000000" pitchFamily="2" charset="2"/>
+              </a:rPr>
+              <a:t> Verkaufsmenge um 17% gesteigert</a:t>
+            </a:r>
+            <a:br>
+              <a:rPr lang="de-AT" dirty="0" smtClean="0">
+                <a:sym typeface="Wingdings" panose="05000000000000000000" pitchFamily="2" charset="2"/>
+              </a:rPr>
+            </a:br>
+            <a:r>
+              <a:rPr lang="de-AT" dirty="0" smtClean="0">
+                <a:sym typeface="Wingdings" panose="05000000000000000000" pitchFamily="2" charset="2"/>
+              </a:rPr>
+              <a:t> Umsatz von 1,2 Mrd. € erwirtschaftet</a:t>
+            </a:r>
+            <a:br>
+              <a:rPr lang="de-AT" dirty="0" smtClean="0">
+                <a:sym typeface="Wingdings" panose="05000000000000000000" pitchFamily="2" charset="2"/>
+              </a:rPr>
+            </a:br>
+            <a:r>
+              <a:rPr lang="de-AT" dirty="0" smtClean="0">
+                <a:sym typeface="Wingdings" panose="05000000000000000000" pitchFamily="2" charset="2"/>
+              </a:rPr>
+              <a:t> 280 Mil. € investiert</a:t>
+            </a:r>
+          </a:p>
+          <a:p>
+            <a:endParaRPr lang="de-AT" dirty="0">
+              <a:sym typeface="Wingdings" panose="05000000000000000000" pitchFamily="2" charset="2"/>
+            </a:endParaRPr>
+          </a:p>
+          <a:p>
+            <a:endParaRPr lang="de-AT" dirty="0" smtClean="0">
+              <a:sym typeface="Wingdings" panose="05000000000000000000" pitchFamily="2" charset="2"/>
+            </a:endParaRPr>
+          </a:p>
+          <a:p>
+            <a:endParaRPr lang="de-AT" dirty="0">
+              <a:sym typeface="Wingdings" panose="05000000000000000000" pitchFamily="2" charset="2"/>
+            </a:endParaRPr>
+          </a:p>
+          <a:p>
+            <a:r>
+              <a:rPr lang="de-AT" dirty="0" smtClean="0">
+                <a:sym typeface="Wingdings" panose="05000000000000000000" pitchFamily="2" charset="2"/>
+              </a:rPr>
+              <a:t>Größte Stärke: Investitionskraft  85 Mil. € Investitionsvermögen</a:t>
+            </a:r>
+            <a:endParaRPr lang="de-AT" dirty="0"/>
+          </a:p>
+        </p:txBody>
+      </p:sp>
+      <p:sp>
+        <p:nvSpPr>
+          <p:cNvPr id="4" name="Date Placeholder 3"/>
+          <p:cNvSpPr>
+            <a:spLocks noGrp="1"/>
+          </p:cNvSpPr>
+          <p:nvPr>
+            <p:ph type="dt" sz="half" idx="10"/>
+          </p:nvPr>
+        </p:nvSpPr>
+        <p:spPr/>
+        <p:txBody>
+          <a:bodyPr/>
+          <a:lstStyle/>
+          <a:p>
+            <a:fld id="{5DC49387-FBA4-4741-9A41-019152E901E7}" type="datetime1">
+              <a:rPr lang="de-AT" smtClean="0"/>
+              <a:t>11.03.2015</a:t>
+            </a:fld>
+            <a:endParaRPr lang="de-AT"/>
+          </a:p>
+        </p:txBody>
+      </p:sp>
+      <p:sp>
+        <p:nvSpPr>
+          <p:cNvPr id="5" name="Footer Placeholder 4"/>
+          <p:cNvSpPr>
+            <a:spLocks noGrp="1"/>
+          </p:cNvSpPr>
+          <p:nvPr>
+            <p:ph type="ftr" sz="quarter" idx="11"/>
+          </p:nvPr>
+        </p:nvSpPr>
+        <p:spPr/>
+        <p:txBody>
+          <a:bodyPr/>
+          <a:lstStyle/>
+          <a:p>
+            <a:r>
+              <a:rPr lang="de-AT" smtClean="0"/>
+              <a:t>Plansee Group - TGM 5AHITT</a:t>
+            </a:r>
+            <a:endParaRPr lang="de-AT"/>
+          </a:p>
+        </p:txBody>
+      </p:sp>
+      <p:sp>
+        <p:nvSpPr>
+          <p:cNvPr id="6" name="Slide Number Placeholder 5"/>
+          <p:cNvSpPr>
+            <a:spLocks noGrp="1"/>
+          </p:cNvSpPr>
+          <p:nvPr>
+            <p:ph type="sldNum" sz="quarter" idx="12"/>
+          </p:nvPr>
+        </p:nvSpPr>
+        <p:spPr/>
+        <p:txBody>
+          <a:bodyPr/>
+          <a:lstStyle/>
+          <a:p>
+            <a:fld id="{7E4B9D8A-30A2-4509-8A2B-BAB999C5542B}" type="slidenum">
+              <a:rPr lang="de-AT" smtClean="0"/>
+              <a:t>15</a:t>
+            </a:fld>
+            <a:endParaRPr lang="de-AT"/>
+          </a:p>
+        </p:txBody>
+      </p:sp>
+    </p:spTree>
+    <p:extLst>
+      <p:ext uri="{BB962C8B-B14F-4D97-AF65-F5344CB8AC3E}">
+        <p14:creationId xmlns:p14="http://schemas.microsoft.com/office/powerpoint/2010/main" val="4000049594"/>
+      </p:ext>
+    </p:extLst>
+  </p:cSld>
+  <p:clrMapOvr>
+    <a:masterClrMapping/>
+  </p:clrMapOvr>
+</p:sld>
+</file>
+
+<file path=ppt/slides/slide16.xml><?xml version="1.0" encoding="utf-8"?>
+<p:sld xmlns:a="http://schemas.openxmlformats.org/drawingml/2006/main" xmlns:r="http://schemas.openxmlformats.org/officeDocument/2006/relationships" xmlns:p="http://schemas.openxmlformats.org/presentationml/2006/main">
+  <p:cSld>
+    <p:spTree>
+      <p:nvGrpSpPr>
+        <p:cNvPr id="1" name=""/>
+        <p:cNvGrpSpPr/>
+        <p:nvPr/>
+      </p:nvGrpSpPr>
+      <p:grpSpPr>
+        <a:xfrm>
+          <a:off x="0" y="0"/>
+          <a:ext cx="0" cy="0"/>
+          <a:chOff x="0" y="0"/>
+          <a:chExt cx="0" cy="0"/>
+        </a:xfrm>
+      </p:grpSpPr>
+      <p:sp>
+        <p:nvSpPr>
+          <p:cNvPr id="2" name="Titel 1"/>
+          <p:cNvSpPr>
+            <a:spLocks noGrp="1"/>
+          </p:cNvSpPr>
+          <p:nvPr>
+            <p:ph type="title"/>
+          </p:nvPr>
+        </p:nvSpPr>
+        <p:spPr/>
+        <p:txBody>
+          <a:bodyPr/>
+          <a:lstStyle/>
+          <a:p>
+            <a:r>
+              <a:rPr lang="de-AT" dirty="0" smtClean="0"/>
+              <a:t>Umsatz &amp; Gewinn</a:t>
+            </a:r>
+            <a:endParaRPr lang="de-AT" dirty="0"/>
+          </a:p>
+        </p:txBody>
+      </p:sp>
+      <p:sp>
+        <p:nvSpPr>
+          <p:cNvPr id="4" name="Datumsplatzhalter 3"/>
+          <p:cNvSpPr>
+            <a:spLocks noGrp="1"/>
+          </p:cNvSpPr>
+          <p:nvPr>
+            <p:ph type="dt" sz="half" idx="10"/>
+          </p:nvPr>
+        </p:nvSpPr>
+        <p:spPr/>
+        <p:txBody>
+          <a:bodyPr/>
+          <a:lstStyle/>
+          <a:p>
+            <a:fld id="{5DC49387-FBA4-4741-9A41-019152E901E7}" type="datetime1">
+              <a:rPr lang="de-AT" smtClean="0"/>
+              <a:t>11.03.2015</a:t>
+            </a:fld>
+            <a:endParaRPr lang="de-AT"/>
+          </a:p>
+        </p:txBody>
+      </p:sp>
+      <p:sp>
+        <p:nvSpPr>
+          <p:cNvPr id="5" name="Fußzeilenplatzhalter 4"/>
+          <p:cNvSpPr>
+            <a:spLocks noGrp="1"/>
+          </p:cNvSpPr>
+          <p:nvPr>
+            <p:ph type="ftr" sz="quarter" idx="11"/>
+          </p:nvPr>
+        </p:nvSpPr>
+        <p:spPr/>
+        <p:txBody>
+          <a:bodyPr/>
+          <a:lstStyle/>
+          <a:p>
+            <a:r>
+              <a:rPr lang="de-AT" smtClean="0"/>
+              <a:t>Plansee Group - TGM 5AHITT</a:t>
+            </a:r>
+            <a:endParaRPr lang="de-AT"/>
+          </a:p>
+        </p:txBody>
+      </p:sp>
+      <p:sp>
+        <p:nvSpPr>
+          <p:cNvPr id="6" name="Foliennummernplatzhalter 5"/>
+          <p:cNvSpPr>
+            <a:spLocks noGrp="1"/>
+          </p:cNvSpPr>
+          <p:nvPr>
+            <p:ph type="sldNum" sz="quarter" idx="12"/>
+          </p:nvPr>
+        </p:nvSpPr>
+        <p:spPr/>
+        <p:txBody>
+          <a:bodyPr/>
+          <a:lstStyle/>
+          <a:p>
+            <a:fld id="{7E4B9D8A-30A2-4509-8A2B-BAB999C5542B}" type="slidenum">
+              <a:rPr lang="de-AT" smtClean="0"/>
+              <a:t>16</a:t>
+            </a:fld>
+            <a:endParaRPr lang="de-AT"/>
+          </a:p>
+        </p:txBody>
+      </p:sp>
+      <p:pic>
+        <p:nvPicPr>
+          <p:cNvPr id="1026" name="Picture 2" descr="E:\Schule\5. Jahrgang\BIM\plansee_geschäftszahlen.JPG"/>
+          <p:cNvPicPr>
+            <a:picLocks noChangeAspect="1" noChangeArrowheads="1"/>
+          </p:cNvPicPr>
+          <p:nvPr/>
+        </p:nvPicPr>
+        <p:blipFill>
+          <a:blip r:embed="rId2">
+            <a:extLst>
+              <a:ext uri="{28A0092B-C50C-407E-A947-70E740481C1C}">
+                <a14:useLocalDpi xmlns:a14="http://schemas.microsoft.com/office/drawing/2010/main" val="0"/>
+              </a:ext>
+            </a:extLst>
+          </a:blip>
+          <a:srcRect/>
+          <a:stretch>
+            <a:fillRect/>
+          </a:stretch>
+        </p:blipFill>
+        <p:spPr bwMode="auto">
+          <a:xfrm>
+            <a:off x="975526" y="1325148"/>
+            <a:ext cx="8720802" cy="4718224"/>
+          </a:xfrm>
+          <a:prstGeom prst="rect">
+            <a:avLst/>
+          </a:prstGeom>
+          <a:noFill/>
+          <a:extLst>
+            <a:ext uri="{909E8E84-426E-40DD-AFC4-6F175D3DCCD1}">
+              <a14:hiddenFill xmlns:a14="http://schemas.microsoft.com/office/drawing/2010/main">
+                <a:solidFill>
+                  <a:srgbClr val="FFFFFF"/>
+                </a:solidFill>
+              </a14:hiddenFill>
+            </a:ext>
+          </a:extLst>
+        </p:spPr>
+      </p:pic>
+      <p:sp>
+        <p:nvSpPr>
+          <p:cNvPr id="7" name="Textfeld 6"/>
+          <p:cNvSpPr txBox="1"/>
+          <p:nvPr/>
+        </p:nvSpPr>
+        <p:spPr>
+          <a:xfrm>
+            <a:off x="975525" y="6108118"/>
+            <a:ext cx="4799712" cy="246221"/>
+          </a:xfrm>
+          <a:prstGeom prst="rect">
+            <a:avLst/>
+          </a:prstGeom>
+          <a:noFill/>
+        </p:spPr>
+        <p:txBody>
+          <a:bodyPr wrap="none" rtlCol="0">
+            <a:spAutoFit/>
+          </a:bodyPr>
+          <a:lstStyle/>
+          <a:p>
+            <a:r>
+              <a:rPr lang="de-AT" sz="1000" dirty="0" smtClean="0"/>
+              <a:t>Quelle: </a:t>
+            </a:r>
+            <a:r>
+              <a:rPr lang="de-AT" sz="1000" dirty="0"/>
+              <a:t>http://www.plansee-group.com/de/ueber-uns/geschaeftsbericht/</a:t>
+            </a:r>
+            <a:endParaRPr lang="de-AT" sz="1000" dirty="0"/>
+          </a:p>
+        </p:txBody>
+      </p:sp>
+    </p:spTree>
+    <p:extLst>
+      <p:ext uri="{BB962C8B-B14F-4D97-AF65-F5344CB8AC3E}">
+        <p14:creationId xmlns:p14="http://schemas.microsoft.com/office/powerpoint/2010/main" val="1089068210"/>
+      </p:ext>
+    </p:extLst>
+  </p:cSld>
+  <p:clrMapOvr>
+    <a:masterClrMapping/>
+  </p:clrMapOvr>
+</p:sld>
+</file>
+
+<file path=ppt/slides/slide17.xml><?xml version="1.0" encoding="utf-8"?>
+<p:sld xmlns:a="http://schemas.openxmlformats.org/drawingml/2006/main" xmlns:r="http://schemas.openxmlformats.org/officeDocument/2006/relationships" xmlns:p="http://schemas.openxmlformats.org/presentationml/2006/main">
+  <p:cSld>
+    <p:spTree>
+      <p:nvGrpSpPr>
+        <p:cNvPr id="1" name=""/>
+        <p:cNvGrpSpPr/>
+        <p:nvPr/>
+      </p:nvGrpSpPr>
+      <p:grpSpPr>
+        <a:xfrm>
+          <a:off x="0" y="0"/>
+          <a:ext cx="0" cy="0"/>
+          <a:chOff x="0" y="0"/>
+          <a:chExt cx="0" cy="0"/>
+        </a:xfrm>
+      </p:grpSpPr>
+      <p:sp>
+        <p:nvSpPr>
+          <p:cNvPr id="2" name="Title 1"/>
+          <p:cNvSpPr>
+            <a:spLocks noGrp="1"/>
+          </p:cNvSpPr>
+          <p:nvPr>
+            <p:ph type="title"/>
+          </p:nvPr>
+        </p:nvSpPr>
+        <p:spPr/>
+        <p:txBody>
+          <a:bodyPr/>
+          <a:lstStyle/>
+          <a:p>
+            <a:r>
+              <a:rPr lang="de-AT" dirty="0"/>
+              <a:t>Marktzustand &amp; </a:t>
+            </a:r>
+            <a:r>
+              <a:rPr lang="de-AT" dirty="0" smtClean="0"/>
+              <a:t>Trends</a:t>
+            </a:r>
+            <a:endParaRPr lang="de-AT" dirty="0"/>
+          </a:p>
+        </p:txBody>
+      </p:sp>
+      <p:sp>
+        <p:nvSpPr>
+          <p:cNvPr id="3" name="Content Placeholder 2"/>
+          <p:cNvSpPr>
+            <a:spLocks noGrp="1"/>
+          </p:cNvSpPr>
+          <p:nvPr>
+            <p:ph idx="1"/>
+          </p:nvPr>
+        </p:nvSpPr>
+        <p:spPr/>
+        <p:txBody>
+          <a:bodyPr/>
+          <a:lstStyle/>
+          <a:p>
+            <a:r>
+              <a:rPr lang="de-AT" dirty="0" smtClean="0"/>
+              <a:t>Betriebsgeheimnisse an Konkurrenz weitergeleitet</a:t>
+            </a:r>
+          </a:p>
+          <a:p>
+            <a:endParaRPr lang="de-AT" dirty="0"/>
+          </a:p>
+          <a:p>
+            <a:r>
+              <a:rPr lang="de-AT" dirty="0" smtClean="0"/>
+              <a:t>Immer mehr Konkurrenz auf China</a:t>
+            </a:r>
+          </a:p>
+          <a:p>
+            <a:endParaRPr lang="de-AT" dirty="0"/>
+          </a:p>
+          <a:p>
+            <a:r>
+              <a:rPr lang="de-AT" dirty="0" smtClean="0"/>
+              <a:t>GTAT</a:t>
+            </a:r>
+            <a:r>
+              <a:rPr lang="de-AT" dirty="0"/>
+              <a:t> </a:t>
+            </a:r>
+            <a:r>
+              <a:rPr lang="de-AT" dirty="0" smtClean="0"/>
+              <a:t>Pleite kostet 80 Arbeitsplätze </a:t>
+            </a:r>
+          </a:p>
+          <a:p>
+            <a:endParaRPr lang="de-AT" dirty="0"/>
+          </a:p>
+          <a:p>
+            <a:r>
+              <a:rPr lang="de-AT" dirty="0" smtClean="0"/>
+              <a:t>Zeitkonten für Mitarbeiter eingeführt</a:t>
+            </a:r>
+            <a:endParaRPr lang="de-AT" dirty="0"/>
+          </a:p>
+        </p:txBody>
+      </p:sp>
+      <p:sp>
+        <p:nvSpPr>
+          <p:cNvPr id="4" name="Date Placeholder 3"/>
+          <p:cNvSpPr>
+            <a:spLocks noGrp="1"/>
+          </p:cNvSpPr>
+          <p:nvPr>
+            <p:ph type="dt" sz="half" idx="10"/>
+          </p:nvPr>
+        </p:nvSpPr>
+        <p:spPr/>
+        <p:txBody>
+          <a:bodyPr/>
+          <a:lstStyle/>
+          <a:p>
+            <a:fld id="{65FF002B-6FA8-43D9-854A-D532E0F1B363}" type="datetime1">
+              <a:rPr lang="de-AT" smtClean="0"/>
+              <a:t>11.03.2015</a:t>
+            </a:fld>
+            <a:endParaRPr lang="de-AT"/>
+          </a:p>
+        </p:txBody>
+      </p:sp>
+      <p:sp>
+        <p:nvSpPr>
+          <p:cNvPr id="5" name="Footer Placeholder 4"/>
+          <p:cNvSpPr>
+            <a:spLocks noGrp="1"/>
+          </p:cNvSpPr>
+          <p:nvPr>
+            <p:ph type="ftr" sz="quarter" idx="11"/>
+          </p:nvPr>
+        </p:nvSpPr>
+        <p:spPr/>
+        <p:txBody>
+          <a:bodyPr/>
+          <a:lstStyle/>
+          <a:p>
+            <a:r>
+              <a:rPr lang="de-AT" smtClean="0"/>
+              <a:t>Plansee Group - TGM 5AHITT</a:t>
+            </a:r>
+            <a:endParaRPr lang="de-AT"/>
+          </a:p>
+        </p:txBody>
+      </p:sp>
+      <p:sp>
+        <p:nvSpPr>
+          <p:cNvPr id="6" name="Slide Number Placeholder 5"/>
+          <p:cNvSpPr>
+            <a:spLocks noGrp="1"/>
+          </p:cNvSpPr>
+          <p:nvPr>
+            <p:ph type="sldNum" sz="quarter" idx="12"/>
+          </p:nvPr>
+        </p:nvSpPr>
+        <p:spPr/>
+        <p:txBody>
+          <a:bodyPr/>
+          <a:lstStyle/>
+          <a:p>
+            <a:fld id="{7E4B9D8A-30A2-4509-8A2B-BAB999C5542B}" type="slidenum">
+              <a:rPr lang="de-AT" smtClean="0"/>
+              <a:t>17</a:t>
+            </a:fld>
+            <a:endParaRPr lang="de-AT"/>
+          </a:p>
+        </p:txBody>
+      </p:sp>
+    </p:spTree>
+    <p:extLst>
+      <p:ext uri="{BB962C8B-B14F-4D97-AF65-F5344CB8AC3E}">
+        <p14:creationId xmlns:p14="http://schemas.microsoft.com/office/powerpoint/2010/main" val="3223418011"/>
+      </p:ext>
+    </p:extLst>
+  </p:cSld>
+  <p:clrMapOvr>
+    <a:masterClrMapping/>
+  </p:clrMapOvr>
+</p:sld>
+</file>
+
+<file path=ppt/slides/slide18.xml><?xml version="1.0" encoding="utf-8"?>
+<p:sld xmlns:a="http://schemas.openxmlformats.org/drawingml/2006/main" xmlns:r="http://schemas.openxmlformats.org/officeDocument/2006/relationships" xmlns:p="http://schemas.openxmlformats.org/presentationml/2006/main">
+  <p:cSld>
+    <p:spTree>
+      <p:nvGrpSpPr>
+        <p:cNvPr id="1" name=""/>
+        <p:cNvGrpSpPr/>
+        <p:nvPr/>
+      </p:nvGrpSpPr>
+      <p:grpSpPr>
+        <a:xfrm>
+          <a:off x="0" y="0"/>
+          <a:ext cx="0" cy="0"/>
+          <a:chOff x="0" y="0"/>
+          <a:chExt cx="0" cy="0"/>
+        </a:xfrm>
+      </p:grpSpPr>
+      <p:sp>
+        <p:nvSpPr>
+          <p:cNvPr id="2" name="Title 1"/>
+          <p:cNvSpPr>
+            <a:spLocks noGrp="1"/>
+          </p:cNvSpPr>
+          <p:nvPr>
+            <p:ph type="title"/>
+          </p:nvPr>
+        </p:nvSpPr>
+        <p:spPr/>
+        <p:txBody>
+          <a:bodyPr/>
+          <a:lstStyle/>
+          <a:p>
+            <a:r>
+              <a:rPr lang="de-AT" dirty="0"/>
+              <a:t>ERP </a:t>
+            </a:r>
+            <a:r>
+              <a:rPr lang="de-AT" dirty="0" smtClean="0"/>
+              <a:t>Auswahl</a:t>
+            </a:r>
+            <a:endParaRPr lang="de-AT" dirty="0"/>
+          </a:p>
+        </p:txBody>
+      </p:sp>
+      <p:sp>
+        <p:nvSpPr>
+          <p:cNvPr id="3" name="Content Placeholder 2"/>
+          <p:cNvSpPr>
+            <a:spLocks noGrp="1"/>
+          </p:cNvSpPr>
+          <p:nvPr>
+            <p:ph idx="1"/>
+          </p:nvPr>
+        </p:nvSpPr>
+        <p:spPr/>
+        <p:txBody>
+          <a:bodyPr/>
+          <a:lstStyle/>
+          <a:p>
+            <a:endParaRPr lang="de-AT" dirty="0"/>
+          </a:p>
+        </p:txBody>
+      </p:sp>
+      <p:sp>
+        <p:nvSpPr>
+          <p:cNvPr id="4" name="Date Placeholder 3"/>
+          <p:cNvSpPr>
+            <a:spLocks noGrp="1"/>
+          </p:cNvSpPr>
+          <p:nvPr>
+            <p:ph type="dt" sz="half" idx="10"/>
+          </p:nvPr>
+        </p:nvSpPr>
+        <p:spPr/>
+        <p:txBody>
+          <a:bodyPr/>
+          <a:lstStyle/>
+          <a:p>
+            <a:fld id="{339268F1-ED40-48F5-9CC8-8A0ACD474854}" type="datetime1">
+              <a:rPr lang="de-AT" smtClean="0"/>
+              <a:t>11.03.2015</a:t>
+            </a:fld>
+            <a:endParaRPr lang="de-AT"/>
+          </a:p>
+        </p:txBody>
+      </p:sp>
+      <p:sp>
+        <p:nvSpPr>
+          <p:cNvPr id="5" name="Footer Placeholder 4"/>
+          <p:cNvSpPr>
+            <a:spLocks noGrp="1"/>
+          </p:cNvSpPr>
+          <p:nvPr>
+            <p:ph type="ftr" sz="quarter" idx="11"/>
+          </p:nvPr>
+        </p:nvSpPr>
+        <p:spPr/>
+        <p:txBody>
+          <a:bodyPr/>
+          <a:lstStyle/>
+          <a:p>
+            <a:r>
+              <a:rPr lang="de-AT" smtClean="0"/>
+              <a:t>Plansee Group - TGM 5AHITT</a:t>
+            </a:r>
+            <a:endParaRPr lang="de-AT"/>
+          </a:p>
+        </p:txBody>
+      </p:sp>
+      <p:sp>
+        <p:nvSpPr>
+          <p:cNvPr id="6" name="Slide Number Placeholder 5"/>
+          <p:cNvSpPr>
+            <a:spLocks noGrp="1"/>
+          </p:cNvSpPr>
+          <p:nvPr>
+            <p:ph type="sldNum" sz="quarter" idx="12"/>
+          </p:nvPr>
+        </p:nvSpPr>
+        <p:spPr/>
+        <p:txBody>
+          <a:bodyPr/>
+          <a:lstStyle/>
+          <a:p>
+            <a:fld id="{7E4B9D8A-30A2-4509-8A2B-BAB999C5542B}" type="slidenum">
+              <a:rPr lang="de-AT" smtClean="0"/>
+              <a:t>18</a:t>
+            </a:fld>
+            <a:endParaRPr lang="de-AT"/>
+          </a:p>
+        </p:txBody>
+      </p:sp>
+    </p:spTree>
+    <p:extLst>
+      <p:ext uri="{BB962C8B-B14F-4D97-AF65-F5344CB8AC3E}">
+        <p14:creationId xmlns:p14="http://schemas.microsoft.com/office/powerpoint/2010/main" val="2641605786"/>
       </p:ext>
     </p:extLst>
   </p:cSld>
@@ -7023,11 +9716,7 @@
           <a:p>
             <a:r>
               <a:rPr lang="de-AT" dirty="0" smtClean="0"/>
-              <a:t>1921 gegründet ,</a:t>
-            </a:r>
-            <a:r>
-              <a:rPr lang="de-AT" dirty="0" smtClean="0"/>
-              <a:t>Gründer Paul Schwarzkopf</a:t>
+              <a:t>1921 gegründet ,Gründer Paul Schwarzkopf</a:t>
             </a:r>
           </a:p>
           <a:p>
@@ -7470,8 +10159,13 @@
           <a:p>
             <a:r>
               <a:rPr lang="de-AT" dirty="0" smtClean="0"/>
-              <a:t>Standorte Weltweit</a:t>
-            </a:r>
+              <a:t>Standorte </a:t>
+            </a:r>
+            <a:r>
+              <a:rPr lang="de-AT" dirty="0" smtClean="0"/>
+              <a:t>Weltweit</a:t>
+            </a:r>
+            <a:endParaRPr lang="de-AT" dirty="0" smtClean="0"/>
           </a:p>
           <a:p>
             <a:pPr marL="0" indent="0">
@@ -7482,14 +10176,20 @@
           <a:p>
             <a:r>
               <a:rPr lang="de-AT" dirty="0" smtClean="0"/>
-              <a:t>Besitzt Produktlinienstruktur</a:t>
-            </a:r>
+              <a:t>Organisiert mittels Produktlinienstruktur</a:t>
+            </a:r>
+            <a:endParaRPr lang="de-AT" dirty="0" smtClean="0"/>
           </a:p>
           <a:p>
             <a:r>
               <a:rPr lang="de-AT" dirty="0" smtClean="0"/>
-              <a:t>An der Börse notiert </a:t>
-            </a:r>
+              <a:t>An der Börse </a:t>
+            </a:r>
+            <a:r>
+              <a:rPr lang="de-AT" dirty="0" smtClean="0"/>
+              <a:t>notiert</a:t>
+            </a:r>
+            <a:endParaRPr lang="de-AT" dirty="0" smtClean="0"/>
           </a:p>
           <a:p>
             <a:pPr marL="0" indent="0">
@@ -7517,8 +10217,18 @@
               <a:t>	</a:t>
             </a:r>
             <a:r>
+              <a:rPr lang="de-AT" dirty="0" smtClean="0">
+                <a:sym typeface="Wingdings" panose="05000000000000000000" pitchFamily="2" charset="2"/>
+              </a:rPr>
+              <a:t> </a:t>
+            </a:r>
+            <a:r>
               <a:rPr lang="de-AT" dirty="0" smtClean="0"/>
-              <a:t>PLANSEE Hochleistungswerkstoffe</a:t>
+              <a:t>PLANSEE </a:t>
+            </a:r>
+            <a:r>
+              <a:rPr lang="de-AT" dirty="0" smtClean="0"/>
+              <a:t>Hochleistungswerkstoffe</a:t>
             </a:r>
           </a:p>
           <a:p>
@@ -7530,8 +10240,18 @@
               <a:t>	</a:t>
             </a:r>
             <a:r>
+              <a:rPr lang="de-AT" dirty="0" smtClean="0">
+                <a:sym typeface="Wingdings" panose="05000000000000000000" pitchFamily="2" charset="2"/>
+              </a:rPr>
+              <a:t> </a:t>
+            </a:r>
+            <a:r>
+              <a:rPr lang="de-AT" dirty="0" smtClean="0"/>
+              <a:t>CERATIZIT </a:t>
+            </a:r>
+            <a:r>
               <a:rPr lang="de-AT" dirty="0"/>
-              <a:t>CERATIZIT Hartstoffe &amp; </a:t>
+              <a:t>Hartstoffe &amp; </a:t>
             </a:r>
             <a:r>
               <a:rPr lang="de-AT" dirty="0" smtClean="0"/>
@@ -7547,8 +10267,18 @@
               <a:t>	</a:t>
             </a:r>
             <a:r>
+              <a:rPr lang="de-AT" dirty="0" smtClean="0">
+                <a:sym typeface="Wingdings" panose="05000000000000000000" pitchFamily="2" charset="2"/>
+              </a:rPr>
+              <a:t> </a:t>
+            </a:r>
+            <a:r>
+              <a:rPr lang="de-AT" dirty="0" smtClean="0"/>
+              <a:t>Global </a:t>
+            </a:r>
+            <a:r>
               <a:rPr lang="de-AT" dirty="0"/>
-              <a:t>Global Tungsten &amp; </a:t>
+              <a:t>Tungsten &amp; </a:t>
             </a:r>
             <a:r>
               <a:rPr lang="de-AT" dirty="0" err="1"/>
@@ -7665,7 +10395,7 @@
       </p:grpSpPr>
       <p:sp>
         <p:nvSpPr>
-          <p:cNvPr id="2" name="Title 1"/>
+          <p:cNvPr id="2" name="Titel 1"/>
           <p:cNvSpPr>
             <a:spLocks noGrp="1"/>
           </p:cNvSpPr>
@@ -7679,38 +10409,93 @@
           <a:lstStyle/>
           <a:p>
             <a:r>
-              <a:rPr lang="de-AT" dirty="0"/>
-              <a:t>Produkte &amp; Ablauf</a:t>
+              <a:rPr lang="de-AT" dirty="0" smtClean="0"/>
+              <a:t>Unternehmensstruktur</a:t>
             </a:r>
             <a:br>
-              <a:rPr lang="de-AT" dirty="0"/>
+              <a:rPr lang="de-AT" dirty="0" smtClean="0"/>
             </a:br>
+            <a:r>
+              <a:rPr lang="de-AT" sz="2800" dirty="0" smtClean="0"/>
+              <a:t>PLANSEE Hochleistungswerkstoffe</a:t>
+            </a:r>
+            <a:endParaRPr lang="de-AT" sz="2800" dirty="0"/>
+          </a:p>
+        </p:txBody>
+      </p:sp>
+      <p:sp>
+        <p:nvSpPr>
+          <p:cNvPr id="3" name="Inhaltsplatzhalter 2"/>
+          <p:cNvSpPr>
+            <a:spLocks noGrp="1"/>
+          </p:cNvSpPr>
+          <p:nvPr>
+            <p:ph idx="1"/>
+          </p:nvPr>
+        </p:nvSpPr>
+        <p:spPr/>
+        <p:txBody>
+          <a:bodyPr/>
+          <a:lstStyle/>
+          <a:p>
+            <a:r>
+              <a:rPr lang="de-AT" dirty="0" smtClean="0"/>
+              <a:t>Stellt hochschmelzende Metalle/Verbundwerkstoffe pulvermetallurgisch her</a:t>
+            </a:r>
+          </a:p>
+          <a:p>
             <a:endParaRPr lang="de-AT" dirty="0"/>
           </a:p>
-        </p:txBody>
-      </p:sp>
-      <p:sp>
-        <p:nvSpPr>
-          <p:cNvPr id="3" name="Content Placeholder 2"/>
-          <p:cNvSpPr>
-            <a:spLocks noGrp="1"/>
-          </p:cNvSpPr>
-          <p:nvPr>
-            <p:ph idx="1"/>
-          </p:nvPr>
-        </p:nvSpPr>
-        <p:spPr/>
-        <p:txBody>
-          <a:bodyPr/>
-          <a:lstStyle/>
-          <a:p>
-            <a:endParaRPr lang="de-AT"/>
-          </a:p>
-        </p:txBody>
-      </p:sp>
-      <p:sp>
-        <p:nvSpPr>
-          <p:cNvPr id="4" name="Date Placeholder 3"/>
+          <a:p>
+            <a:r>
+              <a:rPr lang="de-AT" dirty="0" smtClean="0"/>
+              <a:t>Erzkonzentrate aus Minen zu Metalloxiden (GTP/</a:t>
+            </a:r>
+            <a:r>
+              <a:rPr lang="de-AT" dirty="0" err="1" smtClean="0"/>
+              <a:t>Molymet</a:t>
+            </a:r>
+            <a:r>
+              <a:rPr lang="de-AT" dirty="0" smtClean="0"/>
+              <a:t>) </a:t>
+            </a:r>
+            <a:r>
+              <a:rPr lang="de-AT" dirty="0" smtClean="0">
+                <a:sym typeface="Wingdings" panose="05000000000000000000" pitchFamily="2" charset="2"/>
+              </a:rPr>
+              <a:t> reines Metallpulver</a:t>
+            </a:r>
+          </a:p>
+          <a:p>
+            <a:endParaRPr lang="de-AT" dirty="0">
+              <a:sym typeface="Wingdings" panose="05000000000000000000" pitchFamily="2" charset="2"/>
+            </a:endParaRPr>
+          </a:p>
+          <a:p>
+            <a:r>
+              <a:rPr lang="de-AT" dirty="0" smtClean="0">
+                <a:sym typeface="Wingdings" panose="05000000000000000000" pitchFamily="2" charset="2"/>
+              </a:rPr>
+              <a:t>Metallpulver wird gepresst/gesintert und durch Umformschritte zu hoch belastbaren Werkstoffen weiterverarbeitet</a:t>
+            </a:r>
+          </a:p>
+          <a:p>
+            <a:endParaRPr lang="de-AT" dirty="0">
+              <a:sym typeface="Wingdings" panose="05000000000000000000" pitchFamily="2" charset="2"/>
+            </a:endParaRPr>
+          </a:p>
+          <a:p>
+            <a:r>
+              <a:rPr lang="de-AT" dirty="0" smtClean="0"/>
+              <a:t>Tätig in diversen Geschäftsfeldern</a:t>
+            </a:r>
+            <a:endParaRPr lang="de-AT" dirty="0"/>
+          </a:p>
+        </p:txBody>
+      </p:sp>
+      <p:sp>
+        <p:nvSpPr>
+          <p:cNvPr id="4" name="Datumsplatzhalter 3"/>
           <p:cNvSpPr>
             <a:spLocks noGrp="1"/>
           </p:cNvSpPr>
@@ -7723,7 +10508,7 @@
           <a:bodyPr/>
           <a:lstStyle/>
           <a:p>
-            <a:fld id="{4A585FD5-F139-4851-9C60-8BA356910DE0}" type="datetime1">
+            <a:fld id="{5DC49387-FBA4-4741-9A41-019152E901E7}" type="datetime1">
               <a:rPr lang="de-AT" smtClean="0"/>
               <a:t>11.03.2015</a:t>
             </a:fld>
@@ -7733,7 +10518,7 @@
       </p:sp>
       <p:sp>
         <p:nvSpPr>
-          <p:cNvPr id="5" name="Footer Placeholder 4"/>
+          <p:cNvPr id="5" name="Fußzeilenplatzhalter 4"/>
           <p:cNvSpPr>
             <a:spLocks noGrp="1"/>
           </p:cNvSpPr>
@@ -7756,7 +10541,7 @@
       </p:sp>
       <p:sp>
         <p:nvSpPr>
-          <p:cNvPr id="6" name="Slide Number Placeholder 5"/>
+          <p:cNvPr id="6" name="Foliennummernplatzhalter 5"/>
           <p:cNvSpPr>
             <a:spLocks noGrp="1"/>
           </p:cNvSpPr>
@@ -7780,7 +10565,7 @@
     </p:spTree>
     <p:extLst>
       <p:ext uri="{BB962C8B-B14F-4D97-AF65-F5344CB8AC3E}">
-        <p14:creationId xmlns:p14="http://schemas.microsoft.com/office/powerpoint/2010/main" val="262729864"/>
+        <p14:creationId xmlns:p14="http://schemas.microsoft.com/office/powerpoint/2010/main" val="1858526223"/>
       </p:ext>
     </p:extLst>
   </p:cSld>
@@ -7809,7 +10594,7 @@
       </p:grpSpPr>
       <p:sp>
         <p:nvSpPr>
-          <p:cNvPr id="2" name="Title 1"/>
+          <p:cNvPr id="2" name="Titel 1"/>
           <p:cNvSpPr>
             <a:spLocks noGrp="1"/>
           </p:cNvSpPr>
@@ -7823,35 +10608,106 @@
           <a:lstStyle/>
           <a:p>
             <a:r>
+              <a:rPr lang="de-AT" dirty="0"/>
+              <a:t>Unternehmensstruktur</a:t>
+            </a:r>
+            <a:br>
+              <a:rPr lang="de-AT" dirty="0"/>
+            </a:br>
+            <a:r>
+              <a:rPr lang="de-AT" sz="2800" dirty="0" smtClean="0"/>
+              <a:t>Global Tungsten &amp; </a:t>
+            </a:r>
+            <a:r>
+              <a:rPr lang="de-AT" sz="2800" dirty="0" err="1" smtClean="0"/>
+              <a:t>Powders</a:t>
+            </a:r>
+            <a:endParaRPr lang="de-AT" sz="2800" dirty="0"/>
+          </a:p>
+        </p:txBody>
+      </p:sp>
+      <p:sp>
+        <p:nvSpPr>
+          <p:cNvPr id="3" name="Inhaltsplatzhalter 2"/>
+          <p:cNvSpPr>
+            <a:spLocks noGrp="1"/>
+          </p:cNvSpPr>
+          <p:nvPr>
+            <p:ph idx="1"/>
+          </p:nvPr>
+        </p:nvSpPr>
+        <p:spPr/>
+        <p:txBody>
+          <a:bodyPr>
+            <a:normAutofit lnSpcReduction="10000"/>
+          </a:bodyPr>
+          <a:lstStyle/>
+          <a:p>
+            <a:r>
               <a:rPr lang="de-AT" dirty="0" smtClean="0"/>
-              <a:t>Umsatz &amp; Gewinn</a:t>
-            </a:r>
+              <a:t>Sitz in den USA</a:t>
+            </a:r>
+          </a:p>
+          <a:p>
             <a:endParaRPr lang="de-AT" dirty="0"/>
           </a:p>
-        </p:txBody>
-      </p:sp>
-      <p:sp>
-        <p:nvSpPr>
-          <p:cNvPr id="3" name="Content Placeholder 2"/>
-          <p:cNvSpPr>
-            <a:spLocks noGrp="1"/>
-          </p:cNvSpPr>
-          <p:nvPr>
-            <p:ph idx="1"/>
-          </p:nvPr>
-        </p:nvSpPr>
-        <p:spPr/>
-        <p:txBody>
-          <a:bodyPr/>
-          <a:lstStyle/>
-          <a:p>
+          <a:p>
+            <a:r>
+              <a:rPr lang="de-AT" dirty="0" smtClean="0"/>
+              <a:t>Entsteht 2008 durch Übernahme eines Betriebsteils des Konzerns Osram </a:t>
+            </a:r>
+            <a:r>
+              <a:rPr lang="de-AT" dirty="0" err="1" smtClean="0"/>
+              <a:t>Sylvania</a:t>
+            </a:r>
+            <a:endParaRPr lang="de-AT" dirty="0" smtClean="0"/>
+          </a:p>
+          <a:p>
+            <a:pPr marL="0" indent="0">
+              <a:buNone/>
+            </a:pPr>
             <a:endParaRPr lang="de-AT" dirty="0"/>
           </a:p>
-        </p:txBody>
-      </p:sp>
-      <p:sp>
-        <p:nvSpPr>
-          <p:cNvPr id="4" name="Date Placeholder 3"/>
+          <a:p>
+            <a:r>
+              <a:rPr lang="de-AT" dirty="0" smtClean="0"/>
+              <a:t>Spezialisiert auf Erzeugung von Wolfram-Erzkonzentraten</a:t>
+            </a:r>
+          </a:p>
+          <a:p>
+            <a:endParaRPr lang="de-AT" dirty="0"/>
+          </a:p>
+          <a:p>
+            <a:r>
+              <a:rPr lang="de-AT" dirty="0" smtClean="0"/>
+              <a:t>Erzkonzentrate </a:t>
+            </a:r>
+            <a:r>
+              <a:rPr lang="de-AT" dirty="0" smtClean="0">
+                <a:sym typeface="Wingdings" panose="05000000000000000000" pitchFamily="2" charset="2"/>
+              </a:rPr>
+              <a:t> APW  Metallpulver/Karbide</a:t>
+            </a:r>
+          </a:p>
+          <a:p>
+            <a:endParaRPr lang="de-AT" dirty="0">
+              <a:sym typeface="Wingdings" panose="05000000000000000000" pitchFamily="2" charset="2"/>
+            </a:endParaRPr>
+          </a:p>
+          <a:p>
+            <a:r>
+              <a:rPr lang="de-AT" dirty="0" smtClean="0">
+                <a:sym typeface="Wingdings" panose="05000000000000000000" pitchFamily="2" charset="2"/>
+              </a:rPr>
+              <a:t>Langfristige Finanzierungs-/Liefervereinbarungen mit westlichen Minen</a:t>
+            </a:r>
+            <a:endParaRPr lang="de-AT" dirty="0"/>
+          </a:p>
+        </p:txBody>
+      </p:sp>
+      <p:sp>
+        <p:nvSpPr>
+          <p:cNvPr id="4" name="Datumsplatzhalter 3"/>
           <p:cNvSpPr>
             <a:spLocks noGrp="1"/>
           </p:cNvSpPr>
@@ -7874,7 +10730,7 @@
       </p:sp>
       <p:sp>
         <p:nvSpPr>
-          <p:cNvPr id="5" name="Footer Placeholder 4"/>
+          <p:cNvPr id="5" name="Fußzeilenplatzhalter 4"/>
           <p:cNvSpPr>
             <a:spLocks noGrp="1"/>
           </p:cNvSpPr>
@@ -7897,7 +10753,7 @@
       </p:sp>
       <p:sp>
         <p:nvSpPr>
-          <p:cNvPr id="6" name="Slide Number Placeholder 5"/>
+          <p:cNvPr id="6" name="Foliennummernplatzhalter 5"/>
           <p:cNvSpPr>
             <a:spLocks noGrp="1"/>
           </p:cNvSpPr>
@@ -7921,7 +10777,7 @@
     </p:spTree>
     <p:extLst>
       <p:ext uri="{BB962C8B-B14F-4D97-AF65-F5344CB8AC3E}">
-        <p14:creationId xmlns:p14="http://schemas.microsoft.com/office/powerpoint/2010/main" val="4000049594"/>
+        <p14:creationId xmlns:p14="http://schemas.microsoft.com/office/powerpoint/2010/main" val="516867145"/>
       </p:ext>
     </p:extLst>
   </p:cSld>
@@ -7950,7 +10806,7 @@
       </p:grpSpPr>
       <p:sp>
         <p:nvSpPr>
-          <p:cNvPr id="2" name="Title 1"/>
+          <p:cNvPr id="2" name="Titel 1"/>
           <p:cNvSpPr>
             <a:spLocks noGrp="1"/>
           </p:cNvSpPr>
@@ -7964,82 +10820,84 @@
           <a:lstStyle/>
           <a:p>
             <a:r>
+              <a:rPr lang="de-AT" dirty="0" smtClean="0"/>
+              <a:t>Unternehmensstruktur</a:t>
+            </a:r>
+            <a:br>
+              <a:rPr lang="de-AT" dirty="0" smtClean="0"/>
+            </a:br>
+            <a:r>
+              <a:rPr lang="de-AT" sz="2800" dirty="0" smtClean="0"/>
+              <a:t>CERATIZIT Hartstoffe &amp; Werkzeuge</a:t>
+            </a:r>
+            <a:endParaRPr lang="de-AT" sz="2800" dirty="0"/>
+          </a:p>
+        </p:txBody>
+      </p:sp>
+      <p:sp>
+        <p:nvSpPr>
+          <p:cNvPr id="3" name="Inhaltsplatzhalter 2"/>
+          <p:cNvSpPr>
+            <a:spLocks noGrp="1"/>
+          </p:cNvSpPr>
+          <p:nvPr>
+            <p:ph idx="1"/>
+          </p:nvPr>
+        </p:nvSpPr>
+        <p:spPr/>
+        <p:txBody>
+          <a:bodyPr/>
+          <a:lstStyle/>
+          <a:p>
+            <a:r>
+              <a:rPr lang="de-AT" dirty="0" smtClean="0"/>
+              <a:t>Sitz in Luxemburg</a:t>
+            </a:r>
+          </a:p>
+          <a:p>
+            <a:endParaRPr lang="de-AT" dirty="0"/>
+          </a:p>
+          <a:p>
+            <a:r>
+              <a:rPr lang="de-AT" dirty="0" smtClean="0"/>
+              <a:t>Entsteht </a:t>
+            </a:r>
+            <a:r>
               <a:rPr lang="de-AT" dirty="0"/>
-              <a:t>Marktzustand &amp; </a:t>
-            </a:r>
+              <a:t>2002 durch Fusion der Plansee-Gruppe mit Luxemburger Hartmetallhersteller </a:t>
+            </a:r>
+            <a:r>
+              <a:rPr lang="de-AT" dirty="0" err="1"/>
+              <a:t>Cerametal</a:t>
+            </a:r>
+            <a:endParaRPr lang="de-AT" dirty="0"/>
+          </a:p>
+          <a:p>
+            <a:endParaRPr lang="de-AT" dirty="0" smtClean="0"/>
+          </a:p>
+          <a:p>
             <a:r>
               <a:rPr lang="de-AT" dirty="0" smtClean="0"/>
-              <a:t>Trends</a:t>
-            </a:r>
+              <a:t>Tätig auf Gebiet anspruchsvoller Hartmetall-Lösungen für Zerspanung und Verschleißschutz</a:t>
+            </a:r>
+          </a:p>
+          <a:p>
             <a:endParaRPr lang="de-AT" dirty="0"/>
           </a:p>
-        </p:txBody>
-      </p:sp>
-      <p:sp>
-        <p:nvSpPr>
-          <p:cNvPr id="3" name="Content Placeholder 2"/>
-          <p:cNvSpPr>
-            <a:spLocks noGrp="1"/>
-          </p:cNvSpPr>
-          <p:nvPr>
-            <p:ph idx="1"/>
-          </p:nvPr>
-        </p:nvSpPr>
-        <p:spPr/>
-        <p:txBody>
-          <a:bodyPr/>
-          <a:lstStyle/>
           <a:p>
             <a:r>
               <a:rPr lang="de-AT" dirty="0" smtClean="0"/>
-              <a:t>Betriebsgeheimnisse an Konkurrenz weitergeleitet</a:t>
+              <a:t>Produziert hochspezialisierte Zerspanungswerkzeuge, Wendeschneidplatten und Stäbe aus Hartmetall</a:t>
             </a:r>
           </a:p>
           <a:p>
             <a:endParaRPr lang="de-AT" dirty="0"/>
           </a:p>
-          <a:p>
-            <a:r>
-              <a:rPr lang="de-AT" dirty="0" smtClean="0"/>
-              <a:t>Immer mehr Konkurrenz auf China</a:t>
-            </a:r>
-          </a:p>
-          <a:p>
-            <a:endParaRPr lang="de-AT" dirty="0"/>
-          </a:p>
-          <a:p>
-            <a:r>
-              <a:rPr lang="de-AT" dirty="0" smtClean="0"/>
-              <a:t>GTAT</a:t>
-            </a:r>
-            <a:r>
-              <a:rPr lang="de-AT" dirty="0"/>
-              <a:t> </a:t>
-            </a:r>
-            <a:r>
-              <a:rPr lang="de-AT" dirty="0" smtClean="0"/>
-              <a:t>Pleite </a:t>
-            </a:r>
-            <a:r>
-              <a:rPr lang="de-AT" dirty="0" smtClean="0"/>
-              <a:t>kostet 80 Arbeitsplätze </a:t>
-            </a:r>
-          </a:p>
-          <a:p>
-            <a:endParaRPr lang="de-AT" dirty="0"/>
-          </a:p>
-          <a:p>
-            <a:r>
-              <a:rPr lang="de-AT" dirty="0" smtClean="0"/>
-              <a:t>Zeitkonten für Mitarbeiter eingeführt</a:t>
-            </a:r>
-            <a:endParaRPr lang="de-AT" dirty="0"/>
-          </a:p>
-        </p:txBody>
-      </p:sp>
-      <p:sp>
-        <p:nvSpPr>
-          <p:cNvPr id="4" name="Date Placeholder 3"/>
+        </p:txBody>
+      </p:sp>
+      <p:sp>
+        <p:nvSpPr>
+          <p:cNvPr id="4" name="Datumsplatzhalter 3"/>
           <p:cNvSpPr>
             <a:spLocks noGrp="1"/>
           </p:cNvSpPr>
@@ -8052,7 +10910,7 @@
           <a:bodyPr/>
           <a:lstStyle/>
           <a:p>
-            <a:fld id="{65FF002B-6FA8-43D9-854A-D532E0F1B363}" type="datetime1">
+            <a:fld id="{5DC49387-FBA4-4741-9A41-019152E901E7}" type="datetime1">
               <a:rPr lang="de-AT" smtClean="0"/>
               <a:t>11.03.2015</a:t>
             </a:fld>
@@ -8062,7 +10920,7 @@
       </p:sp>
       <p:sp>
         <p:nvSpPr>
-          <p:cNvPr id="5" name="Footer Placeholder 4"/>
+          <p:cNvPr id="5" name="Fußzeilenplatzhalter 4"/>
           <p:cNvSpPr>
             <a:spLocks noGrp="1"/>
           </p:cNvSpPr>
@@ -8085,7 +10943,7 @@
       </p:sp>
       <p:sp>
         <p:nvSpPr>
-          <p:cNvPr id="6" name="Slide Number Placeholder 5"/>
+          <p:cNvPr id="6" name="Foliennummernplatzhalter 5"/>
           <p:cNvSpPr>
             <a:spLocks noGrp="1"/>
           </p:cNvSpPr>
@@ -8109,7 +10967,7 @@
     </p:spTree>
     <p:extLst>
       <p:ext uri="{BB962C8B-B14F-4D97-AF65-F5344CB8AC3E}">
-        <p14:creationId xmlns:p14="http://schemas.microsoft.com/office/powerpoint/2010/main" val="3223418011"/>
+        <p14:creationId xmlns:p14="http://schemas.microsoft.com/office/powerpoint/2010/main" val="2743977351"/>
       </p:ext>
     </p:extLst>
   </p:cSld>
@@ -8138,7 +10996,7 @@
       </p:grpSpPr>
       <p:sp>
         <p:nvSpPr>
-          <p:cNvPr id="2" name="Title 1"/>
+          <p:cNvPr id="2" name="Titel 1"/>
           <p:cNvSpPr>
             <a:spLocks noGrp="1"/>
           </p:cNvSpPr>
@@ -8153,38 +11011,122 @@
           <a:p>
             <a:r>
               <a:rPr lang="de-AT" dirty="0"/>
-              <a:t>ERP </a:t>
-            </a:r>
+              <a:t>Unternehmensstruktur</a:t>
+            </a:r>
+            <a:br>
+              <a:rPr lang="de-AT" dirty="0"/>
+            </a:br>
+            <a:r>
+              <a:rPr lang="de-AT" sz="2800" dirty="0"/>
+              <a:t>CERATIZIT Hartstoffe &amp; Werkzeuge</a:t>
+            </a:r>
+          </a:p>
+        </p:txBody>
+      </p:sp>
+      <p:sp>
+        <p:nvSpPr>
+          <p:cNvPr id="3" name="Inhaltsplatzhalter 2"/>
+          <p:cNvSpPr>
+            <a:spLocks noGrp="1"/>
+          </p:cNvSpPr>
+          <p:nvPr>
+            <p:ph idx="1"/>
+          </p:nvPr>
+        </p:nvSpPr>
+        <p:spPr>
+          <a:xfrm>
+            <a:off x="1103312" y="2036589"/>
+            <a:ext cx="8946541" cy="4195481"/>
+          </a:xfrm>
+        </p:spPr>
+        <p:txBody>
+          <a:bodyPr>
+            <a:normAutofit/>
+          </a:bodyPr>
+          <a:lstStyle/>
+          <a:p>
             <a:r>
               <a:rPr lang="de-AT" dirty="0" smtClean="0"/>
-              <a:t>Auswahl</a:t>
-            </a:r>
+              <a:t>5.000 Mitarbeiter, 22 Produktionsstätten, Vertriebsnetz mit 50+ Niederlassungen, </a:t>
+            </a:r>
+            <a:r>
+              <a:rPr lang="de-AT" dirty="0"/>
+              <a:t>600 </a:t>
+            </a:r>
+            <a:r>
+              <a:rPr lang="de-AT" dirty="0" smtClean="0"/>
+              <a:t>Patente</a:t>
+            </a:r>
+          </a:p>
+          <a:p>
+            <a:pPr marL="0" indent="0">
+              <a:buNone/>
+            </a:pPr>
             <a:endParaRPr lang="de-AT" dirty="0"/>
           </a:p>
-        </p:txBody>
-      </p:sp>
-      <p:sp>
-        <p:nvSpPr>
-          <p:cNvPr id="3" name="Content Placeholder 2"/>
-          <p:cNvSpPr>
-            <a:spLocks noGrp="1"/>
-          </p:cNvSpPr>
-          <p:nvPr>
-            <p:ph idx="1"/>
-          </p:nvPr>
-        </p:nvSpPr>
-        <p:spPr/>
-        <p:txBody>
-          <a:bodyPr/>
-          <a:lstStyle/>
+          <a:p>
+            <a:r>
+              <a:rPr lang="de-AT" dirty="0" smtClean="0"/>
+              <a:t>Einsatz der Produkte in vielen Bereichen</a:t>
+            </a:r>
+          </a:p>
           <a:p>
             <a:endParaRPr lang="de-AT" dirty="0"/>
           </a:p>
-        </p:txBody>
-      </p:sp>
-      <p:sp>
-        <p:nvSpPr>
-          <p:cNvPr id="4" name="Date Placeholder 3"/>
+          <a:p>
+            <a:r>
+              <a:rPr lang="de-AT" dirty="0" smtClean="0"/>
+              <a:t>Untergliedert sich in: </a:t>
+            </a:r>
+            <a:br>
+              <a:rPr lang="de-AT" dirty="0" smtClean="0"/>
+            </a:br>
+            <a:r>
+              <a:rPr lang="de-AT" dirty="0" smtClean="0">
+                <a:sym typeface="Wingdings" panose="05000000000000000000" pitchFamily="2" charset="2"/>
+              </a:rPr>
+              <a:t> WNT - Zerspanungswerkzeuge</a:t>
+            </a:r>
+            <a:br>
+              <a:rPr lang="de-AT" dirty="0" smtClean="0">
+                <a:sym typeface="Wingdings" panose="05000000000000000000" pitchFamily="2" charset="2"/>
+              </a:rPr>
+            </a:br>
+            <a:r>
+              <a:rPr lang="de-AT" dirty="0" smtClean="0">
+                <a:sym typeface="Wingdings" panose="05000000000000000000" pitchFamily="2" charset="2"/>
+              </a:rPr>
+              <a:t> CB-CERATIZIT - Marktbearbeitungen</a:t>
+            </a:r>
+            <a:br>
+              <a:rPr lang="de-AT" dirty="0" smtClean="0">
+                <a:sym typeface="Wingdings" panose="05000000000000000000" pitchFamily="2" charset="2"/>
+              </a:rPr>
+            </a:br>
+            <a:r>
+              <a:rPr lang="de-AT" dirty="0" smtClean="0">
+                <a:sym typeface="Wingdings" panose="05000000000000000000" pitchFamily="2" charset="2"/>
+              </a:rPr>
+              <a:t> Günter Wirth (GW) - Vollhartwerkzeuge</a:t>
+            </a:r>
+            <a:br>
+              <a:rPr lang="de-AT" dirty="0" smtClean="0">
+                <a:sym typeface="Wingdings" panose="05000000000000000000" pitchFamily="2" charset="2"/>
+              </a:rPr>
+            </a:br>
+            <a:r>
+              <a:rPr lang="de-AT" dirty="0" smtClean="0">
+                <a:sym typeface="Wingdings" panose="05000000000000000000" pitchFamily="2" charset="2"/>
+              </a:rPr>
+              <a:t> PROMAX Tools – Bohrer/Fräser aus VHM</a:t>
+            </a:r>
+            <a:endParaRPr lang="de-AT" dirty="0" smtClean="0"/>
+          </a:p>
+        </p:txBody>
+      </p:sp>
+      <p:sp>
+        <p:nvSpPr>
+          <p:cNvPr id="4" name="Datumsplatzhalter 3"/>
           <p:cNvSpPr>
             <a:spLocks noGrp="1"/>
           </p:cNvSpPr>
@@ -8197,7 +11139,7 @@
           <a:bodyPr/>
           <a:lstStyle/>
           <a:p>
-            <a:fld id="{339268F1-ED40-48F5-9CC8-8A0ACD474854}" type="datetime1">
+            <a:fld id="{5DC49387-FBA4-4741-9A41-019152E901E7}" type="datetime1">
               <a:rPr lang="de-AT" smtClean="0"/>
               <a:t>11.03.2015</a:t>
             </a:fld>
@@ -8207,7 +11149,7 @@
       </p:sp>
       <p:sp>
         <p:nvSpPr>
-          <p:cNvPr id="5" name="Footer Placeholder 4"/>
+          <p:cNvPr id="5" name="Fußzeilenplatzhalter 4"/>
           <p:cNvSpPr>
             <a:spLocks noGrp="1"/>
           </p:cNvSpPr>
@@ -8230,7 +11172,7 @@
       </p:sp>
       <p:sp>
         <p:nvSpPr>
-          <p:cNvPr id="6" name="Slide Number Placeholder 5"/>
+          <p:cNvPr id="6" name="Foliennummernplatzhalter 5"/>
           <p:cNvSpPr>
             <a:spLocks noGrp="1"/>
           </p:cNvSpPr>
@@ -8254,7 +11196,7 @@
     </p:spTree>
     <p:extLst>
       <p:ext uri="{BB962C8B-B14F-4D97-AF65-F5344CB8AC3E}">
-        <p14:creationId xmlns:p14="http://schemas.microsoft.com/office/powerpoint/2010/main" val="2641605786"/>
+        <p14:creationId xmlns:p14="http://schemas.microsoft.com/office/powerpoint/2010/main" val="2563290533"/>
       </p:ext>
     </p:extLst>
   </p:cSld>
@@ -8524,7 +11466,7 @@
   <a:extraClrSchemeLst/>
   <a:extLst>
     <a:ext uri="{05A4C25C-085E-4340-85A3-A5531E510DB2}">
-      <thm15:themeFamily xmlns:thm15="http://schemas.microsoft.com/office/thememl/2012/main" name="Ion" id="{B8441ADB-2E43-4AF7-B97A-BD870242C6A8}" vid="{292E63A9-BB86-4E3D-B92A-7223C6510D2E}"/>
+      <thm15:themeFamily xmlns:thm15="http://schemas.microsoft.com/office/thememl/2012/main" xmlns="" name="Ion" id="{B8441ADB-2E43-4AF7-B97A-BD870242C6A8}" vid="{292E63A9-BB86-4E3D-B92A-7223C6510D2E}"/>
     </a:ext>
   </a:extLst>
 </a:theme>
@@ -8785,7 +11727,7 @@
   <a:extraClrSchemeLst/>
   <a:extLst>
     <a:ext uri="{05A4C25C-085E-4340-85A3-A5531E510DB2}">
-      <thm15:themeFamily xmlns:thm15="http://schemas.microsoft.com/office/thememl/2012/main" name="Office Theme" id="{62F939B6-93AF-4DB8-9C6B-D6C7DFDC589F}" vid="{4A3C46E8-61CC-4603-A589-7422A47A8E4A}"/>
+      <thm15:themeFamily xmlns:thm15="http://schemas.microsoft.com/office/thememl/2012/main" xmlns="" name="Office Theme" id="{62F939B6-93AF-4DB8-9C6B-D6C7DFDC589F}" vid="{4A3C46E8-61CC-4603-A589-7422A47A8E4A}"/>
     </a:ext>
   </a:extLst>
 </a:theme>

--- a/PlanseeGroup.pptx
+++ b/PlanseeGroup.pptx
@@ -6737,15 +6737,7 @@
           <a:p>
             <a:r>
               <a:rPr lang="de-AT" dirty="0" smtClean="0"/>
-              <a:t>Referat </a:t>
-            </a:r>
-            <a:r>
-              <a:rPr lang="de-AT" dirty="0" smtClean="0"/>
-              <a:t>von </a:t>
-            </a:r>
-            <a:r>
-              <a:rPr lang="de-AT" dirty="0" smtClean="0"/>
-              <a:t>Klepp</a:t>
+              <a:t>Referat von Klepp</a:t>
             </a:r>
             <a:r>
               <a:rPr lang="de-AT" dirty="0"/>
@@ -6753,15 +6745,7 @@
             </a:r>
             <a:r>
               <a:rPr lang="de-AT" dirty="0" smtClean="0"/>
-              <a:t>Mair, </a:t>
-            </a:r>
-            <a:r>
-              <a:rPr lang="de-AT" dirty="0" smtClean="0"/>
-              <a:t>Vogt, </a:t>
-            </a:r>
-            <a:r>
-              <a:rPr lang="de-AT" dirty="0" smtClean="0"/>
-              <a:t>Willinger</a:t>
+              <a:t>Mair, Vogt, Willinger</a:t>
             </a:r>
             <a:endParaRPr lang="de-AT" dirty="0"/>
           </a:p>
@@ -6777,6 +6761,13 @@
   <p:clrMapOvr>
     <a:masterClrMapping/>
   </p:clrMapOvr>
+  <p:timing>
+    <p:tnLst>
+      <p:par>
+        <p:cTn id="1" dur="indefinite" restart="never" nodeType="tmRoot"/>
+      </p:par>
+    </p:tnLst>
+  </p:timing>
 </p:sld>
 </file>
 
@@ -6960,6 +6951,13 @@
   <p:clrMapOvr>
     <a:masterClrMapping/>
   </p:clrMapOvr>
+  <p:timing>
+    <p:tnLst>
+      <p:par>
+        <p:cTn id="1" dur="indefinite" restart="never" nodeType="tmRoot"/>
+      </p:par>
+    </p:tnLst>
+  </p:timing>
 </p:sld>
 </file>
 
@@ -7023,11 +7021,15 @@
           <a:p>
             <a:r>
               <a:rPr lang="de-AT" dirty="0" smtClean="0"/>
-              <a:t>1921 gegründet ,</a:t>
+              <a:t>1921 </a:t>
             </a:r>
             <a:r>
               <a:rPr lang="de-AT" dirty="0" smtClean="0"/>
-              <a:t>Gründer Paul Schwarzkopf</a:t>
+              <a:t>gegründet, Gründer </a:t>
+            </a:r>
+            <a:r>
+              <a:rPr lang="de-AT" dirty="0" smtClean="0"/>
+              <a:t>Paul Schwarzkopf</a:t>
             </a:r>
           </a:p>
           <a:p>
@@ -7194,6 +7196,13 @@
   <p:clrMapOvr>
     <a:masterClrMapping/>
   </p:clrMapOvr>
+  <p:timing>
+    <p:tnLst>
+      <p:par>
+        <p:cTn id="1" dur="indefinite" restart="never" nodeType="tmRoot"/>
+      </p:par>
+    </p:tnLst>
+  </p:timing>
 </p:sld>
 </file>
 
@@ -7259,21 +7268,24 @@
           <a:p>
             <a:r>
               <a:rPr lang="de-AT" dirty="0" smtClean="0"/>
-              <a:t>Führender Anbieter weltweit</a:t>
-            </a:r>
-          </a:p>
-          <a:p>
-            <a:pPr marL="0" indent="0">
-              <a:buNone/>
-            </a:pPr>
+              <a:t>Weltweit führender Anbieter der</a:t>
+            </a:r>
+            <a:br>
+              <a:rPr lang="de-AT" dirty="0" smtClean="0"/>
+            </a:br>
             <a:r>
               <a:rPr lang="de-AT" dirty="0"/>
-              <a:t>	Hochtechnologie-Werkstoffe Molybdän und </a:t>
+              <a:t>Hochtechnologie-Werkstoffe </a:t>
             </a:r>
             <a:r>
               <a:rPr lang="de-AT" dirty="0" smtClean="0"/>
-              <a:t>Wolfram</a:t>
-            </a:r>
+              <a:t>Wolfram und </a:t>
+            </a:r>
+            <a:r>
+              <a:rPr lang="de-AT" dirty="0"/>
+              <a:t>Molybdän</a:t>
+            </a:r>
+            <a:endParaRPr lang="de-AT" dirty="0" smtClean="0"/>
           </a:p>
           <a:p>
             <a:pPr marL="0" indent="0">
@@ -7284,8 +7296,9 @@
           <a:p>
             <a:r>
               <a:rPr lang="de-AT" dirty="0" smtClean="0"/>
-              <a:t>Geschäftsaktivität führende Markposition</a:t>
-            </a:r>
+              <a:t>Geschäftsaktivitäten nehmen führende Markposition an</a:t>
+            </a:r>
+            <a:endParaRPr lang="de-AT" dirty="0" smtClean="0"/>
           </a:p>
           <a:p>
             <a:endParaRPr lang="de-AT" dirty="0"/>
@@ -7317,12 +7330,12 @@
           </a:p>
           <a:p>
             <a:r>
-              <a:rPr lang="de-AT" dirty="0" err="1" smtClean="0"/>
-              <a:t>Weiltweit</a:t>
-            </a:r>
-            <a:r>
               <a:rPr lang="de-AT" dirty="0" smtClean="0"/>
-              <a:t> attraktiver Arbeitgeber</a:t>
+              <a:t>Weltweit </a:t>
+            </a:r>
+            <a:r>
+              <a:rPr lang="de-AT" dirty="0" smtClean="0"/>
+              <a:t>attraktiver Arbeitgeber</a:t>
             </a:r>
             <a:endParaRPr lang="de-AT" dirty="0"/>
           </a:p>
@@ -7347,7 +7360,7 @@
               <a:rPr lang="de-AT" smtClean="0"/>
               <a:t>11.03.2015</a:t>
             </a:fld>
-            <a:endParaRPr lang="de-AT"/>
+            <a:endParaRPr lang="de-AT" dirty="0"/>
           </a:p>
         </p:txBody>
       </p:sp>
@@ -7407,6 +7420,13 @@
   <p:clrMapOvr>
     <a:masterClrMapping/>
   </p:clrMapOvr>
+  <p:timing>
+    <p:tnLst>
+      <p:par>
+        <p:cTn id="1" dur="indefinite" restart="never" nodeType="tmRoot"/>
+      </p:par>
+    </p:tnLst>
+  </p:timing>
 </p:sld>
 </file>
 
@@ -7527,11 +7547,7 @@
             </a:pPr>
             <a:r>
               <a:rPr lang="de-AT" dirty="0"/>
-              <a:t>	</a:t>
-            </a:r>
-            <a:r>
-              <a:rPr lang="de-AT" dirty="0"/>
-              <a:t>CERATIZIT Hartstoffe &amp; </a:t>
+              <a:t>	CERATIZIT Hartstoffe &amp; </a:t>
             </a:r>
             <a:r>
               <a:rPr lang="de-AT" dirty="0" smtClean="0"/>
@@ -7544,11 +7560,7 @@
             </a:pPr>
             <a:r>
               <a:rPr lang="de-AT" dirty="0"/>
-              <a:t>	</a:t>
-            </a:r>
-            <a:r>
-              <a:rPr lang="de-AT" dirty="0"/>
-              <a:t>Global Tungsten &amp; </a:t>
+              <a:t>	Global Tungsten &amp; </a:t>
             </a:r>
             <a:r>
               <a:rPr lang="de-AT" dirty="0" err="1"/>
@@ -7643,6 +7655,13 @@
   <p:clrMapOvr>
     <a:masterClrMapping/>
   </p:clrMapOvr>
+  <p:timing>
+    <p:tnLst>
+      <p:par>
+        <p:cTn id="1" dur="indefinite" restart="never" nodeType="tmRoot"/>
+      </p:par>
+    </p:tnLst>
+  </p:timing>
 </p:sld>
 </file>
 
@@ -7787,6 +7806,13 @@
   <p:clrMapOvr>
     <a:masterClrMapping/>
   </p:clrMapOvr>
+  <p:timing>
+    <p:tnLst>
+      <p:par>
+        <p:cTn id="1" dur="indefinite" restart="never" nodeType="tmRoot"/>
+      </p:par>
+    </p:tnLst>
+  </p:timing>
 </p:sld>
 </file>
 
@@ -7928,6 +7954,13 @@
   <p:clrMapOvr>
     <a:masterClrMapping/>
   </p:clrMapOvr>
+  <p:timing>
+    <p:tnLst>
+      <p:par>
+        <p:cTn id="1" dur="indefinite" restart="never" nodeType="tmRoot"/>
+      </p:par>
+    </p:tnLst>
+  </p:timing>
 </p:sld>
 </file>
 
@@ -7992,16 +8025,36 @@
           <a:p>
             <a:r>
               <a:rPr lang="de-AT" dirty="0" smtClean="0"/>
-              <a:t>Betriebsgeheimnisse an Konkurrenz weitergeleitet</a:t>
-            </a:r>
-          </a:p>
-          <a:p>
+              <a:t>Betriebsgeheimnisse an </a:t>
+            </a:r>
+            <a:r>
+              <a:rPr lang="de-AT" dirty="0" smtClean="0"/>
+              <a:t>Konkurrenz </a:t>
+            </a:r>
+            <a:r>
+              <a:rPr lang="de-AT" dirty="0" err="1" smtClean="0"/>
+              <a:t>geleakt</a:t>
+            </a:r>
             <a:endParaRPr lang="de-AT" dirty="0"/>
           </a:p>
           <a:p>
+            <a:pPr marL="0" indent="0">
+              <a:buNone/>
+            </a:pPr>
+            <a:endParaRPr lang="de-AT" dirty="0"/>
+          </a:p>
+          <a:p>
             <a:r>
               <a:rPr lang="de-AT" dirty="0" smtClean="0"/>
-              <a:t>Immer mehr Konkurrenz auf China</a:t>
+              <a:t>Immer mehr Konkurrenz </a:t>
+            </a:r>
+            <a:r>
+              <a:rPr lang="de-AT" dirty="0" smtClean="0"/>
+              <a:t>aus </a:t>
+            </a:r>
+            <a:r>
+              <a:rPr lang="de-AT" dirty="0" smtClean="0"/>
+              <a:t>China</a:t>
             </a:r>
           </a:p>
           <a:p>
@@ -8018,11 +8071,7 @@
             </a:r>
             <a:r>
               <a:rPr lang="de-AT" dirty="0" smtClean="0"/>
-              <a:t>Pleite </a:t>
-            </a:r>
-            <a:r>
-              <a:rPr lang="de-AT" dirty="0" smtClean="0"/>
-              <a:t>kostet 80 Arbeitsplätze </a:t>
+              <a:t>Pleite kostet 80 Arbeitsplätze </a:t>
             </a:r>
           </a:p>
           <a:p>
@@ -8116,6 +8165,13 @@
   <p:clrMapOvr>
     <a:masterClrMapping/>
   </p:clrMapOvr>
+  <p:timing>
+    <p:tnLst>
+      <p:par>
+        <p:cTn id="1" dur="indefinite" restart="never" nodeType="tmRoot"/>
+      </p:par>
+    </p:tnLst>
+  </p:timing>
 </p:sld>
 </file>
 
@@ -8261,6 +8317,13 @@
   <p:clrMapOvr>
     <a:masterClrMapping/>
   </p:clrMapOvr>
+  <p:timing>
+    <p:tnLst>
+      <p:par>
+        <p:cTn id="1" dur="indefinite" restart="never" nodeType="tmRoot"/>
+      </p:par>
+    </p:tnLst>
+  </p:timing>
 </p:sld>
 </file>
 

--- a/PlanseeGroup.pptx
+++ b/PlanseeGroup.pptx
@@ -5,7 +5,7 @@
     <p:sldMasterId id="2147483678" r:id="rId1"/>
   </p:sldMasterIdLst>
   <p:notesMasterIdLst>
-    <p:notesMasterId r:id="rId21"/>
+    <p:notesMasterId r:id="rId24"/>
   </p:notesMasterIdLst>
   <p:sldIdLst>
     <p:sldId id="256" r:id="rId2"/>
@@ -23,10 +23,13 @@
     <p:sldId id="271" r:id="rId14"/>
     <p:sldId id="272" r:id="rId15"/>
     <p:sldId id="261" r:id="rId16"/>
-    <p:sldId id="264" r:id="rId17"/>
-    <p:sldId id="265" r:id="rId18"/>
-    <p:sldId id="262" r:id="rId19"/>
-    <p:sldId id="263" r:id="rId20"/>
+    <p:sldId id="279" r:id="rId17"/>
+    <p:sldId id="277" r:id="rId18"/>
+    <p:sldId id="264" r:id="rId19"/>
+    <p:sldId id="265" r:id="rId20"/>
+    <p:sldId id="262" r:id="rId21"/>
+    <p:sldId id="278" r:id="rId22"/>
+    <p:sldId id="263" r:id="rId23"/>
   </p:sldIdLst>
   <p:sldSz cx="12192000" cy="6858000"/>
   <p:notesSz cx="6858000" cy="9144000"/>
@@ -127,7 +130,7 @@
   </p:defaultTextStyle>
   <p:extLst>
     <p:ext uri="{EFAFB233-063F-42B5-8137-9DF3F51BA10A}">
-      <p15:sldGuideLst xmlns:p15="http://schemas.microsoft.com/office/powerpoint/2012/main">
+      <p15:sldGuideLst xmlns:p15="http://schemas.microsoft.com/office/powerpoint/2012/main" xmlns="">
         <p15:guide id="1" orient="horz" pos="2160">
           <p15:clr>
             <a:srgbClr val="A4A3A4"/>
@@ -226,6 +229,7 @@
           <a:p>
             <a:fld id="{5B44E57F-70F2-4BB9-B9D2-90DAEEF963F5}" type="datetimeFigureOut">
               <a:rPr lang="de-AT" smtClean="0"/>
+              <a:pPr/>
               <a:t>12.03.2015</a:t>
             </a:fld>
             <a:endParaRPr lang="de-AT"/>
@@ -385,6 +389,7 @@
           <a:p>
             <a:fld id="{48EDD995-683E-4D85-9C42-851AB99740B3}" type="slidenum">
               <a:rPr lang="de-AT" smtClean="0"/>
+              <a:pPr/>
               <a:t>‹Nr.›</a:t>
             </a:fld>
             <a:endParaRPr lang="de-AT"/>
@@ -394,7 +399,7 @@
     </p:spTree>
     <p:extLst>
       <p:ext uri="{BB962C8B-B14F-4D97-AF65-F5344CB8AC3E}">
-        <p14:creationId xmlns:p14="http://schemas.microsoft.com/office/powerpoint/2010/main" val="3666483263"/>
+        <p14:creationId xmlns:p14="http://schemas.microsoft.com/office/powerpoint/2010/main" xmlns="" val="3666483263"/>
       </p:ext>
     </p:extLst>
   </p:cSld>
@@ -559,6 +564,7 @@
           <a:p>
             <a:fld id="{48EDD995-683E-4D85-9C42-851AB99740B3}" type="slidenum">
               <a:rPr lang="de-AT" smtClean="0"/>
+              <a:pPr/>
               <a:t>1</a:t>
             </a:fld>
             <a:endParaRPr lang="de-AT"/>
@@ -568,7 +574,7 @@
     </p:spTree>
     <p:extLst>
       <p:ext uri="{BB962C8B-B14F-4D97-AF65-F5344CB8AC3E}">
-        <p14:creationId xmlns:p14="http://schemas.microsoft.com/office/powerpoint/2010/main" val="3271571902"/>
+        <p14:creationId xmlns:p14="http://schemas.microsoft.com/office/powerpoint/2010/main" xmlns="" val="3271571902"/>
       </p:ext>
     </p:extLst>
   </p:cSld>
@@ -795,6 +801,7 @@
           <a:p>
             <a:fld id="{48EDD995-683E-4D85-9C42-851AB99740B3}" type="slidenum">
               <a:rPr lang="de-AT" smtClean="0"/>
+              <a:pPr/>
               <a:t>10</a:t>
             </a:fld>
             <a:endParaRPr lang="de-AT"/>
@@ -804,9 +811,248 @@
     </p:spTree>
     <p:extLst>
       <p:ext uri="{BB962C8B-B14F-4D97-AF65-F5344CB8AC3E}">
-        <p14:creationId xmlns:p14="http://schemas.microsoft.com/office/powerpoint/2010/main" val="2156347808"/>
+        <p14:creationId xmlns:p14="http://schemas.microsoft.com/office/powerpoint/2010/main" xmlns="" val="2156347808"/>
       </p:ext>
     </p:extLst>
+  </p:cSld>
+  <p:clrMapOvr>
+    <a:masterClrMapping/>
+  </p:clrMapOvr>
+</p:notes>
+</file>
+
+<file path=ppt/notesSlides/notesSlide11.xml><?xml version="1.0" encoding="utf-8"?>
+<p:notes xmlns:a="http://schemas.openxmlformats.org/drawingml/2006/main" xmlns:r="http://schemas.openxmlformats.org/officeDocument/2006/relationships" xmlns:p="http://schemas.openxmlformats.org/presentationml/2006/main">
+  <p:cSld>
+    <p:spTree>
+      <p:nvGrpSpPr>
+        <p:cNvPr id="1" name=""/>
+        <p:cNvGrpSpPr/>
+        <p:nvPr/>
+      </p:nvGrpSpPr>
+      <p:grpSpPr>
+        <a:xfrm>
+          <a:off x="0" y="0"/>
+          <a:ext cx="0" cy="0"/>
+          <a:chOff x="0" y="0"/>
+          <a:chExt cx="0" cy="0"/>
+        </a:xfrm>
+      </p:grpSpPr>
+      <p:sp>
+        <p:nvSpPr>
+          <p:cNvPr id="2" name="Folienbildplatzhalter 1"/>
+          <p:cNvSpPr>
+            <a:spLocks noGrp="1" noRot="1" noChangeAspect="1"/>
+          </p:cNvSpPr>
+          <p:nvPr>
+            <p:ph type="sldImg"/>
+          </p:nvPr>
+        </p:nvSpPr>
+        <p:spPr/>
+      </p:sp>
+      <p:sp>
+        <p:nvSpPr>
+          <p:cNvPr id="3" name="Notizenplatzhalter 2"/>
+          <p:cNvSpPr>
+            <a:spLocks noGrp="1"/>
+          </p:cNvSpPr>
+          <p:nvPr>
+            <p:ph type="body" idx="1"/>
+          </p:nvPr>
+        </p:nvSpPr>
+        <p:spPr/>
+        <p:txBody>
+          <a:bodyPr>
+            <a:normAutofit/>
+          </a:bodyPr>
+          <a:lstStyle/>
+          <a:p>
+            <a:r>
+              <a:rPr lang="de-AT" dirty="0" smtClean="0"/>
+              <a:t>2 verschiedene</a:t>
+            </a:r>
+            <a:r>
+              <a:rPr lang="de-AT" baseline="0" dirty="0" smtClean="0"/>
+              <a:t> Fertigungsverfahren</a:t>
+            </a:r>
+          </a:p>
+          <a:p>
+            <a:endParaRPr lang="de-AT" baseline="0" dirty="0" smtClean="0"/>
+          </a:p>
+          <a:p>
+            <a:endParaRPr lang="de-AT" dirty="0"/>
+          </a:p>
+        </p:txBody>
+      </p:sp>
+      <p:sp>
+        <p:nvSpPr>
+          <p:cNvPr id="4" name="Foliennummernplatzhalter 3"/>
+          <p:cNvSpPr>
+            <a:spLocks noGrp="1"/>
+          </p:cNvSpPr>
+          <p:nvPr>
+            <p:ph type="sldNum" sz="quarter" idx="10"/>
+          </p:nvPr>
+        </p:nvSpPr>
+        <p:spPr/>
+        <p:txBody>
+          <a:bodyPr/>
+          <a:lstStyle/>
+          <a:p>
+            <a:fld id="{48EDD995-683E-4D85-9C42-851AB99740B3}" type="slidenum">
+              <a:rPr lang="de-AT" smtClean="0"/>
+              <a:pPr/>
+              <a:t>15</a:t>
+            </a:fld>
+            <a:endParaRPr lang="de-AT"/>
+          </a:p>
+        </p:txBody>
+      </p:sp>
+    </p:spTree>
+  </p:cSld>
+  <p:clrMapOvr>
+    <a:masterClrMapping/>
+  </p:clrMapOvr>
+</p:notes>
+</file>
+
+<file path=ppt/notesSlides/notesSlide12.xml><?xml version="1.0" encoding="utf-8"?>
+<p:notes xmlns:a="http://schemas.openxmlformats.org/drawingml/2006/main" xmlns:r="http://schemas.openxmlformats.org/officeDocument/2006/relationships" xmlns:p="http://schemas.openxmlformats.org/presentationml/2006/main">
+  <p:cSld>
+    <p:spTree>
+      <p:nvGrpSpPr>
+        <p:cNvPr id="1" name=""/>
+        <p:cNvGrpSpPr/>
+        <p:nvPr/>
+      </p:nvGrpSpPr>
+      <p:grpSpPr>
+        <a:xfrm>
+          <a:off x="0" y="0"/>
+          <a:ext cx="0" cy="0"/>
+          <a:chOff x="0" y="0"/>
+          <a:chExt cx="0" cy="0"/>
+        </a:xfrm>
+      </p:grpSpPr>
+      <p:sp>
+        <p:nvSpPr>
+          <p:cNvPr id="2" name="Folienbildplatzhalter 1"/>
+          <p:cNvSpPr>
+            <a:spLocks noGrp="1" noRot="1" noChangeAspect="1"/>
+          </p:cNvSpPr>
+          <p:nvPr>
+            <p:ph type="sldImg"/>
+          </p:nvPr>
+        </p:nvSpPr>
+        <p:spPr/>
+      </p:sp>
+      <p:sp>
+        <p:nvSpPr>
+          <p:cNvPr id="3" name="Notizenplatzhalter 2"/>
+          <p:cNvSpPr>
+            <a:spLocks noGrp="1"/>
+          </p:cNvSpPr>
+          <p:nvPr>
+            <p:ph type="body" idx="1"/>
+          </p:nvPr>
+        </p:nvSpPr>
+        <p:spPr/>
+        <p:txBody>
+          <a:bodyPr>
+            <a:normAutofit/>
+          </a:bodyPr>
+          <a:lstStyle/>
+          <a:p>
+            <a:pPr lvl="1"/>
+            <a:r>
+              <a:rPr lang="de-AT" dirty="0" smtClean="0"/>
+              <a:t>Molybdän – Wärmeleitend, hoher Schmelzpunkt</a:t>
+            </a:r>
+          </a:p>
+          <a:p>
+            <a:pPr lvl="1"/>
+            <a:endParaRPr lang="de-AT" dirty="0" smtClean="0"/>
+          </a:p>
+          <a:p>
+            <a:pPr lvl="1"/>
+            <a:r>
+              <a:rPr lang="de-AT" dirty="0" smtClean="0"/>
+              <a:t>Wolfram – Hitzebeständig</a:t>
+            </a:r>
+          </a:p>
+          <a:p>
+            <a:pPr lvl="1"/>
+            <a:endParaRPr lang="de-AT" dirty="0" smtClean="0"/>
+          </a:p>
+          <a:p>
+            <a:pPr lvl="1"/>
+            <a:r>
+              <a:rPr lang="de-AT" dirty="0" smtClean="0"/>
+              <a:t>Wolframschwermetall – Hohe Dichte</a:t>
+            </a:r>
+          </a:p>
+          <a:p>
+            <a:pPr lvl="1"/>
+            <a:endParaRPr lang="de-AT" dirty="0" smtClean="0"/>
+          </a:p>
+          <a:p>
+            <a:pPr lvl="1"/>
+            <a:r>
+              <a:rPr lang="de-AT" dirty="0" smtClean="0"/>
+              <a:t>Tantal – Verformbar</a:t>
+            </a:r>
+          </a:p>
+          <a:p>
+            <a:pPr lvl="1"/>
+            <a:endParaRPr lang="de-AT" dirty="0" smtClean="0"/>
+          </a:p>
+          <a:p>
+            <a:pPr lvl="1"/>
+            <a:r>
+              <a:rPr lang="de-AT" dirty="0" smtClean="0"/>
+              <a:t>Niob – gute Beständigkeit, wenig Gewicht</a:t>
+            </a:r>
+          </a:p>
+          <a:p>
+            <a:pPr lvl="1"/>
+            <a:endParaRPr lang="de-AT" dirty="0" smtClean="0"/>
+          </a:p>
+          <a:p>
+            <a:pPr lvl="1"/>
+            <a:r>
+              <a:rPr lang="de-AT" dirty="0" smtClean="0"/>
+              <a:t>Chrom – hohe Korrosionsbeständigkeit</a:t>
+            </a:r>
+          </a:p>
+          <a:p>
+            <a:endParaRPr lang="de-AT" dirty="0"/>
+          </a:p>
+        </p:txBody>
+      </p:sp>
+      <p:sp>
+        <p:nvSpPr>
+          <p:cNvPr id="4" name="Foliennummernplatzhalter 3"/>
+          <p:cNvSpPr>
+            <a:spLocks noGrp="1"/>
+          </p:cNvSpPr>
+          <p:nvPr>
+            <p:ph type="sldNum" sz="quarter" idx="10"/>
+          </p:nvPr>
+        </p:nvSpPr>
+        <p:spPr/>
+        <p:txBody>
+          <a:bodyPr/>
+          <a:lstStyle/>
+          <a:p>
+            <a:fld id="{48EDD995-683E-4D85-9C42-851AB99740B3}" type="slidenum">
+              <a:rPr lang="de-AT" smtClean="0"/>
+              <a:pPr/>
+              <a:t>16</a:t>
+            </a:fld>
+            <a:endParaRPr lang="de-AT"/>
+          </a:p>
+        </p:txBody>
+      </p:sp>
+    </p:spTree>
   </p:cSld>
   <p:clrMapOvr>
     <a:masterClrMapping/>
@@ -879,6 +1125,7 @@
           <a:p>
             <a:fld id="{48EDD995-683E-4D85-9C42-851AB99740B3}" type="slidenum">
               <a:rPr lang="de-AT" smtClean="0"/>
+              <a:pPr/>
               <a:t>2</a:t>
             </a:fld>
             <a:endParaRPr lang="de-AT"/>
@@ -888,7 +1135,7 @@
     </p:spTree>
     <p:extLst>
       <p:ext uri="{BB962C8B-B14F-4D97-AF65-F5344CB8AC3E}">
-        <p14:creationId xmlns:p14="http://schemas.microsoft.com/office/powerpoint/2010/main" val="1442596853"/>
+        <p14:creationId xmlns:p14="http://schemas.microsoft.com/office/powerpoint/2010/main" xmlns="" val="1442596853"/>
       </p:ext>
     </p:extLst>
   </p:cSld>
@@ -1041,6 +1288,7 @@
           <a:p>
             <a:fld id="{48EDD995-683E-4D85-9C42-851AB99740B3}" type="slidenum">
               <a:rPr lang="de-AT" smtClean="0"/>
+              <a:pPr/>
               <a:t>3</a:t>
             </a:fld>
             <a:endParaRPr lang="de-AT"/>
@@ -1050,7 +1298,7 @@
     </p:spTree>
     <p:extLst>
       <p:ext uri="{BB962C8B-B14F-4D97-AF65-F5344CB8AC3E}">
-        <p14:creationId xmlns:p14="http://schemas.microsoft.com/office/powerpoint/2010/main" val="3859399361"/>
+        <p14:creationId xmlns:p14="http://schemas.microsoft.com/office/powerpoint/2010/main" xmlns="" val="3859399361"/>
       </p:ext>
     </p:extLst>
   </p:cSld>
@@ -1386,6 +1634,7 @@
           <a:p>
             <a:fld id="{48EDD995-683E-4D85-9C42-851AB99740B3}" type="slidenum">
               <a:rPr lang="de-AT" smtClean="0"/>
+              <a:pPr/>
               <a:t>4</a:t>
             </a:fld>
             <a:endParaRPr lang="de-AT"/>
@@ -1395,7 +1644,7 @@
     </p:spTree>
     <p:extLst>
       <p:ext uri="{BB962C8B-B14F-4D97-AF65-F5344CB8AC3E}">
-        <p14:creationId xmlns:p14="http://schemas.microsoft.com/office/powerpoint/2010/main" val="2776548351"/>
+        <p14:creationId xmlns:p14="http://schemas.microsoft.com/office/powerpoint/2010/main" xmlns="" val="2776548351"/>
       </p:ext>
     </p:extLst>
   </p:cSld>
@@ -1620,6 +1869,7 @@
           <a:p>
             <a:fld id="{48EDD995-683E-4D85-9C42-851AB99740B3}" type="slidenum">
               <a:rPr lang="de-AT" smtClean="0"/>
+              <a:pPr/>
               <a:t>5</a:t>
             </a:fld>
             <a:endParaRPr lang="de-AT"/>
@@ -1629,7 +1879,7 @@
     </p:spTree>
     <p:extLst>
       <p:ext uri="{BB962C8B-B14F-4D97-AF65-F5344CB8AC3E}">
-        <p14:creationId xmlns:p14="http://schemas.microsoft.com/office/powerpoint/2010/main" val="954654109"/>
+        <p14:creationId xmlns:p14="http://schemas.microsoft.com/office/powerpoint/2010/main" xmlns="" val="954654109"/>
       </p:ext>
     </p:extLst>
   </p:cSld>
@@ -1940,6 +2190,7 @@
           <a:p>
             <a:fld id="{48EDD995-683E-4D85-9C42-851AB99740B3}" type="slidenum">
               <a:rPr lang="de-AT" smtClean="0"/>
+              <a:pPr/>
               <a:t>6</a:t>
             </a:fld>
             <a:endParaRPr lang="de-AT"/>
@@ -1949,7 +2200,7 @@
     </p:spTree>
     <p:extLst>
       <p:ext uri="{BB962C8B-B14F-4D97-AF65-F5344CB8AC3E}">
-        <p14:creationId xmlns:p14="http://schemas.microsoft.com/office/powerpoint/2010/main" val="250014390"/>
+        <p14:creationId xmlns:p14="http://schemas.microsoft.com/office/powerpoint/2010/main" xmlns="" val="250014390"/>
       </p:ext>
     </p:extLst>
   </p:cSld>
@@ -2085,6 +2336,7 @@
           <a:p>
             <a:fld id="{48EDD995-683E-4D85-9C42-851AB99740B3}" type="slidenum">
               <a:rPr lang="de-AT" smtClean="0"/>
+              <a:pPr/>
               <a:t>7</a:t>
             </a:fld>
             <a:endParaRPr lang="de-AT"/>
@@ -2094,7 +2346,7 @@
     </p:spTree>
     <p:extLst>
       <p:ext uri="{BB962C8B-B14F-4D97-AF65-F5344CB8AC3E}">
-        <p14:creationId xmlns:p14="http://schemas.microsoft.com/office/powerpoint/2010/main" val="3774248814"/>
+        <p14:creationId xmlns:p14="http://schemas.microsoft.com/office/powerpoint/2010/main" xmlns="" val="3774248814"/>
       </p:ext>
     </p:extLst>
   </p:cSld>
@@ -2196,6 +2448,7 @@
           <a:p>
             <a:fld id="{48EDD995-683E-4D85-9C42-851AB99740B3}" type="slidenum">
               <a:rPr lang="de-AT" smtClean="0"/>
+              <a:pPr/>
               <a:t>8</a:t>
             </a:fld>
             <a:endParaRPr lang="de-AT"/>
@@ -2205,7 +2458,7 @@
     </p:spTree>
     <p:extLst>
       <p:ext uri="{BB962C8B-B14F-4D97-AF65-F5344CB8AC3E}">
-        <p14:creationId xmlns:p14="http://schemas.microsoft.com/office/powerpoint/2010/main" val="3704177449"/>
+        <p14:creationId xmlns:p14="http://schemas.microsoft.com/office/powerpoint/2010/main" xmlns="" val="3704177449"/>
       </p:ext>
     </p:extLst>
   </p:cSld>
@@ -2296,6 +2549,7 @@
           <a:p>
             <a:fld id="{48EDD995-683E-4D85-9C42-851AB99740B3}" type="slidenum">
               <a:rPr lang="de-AT" smtClean="0"/>
+              <a:pPr/>
               <a:t>9</a:t>
             </a:fld>
             <a:endParaRPr lang="de-AT"/>
@@ -2305,7 +2559,7 @@
     </p:spTree>
     <p:extLst>
       <p:ext uri="{BB962C8B-B14F-4D97-AF65-F5344CB8AC3E}">
-        <p14:creationId xmlns:p14="http://schemas.microsoft.com/office/powerpoint/2010/main" val="1788490057"/>
+        <p14:creationId xmlns:p14="http://schemas.microsoft.com/office/powerpoint/2010/main" xmlns="" val="1788490057"/>
       </p:ext>
     </p:extLst>
   </p:cSld>
@@ -2501,6 +2755,7 @@
           <a:p>
             <a:fld id="{1AD8CCC8-0594-40E1-A0D0-EB25566D4217}" type="datetime1">
               <a:rPr lang="de-AT" smtClean="0"/>
+              <a:pPr/>
               <a:t>12.03.2015</a:t>
             </a:fld>
             <a:endParaRPr lang="de-AT"/>
@@ -2547,6 +2802,7 @@
           <a:p>
             <a:fld id="{7E4B9D8A-30A2-4509-8A2B-BAB999C5542B}" type="slidenum">
               <a:rPr lang="de-AT" smtClean="0"/>
+              <a:pPr/>
               <a:t>‹Nr.›</a:t>
             </a:fld>
             <a:endParaRPr lang="de-AT"/>
@@ -2556,7 +2812,7 @@
     </p:spTree>
     <p:extLst>
       <p:ext uri="{BB962C8B-B14F-4D97-AF65-F5344CB8AC3E}">
-        <p14:creationId xmlns:p14="http://schemas.microsoft.com/office/powerpoint/2010/main" val="3793954378"/>
+        <p14:creationId xmlns:p14="http://schemas.microsoft.com/office/powerpoint/2010/main" xmlns="" val="3793954378"/>
       </p:ext>
     </p:extLst>
   </p:cSld>
@@ -2780,6 +3036,7 @@
           <a:p>
             <a:fld id="{4521FF31-D125-4CBF-AF0E-CA7B19CBBB57}" type="datetime1">
               <a:rPr lang="de-AT" smtClean="0"/>
+              <a:pPr/>
               <a:t>12.03.2015</a:t>
             </a:fld>
             <a:endParaRPr lang="de-AT"/>
@@ -2826,6 +3083,7 @@
           <a:p>
             <a:fld id="{7E4B9D8A-30A2-4509-8A2B-BAB999C5542B}" type="slidenum">
               <a:rPr lang="de-AT" smtClean="0"/>
+              <a:pPr/>
               <a:t>‹Nr.›</a:t>
             </a:fld>
             <a:endParaRPr lang="de-AT"/>
@@ -2835,7 +3093,7 @@
     </p:spTree>
     <p:extLst>
       <p:ext uri="{BB962C8B-B14F-4D97-AF65-F5344CB8AC3E}">
-        <p14:creationId xmlns:p14="http://schemas.microsoft.com/office/powerpoint/2010/main" val="3308506492"/>
+        <p14:creationId xmlns:p14="http://schemas.microsoft.com/office/powerpoint/2010/main" xmlns="" val="3308506492"/>
       </p:ext>
     </p:extLst>
   </p:cSld>
@@ -2978,6 +3236,7 @@
           <a:p>
             <a:fld id="{0B54E7E8-39C8-49B1-AD4B-907B427D7408}" type="datetime1">
               <a:rPr lang="de-AT" smtClean="0"/>
+              <a:pPr/>
               <a:t>12.03.2015</a:t>
             </a:fld>
             <a:endParaRPr lang="de-AT"/>
@@ -3024,6 +3283,7 @@
           <a:p>
             <a:fld id="{7E4B9D8A-30A2-4509-8A2B-BAB999C5542B}" type="slidenum">
               <a:rPr lang="de-AT" smtClean="0"/>
+              <a:pPr/>
               <a:t>‹Nr.›</a:t>
             </a:fld>
             <a:endParaRPr lang="de-AT"/>
@@ -3033,7 +3293,7 @@
     </p:spTree>
     <p:extLst>
       <p:ext uri="{BB962C8B-B14F-4D97-AF65-F5344CB8AC3E}">
-        <p14:creationId xmlns:p14="http://schemas.microsoft.com/office/powerpoint/2010/main" val="1490484669"/>
+        <p14:creationId xmlns:p14="http://schemas.microsoft.com/office/powerpoint/2010/main" xmlns="" val="1490484669"/>
       </p:ext>
     </p:extLst>
   </p:cSld>
@@ -3255,6 +3515,7 @@
           <a:p>
             <a:fld id="{44C560D7-6ADB-4F45-8CE8-DC4443901CAD}" type="datetime1">
               <a:rPr lang="de-AT" smtClean="0"/>
+              <a:pPr/>
               <a:t>12.03.2015</a:t>
             </a:fld>
             <a:endParaRPr lang="de-AT"/>
@@ -3301,6 +3562,7 @@
           <a:p>
             <a:fld id="{7E4B9D8A-30A2-4509-8A2B-BAB999C5542B}" type="slidenum">
               <a:rPr lang="de-AT" smtClean="0"/>
+              <a:pPr/>
               <a:t>‹Nr.›</a:t>
             </a:fld>
             <a:endParaRPr lang="de-AT"/>
@@ -3404,7 +3666,7 @@
     </p:spTree>
     <p:extLst>
       <p:ext uri="{BB962C8B-B14F-4D97-AF65-F5344CB8AC3E}">
-        <p14:creationId xmlns:p14="http://schemas.microsoft.com/office/powerpoint/2010/main" val="2469048308"/>
+        <p14:creationId xmlns:p14="http://schemas.microsoft.com/office/powerpoint/2010/main" xmlns="" val="2469048308"/>
       </p:ext>
     </p:extLst>
   </p:cSld>
@@ -3600,6 +3862,7 @@
           <a:p>
             <a:fld id="{924FC121-D09F-4F8C-ABF1-A2C8F217E321}" type="datetime1">
               <a:rPr lang="de-AT" smtClean="0"/>
+              <a:pPr/>
               <a:t>12.03.2015</a:t>
             </a:fld>
             <a:endParaRPr lang="de-AT"/>
@@ -3646,6 +3909,7 @@
           <a:p>
             <a:fld id="{7E4B9D8A-30A2-4509-8A2B-BAB999C5542B}" type="slidenum">
               <a:rPr lang="de-AT" smtClean="0"/>
+              <a:pPr/>
               <a:t>‹Nr.›</a:t>
             </a:fld>
             <a:endParaRPr lang="de-AT"/>
@@ -3655,7 +3919,7 @@
     </p:spTree>
     <p:extLst>
       <p:ext uri="{BB962C8B-B14F-4D97-AF65-F5344CB8AC3E}">
-        <p14:creationId xmlns:p14="http://schemas.microsoft.com/office/powerpoint/2010/main" val="4252156178"/>
+        <p14:creationId xmlns:p14="http://schemas.microsoft.com/office/powerpoint/2010/main" xmlns="" val="4252156178"/>
       </p:ext>
     </p:extLst>
   </p:cSld>
@@ -4227,6 +4491,7 @@
           <a:p>
             <a:fld id="{90DAF676-8843-418E-8420-4DBD859F5D0F}" type="datetime1">
               <a:rPr lang="de-AT" smtClean="0"/>
+              <a:pPr/>
               <a:t>12.03.2015</a:t>
             </a:fld>
             <a:endParaRPr lang="de-AT"/>
@@ -4273,6 +4538,7 @@
           <a:p>
             <a:fld id="{7E4B9D8A-30A2-4509-8A2B-BAB999C5542B}" type="slidenum">
               <a:rPr lang="de-AT" smtClean="0"/>
+              <a:pPr/>
               <a:t>‹Nr.›</a:t>
             </a:fld>
             <a:endParaRPr lang="de-AT"/>
@@ -4282,7 +4548,7 @@
     </p:spTree>
     <p:extLst>
       <p:ext uri="{BB962C8B-B14F-4D97-AF65-F5344CB8AC3E}">
-        <p14:creationId xmlns:p14="http://schemas.microsoft.com/office/powerpoint/2010/main" val="3525085879"/>
+        <p14:creationId xmlns:p14="http://schemas.microsoft.com/office/powerpoint/2010/main" xmlns="" val="3525085879"/>
       </p:ext>
     </p:extLst>
   </p:cSld>
@@ -5091,6 +5357,7 @@
           <a:p>
             <a:fld id="{00187E2E-0D28-4862-B8A6-0C57011D0C69}" type="datetime1">
               <a:rPr lang="de-AT" smtClean="0"/>
+              <a:pPr/>
               <a:t>12.03.2015</a:t>
             </a:fld>
             <a:endParaRPr lang="de-AT"/>
@@ -5137,6 +5404,7 @@
           <a:p>
             <a:fld id="{7E4B9D8A-30A2-4509-8A2B-BAB999C5542B}" type="slidenum">
               <a:rPr lang="de-AT" smtClean="0"/>
+              <a:pPr/>
               <a:t>‹Nr.›</a:t>
             </a:fld>
             <a:endParaRPr lang="de-AT"/>
@@ -5146,7 +5414,7 @@
     </p:spTree>
     <p:extLst>
       <p:ext uri="{BB962C8B-B14F-4D97-AF65-F5344CB8AC3E}">
-        <p14:creationId xmlns:p14="http://schemas.microsoft.com/office/powerpoint/2010/main" val="685570410"/>
+        <p14:creationId xmlns:p14="http://schemas.microsoft.com/office/powerpoint/2010/main" xmlns="" val="685570410"/>
       </p:ext>
     </p:extLst>
   </p:cSld>
@@ -5265,6 +5533,7 @@
           <a:p>
             <a:fld id="{69597699-46C9-4115-ACF8-5E1DA342C9CD}" type="datetime1">
               <a:rPr lang="de-AT" smtClean="0"/>
+              <a:pPr/>
               <a:t>12.03.2015</a:t>
             </a:fld>
             <a:endParaRPr lang="de-AT"/>
@@ -5311,6 +5580,7 @@
           <a:p>
             <a:fld id="{7E4B9D8A-30A2-4509-8A2B-BAB999C5542B}" type="slidenum">
               <a:rPr lang="de-AT" smtClean="0"/>
+              <a:pPr/>
               <a:t>‹Nr.›</a:t>
             </a:fld>
             <a:endParaRPr lang="de-AT"/>
@@ -5320,7 +5590,7 @@
     </p:spTree>
     <p:extLst>
       <p:ext uri="{BB962C8B-B14F-4D97-AF65-F5344CB8AC3E}">
-        <p14:creationId xmlns:p14="http://schemas.microsoft.com/office/powerpoint/2010/main" val="664530646"/>
+        <p14:creationId xmlns:p14="http://schemas.microsoft.com/office/powerpoint/2010/main" xmlns="" val="664530646"/>
       </p:ext>
     </p:extLst>
   </p:cSld>
@@ -5449,6 +5719,7 @@
           <a:p>
             <a:fld id="{9301F485-C8E7-4AE7-A2D1-78EF7DFAE9EF}" type="datetime1">
               <a:rPr lang="de-AT" smtClean="0"/>
+              <a:pPr/>
               <a:t>12.03.2015</a:t>
             </a:fld>
             <a:endParaRPr lang="de-AT"/>
@@ -5495,6 +5766,7 @@
           <a:p>
             <a:fld id="{7E4B9D8A-30A2-4509-8A2B-BAB999C5542B}" type="slidenum">
               <a:rPr lang="de-AT" smtClean="0"/>
+              <a:pPr/>
               <a:t>‹Nr.›</a:t>
             </a:fld>
             <a:endParaRPr lang="de-AT"/>
@@ -5504,7 +5776,7 @@
     </p:spTree>
     <p:extLst>
       <p:ext uri="{BB962C8B-B14F-4D97-AF65-F5344CB8AC3E}">
-        <p14:creationId xmlns:p14="http://schemas.microsoft.com/office/powerpoint/2010/main" val="2294723738"/>
+        <p14:creationId xmlns:p14="http://schemas.microsoft.com/office/powerpoint/2010/main" xmlns="" val="2294723738"/>
       </p:ext>
     </p:extLst>
   </p:cSld>
@@ -5623,6 +5895,7 @@
           <a:p>
             <a:fld id="{5DC49387-FBA4-4741-9A41-019152E901E7}" type="datetime1">
               <a:rPr lang="de-AT" smtClean="0"/>
+              <a:pPr/>
               <a:t>12.03.2015</a:t>
             </a:fld>
             <a:endParaRPr lang="de-AT"/>
@@ -5669,6 +5942,7 @@
           <a:p>
             <a:fld id="{7E4B9D8A-30A2-4509-8A2B-BAB999C5542B}" type="slidenum">
               <a:rPr lang="de-AT" smtClean="0"/>
+              <a:pPr/>
               <a:t>‹Nr.›</a:t>
             </a:fld>
             <a:endParaRPr lang="de-AT"/>
@@ -5678,7 +5952,7 @@
     </p:spTree>
     <p:extLst>
       <p:ext uri="{BB962C8B-B14F-4D97-AF65-F5344CB8AC3E}">
-        <p14:creationId xmlns:p14="http://schemas.microsoft.com/office/powerpoint/2010/main" val="3387733372"/>
+        <p14:creationId xmlns:p14="http://schemas.microsoft.com/office/powerpoint/2010/main" xmlns="" val="3387733372"/>
       </p:ext>
     </p:extLst>
   </p:cSld>
@@ -5874,6 +6148,7 @@
           <a:p>
             <a:fld id="{811538C9-4267-4F3A-AA2C-BA395A408C08}" type="datetime1">
               <a:rPr lang="de-AT" smtClean="0"/>
+              <a:pPr/>
               <a:t>12.03.2015</a:t>
             </a:fld>
             <a:endParaRPr lang="de-AT"/>
@@ -5920,6 +6195,7 @@
           <a:p>
             <a:fld id="{7E4B9D8A-30A2-4509-8A2B-BAB999C5542B}" type="slidenum">
               <a:rPr lang="de-AT" smtClean="0"/>
+              <a:pPr/>
               <a:t>‹Nr.›</a:t>
             </a:fld>
             <a:endParaRPr lang="de-AT"/>
@@ -5929,7 +6205,7 @@
     </p:spTree>
     <p:extLst>
       <p:ext uri="{BB962C8B-B14F-4D97-AF65-F5344CB8AC3E}">
-        <p14:creationId xmlns:p14="http://schemas.microsoft.com/office/powerpoint/2010/main" val="861049969"/>
+        <p14:creationId xmlns:p14="http://schemas.microsoft.com/office/powerpoint/2010/main" xmlns="" val="861049969"/>
       </p:ext>
     </p:extLst>
   </p:cSld>
@@ -6170,6 +6446,7 @@
           <a:p>
             <a:fld id="{4DA0DA6C-FC03-4055-9DA0-ECB6CDB0CD8B}" type="datetime1">
               <a:rPr lang="de-AT" smtClean="0"/>
+              <a:pPr/>
               <a:t>12.03.2015</a:t>
             </a:fld>
             <a:endParaRPr lang="de-AT"/>
@@ -6216,6 +6493,7 @@
           <a:p>
             <a:fld id="{7E4B9D8A-30A2-4509-8A2B-BAB999C5542B}" type="slidenum">
               <a:rPr lang="de-AT" smtClean="0"/>
+              <a:pPr/>
               <a:t>‹Nr.›</a:t>
             </a:fld>
             <a:endParaRPr lang="de-AT"/>
@@ -6225,7 +6503,7 @@
     </p:spTree>
     <p:extLst>
       <p:ext uri="{BB962C8B-B14F-4D97-AF65-F5344CB8AC3E}">
-        <p14:creationId xmlns:p14="http://schemas.microsoft.com/office/powerpoint/2010/main" val="3418631485"/>
+        <p14:creationId xmlns:p14="http://schemas.microsoft.com/office/powerpoint/2010/main" xmlns="" val="3418631485"/>
       </p:ext>
     </p:extLst>
   </p:cSld>
@@ -6618,6 +6896,7 @@
           <a:p>
             <a:fld id="{7BE30F15-B43E-4F84-A9A4-7549D3E46498}" type="datetime1">
               <a:rPr lang="de-AT" smtClean="0"/>
+              <a:pPr/>
               <a:t>12.03.2015</a:t>
             </a:fld>
             <a:endParaRPr lang="de-AT"/>
@@ -6664,6 +6943,7 @@
           <a:p>
             <a:fld id="{7E4B9D8A-30A2-4509-8A2B-BAB999C5542B}" type="slidenum">
               <a:rPr lang="de-AT" smtClean="0"/>
+              <a:pPr/>
               <a:t>‹Nr.›</a:t>
             </a:fld>
             <a:endParaRPr lang="de-AT"/>
@@ -6673,7 +6953,7 @@
     </p:spTree>
     <p:extLst>
       <p:ext uri="{BB962C8B-B14F-4D97-AF65-F5344CB8AC3E}">
-        <p14:creationId xmlns:p14="http://schemas.microsoft.com/office/powerpoint/2010/main" val="3065127639"/>
+        <p14:creationId xmlns:p14="http://schemas.microsoft.com/office/powerpoint/2010/main" xmlns="" val="3065127639"/>
       </p:ext>
     </p:extLst>
   </p:cSld>
@@ -6740,6 +7020,7 @@
           <a:p>
             <a:fld id="{2C09749A-8C0D-47DB-A832-90B281A31884}" type="datetime1">
               <a:rPr lang="de-AT" smtClean="0"/>
+              <a:pPr/>
               <a:t>12.03.2015</a:t>
             </a:fld>
             <a:endParaRPr lang="de-AT"/>
@@ -6786,6 +7067,7 @@
           <a:p>
             <a:fld id="{7E4B9D8A-30A2-4509-8A2B-BAB999C5542B}" type="slidenum">
               <a:rPr lang="de-AT" smtClean="0"/>
+              <a:pPr/>
               <a:t>‹Nr.›</a:t>
             </a:fld>
             <a:endParaRPr lang="de-AT"/>
@@ -6795,7 +7077,7 @@
     </p:spTree>
     <p:extLst>
       <p:ext uri="{BB962C8B-B14F-4D97-AF65-F5344CB8AC3E}">
-        <p14:creationId xmlns:p14="http://schemas.microsoft.com/office/powerpoint/2010/main" val="1152056736"/>
+        <p14:creationId xmlns:p14="http://schemas.microsoft.com/office/powerpoint/2010/main" xmlns="" val="1152056736"/>
       </p:ext>
     </p:extLst>
   </p:cSld>
@@ -6839,6 +7121,7 @@
           <a:p>
             <a:fld id="{3558C3A5-2120-4DA1-ADC0-07E5C8A48A8A}" type="datetime1">
               <a:rPr lang="de-AT" smtClean="0"/>
+              <a:pPr/>
               <a:t>12.03.2015</a:t>
             </a:fld>
             <a:endParaRPr lang="de-AT"/>
@@ -6885,6 +7168,7 @@
           <a:p>
             <a:fld id="{7E4B9D8A-30A2-4509-8A2B-BAB999C5542B}" type="slidenum">
               <a:rPr lang="de-AT" smtClean="0"/>
+              <a:pPr/>
               <a:t>‹Nr.›</a:t>
             </a:fld>
             <a:endParaRPr lang="de-AT"/>
@@ -6894,7 +7178,7 @@
     </p:spTree>
     <p:extLst>
       <p:ext uri="{BB962C8B-B14F-4D97-AF65-F5344CB8AC3E}">
-        <p14:creationId xmlns:p14="http://schemas.microsoft.com/office/powerpoint/2010/main" val="2182156380"/>
+        <p14:creationId xmlns:p14="http://schemas.microsoft.com/office/powerpoint/2010/main" xmlns="" val="2182156380"/>
       </p:ext>
     </p:extLst>
   </p:cSld>
@@ -7122,6 +7406,7 @@
           <a:p>
             <a:fld id="{2DC11F8C-588E-41B3-979E-FC55783710EC}" type="datetime1">
               <a:rPr lang="de-AT" smtClean="0"/>
+              <a:pPr/>
               <a:t>12.03.2015</a:t>
             </a:fld>
             <a:endParaRPr lang="de-AT"/>
@@ -7168,6 +7453,7 @@
           <a:p>
             <a:fld id="{7E4B9D8A-30A2-4509-8A2B-BAB999C5542B}" type="slidenum">
               <a:rPr lang="de-AT" smtClean="0"/>
+              <a:pPr/>
               <a:t>‹Nr.›</a:t>
             </a:fld>
             <a:endParaRPr lang="de-AT"/>
@@ -7177,7 +7463,7 @@
     </p:spTree>
     <p:extLst>
       <p:ext uri="{BB962C8B-B14F-4D97-AF65-F5344CB8AC3E}">
-        <p14:creationId xmlns:p14="http://schemas.microsoft.com/office/powerpoint/2010/main" val="3265231234"/>
+        <p14:creationId xmlns:p14="http://schemas.microsoft.com/office/powerpoint/2010/main" xmlns="" val="3265231234"/>
       </p:ext>
     </p:extLst>
   </p:cSld>
@@ -7401,6 +7687,7 @@
           <a:p>
             <a:fld id="{226CC234-5068-4F0D-88C3-0F3DE7E5EC23}" type="datetime1">
               <a:rPr lang="de-AT" smtClean="0"/>
+              <a:pPr/>
               <a:t>12.03.2015</a:t>
             </a:fld>
             <a:endParaRPr lang="de-AT"/>
@@ -7447,6 +7734,7 @@
           <a:p>
             <a:fld id="{7E4B9D8A-30A2-4509-8A2B-BAB999C5542B}" type="slidenum">
               <a:rPr lang="de-AT" smtClean="0"/>
+              <a:pPr/>
               <a:t>‹Nr.›</a:t>
             </a:fld>
             <a:endParaRPr lang="de-AT"/>
@@ -7456,7 +7744,7 @@
     </p:spTree>
     <p:extLst>
       <p:ext uri="{BB962C8B-B14F-4D97-AF65-F5344CB8AC3E}">
-        <p14:creationId xmlns:p14="http://schemas.microsoft.com/office/powerpoint/2010/main" val="2900100903"/>
+        <p14:creationId xmlns:p14="http://schemas.microsoft.com/office/powerpoint/2010/main" xmlns="" val="2900100903"/>
       </p:ext>
     </p:extLst>
   </p:cSld>
@@ -7500,7 +7788,7 @@
           <a:blip r:embed="rId19">
             <a:extLst>
               <a:ext uri="{28A0092B-C50C-407E-A947-70E740481C1C}">
-                <a14:useLocalDpi xmlns:a14="http://schemas.microsoft.com/office/drawing/2010/main" val="0"/>
+                <a14:useLocalDpi xmlns:a14="http://schemas.microsoft.com/office/drawing/2010/main" xmlns="" val="0"/>
               </a:ext>
             </a:extLst>
           </a:blip>
@@ -7529,7 +7817,7 @@
           <a:blip r:embed="rId20">
             <a:extLst>
               <a:ext uri="{28A0092B-C50C-407E-A947-70E740481C1C}">
-                <a14:useLocalDpi xmlns:a14="http://schemas.microsoft.com/office/drawing/2010/main" val="0"/>
+                <a14:useLocalDpi xmlns:a14="http://schemas.microsoft.com/office/drawing/2010/main" xmlns="" val="0"/>
               </a:ext>
             </a:extLst>
           </a:blip>
@@ -7621,7 +7909,7 @@
           <a:blip r:embed="rId21">
             <a:extLst>
               <a:ext uri="{28A0092B-C50C-407E-A947-70E740481C1C}">
-                <a14:useLocalDpi xmlns:a14="http://schemas.microsoft.com/office/drawing/2010/main" val="0"/>
+                <a14:useLocalDpi xmlns:a14="http://schemas.microsoft.com/office/drawing/2010/main" xmlns="" val="0"/>
               </a:ext>
             </a:extLst>
           </a:blip>
@@ -7650,7 +7938,7 @@
           <a:blip r:embed="rId22">
             <a:extLst>
               <a:ext uri="{28A0092B-C50C-407E-A947-70E740481C1C}">
-                <a14:useLocalDpi xmlns:a14="http://schemas.microsoft.com/office/drawing/2010/main" val="0"/>
+                <a14:useLocalDpi xmlns:a14="http://schemas.microsoft.com/office/drawing/2010/main" xmlns="" val="0"/>
               </a:ext>
             </a:extLst>
           </a:blip>
@@ -7834,6 +8122,7 @@
           <a:p>
             <a:fld id="{38662092-64E2-4CD5-8A15-9CD21E8E3E94}" type="datetime1">
               <a:rPr lang="de-AT" smtClean="0"/>
+              <a:pPr/>
               <a:t>12.03.2015</a:t>
             </a:fld>
             <a:endParaRPr lang="de-AT"/>
@@ -7917,6 +8206,7 @@
           <a:p>
             <a:fld id="{7E4B9D8A-30A2-4509-8A2B-BAB999C5542B}" type="slidenum">
               <a:rPr lang="de-AT" smtClean="0"/>
+              <a:pPr/>
               <a:t>‹Nr.›</a:t>
             </a:fld>
             <a:endParaRPr lang="de-AT"/>
@@ -7926,7 +8216,7 @@
     </p:spTree>
     <p:extLst>
       <p:ext uri="{BB962C8B-B14F-4D97-AF65-F5344CB8AC3E}">
-        <p14:creationId xmlns:p14="http://schemas.microsoft.com/office/powerpoint/2010/main" val="3583848811"/>
+        <p14:creationId xmlns:p14="http://schemas.microsoft.com/office/powerpoint/2010/main" xmlns="" val="3583848811"/>
       </p:ext>
     </p:extLst>
   </p:cSld>
@@ -8428,7 +8718,7 @@
     </p:spTree>
     <p:extLst>
       <p:ext uri="{BB962C8B-B14F-4D97-AF65-F5344CB8AC3E}">
-        <p14:creationId xmlns:p14="http://schemas.microsoft.com/office/powerpoint/2010/main" val="3400851328"/>
+        <p14:creationId xmlns:p14="http://schemas.microsoft.com/office/powerpoint/2010/main" xmlns="" val="3400851328"/>
       </p:ext>
     </p:extLst>
   </p:cSld>
@@ -8602,6 +8892,7 @@
           <a:p>
             <a:fld id="{5DC49387-FBA4-4741-9A41-019152E901E7}" type="datetime1">
               <a:rPr lang="de-AT" smtClean="0"/>
+              <a:pPr/>
               <a:t>12.03.2015</a:t>
             </a:fld>
             <a:endParaRPr lang="de-AT"/>
@@ -8648,6 +8939,7 @@
           <a:p>
             <a:fld id="{7E4B9D8A-30A2-4509-8A2B-BAB999C5542B}" type="slidenum">
               <a:rPr lang="de-AT" smtClean="0"/>
+              <a:pPr/>
               <a:t>10</a:t>
             </a:fld>
             <a:endParaRPr lang="de-AT"/>
@@ -8657,7 +8949,7 @@
     </p:spTree>
     <p:extLst>
       <p:ext uri="{BB962C8B-B14F-4D97-AF65-F5344CB8AC3E}">
-        <p14:creationId xmlns:p14="http://schemas.microsoft.com/office/powerpoint/2010/main" val="2563290533"/>
+        <p14:creationId xmlns:p14="http://schemas.microsoft.com/office/powerpoint/2010/main" xmlns="" val="2563290533"/>
       </p:ext>
     </p:extLst>
   </p:cSld>
@@ -8801,6 +9093,7 @@
           <a:p>
             <a:fld id="{5DC49387-FBA4-4741-9A41-019152E901E7}" type="datetime1">
               <a:rPr lang="de-AT" smtClean="0"/>
+              <a:pPr/>
               <a:t>12.03.2015</a:t>
             </a:fld>
             <a:endParaRPr lang="de-AT"/>
@@ -8847,6 +9140,7 @@
           <a:p>
             <a:fld id="{7E4B9D8A-30A2-4509-8A2B-BAB999C5542B}" type="slidenum">
               <a:rPr lang="de-AT" smtClean="0"/>
+              <a:pPr/>
               <a:t>11</a:t>
             </a:fld>
             <a:endParaRPr lang="de-AT"/>
@@ -8856,7 +9150,7 @@
     </p:spTree>
     <p:extLst>
       <p:ext uri="{BB962C8B-B14F-4D97-AF65-F5344CB8AC3E}">
-        <p14:creationId xmlns:p14="http://schemas.microsoft.com/office/powerpoint/2010/main" val="2520681511"/>
+        <p14:creationId xmlns:p14="http://schemas.microsoft.com/office/powerpoint/2010/main" xmlns="" val="2520681511"/>
       </p:ext>
     </p:extLst>
   </p:cSld>
@@ -9128,6 +9422,7 @@
           <a:p>
             <a:fld id="{5DC49387-FBA4-4741-9A41-019152E901E7}" type="datetime1">
               <a:rPr lang="de-AT" smtClean="0"/>
+              <a:pPr/>
               <a:t>12.03.2015</a:t>
             </a:fld>
             <a:endParaRPr lang="de-AT"/>
@@ -9174,6 +9469,7 @@
           <a:p>
             <a:fld id="{7E4B9D8A-30A2-4509-8A2B-BAB999C5542B}" type="slidenum">
               <a:rPr lang="de-AT" smtClean="0"/>
+              <a:pPr/>
               <a:t>12</a:t>
             </a:fld>
             <a:endParaRPr lang="de-AT"/>
@@ -9183,7 +9479,7 @@
     </p:spTree>
     <p:extLst>
       <p:ext uri="{BB962C8B-B14F-4D97-AF65-F5344CB8AC3E}">
-        <p14:creationId xmlns:p14="http://schemas.microsoft.com/office/powerpoint/2010/main" val="2332188972"/>
+        <p14:creationId xmlns:p14="http://schemas.microsoft.com/office/powerpoint/2010/main" xmlns="" val="2332188972"/>
       </p:ext>
     </p:extLst>
   </p:cSld>
@@ -9257,6 +9553,7 @@
           <a:p>
             <a:fld id="{5DC49387-FBA4-4741-9A41-019152E901E7}" type="datetime1">
               <a:rPr lang="de-AT" smtClean="0"/>
+              <a:pPr/>
               <a:t>12.03.2015</a:t>
             </a:fld>
             <a:endParaRPr lang="de-AT"/>
@@ -9303,6 +9600,7 @@
           <a:p>
             <a:fld id="{7E4B9D8A-30A2-4509-8A2B-BAB999C5542B}" type="slidenum">
               <a:rPr lang="de-AT" smtClean="0"/>
+              <a:pPr/>
               <a:t>13</a:t>
             </a:fld>
             <a:endParaRPr lang="de-AT"/>
@@ -9321,7 +9619,7 @@
           <a:blip r:embed="rId2">
             <a:extLst>
               <a:ext uri="{28A0092B-C50C-407E-A947-70E740481C1C}">
-                <a14:useLocalDpi xmlns:a14="http://schemas.microsoft.com/office/drawing/2010/main" val="0"/>
+                <a14:useLocalDpi xmlns:a14="http://schemas.microsoft.com/office/drawing/2010/main" xmlns="" val="0"/>
               </a:ext>
             </a:extLst>
           </a:blip>
@@ -9371,7 +9669,7 @@
     </p:spTree>
     <p:extLst>
       <p:ext uri="{BB962C8B-B14F-4D97-AF65-F5344CB8AC3E}">
-        <p14:creationId xmlns:p14="http://schemas.microsoft.com/office/powerpoint/2010/main" val="303228601"/>
+        <p14:creationId xmlns:p14="http://schemas.microsoft.com/office/powerpoint/2010/main" xmlns="" val="303228601"/>
       </p:ext>
     </p:extLst>
   </p:cSld>
@@ -9445,6 +9743,7 @@
           <a:p>
             <a:fld id="{5DC49387-FBA4-4741-9A41-019152E901E7}" type="datetime1">
               <a:rPr lang="de-AT" smtClean="0"/>
+              <a:pPr/>
               <a:t>12.03.2015</a:t>
             </a:fld>
             <a:endParaRPr lang="de-AT"/>
@@ -9491,6 +9790,7 @@
           <a:p>
             <a:fld id="{7E4B9D8A-30A2-4509-8A2B-BAB999C5542B}" type="slidenum">
               <a:rPr lang="de-AT" smtClean="0"/>
+              <a:pPr/>
               <a:t>14</a:t>
             </a:fld>
             <a:endParaRPr lang="de-AT"/>
@@ -9509,7 +9809,7 @@
           <a:blip r:embed="rId2">
             <a:extLst>
               <a:ext uri="{28A0092B-C50C-407E-A947-70E740481C1C}">
-                <a14:useLocalDpi xmlns:a14="http://schemas.microsoft.com/office/drawing/2010/main" val="0"/>
+                <a14:useLocalDpi xmlns:a14="http://schemas.microsoft.com/office/drawing/2010/main" xmlns="" val="0"/>
               </a:ext>
             </a:extLst>
           </a:blip>
@@ -9529,7 +9829,7 @@
           <a:noFill/>
           <a:extLst>
             <a:ext uri="{909E8E84-426E-40DD-AFC4-6F175D3DCCD1}">
-              <a14:hiddenFill xmlns:a14="http://schemas.microsoft.com/office/drawing/2010/main">
+              <a14:hiddenFill xmlns:a14="http://schemas.microsoft.com/office/drawing/2010/main" xmlns="">
                 <a:solidFill>
                   <a:srgbClr val="FFFFFF"/>
                 </a:solidFill>
@@ -9570,7 +9870,7 @@
     </p:spTree>
     <p:extLst>
       <p:ext uri="{BB962C8B-B14F-4D97-AF65-F5344CB8AC3E}">
-        <p14:creationId xmlns:p14="http://schemas.microsoft.com/office/powerpoint/2010/main" val="3868227916"/>
+        <p14:creationId xmlns:p14="http://schemas.microsoft.com/office/powerpoint/2010/main" xmlns="" val="3868227916"/>
       </p:ext>
     </p:extLst>
   </p:cSld>
@@ -9638,7 +9938,66 @@
           <a:bodyPr/>
           <a:lstStyle/>
           <a:p>
-            <a:endParaRPr lang="de-AT"/>
+            <a:r>
+              <a:rPr lang="de-AT" dirty="0" smtClean="0"/>
+              <a:t>Diskrete Fertigung</a:t>
+            </a:r>
+          </a:p>
+          <a:p>
+            <a:pPr lvl="1"/>
+            <a:r>
+              <a:rPr lang="de-AT" dirty="0" smtClean="0"/>
+              <a:t>Öfen, Beschichtungsanlagen, </a:t>
+            </a:r>
+            <a:r>
+              <a:rPr lang="de-AT" dirty="0" smtClean="0"/>
+              <a:t>Lampenkomponenten, </a:t>
+            </a:r>
+            <a:r>
+              <a:rPr lang="de-AT" dirty="0" smtClean="0"/>
+              <a:t>Werkzeuge</a:t>
+            </a:r>
+          </a:p>
+          <a:p>
+            <a:pPr lvl="1"/>
+            <a:endParaRPr lang="de-AT" dirty="0" smtClean="0"/>
+          </a:p>
+          <a:p>
+            <a:r>
+              <a:rPr lang="de-AT" dirty="0" smtClean="0"/>
+              <a:t>Prozessfertigung </a:t>
+            </a:r>
+          </a:p>
+          <a:p>
+            <a:pPr lvl="1"/>
+            <a:r>
+              <a:rPr lang="de-AT" dirty="0" smtClean="0"/>
+              <a:t>Drähte, Bleche, Stäbe, Pulver</a:t>
+            </a:r>
+          </a:p>
+          <a:p>
+            <a:pPr lvl="1"/>
+            <a:endParaRPr lang="de-AT" dirty="0" smtClean="0"/>
+          </a:p>
+          <a:p>
+            <a:r>
+              <a:rPr lang="de-AT" dirty="0" smtClean="0"/>
+              <a:t>Qualitätsmanagement ISO 9001:2008 zertifiziert</a:t>
+            </a:r>
+            <a:endParaRPr lang="de-AT" dirty="0" smtClean="0"/>
+          </a:p>
+          <a:p>
+            <a:r>
+              <a:rPr lang="de-AT" dirty="0" smtClean="0"/>
+              <a:t>Energiemanagementsystem ISO 50001 zertifiziert</a:t>
+            </a:r>
+          </a:p>
+          <a:p>
+            <a:r>
+              <a:rPr lang="de-AT" dirty="0" smtClean="0"/>
+              <a:t>Umweltmanagementnorm 14001:2004 zertifiziert</a:t>
+            </a:r>
+            <a:endParaRPr lang="de-AT" dirty="0" smtClean="0"/>
           </a:p>
         </p:txBody>
       </p:sp>
@@ -9659,6 +10018,7 @@
           <a:p>
             <a:fld id="{4A585FD5-F139-4851-9C60-8BA356910DE0}" type="datetime1">
               <a:rPr lang="de-AT" smtClean="0"/>
+              <a:pPr/>
               <a:t>12.03.2015</a:t>
             </a:fld>
             <a:endParaRPr lang="de-AT"/>
@@ -9705,6 +10065,7 @@
           <a:p>
             <a:fld id="{7E4B9D8A-30A2-4509-8A2B-BAB999C5542B}" type="slidenum">
               <a:rPr lang="de-AT" smtClean="0"/>
+              <a:pPr/>
               <a:t>15</a:t>
             </a:fld>
             <a:endParaRPr lang="de-AT"/>
@@ -9714,7 +10075,7 @@
     </p:spTree>
     <p:extLst>
       <p:ext uri="{BB962C8B-B14F-4D97-AF65-F5344CB8AC3E}">
-        <p14:creationId xmlns:p14="http://schemas.microsoft.com/office/powerpoint/2010/main" val="262729864"/>
+        <p14:creationId xmlns:p14="http://schemas.microsoft.com/office/powerpoint/2010/main" xmlns="" val="262729864"/>
       </p:ext>
     </p:extLst>
   </p:cSld>
@@ -9743,7 +10104,7 @@
       </p:grpSpPr>
       <p:sp>
         <p:nvSpPr>
-          <p:cNvPr id="2" name="Title 1"/>
+          <p:cNvPr id="2" name="Titel 1"/>
           <p:cNvSpPr>
             <a:spLocks noGrp="1"/>
           </p:cNvSpPr>
@@ -9758,7 +10119,7 @@
           <a:p>
             <a:r>
               <a:rPr lang="de-AT" dirty="0" smtClean="0"/>
-              <a:t>Umsatz &amp; Gewinn</a:t>
+              <a:t>Produkte &amp; Ablauf</a:t>
             </a:r>
             <a:endParaRPr lang="de-AT" dirty="0"/>
           </a:p>
@@ -9766,7 +10127,7 @@
       </p:sp>
       <p:sp>
         <p:nvSpPr>
-          <p:cNvPr id="3" name="Content Placeholder 2"/>
+          <p:cNvPr id="3" name="Inhaltsplatzhalter 2"/>
           <p:cNvSpPr>
             <a:spLocks noGrp="1"/>
           </p:cNvSpPr>
@@ -9779,77 +10140,64 @@
           <a:bodyPr/>
           <a:lstStyle/>
           <a:p>
-            <a:pPr marL="0" indent="0">
-              <a:buNone/>
-            </a:pPr>
-            <a:endParaRPr lang="de-AT" dirty="0"/>
-          </a:p>
-          <a:p>
-            <a:r>
-              <a:rPr lang="de-AT" dirty="0" smtClean="0"/>
-              <a:t>Die Plansee-Gruppe hat 2013/14:</a:t>
-            </a:r>
-            <a:br>
-              <a:rPr lang="de-AT" dirty="0" smtClean="0"/>
-            </a:br>
-            <a:r>
-              <a:rPr lang="de-AT" dirty="0" smtClean="0">
-                <a:sym typeface="Wingdings" panose="05000000000000000000" pitchFamily="2" charset="2"/>
-              </a:rPr>
-              <a:t> Verkaufsmenge um 17% gesteigert</a:t>
-            </a:r>
-            <a:br>
-              <a:rPr lang="de-AT" dirty="0" smtClean="0">
-                <a:sym typeface="Wingdings" panose="05000000000000000000" pitchFamily="2" charset="2"/>
-              </a:rPr>
-            </a:br>
-            <a:r>
-              <a:rPr lang="de-AT" dirty="0" smtClean="0">
-                <a:sym typeface="Wingdings" panose="05000000000000000000" pitchFamily="2" charset="2"/>
-              </a:rPr>
-              <a:t> Umsatz von 1,2 Mrd. € erwirtschaftet</a:t>
-            </a:r>
-            <a:br>
-              <a:rPr lang="de-AT" dirty="0" smtClean="0">
-                <a:sym typeface="Wingdings" panose="05000000000000000000" pitchFamily="2" charset="2"/>
-              </a:rPr>
-            </a:br>
-            <a:r>
-              <a:rPr lang="de-AT" dirty="0" smtClean="0">
-                <a:sym typeface="Wingdings" panose="05000000000000000000" pitchFamily="2" charset="2"/>
-              </a:rPr>
-              <a:t> 280 Mil. € investiert</a:t>
-            </a:r>
-          </a:p>
-          <a:p>
-            <a:endParaRPr lang="de-AT" dirty="0">
-              <a:sym typeface="Wingdings" panose="05000000000000000000" pitchFamily="2" charset="2"/>
-            </a:endParaRPr>
-          </a:p>
-          <a:p>
-            <a:endParaRPr lang="de-AT" dirty="0" smtClean="0">
-              <a:sym typeface="Wingdings" panose="05000000000000000000" pitchFamily="2" charset="2"/>
-            </a:endParaRPr>
-          </a:p>
-          <a:p>
-            <a:endParaRPr lang="de-AT" dirty="0">
-              <a:sym typeface="Wingdings" panose="05000000000000000000" pitchFamily="2" charset="2"/>
-            </a:endParaRPr>
-          </a:p>
-          <a:p>
-            <a:r>
-              <a:rPr lang="de-AT" dirty="0" smtClean="0">
-                <a:sym typeface="Wingdings" panose="05000000000000000000" pitchFamily="2" charset="2"/>
-              </a:rPr>
-              <a:t>Größte Stärke: Investitionskraft  85 Mil. € Investitionsvermögen</a:t>
-            </a:r>
-            <a:endParaRPr lang="de-AT" dirty="0"/>
-          </a:p>
-        </p:txBody>
-      </p:sp>
-      <p:sp>
-        <p:nvSpPr>
-          <p:cNvPr id="4" name="Date Placeholder 3"/>
+            <a:r>
+              <a:rPr lang="de-AT" dirty="0" smtClean="0"/>
+              <a:t>Werkstoffe</a:t>
+            </a:r>
+          </a:p>
+          <a:p>
+            <a:pPr lvl="1"/>
+            <a:r>
+              <a:rPr lang="de-AT" dirty="0" smtClean="0"/>
+              <a:t>Molybdän</a:t>
+            </a:r>
+            <a:endParaRPr lang="de-AT" dirty="0" smtClean="0"/>
+          </a:p>
+          <a:p>
+            <a:pPr lvl="1"/>
+            <a:r>
+              <a:rPr lang="de-AT" dirty="0" smtClean="0"/>
+              <a:t>Wolfram</a:t>
+            </a:r>
+            <a:endParaRPr lang="de-AT" dirty="0" smtClean="0"/>
+          </a:p>
+          <a:p>
+            <a:pPr lvl="1"/>
+            <a:r>
+              <a:rPr lang="de-AT" dirty="0" smtClean="0"/>
+              <a:t>Wolframschwermetall</a:t>
+            </a:r>
+            <a:endParaRPr lang="de-AT" dirty="0" smtClean="0"/>
+          </a:p>
+          <a:p>
+            <a:pPr lvl="1"/>
+            <a:r>
+              <a:rPr lang="de-AT" dirty="0" smtClean="0"/>
+              <a:t>Tantal</a:t>
+            </a:r>
+            <a:endParaRPr lang="de-AT" dirty="0" smtClean="0"/>
+          </a:p>
+          <a:p>
+            <a:pPr lvl="1"/>
+            <a:r>
+              <a:rPr lang="de-AT" dirty="0" smtClean="0"/>
+              <a:t>Niob</a:t>
+            </a:r>
+            <a:endParaRPr lang="de-AT" dirty="0" smtClean="0"/>
+          </a:p>
+          <a:p>
+            <a:pPr lvl="1"/>
+            <a:r>
+              <a:rPr lang="de-AT" dirty="0" smtClean="0"/>
+              <a:t>Chrom</a:t>
+            </a:r>
+            <a:endParaRPr lang="de-AT" dirty="0" smtClean="0"/>
+          </a:p>
+        </p:txBody>
+      </p:sp>
+      <p:sp>
+        <p:nvSpPr>
+          <p:cNvPr id="4" name="Datumsplatzhalter 3"/>
           <p:cNvSpPr>
             <a:spLocks noGrp="1"/>
           </p:cNvSpPr>
@@ -9864,6 +10212,7 @@
           <a:p>
             <a:fld id="{5DC49387-FBA4-4741-9A41-019152E901E7}" type="datetime1">
               <a:rPr lang="de-AT" smtClean="0"/>
+              <a:pPr/>
               <a:t>12.03.2015</a:t>
             </a:fld>
             <a:endParaRPr lang="de-AT"/>
@@ -9872,7 +10221,7 @@
       </p:sp>
       <p:sp>
         <p:nvSpPr>
-          <p:cNvPr id="5" name="Footer Placeholder 4"/>
+          <p:cNvPr id="5" name="Fußzeilenplatzhalter 4"/>
           <p:cNvSpPr>
             <a:spLocks noGrp="1"/>
           </p:cNvSpPr>
@@ -9895,7 +10244,7 @@
       </p:sp>
       <p:sp>
         <p:nvSpPr>
-          <p:cNvPr id="6" name="Slide Number Placeholder 5"/>
+          <p:cNvPr id="6" name="Foliennummernplatzhalter 5"/>
           <p:cNvSpPr>
             <a:spLocks noGrp="1"/>
           </p:cNvSpPr>
@@ -9910,6 +10259,7 @@
           <a:p>
             <a:fld id="{7E4B9D8A-30A2-4509-8A2B-BAB999C5542B}" type="slidenum">
               <a:rPr lang="de-AT" smtClean="0"/>
+              <a:pPr/>
               <a:t>16</a:t>
             </a:fld>
             <a:endParaRPr lang="de-AT"/>
@@ -9917,11 +10267,6 @@
         </p:txBody>
       </p:sp>
     </p:spTree>
-    <p:extLst>
-      <p:ext uri="{BB962C8B-B14F-4D97-AF65-F5344CB8AC3E}">
-        <p14:creationId xmlns:p14="http://schemas.microsoft.com/office/powerpoint/2010/main" val="4000049594"/>
-      </p:ext>
-    </p:extLst>
   </p:cSld>
   <p:clrMapOvr>
     <a:masterClrMapping/>
@@ -9963,7 +10308,63 @@
           <a:p>
             <a:r>
               <a:rPr lang="de-AT" dirty="0" smtClean="0"/>
-              <a:t>Umsatz &amp; Gewinn</a:t>
+              <a:t>Produkte &amp; Ablauf</a:t>
+            </a:r>
+            <a:endParaRPr lang="de-AT" dirty="0"/>
+          </a:p>
+        </p:txBody>
+      </p:sp>
+      <p:sp>
+        <p:nvSpPr>
+          <p:cNvPr id="3" name="Inhaltsplatzhalter 2"/>
+          <p:cNvSpPr>
+            <a:spLocks noGrp="1"/>
+          </p:cNvSpPr>
+          <p:nvPr>
+            <p:ph idx="1"/>
+          </p:nvPr>
+        </p:nvSpPr>
+        <p:spPr>
+          <a:xfrm>
+            <a:off x="1103312" y="2052918"/>
+            <a:ext cx="9214404" cy="4321095"/>
+          </a:xfrm>
+        </p:spPr>
+        <p:txBody>
+          <a:bodyPr/>
+          <a:lstStyle/>
+          <a:p>
+            <a:r>
+              <a:rPr lang="de-AT" dirty="0" err="1" smtClean="0"/>
+              <a:t>Sputern</a:t>
+            </a:r>
+            <a:endParaRPr lang="de-AT" dirty="0" smtClean="0"/>
+          </a:p>
+          <a:p>
+            <a:endParaRPr lang="de-AT" dirty="0" smtClean="0"/>
+          </a:p>
+          <a:p>
+            <a:r>
+              <a:rPr lang="de-AT" dirty="0" smtClean="0"/>
+              <a:t>Verdampfen von Material</a:t>
+            </a:r>
+          </a:p>
+          <a:p>
+            <a:endParaRPr lang="de-AT" dirty="0" smtClean="0"/>
+          </a:p>
+          <a:p>
+            <a:r>
+              <a:rPr lang="de-AT" dirty="0" smtClean="0"/>
+              <a:t>Andampfen an Werkstück</a:t>
+            </a:r>
+          </a:p>
+          <a:p>
+            <a:endParaRPr lang="de-AT" dirty="0" smtClean="0"/>
+          </a:p>
+          <a:p>
+            <a:r>
+              <a:rPr lang="de-AT" dirty="0" smtClean="0"/>
+              <a:t>Sehr rein (99,9%)</a:t>
             </a:r>
             <a:endParaRPr lang="de-AT" dirty="0"/>
           </a:p>
@@ -9986,6 +10387,7 @@
           <a:p>
             <a:fld id="{5DC49387-FBA4-4741-9A41-019152E901E7}" type="datetime1">
               <a:rPr lang="de-AT" smtClean="0"/>
+              <a:pPr/>
               <a:t>12.03.2015</a:t>
             </a:fld>
             <a:endParaRPr lang="de-AT"/>
@@ -10032,6 +10434,7 @@
           <a:p>
             <a:fld id="{7E4B9D8A-30A2-4509-8A2B-BAB999C5542B}" type="slidenum">
               <a:rPr lang="de-AT" smtClean="0"/>
+              <a:pPr/>
               <a:t>17</a:t>
             </a:fld>
             <a:endParaRPr lang="de-AT"/>
@@ -10040,20 +10443,14 @@
       </p:sp>
       <p:pic>
         <p:nvPicPr>
-          <p:cNvPr id="1026" name="Picture 2" descr="E:\Schule\5. Jahrgang\BIM\plansee_geschäftszahlen.JPG"/>
+          <p:cNvPr id="1026" name="Picture 2" descr="http://hohlkathoden.fraunhofer.de/content/hohlkathoden/images/de/kathodenzerstaeubung_l.jpg"/>
           <p:cNvPicPr>
             <a:picLocks noChangeAspect="1" noChangeArrowheads="1"/>
           </p:cNvPicPr>
           <p:nvPr/>
         </p:nvPicPr>
         <p:blipFill>
-          <a:blip r:embed="rId2">
-            <a:extLst>
-              <a:ext uri="{28A0092B-C50C-407E-A947-70E740481C1C}">
-                <a14:useLocalDpi xmlns:a14="http://schemas.microsoft.com/office/drawing/2010/main" val="0"/>
-              </a:ext>
-            </a:extLst>
-          </a:blip>
+          <a:blip r:embed="rId2"/>
           <a:srcRect/>
           <a:stretch>
             <a:fillRect/>
@@ -10061,63 +10458,16 @@
         </p:blipFill>
         <p:spPr bwMode="auto">
           <a:xfrm>
-            <a:off x="975526" y="1325148"/>
-            <a:ext cx="8720802" cy="4718224"/>
-          </a:xfrm>
-          <a:prstGeom prst="rect">
-            <a:avLst/>
-          </a:prstGeom>
-          <a:noFill/>
-          <a:extLst>
-            <a:ext uri="{909E8E84-426E-40DD-AFC4-6F175D3DCCD1}">
-              <a14:hiddenFill xmlns:a14="http://schemas.microsoft.com/office/drawing/2010/main">
-                <a:solidFill>
-                  <a:srgbClr val="FFFFFF"/>
-                </a:solidFill>
-              </a14:hiddenFill>
-            </a:ext>
-          </a:extLst>
-        </p:spPr>
-      </p:pic>
-      <p:sp>
-        <p:nvSpPr>
-          <p:cNvPr id="7" name="Textfeld 6"/>
-          <p:cNvSpPr txBox="1"/>
-          <p:nvPr/>
-        </p:nvSpPr>
-        <p:spPr>
-          <a:xfrm>
-            <a:off x="975525" y="6108118"/>
-            <a:ext cx="4799712" cy="246221"/>
+            <a:off x="5053394" y="1631840"/>
+            <a:ext cx="4700205" cy="4700205"/>
           </a:xfrm>
           <a:prstGeom prst="rect">
             <a:avLst/>
           </a:prstGeom>
           <a:noFill/>
         </p:spPr>
-        <p:txBody>
-          <a:bodyPr wrap="none" rtlCol="0">
-            <a:spAutoFit/>
-          </a:bodyPr>
-          <a:lstStyle/>
-          <a:p>
-            <a:r>
-              <a:rPr lang="de-AT" sz="1000" dirty="0" smtClean="0"/>
-              <a:t>Quelle: </a:t>
-            </a:r>
-            <a:r>
-              <a:rPr lang="de-AT" sz="1000" dirty="0"/>
-              <a:t>http://www.plansee-group.com/de/ueber-uns/geschaeftsbericht/</a:t>
-            </a:r>
-          </a:p>
-        </p:txBody>
-      </p:sp>
+      </p:pic>
     </p:spTree>
-    <p:extLst>
-      <p:ext uri="{BB962C8B-B14F-4D97-AF65-F5344CB8AC3E}">
-        <p14:creationId xmlns:p14="http://schemas.microsoft.com/office/powerpoint/2010/main" val="1089068210"/>
-      </p:ext>
-    </p:extLst>
   </p:cSld>
   <p:clrMapOvr>
     <a:masterClrMapping/>
@@ -10158,12 +10508,8 @@
           <a:lstStyle/>
           <a:p>
             <a:r>
-              <a:rPr lang="de-AT" dirty="0"/>
-              <a:t>Marktzustand &amp; </a:t>
-            </a:r>
-            <a:r>
-              <a:rPr lang="de-AT" dirty="0" smtClean="0"/>
-              <a:t>Trends</a:t>
+              <a:rPr lang="de-AT" dirty="0" smtClean="0"/>
+              <a:t>Umsatz &amp; Gewinn</a:t>
             </a:r>
             <a:endParaRPr lang="de-AT" dirty="0"/>
           </a:p>
@@ -10184,47 +10530,72 @@
           <a:bodyPr/>
           <a:lstStyle/>
           <a:p>
-            <a:r>
-              <a:rPr lang="de-AT" dirty="0" smtClean="0"/>
-              <a:t>Betriebsgeheimnisse an Konkurrenz weitergeleitet</a:t>
-            </a:r>
-          </a:p>
-          <a:p>
+            <a:pPr marL="0" indent="0">
+              <a:buNone/>
+            </a:pPr>
             <a:endParaRPr lang="de-AT" dirty="0"/>
           </a:p>
           <a:p>
             <a:r>
               <a:rPr lang="de-AT" dirty="0" smtClean="0"/>
-              <a:t>Immer mehr Konkurrenz auf China</a:t>
-            </a:r>
-          </a:p>
-          <a:p>
+              <a:t>Die Plansee-Gruppe hat 2013/14:</a:t>
+            </a:r>
+            <a:br>
+              <a:rPr lang="de-AT" dirty="0" smtClean="0"/>
+            </a:br>
+            <a:r>
+              <a:rPr lang="de-AT" dirty="0" smtClean="0">
+                <a:sym typeface="Wingdings" panose="05000000000000000000" pitchFamily="2" charset="2"/>
+              </a:rPr>
+              <a:t> Verkaufsmenge um 17% gesteigert</a:t>
+            </a:r>
+            <a:br>
+              <a:rPr lang="de-AT" dirty="0" smtClean="0">
+                <a:sym typeface="Wingdings" panose="05000000000000000000" pitchFamily="2" charset="2"/>
+              </a:rPr>
+            </a:br>
+            <a:r>
+              <a:rPr lang="de-AT" dirty="0" smtClean="0">
+                <a:sym typeface="Wingdings" panose="05000000000000000000" pitchFamily="2" charset="2"/>
+              </a:rPr>
+              <a:t> Umsatz von 1,2 Mrd. € erwirtschaftet</a:t>
+            </a:r>
+            <a:br>
+              <a:rPr lang="de-AT" dirty="0" smtClean="0">
+                <a:sym typeface="Wingdings" panose="05000000000000000000" pitchFamily="2" charset="2"/>
+              </a:rPr>
+            </a:br>
+            <a:r>
+              <a:rPr lang="de-AT" dirty="0" smtClean="0">
+                <a:sym typeface="Wingdings" panose="05000000000000000000" pitchFamily="2" charset="2"/>
+              </a:rPr>
+              <a:t> 280 Mil. € investiert</a:t>
+            </a:r>
+          </a:p>
+          <a:p>
+            <a:endParaRPr lang="de-AT" dirty="0">
+              <a:sym typeface="Wingdings" panose="05000000000000000000" pitchFamily="2" charset="2"/>
+            </a:endParaRPr>
+          </a:p>
+          <a:p>
+            <a:endParaRPr lang="de-AT" dirty="0" smtClean="0">
+              <a:sym typeface="Wingdings" panose="05000000000000000000" pitchFamily="2" charset="2"/>
+            </a:endParaRPr>
+          </a:p>
+          <a:p>
+            <a:endParaRPr lang="de-AT" dirty="0">
+              <a:sym typeface="Wingdings" panose="05000000000000000000" pitchFamily="2" charset="2"/>
+            </a:endParaRPr>
+          </a:p>
+          <a:p>
+            <a:r>
+              <a:rPr lang="de-AT" dirty="0" smtClean="0">
+                <a:sym typeface="Wingdings" panose="05000000000000000000" pitchFamily="2" charset="2"/>
+              </a:rPr>
+              <a:t>Größte Stärke: Investitionskraft  85 Mil. € Investitionsvermögen</a:t>
+            </a:r>
             <a:endParaRPr lang="de-AT" dirty="0"/>
           </a:p>
-          <a:p>
-            <a:r>
-              <a:rPr lang="de-AT" dirty="0" smtClean="0"/>
-              <a:t>GTAT</a:t>
-            </a:r>
-            <a:r>
-              <a:rPr lang="de-AT" dirty="0"/>
-              <a:t> </a:t>
-            </a:r>
-            <a:r>
-              <a:rPr lang="de-AT" dirty="0" smtClean="0"/>
-              <a:t>Pleite kostet 80 Arbeitsplätze </a:t>
-            </a:r>
-          </a:p>
-          <a:p>
-            <a:endParaRPr lang="de-AT" dirty="0"/>
-          </a:p>
-          <a:p>
-            <a:r>
-              <a:rPr lang="de-AT" dirty="0" smtClean="0"/>
-              <a:t>Zeitkonten für Mitarbeiter eingeführt</a:t>
-            </a:r>
-            <a:endParaRPr lang="de-AT" dirty="0"/>
-          </a:p>
         </p:txBody>
       </p:sp>
       <p:sp>
@@ -10242,8 +10613,9 @@
           <a:bodyPr/>
           <a:lstStyle/>
           <a:p>
-            <a:fld id="{65FF002B-6FA8-43D9-854A-D532E0F1B363}" type="datetime1">
+            <a:fld id="{5DC49387-FBA4-4741-9A41-019152E901E7}" type="datetime1">
               <a:rPr lang="de-AT" smtClean="0"/>
+              <a:pPr/>
               <a:t>12.03.2015</a:t>
             </a:fld>
             <a:endParaRPr lang="de-AT"/>
@@ -10290,6 +10662,7 @@
           <a:p>
             <a:fld id="{7E4B9D8A-30A2-4509-8A2B-BAB999C5542B}" type="slidenum">
               <a:rPr lang="de-AT" smtClean="0"/>
+              <a:pPr/>
               <a:t>18</a:t>
             </a:fld>
             <a:endParaRPr lang="de-AT"/>
@@ -10299,7 +10672,7 @@
     </p:spTree>
     <p:extLst>
       <p:ext uri="{BB962C8B-B14F-4D97-AF65-F5344CB8AC3E}">
-        <p14:creationId xmlns:p14="http://schemas.microsoft.com/office/powerpoint/2010/main" val="3223418011"/>
+        <p14:creationId xmlns:p14="http://schemas.microsoft.com/office/powerpoint/2010/main" xmlns="" val="4000049594"/>
       </p:ext>
     </p:extLst>
   </p:cSld>
@@ -10328,7 +10701,7 @@
       </p:grpSpPr>
       <p:sp>
         <p:nvSpPr>
-          <p:cNvPr id="2" name="Title 1"/>
+          <p:cNvPr id="2" name="Titel 1"/>
           <p:cNvSpPr>
             <a:spLocks noGrp="1"/>
           </p:cNvSpPr>
@@ -10342,12 +10715,8 @@
           <a:lstStyle/>
           <a:p>
             <a:r>
-              <a:rPr lang="de-AT" dirty="0"/>
-              <a:t>ERP </a:t>
-            </a:r>
-            <a:r>
-              <a:rPr lang="de-AT" dirty="0" smtClean="0"/>
-              <a:t>Auswahl</a:t>
+              <a:rPr lang="de-AT" dirty="0" smtClean="0"/>
+              <a:t>Umsatz &amp; Gewinn</a:t>
             </a:r>
             <a:endParaRPr lang="de-AT" dirty="0"/>
           </a:p>
@@ -10355,26 +10724,7 @@
       </p:sp>
       <p:sp>
         <p:nvSpPr>
-          <p:cNvPr id="3" name="Content Placeholder 2"/>
-          <p:cNvSpPr>
-            <a:spLocks noGrp="1"/>
-          </p:cNvSpPr>
-          <p:nvPr>
-            <p:ph idx="1"/>
-          </p:nvPr>
-        </p:nvSpPr>
-        <p:spPr/>
-        <p:txBody>
-          <a:bodyPr/>
-          <a:lstStyle/>
-          <a:p>
-            <a:endParaRPr lang="de-AT" dirty="0"/>
-          </a:p>
-        </p:txBody>
-      </p:sp>
-      <p:sp>
-        <p:nvSpPr>
-          <p:cNvPr id="4" name="Date Placeholder 3"/>
+          <p:cNvPr id="4" name="Datumsplatzhalter 3"/>
           <p:cNvSpPr>
             <a:spLocks noGrp="1"/>
           </p:cNvSpPr>
@@ -10387,8 +10737,9 @@
           <a:bodyPr/>
           <a:lstStyle/>
           <a:p>
-            <a:fld id="{339268F1-ED40-48F5-9CC8-8A0ACD474854}" type="datetime1">
+            <a:fld id="{5DC49387-FBA4-4741-9A41-019152E901E7}" type="datetime1">
               <a:rPr lang="de-AT" smtClean="0"/>
+              <a:pPr/>
               <a:t>12.03.2015</a:t>
             </a:fld>
             <a:endParaRPr lang="de-AT"/>
@@ -10397,7 +10748,7 @@
       </p:sp>
       <p:sp>
         <p:nvSpPr>
-          <p:cNvPr id="5" name="Footer Placeholder 4"/>
+          <p:cNvPr id="5" name="Fußzeilenplatzhalter 4"/>
           <p:cNvSpPr>
             <a:spLocks noGrp="1"/>
           </p:cNvSpPr>
@@ -10420,7 +10771,7 @@
       </p:sp>
       <p:sp>
         <p:nvSpPr>
-          <p:cNvPr id="6" name="Slide Number Placeholder 5"/>
+          <p:cNvPr id="6" name="Foliennummernplatzhalter 5"/>
           <p:cNvSpPr>
             <a:spLocks noGrp="1"/>
           </p:cNvSpPr>
@@ -10435,16 +10786,91 @@
           <a:p>
             <a:fld id="{7E4B9D8A-30A2-4509-8A2B-BAB999C5542B}" type="slidenum">
               <a:rPr lang="de-AT" smtClean="0"/>
+              <a:pPr/>
               <a:t>19</a:t>
             </a:fld>
             <a:endParaRPr lang="de-AT"/>
           </a:p>
         </p:txBody>
       </p:sp>
+      <p:pic>
+        <p:nvPicPr>
+          <p:cNvPr id="1026" name="Picture 2" descr="E:\Schule\5. Jahrgang\BIM\plansee_geschäftszahlen.JPG"/>
+          <p:cNvPicPr>
+            <a:picLocks noChangeAspect="1" noChangeArrowheads="1"/>
+          </p:cNvPicPr>
+          <p:nvPr/>
+        </p:nvPicPr>
+        <p:blipFill>
+          <a:blip r:embed="rId2">
+            <a:extLst>
+              <a:ext uri="{28A0092B-C50C-407E-A947-70E740481C1C}">
+                <a14:useLocalDpi xmlns:a14="http://schemas.microsoft.com/office/drawing/2010/main" xmlns="" val="0"/>
+              </a:ext>
+            </a:extLst>
+          </a:blip>
+          <a:srcRect/>
+          <a:stretch>
+            <a:fillRect/>
+          </a:stretch>
+        </p:blipFill>
+        <p:spPr bwMode="auto">
+          <a:xfrm>
+            <a:off x="975526" y="1325148"/>
+            <a:ext cx="8720802" cy="4718224"/>
+          </a:xfrm>
+          <a:prstGeom prst="rect">
+            <a:avLst/>
+          </a:prstGeom>
+          <a:noFill/>
+          <a:extLst>
+            <a:ext uri="{909E8E84-426E-40DD-AFC4-6F175D3DCCD1}">
+              <a14:hiddenFill xmlns:a14="http://schemas.microsoft.com/office/drawing/2010/main" xmlns="">
+                <a:solidFill>
+                  <a:srgbClr val="FFFFFF"/>
+                </a:solidFill>
+              </a14:hiddenFill>
+            </a:ext>
+          </a:extLst>
+        </p:spPr>
+      </p:pic>
+      <p:sp>
+        <p:nvSpPr>
+          <p:cNvPr id="7" name="Textfeld 6"/>
+          <p:cNvSpPr txBox="1"/>
+          <p:nvPr/>
+        </p:nvSpPr>
+        <p:spPr>
+          <a:xfrm>
+            <a:off x="975525" y="6108118"/>
+            <a:ext cx="4799712" cy="246221"/>
+          </a:xfrm>
+          <a:prstGeom prst="rect">
+            <a:avLst/>
+          </a:prstGeom>
+          <a:noFill/>
+        </p:spPr>
+        <p:txBody>
+          <a:bodyPr wrap="none" rtlCol="0">
+            <a:spAutoFit/>
+          </a:bodyPr>
+          <a:lstStyle/>
+          <a:p>
+            <a:r>
+              <a:rPr lang="de-AT" sz="1000" dirty="0" smtClean="0"/>
+              <a:t>Quelle: </a:t>
+            </a:r>
+            <a:r>
+              <a:rPr lang="de-AT" sz="1000" dirty="0"/>
+              <a:t>http://www.plansee-group.com/de/ueber-uns/geschaeftsbericht/</a:t>
+            </a:r>
+          </a:p>
+        </p:txBody>
+      </p:sp>
     </p:spTree>
     <p:extLst>
       <p:ext uri="{BB962C8B-B14F-4D97-AF65-F5344CB8AC3E}">
-        <p14:creationId xmlns:p14="http://schemas.microsoft.com/office/powerpoint/2010/main" val="2641605786"/>
+        <p14:creationId xmlns:p14="http://schemas.microsoft.com/office/powerpoint/2010/main" xmlns="" val="1089068210"/>
       </p:ext>
     </p:extLst>
   </p:cSld>
@@ -10519,7 +10945,6 @@
               <a:rPr lang="de-AT" dirty="0" smtClean="0"/>
               <a:t>Historie/Entwicklung</a:t>
             </a:r>
-            <a:endParaRPr lang="de-AT" dirty="0" smtClean="0"/>
           </a:p>
           <a:p>
             <a:r>
@@ -10579,6 +11004,7 @@
           <a:p>
             <a:fld id="{12CEE160-9AF6-43FA-8FA6-FAE2168B46F7}" type="datetime1">
               <a:rPr lang="de-AT" smtClean="0"/>
+              <a:pPr/>
               <a:t>12.03.2015</a:t>
             </a:fld>
             <a:endParaRPr lang="de-AT"/>
@@ -10625,16 +11051,606 @@
           <a:p>
             <a:fld id="{7E4B9D8A-30A2-4509-8A2B-BAB999C5542B}" type="slidenum">
               <a:rPr lang="de-AT" smtClean="0"/>
+              <a:pPr/>
               <a:t>2</a:t>
             </a:fld>
             <a:endParaRPr lang="de-AT"/>
           </a:p>
         </p:txBody>
       </p:sp>
+      <p:pic>
+        <p:nvPicPr>
+          <p:cNvPr id="29703" name="Picture 7" descr="C:\Users\Wolf\Desktop\Plansee_SE_logo.svg.png"/>
+          <p:cNvPicPr>
+            <a:picLocks noChangeAspect="1" noChangeArrowheads="1"/>
+          </p:cNvPicPr>
+          <p:nvPr/>
+        </p:nvPicPr>
+        <p:blipFill>
+          <a:blip r:embed="rId3"/>
+          <a:srcRect/>
+          <a:stretch>
+            <a:fillRect/>
+          </a:stretch>
+        </p:blipFill>
+        <p:spPr bwMode="auto">
+          <a:xfrm>
+            <a:off x="4871545" y="2972641"/>
+            <a:ext cx="5531185" cy="1431194"/>
+          </a:xfrm>
+          <a:prstGeom prst="rect">
+            <a:avLst/>
+          </a:prstGeom>
+          <a:noFill/>
+        </p:spPr>
+      </p:pic>
     </p:spTree>
     <p:extLst>
       <p:ext uri="{BB962C8B-B14F-4D97-AF65-F5344CB8AC3E}">
-        <p14:creationId xmlns:p14="http://schemas.microsoft.com/office/powerpoint/2010/main" val="186061554"/>
+        <p14:creationId xmlns:p14="http://schemas.microsoft.com/office/powerpoint/2010/main" xmlns="" val="186061554"/>
+      </p:ext>
+    </p:extLst>
+  </p:cSld>
+  <p:clrMapOvr>
+    <a:masterClrMapping/>
+  </p:clrMapOvr>
+</p:sld>
+</file>
+
+<file path=ppt/slides/slide20.xml><?xml version="1.0" encoding="utf-8"?>
+<p:sld xmlns:a="http://schemas.openxmlformats.org/drawingml/2006/main" xmlns:r="http://schemas.openxmlformats.org/officeDocument/2006/relationships" xmlns:p="http://schemas.openxmlformats.org/presentationml/2006/main">
+  <p:cSld>
+    <p:spTree>
+      <p:nvGrpSpPr>
+        <p:cNvPr id="1" name=""/>
+        <p:cNvGrpSpPr/>
+        <p:nvPr/>
+      </p:nvGrpSpPr>
+      <p:grpSpPr>
+        <a:xfrm>
+          <a:off x="0" y="0"/>
+          <a:ext cx="0" cy="0"/>
+          <a:chOff x="0" y="0"/>
+          <a:chExt cx="0" cy="0"/>
+        </a:xfrm>
+      </p:grpSpPr>
+      <p:sp>
+        <p:nvSpPr>
+          <p:cNvPr id="2" name="Title 1"/>
+          <p:cNvSpPr>
+            <a:spLocks noGrp="1"/>
+          </p:cNvSpPr>
+          <p:nvPr>
+            <p:ph type="title"/>
+          </p:nvPr>
+        </p:nvSpPr>
+        <p:spPr/>
+        <p:txBody>
+          <a:bodyPr/>
+          <a:lstStyle/>
+          <a:p>
+            <a:r>
+              <a:rPr lang="de-AT" dirty="0"/>
+              <a:t>Marktzustand &amp; </a:t>
+            </a:r>
+            <a:r>
+              <a:rPr lang="de-AT" dirty="0" smtClean="0"/>
+              <a:t>Trends</a:t>
+            </a:r>
+            <a:endParaRPr lang="de-AT" dirty="0"/>
+          </a:p>
+        </p:txBody>
+      </p:sp>
+      <p:sp>
+        <p:nvSpPr>
+          <p:cNvPr id="3" name="Content Placeholder 2"/>
+          <p:cNvSpPr>
+            <a:spLocks noGrp="1"/>
+          </p:cNvSpPr>
+          <p:nvPr>
+            <p:ph idx="1"/>
+          </p:nvPr>
+        </p:nvSpPr>
+        <p:spPr/>
+        <p:txBody>
+          <a:bodyPr/>
+          <a:lstStyle/>
+          <a:p>
+            <a:r>
+              <a:rPr lang="de-AT" dirty="0" smtClean="0"/>
+              <a:t>Immer </a:t>
+            </a:r>
+            <a:r>
+              <a:rPr lang="de-AT" dirty="0" smtClean="0"/>
+              <a:t>mehr Konkurrenz auf </a:t>
+            </a:r>
+            <a:r>
+              <a:rPr lang="de-AT" dirty="0" smtClean="0"/>
+              <a:t>China</a:t>
+            </a:r>
+          </a:p>
+          <a:p>
+            <a:pPr lvl="1"/>
+            <a:r>
+              <a:rPr lang="de-AT" dirty="0" smtClean="0"/>
+              <a:t>Produktivitätssteigerung 5%</a:t>
+            </a:r>
+          </a:p>
+          <a:p>
+            <a:pPr lvl="1"/>
+            <a:r>
+              <a:rPr lang="de-AT" dirty="0" smtClean="0"/>
+              <a:t>Kostensteigerung</a:t>
+            </a:r>
+            <a:endParaRPr lang="de-AT" dirty="0" smtClean="0"/>
+          </a:p>
+          <a:p>
+            <a:endParaRPr lang="de-AT" dirty="0"/>
+          </a:p>
+          <a:p>
+            <a:r>
+              <a:rPr lang="de-AT" dirty="0" smtClean="0"/>
+              <a:t>GTAT</a:t>
+            </a:r>
+            <a:r>
+              <a:rPr lang="de-AT" dirty="0"/>
+              <a:t> </a:t>
+            </a:r>
+            <a:r>
+              <a:rPr lang="de-AT" dirty="0" smtClean="0"/>
+              <a:t>Pleite </a:t>
+            </a:r>
+            <a:r>
+              <a:rPr lang="de-AT" dirty="0" smtClean="0"/>
+              <a:t>drängt zu flexible Arbeiter</a:t>
+            </a:r>
+            <a:endParaRPr lang="de-AT" dirty="0" smtClean="0"/>
+          </a:p>
+          <a:p>
+            <a:endParaRPr lang="de-AT" dirty="0"/>
+          </a:p>
+          <a:p>
+            <a:r>
+              <a:rPr lang="de-AT" dirty="0" smtClean="0"/>
+              <a:t>Zeitkonten für Mitarbeiter </a:t>
+            </a:r>
+            <a:r>
+              <a:rPr lang="de-AT" dirty="0" smtClean="0"/>
+              <a:t>eingeführt</a:t>
+            </a:r>
+          </a:p>
+          <a:p>
+            <a:endParaRPr lang="de-AT" dirty="0" smtClean="0"/>
+          </a:p>
+          <a:p>
+            <a:r>
+              <a:rPr lang="de-AT" dirty="0" smtClean="0"/>
+              <a:t>Betriebsgeheimnisse an Konkurrenz weitergeleitet</a:t>
+            </a:r>
+          </a:p>
+          <a:p>
+            <a:endParaRPr lang="de-AT" dirty="0"/>
+          </a:p>
+        </p:txBody>
+      </p:sp>
+      <p:sp>
+        <p:nvSpPr>
+          <p:cNvPr id="4" name="Date Placeholder 3"/>
+          <p:cNvSpPr>
+            <a:spLocks noGrp="1"/>
+          </p:cNvSpPr>
+          <p:nvPr>
+            <p:ph type="dt" sz="half" idx="10"/>
+          </p:nvPr>
+        </p:nvSpPr>
+        <p:spPr/>
+        <p:txBody>
+          <a:bodyPr/>
+          <a:lstStyle/>
+          <a:p>
+            <a:fld id="{65FF002B-6FA8-43D9-854A-D532E0F1B363}" type="datetime1">
+              <a:rPr lang="de-AT" smtClean="0"/>
+              <a:pPr/>
+              <a:t>12.03.2015</a:t>
+            </a:fld>
+            <a:endParaRPr lang="de-AT"/>
+          </a:p>
+        </p:txBody>
+      </p:sp>
+      <p:sp>
+        <p:nvSpPr>
+          <p:cNvPr id="5" name="Footer Placeholder 4"/>
+          <p:cNvSpPr>
+            <a:spLocks noGrp="1"/>
+          </p:cNvSpPr>
+          <p:nvPr>
+            <p:ph type="ftr" sz="quarter" idx="11"/>
+          </p:nvPr>
+        </p:nvSpPr>
+        <p:spPr/>
+        <p:txBody>
+          <a:bodyPr/>
+          <a:lstStyle/>
+          <a:p>
+            <a:r>
+              <a:rPr lang="de-AT" dirty="0" err="1" smtClean="0"/>
+              <a:t>Plansee</a:t>
+            </a:r>
+            <a:r>
+              <a:rPr lang="de-AT" dirty="0" smtClean="0"/>
+              <a:t> Group - TGM 5AHITT</a:t>
+            </a:r>
+            <a:endParaRPr lang="de-AT" dirty="0"/>
+          </a:p>
+        </p:txBody>
+      </p:sp>
+      <p:sp>
+        <p:nvSpPr>
+          <p:cNvPr id="6" name="Slide Number Placeholder 5"/>
+          <p:cNvSpPr>
+            <a:spLocks noGrp="1"/>
+          </p:cNvSpPr>
+          <p:nvPr>
+            <p:ph type="sldNum" sz="quarter" idx="12"/>
+          </p:nvPr>
+        </p:nvSpPr>
+        <p:spPr/>
+        <p:txBody>
+          <a:bodyPr/>
+          <a:lstStyle/>
+          <a:p>
+            <a:fld id="{7E4B9D8A-30A2-4509-8A2B-BAB999C5542B}" type="slidenum">
+              <a:rPr lang="de-AT" smtClean="0"/>
+              <a:pPr/>
+              <a:t>20</a:t>
+            </a:fld>
+            <a:endParaRPr lang="de-AT"/>
+          </a:p>
+        </p:txBody>
+      </p:sp>
+    </p:spTree>
+    <p:extLst>
+      <p:ext uri="{BB962C8B-B14F-4D97-AF65-F5344CB8AC3E}">
+        <p14:creationId xmlns:p14="http://schemas.microsoft.com/office/powerpoint/2010/main" xmlns="" val="3223418011"/>
+      </p:ext>
+    </p:extLst>
+  </p:cSld>
+  <p:clrMapOvr>
+    <a:masterClrMapping/>
+  </p:clrMapOvr>
+</p:sld>
+</file>
+
+<file path=ppt/slides/slide21.xml><?xml version="1.0" encoding="utf-8"?>
+<p:sld xmlns:a="http://schemas.openxmlformats.org/drawingml/2006/main" xmlns:r="http://schemas.openxmlformats.org/officeDocument/2006/relationships" xmlns:p="http://schemas.openxmlformats.org/presentationml/2006/main">
+  <p:cSld>
+    <p:spTree>
+      <p:nvGrpSpPr>
+        <p:cNvPr id="1" name=""/>
+        <p:cNvGrpSpPr/>
+        <p:nvPr/>
+      </p:nvGrpSpPr>
+      <p:grpSpPr>
+        <a:xfrm>
+          <a:off x="0" y="0"/>
+          <a:ext cx="0" cy="0"/>
+          <a:chOff x="0" y="0"/>
+          <a:chExt cx="0" cy="0"/>
+        </a:xfrm>
+      </p:grpSpPr>
+      <p:sp>
+        <p:nvSpPr>
+          <p:cNvPr id="2" name="Titel 1"/>
+          <p:cNvSpPr>
+            <a:spLocks noGrp="1"/>
+          </p:cNvSpPr>
+          <p:nvPr>
+            <p:ph type="title"/>
+          </p:nvPr>
+        </p:nvSpPr>
+        <p:spPr/>
+        <p:txBody>
+          <a:bodyPr/>
+          <a:lstStyle/>
+          <a:p>
+            <a:r>
+              <a:rPr lang="de-AT" dirty="0" smtClean="0"/>
+              <a:t>Marktzustand &amp; Trends</a:t>
+            </a:r>
+            <a:endParaRPr lang="de-AT" dirty="0"/>
+          </a:p>
+        </p:txBody>
+      </p:sp>
+      <p:sp>
+        <p:nvSpPr>
+          <p:cNvPr id="3" name="Inhaltsplatzhalter 2"/>
+          <p:cNvSpPr>
+            <a:spLocks noGrp="1"/>
+          </p:cNvSpPr>
+          <p:nvPr>
+            <p:ph idx="1"/>
+          </p:nvPr>
+        </p:nvSpPr>
+        <p:spPr/>
+        <p:txBody>
+          <a:bodyPr/>
+          <a:lstStyle/>
+          <a:p>
+            <a:r>
+              <a:rPr lang="de-AT" dirty="0" smtClean="0"/>
+              <a:t>Konkurrenz:</a:t>
+            </a:r>
+          </a:p>
+          <a:p>
+            <a:pPr lvl="1"/>
+            <a:r>
+              <a:rPr lang="de-AT" dirty="0" smtClean="0"/>
+              <a:t>Böhler (Österreich)</a:t>
+            </a:r>
+          </a:p>
+          <a:p>
+            <a:pPr lvl="2"/>
+            <a:r>
+              <a:rPr lang="de-AT" dirty="0" smtClean="0"/>
+              <a:t>1999</a:t>
+            </a:r>
+          </a:p>
+          <a:p>
+            <a:pPr lvl="1"/>
+            <a:r>
+              <a:rPr lang="de-AT" dirty="0" smtClean="0"/>
+              <a:t>GERUK </a:t>
+            </a:r>
+            <a:r>
+              <a:rPr lang="de-AT" dirty="0" smtClean="0"/>
+              <a:t>GmbH (Deutschland)</a:t>
+            </a:r>
+          </a:p>
+          <a:p>
+            <a:pPr lvl="2"/>
+            <a:r>
+              <a:rPr lang="de-AT" dirty="0" smtClean="0"/>
+              <a:t>1998</a:t>
+            </a:r>
+          </a:p>
+          <a:p>
+            <a:pPr lvl="1"/>
+            <a:r>
+              <a:rPr lang="de-AT" dirty="0" err="1" smtClean="0"/>
+              <a:t>Polema</a:t>
+            </a:r>
+            <a:r>
+              <a:rPr lang="de-AT" dirty="0" smtClean="0"/>
+              <a:t> (Russland)</a:t>
+            </a:r>
+          </a:p>
+          <a:p>
+            <a:pPr lvl="2"/>
+            <a:r>
+              <a:rPr lang="de-AT" dirty="0" smtClean="0"/>
+              <a:t>2004</a:t>
+            </a:r>
+            <a:endParaRPr lang="de-AT" dirty="0"/>
+          </a:p>
+        </p:txBody>
+      </p:sp>
+      <p:sp>
+        <p:nvSpPr>
+          <p:cNvPr id="4" name="Datumsplatzhalter 3"/>
+          <p:cNvSpPr>
+            <a:spLocks noGrp="1"/>
+          </p:cNvSpPr>
+          <p:nvPr>
+            <p:ph type="dt" sz="half" idx="10"/>
+          </p:nvPr>
+        </p:nvSpPr>
+        <p:spPr/>
+        <p:txBody>
+          <a:bodyPr/>
+          <a:lstStyle/>
+          <a:p>
+            <a:fld id="{5DC49387-FBA4-4741-9A41-019152E901E7}" type="datetime1">
+              <a:rPr lang="de-AT" smtClean="0"/>
+              <a:pPr/>
+              <a:t>12.03.2015</a:t>
+            </a:fld>
+            <a:endParaRPr lang="de-AT"/>
+          </a:p>
+        </p:txBody>
+      </p:sp>
+      <p:sp>
+        <p:nvSpPr>
+          <p:cNvPr id="5" name="Fußzeilenplatzhalter 4"/>
+          <p:cNvSpPr>
+            <a:spLocks noGrp="1"/>
+          </p:cNvSpPr>
+          <p:nvPr>
+            <p:ph type="ftr" sz="quarter" idx="11"/>
+          </p:nvPr>
+        </p:nvSpPr>
+        <p:spPr/>
+        <p:txBody>
+          <a:bodyPr/>
+          <a:lstStyle/>
+          <a:p>
+            <a:r>
+              <a:rPr lang="de-AT" smtClean="0"/>
+              <a:t>Plansee Group - TGM 5AHITT</a:t>
+            </a:r>
+            <a:endParaRPr lang="de-AT"/>
+          </a:p>
+        </p:txBody>
+      </p:sp>
+      <p:sp>
+        <p:nvSpPr>
+          <p:cNvPr id="6" name="Foliennummernplatzhalter 5"/>
+          <p:cNvSpPr>
+            <a:spLocks noGrp="1"/>
+          </p:cNvSpPr>
+          <p:nvPr>
+            <p:ph type="sldNum" sz="quarter" idx="12"/>
+          </p:nvPr>
+        </p:nvSpPr>
+        <p:spPr/>
+        <p:txBody>
+          <a:bodyPr/>
+          <a:lstStyle/>
+          <a:p>
+            <a:fld id="{7E4B9D8A-30A2-4509-8A2B-BAB999C5542B}" type="slidenum">
+              <a:rPr lang="de-AT" smtClean="0"/>
+              <a:pPr/>
+              <a:t>21</a:t>
+            </a:fld>
+            <a:endParaRPr lang="de-AT"/>
+          </a:p>
+        </p:txBody>
+      </p:sp>
+    </p:spTree>
+  </p:cSld>
+  <p:clrMapOvr>
+    <a:masterClrMapping/>
+  </p:clrMapOvr>
+</p:sld>
+</file>
+
+<file path=ppt/slides/slide22.xml><?xml version="1.0" encoding="utf-8"?>
+<p:sld xmlns:a="http://schemas.openxmlformats.org/drawingml/2006/main" xmlns:r="http://schemas.openxmlformats.org/officeDocument/2006/relationships" xmlns:p="http://schemas.openxmlformats.org/presentationml/2006/main">
+  <p:cSld>
+    <p:spTree>
+      <p:nvGrpSpPr>
+        <p:cNvPr id="1" name=""/>
+        <p:cNvGrpSpPr/>
+        <p:nvPr/>
+      </p:nvGrpSpPr>
+      <p:grpSpPr>
+        <a:xfrm>
+          <a:off x="0" y="0"/>
+          <a:ext cx="0" cy="0"/>
+          <a:chOff x="0" y="0"/>
+          <a:chExt cx="0" cy="0"/>
+        </a:xfrm>
+      </p:grpSpPr>
+      <p:sp>
+        <p:nvSpPr>
+          <p:cNvPr id="2" name="Title 1"/>
+          <p:cNvSpPr>
+            <a:spLocks noGrp="1"/>
+          </p:cNvSpPr>
+          <p:nvPr>
+            <p:ph type="title"/>
+          </p:nvPr>
+        </p:nvSpPr>
+        <p:spPr/>
+        <p:txBody>
+          <a:bodyPr/>
+          <a:lstStyle/>
+          <a:p>
+            <a:r>
+              <a:rPr lang="de-AT" dirty="0"/>
+              <a:t>ERP </a:t>
+            </a:r>
+            <a:r>
+              <a:rPr lang="de-AT" dirty="0" smtClean="0"/>
+              <a:t>Auswahl</a:t>
+            </a:r>
+            <a:endParaRPr lang="de-AT" dirty="0"/>
+          </a:p>
+        </p:txBody>
+      </p:sp>
+      <p:sp>
+        <p:nvSpPr>
+          <p:cNvPr id="3" name="Content Placeholder 2"/>
+          <p:cNvSpPr>
+            <a:spLocks noGrp="1"/>
+          </p:cNvSpPr>
+          <p:nvPr>
+            <p:ph idx="1"/>
+          </p:nvPr>
+        </p:nvSpPr>
+        <p:spPr/>
+        <p:txBody>
+          <a:bodyPr/>
+          <a:lstStyle/>
+          <a:p>
+            <a:endParaRPr lang="de-AT" dirty="0"/>
+          </a:p>
+        </p:txBody>
+      </p:sp>
+      <p:sp>
+        <p:nvSpPr>
+          <p:cNvPr id="4" name="Date Placeholder 3"/>
+          <p:cNvSpPr>
+            <a:spLocks noGrp="1"/>
+          </p:cNvSpPr>
+          <p:nvPr>
+            <p:ph type="dt" sz="half" idx="10"/>
+          </p:nvPr>
+        </p:nvSpPr>
+        <p:spPr/>
+        <p:txBody>
+          <a:bodyPr/>
+          <a:lstStyle/>
+          <a:p>
+            <a:fld id="{339268F1-ED40-48F5-9CC8-8A0ACD474854}" type="datetime1">
+              <a:rPr lang="de-AT" smtClean="0"/>
+              <a:pPr/>
+              <a:t>12.03.2015</a:t>
+            </a:fld>
+            <a:endParaRPr lang="de-AT"/>
+          </a:p>
+        </p:txBody>
+      </p:sp>
+      <p:sp>
+        <p:nvSpPr>
+          <p:cNvPr id="5" name="Footer Placeholder 4"/>
+          <p:cNvSpPr>
+            <a:spLocks noGrp="1"/>
+          </p:cNvSpPr>
+          <p:nvPr>
+            <p:ph type="ftr" sz="quarter" idx="11"/>
+          </p:nvPr>
+        </p:nvSpPr>
+        <p:spPr/>
+        <p:txBody>
+          <a:bodyPr/>
+          <a:lstStyle/>
+          <a:p>
+            <a:r>
+              <a:rPr lang="de-AT" smtClean="0"/>
+              <a:t>Plansee Group - TGM 5AHITT</a:t>
+            </a:r>
+            <a:endParaRPr lang="de-AT"/>
+          </a:p>
+        </p:txBody>
+      </p:sp>
+      <p:sp>
+        <p:nvSpPr>
+          <p:cNvPr id="6" name="Slide Number Placeholder 5"/>
+          <p:cNvSpPr>
+            <a:spLocks noGrp="1"/>
+          </p:cNvSpPr>
+          <p:nvPr>
+            <p:ph type="sldNum" sz="quarter" idx="12"/>
+          </p:nvPr>
+        </p:nvSpPr>
+        <p:spPr/>
+        <p:txBody>
+          <a:bodyPr/>
+          <a:lstStyle/>
+          <a:p>
+            <a:fld id="{7E4B9D8A-30A2-4509-8A2B-BAB999C5542B}" type="slidenum">
+              <a:rPr lang="de-AT" smtClean="0"/>
+              <a:pPr/>
+              <a:t>22</a:t>
+            </a:fld>
+            <a:endParaRPr lang="de-AT"/>
+          </a:p>
+        </p:txBody>
+      </p:sp>
+    </p:spTree>
+    <p:extLst>
+      <p:ext uri="{BB962C8B-B14F-4D97-AF65-F5344CB8AC3E}">
+        <p14:creationId xmlns:p14="http://schemas.microsoft.com/office/powerpoint/2010/main" xmlns="" val="2641605786"/>
       </p:ext>
     </p:extLst>
   </p:cSld>
@@ -10704,12 +11720,8 @@
               <a:t>Österreichischer </a:t>
             </a:r>
             <a:r>
-              <a:rPr lang="de-AT" dirty="0" err="1" smtClean="0"/>
-              <a:t>hersteller</a:t>
-            </a:r>
-            <a:r>
-              <a:rPr lang="de-AT" dirty="0" smtClean="0"/>
-              <a:t> </a:t>
+              <a:rPr lang="de-AT" dirty="0" smtClean="0"/>
+              <a:t>Hersteller </a:t>
             </a:r>
             <a:r>
               <a:rPr lang="de-AT" dirty="0"/>
@@ -10780,6 +11792,7 @@
           <a:p>
             <a:fld id="{5DC49387-FBA4-4741-9A41-019152E901E7}" type="datetime1">
               <a:rPr lang="de-AT" smtClean="0"/>
+              <a:pPr/>
               <a:t>12.03.2015</a:t>
             </a:fld>
             <a:endParaRPr lang="de-AT"/>
@@ -10826,6 +11839,7 @@
           <a:p>
             <a:fld id="{7E4B9D8A-30A2-4509-8A2B-BAB999C5542B}" type="slidenum">
               <a:rPr lang="de-AT" smtClean="0"/>
+              <a:pPr/>
               <a:t>3</a:t>
             </a:fld>
             <a:endParaRPr lang="de-AT"/>
@@ -10835,7 +11849,7 @@
     </p:spTree>
     <p:extLst>
       <p:ext uri="{BB962C8B-B14F-4D97-AF65-F5344CB8AC3E}">
-        <p14:creationId xmlns:p14="http://schemas.microsoft.com/office/powerpoint/2010/main" val="321305427"/>
+        <p14:creationId xmlns:p14="http://schemas.microsoft.com/office/powerpoint/2010/main" xmlns="" val="321305427"/>
       </p:ext>
     </p:extLst>
   </p:cSld>
@@ -10905,13 +11919,8 @@
           <a:p>
             <a:r>
               <a:rPr lang="de-AT" dirty="0" smtClean="0"/>
-              <a:t>1921 gegründet </a:t>
-            </a:r>
-            <a:r>
-              <a:rPr lang="de-AT" dirty="0" smtClean="0"/>
-              <a:t>von Paul Schwarzkopf</a:t>
-            </a:r>
-            <a:endParaRPr lang="de-AT" dirty="0" smtClean="0"/>
+              <a:t>1921 gegründet von Paul Schwarzkopf</a:t>
+            </a:r>
           </a:p>
           <a:p>
             <a:endParaRPr lang="de-AT" dirty="0" smtClean="0"/>
@@ -10950,13 +11959,7 @@
               <a:rPr lang="de-AT" dirty="0" smtClean="0">
                 <a:sym typeface="Wingdings" panose="05000000000000000000" pitchFamily="2" charset="2"/>
               </a:rPr>
-              <a:t> </a:t>
-            </a:r>
-            <a:r>
-              <a:rPr lang="de-AT" dirty="0" smtClean="0">
-                <a:sym typeface="Wingdings" panose="05000000000000000000" pitchFamily="2" charset="2"/>
-              </a:rPr>
-              <a:t>Wasserkraft, Platz zum Ausbau</a:t>
+              <a:t> Wasserkraft, Platz zum Ausbau</a:t>
             </a:r>
           </a:p>
           <a:p>
@@ -10979,12 +11982,6 @@
                 <a:sym typeface="Wingdings" panose="05000000000000000000" pitchFamily="2" charset="2"/>
               </a:rPr>
               <a:t> </a:t>
-            </a:r>
-            <a:r>
-              <a:rPr lang="de-AT" dirty="0" smtClean="0">
-                <a:sym typeface="Wingdings" panose="05000000000000000000" pitchFamily="2" charset="2"/>
-              </a:rPr>
-              <a:t/>
             </a:r>
             <a:br>
               <a:rPr lang="de-AT" dirty="0" smtClean="0">
@@ -10995,13 +11992,7 @@
               <a:rPr lang="de-AT" dirty="0" smtClean="0">
                 <a:sym typeface="Wingdings" panose="05000000000000000000" pitchFamily="2" charset="2"/>
               </a:rPr>
-              <a:t>Deutsche </a:t>
-            </a:r>
-            <a:r>
-              <a:rPr lang="de-AT" dirty="0" smtClean="0">
-                <a:sym typeface="Wingdings" panose="05000000000000000000" pitchFamily="2" charset="2"/>
-              </a:rPr>
-              <a:t>Edelstahlwerk AG</a:t>
+              <a:t>Deutsche Edelstahlwerk AG</a:t>
             </a:r>
           </a:p>
           <a:p>
@@ -11043,6 +12034,7 @@
           <a:p>
             <a:fld id="{E9CCC005-0298-4B0B-8928-7D99FBC9525B}" type="datetime1">
               <a:rPr lang="de-AT" smtClean="0"/>
+              <a:pPr/>
               <a:t>12.03.2015</a:t>
             </a:fld>
             <a:endParaRPr lang="de-AT" dirty="0"/>
@@ -11089,6 +12081,7 @@
           <a:p>
             <a:fld id="{7E4B9D8A-30A2-4509-8A2B-BAB999C5542B}" type="slidenum">
               <a:rPr lang="de-AT" smtClean="0"/>
+              <a:pPr/>
               <a:t>4</a:t>
             </a:fld>
             <a:endParaRPr lang="de-AT"/>
@@ -11098,7 +12091,7 @@
     </p:spTree>
     <p:extLst>
       <p:ext uri="{BB962C8B-B14F-4D97-AF65-F5344CB8AC3E}">
-        <p14:creationId xmlns:p14="http://schemas.microsoft.com/office/powerpoint/2010/main" val="1646207177"/>
+        <p14:creationId xmlns:p14="http://schemas.microsoft.com/office/powerpoint/2010/main" xmlns="" val="1646207177"/>
       </p:ext>
     </p:extLst>
   </p:cSld>
@@ -11256,6 +12249,7 @@
           <a:p>
             <a:fld id="{964167AC-E6CC-44B7-A36E-D8B9C1B00A20}" type="datetime1">
               <a:rPr lang="de-AT" smtClean="0"/>
+              <a:pPr/>
               <a:t>12.03.2015</a:t>
             </a:fld>
             <a:endParaRPr lang="de-AT"/>
@@ -11302,6 +12296,7 @@
           <a:p>
             <a:fld id="{7E4B9D8A-30A2-4509-8A2B-BAB999C5542B}" type="slidenum">
               <a:rPr lang="de-AT" smtClean="0"/>
+              <a:pPr/>
               <a:t>5</a:t>
             </a:fld>
             <a:endParaRPr lang="de-AT"/>
@@ -11311,7 +12306,7 @@
     </p:spTree>
     <p:extLst>
       <p:ext uri="{BB962C8B-B14F-4D97-AF65-F5344CB8AC3E}">
-        <p14:creationId xmlns:p14="http://schemas.microsoft.com/office/powerpoint/2010/main" val="4039147378"/>
+        <p14:creationId xmlns:p14="http://schemas.microsoft.com/office/powerpoint/2010/main" xmlns="" val="4039147378"/>
       </p:ext>
     </p:extLst>
   </p:cSld>
@@ -11518,6 +12513,7 @@
           <a:p>
             <a:fld id="{2B18D6C7-4C70-468D-81E3-1EED55F291B9}" type="datetime1">
               <a:rPr lang="de-AT" smtClean="0"/>
+              <a:pPr/>
               <a:t>12.03.2015</a:t>
             </a:fld>
             <a:endParaRPr lang="de-AT"/>
@@ -11564,6 +12560,7 @@
           <a:p>
             <a:fld id="{7E4B9D8A-30A2-4509-8A2B-BAB999C5542B}" type="slidenum">
               <a:rPr lang="de-AT" smtClean="0"/>
+              <a:pPr/>
               <a:t>6</a:t>
             </a:fld>
             <a:endParaRPr lang="de-AT"/>
@@ -11573,7 +12570,7 @@
     </p:spTree>
     <p:extLst>
       <p:ext uri="{BB962C8B-B14F-4D97-AF65-F5344CB8AC3E}">
-        <p14:creationId xmlns:p14="http://schemas.microsoft.com/office/powerpoint/2010/main" val="2132913966"/>
+        <p14:creationId xmlns:p14="http://schemas.microsoft.com/office/powerpoint/2010/main" xmlns="" val="2132913966"/>
       </p:ext>
     </p:extLst>
   </p:cSld>
@@ -11717,6 +12714,7 @@
           <a:p>
             <a:fld id="{5DC49387-FBA4-4741-9A41-019152E901E7}" type="datetime1">
               <a:rPr lang="de-AT" smtClean="0"/>
+              <a:pPr/>
               <a:t>12.03.2015</a:t>
             </a:fld>
             <a:endParaRPr lang="de-AT"/>
@@ -11763,6 +12761,7 @@
           <a:p>
             <a:fld id="{7E4B9D8A-30A2-4509-8A2B-BAB999C5542B}" type="slidenum">
               <a:rPr lang="de-AT" smtClean="0"/>
+              <a:pPr/>
               <a:t>7</a:t>
             </a:fld>
             <a:endParaRPr lang="de-AT"/>
@@ -11772,7 +12771,7 @@
     </p:spTree>
     <p:extLst>
       <p:ext uri="{BB962C8B-B14F-4D97-AF65-F5344CB8AC3E}">
-        <p14:creationId xmlns:p14="http://schemas.microsoft.com/office/powerpoint/2010/main" val="1858526223"/>
+        <p14:creationId xmlns:p14="http://schemas.microsoft.com/office/powerpoint/2010/main" xmlns="" val="1858526223"/>
       </p:ext>
     </p:extLst>
   </p:cSld>
@@ -11929,6 +12928,7 @@
           <a:p>
             <a:fld id="{5DC49387-FBA4-4741-9A41-019152E901E7}" type="datetime1">
               <a:rPr lang="de-AT" smtClean="0"/>
+              <a:pPr/>
               <a:t>12.03.2015</a:t>
             </a:fld>
             <a:endParaRPr lang="de-AT"/>
@@ -11975,6 +12975,7 @@
           <a:p>
             <a:fld id="{7E4B9D8A-30A2-4509-8A2B-BAB999C5542B}" type="slidenum">
               <a:rPr lang="de-AT" smtClean="0"/>
+              <a:pPr/>
               <a:t>8</a:t>
             </a:fld>
             <a:endParaRPr lang="de-AT"/>
@@ -11984,7 +12985,7 @@
     </p:spTree>
     <p:extLst>
       <p:ext uri="{BB962C8B-B14F-4D97-AF65-F5344CB8AC3E}">
-        <p14:creationId xmlns:p14="http://schemas.microsoft.com/office/powerpoint/2010/main" val="516867145"/>
+        <p14:creationId xmlns:p14="http://schemas.microsoft.com/office/powerpoint/2010/main" xmlns="" val="516867145"/>
       </p:ext>
     </p:extLst>
   </p:cSld>
@@ -12119,6 +13120,7 @@
           <a:p>
             <a:fld id="{5DC49387-FBA4-4741-9A41-019152E901E7}" type="datetime1">
               <a:rPr lang="de-AT" smtClean="0"/>
+              <a:pPr/>
               <a:t>12.03.2015</a:t>
             </a:fld>
             <a:endParaRPr lang="de-AT"/>
@@ -12165,6 +13167,7 @@
           <a:p>
             <a:fld id="{7E4B9D8A-30A2-4509-8A2B-BAB999C5542B}" type="slidenum">
               <a:rPr lang="de-AT" smtClean="0"/>
+              <a:pPr/>
               <a:t>9</a:t>
             </a:fld>
             <a:endParaRPr lang="de-AT"/>
@@ -12174,7 +13177,7 @@
     </p:spTree>
     <p:extLst>
       <p:ext uri="{BB962C8B-B14F-4D97-AF65-F5344CB8AC3E}">
-        <p14:creationId xmlns:p14="http://schemas.microsoft.com/office/powerpoint/2010/main" val="2743977351"/>
+        <p14:creationId xmlns:p14="http://schemas.microsoft.com/office/powerpoint/2010/main" xmlns="" val="2743977351"/>
       </p:ext>
     </p:extLst>
   </p:cSld>
@@ -12227,7 +13230,7 @@
     </a:clrScheme>
     <a:fontScheme name="Ion">
       <a:majorFont>
-        <a:latin typeface="Century Gothic" panose="020B0502020202020204"/>
+        <a:latin typeface="Century Gothic"/>
         <a:ea typeface=""/>
         <a:cs typeface=""/>
         <a:font script="Jpan" typeface="メイリオ"/>
@@ -12262,7 +13265,7 @@
         <a:font script="Geor" typeface="Sylfaen"/>
       </a:majorFont>
       <a:minorFont>
-        <a:latin typeface="Century Gothic" panose="020B0502020202020204"/>
+        <a:latin typeface="Century Gothic"/>
         <a:ea typeface=""/>
         <a:cs typeface=""/>
         <a:font script="Jpan" typeface="メイリオ"/>
@@ -12444,7 +13447,7 @@
   <a:extraClrSchemeLst/>
   <a:extLst>
     <a:ext uri="{05A4C25C-085E-4340-85A3-A5531E510DB2}">
-      <thm15:themeFamily xmlns:thm15="http://schemas.microsoft.com/office/thememl/2012/main" name="Ion" id="{B8441ADB-2E43-4AF7-B97A-BD870242C6A8}" vid="{292E63A9-BB86-4E3D-B92A-7223C6510D2E}"/>
+      <thm15:themeFamily xmlns:thm15="http://schemas.microsoft.com/office/thememl/2012/main" xmlns="" name="Ion" id="{B8441ADB-2E43-4AF7-B97A-BD870242C6A8}" vid="{292E63A9-BB86-4E3D-B92A-7223C6510D2E}"/>
     </a:ext>
   </a:extLst>
 </a:theme>
@@ -12493,7 +13496,7 @@
     </a:clrScheme>
     <a:fontScheme name="Office">
       <a:majorFont>
-        <a:latin typeface="Calibri Light" panose="020F0302020204030204"/>
+        <a:latin typeface="Calibri Light"/>
         <a:ea typeface=""/>
         <a:cs typeface=""/>
         <a:font script="Jpan" typeface="ＭＳ Ｐゴシック"/>
@@ -12528,7 +13531,7 @@
         <a:font script="Geor" typeface="Sylfaen"/>
       </a:majorFont>
       <a:minorFont>
-        <a:latin typeface="Calibri" panose="020F0502020204030204"/>
+        <a:latin typeface="Calibri"/>
         <a:ea typeface=""/>
         <a:cs typeface=""/>
         <a:font script="Jpan" typeface="ＭＳ Ｐゴシック"/>
@@ -12705,7 +13708,7 @@
   <a:extraClrSchemeLst/>
   <a:extLst>
     <a:ext uri="{05A4C25C-085E-4340-85A3-A5531E510DB2}">
-      <thm15:themeFamily xmlns:thm15="http://schemas.microsoft.com/office/thememl/2012/main" name="Office Theme" id="{62F939B6-93AF-4DB8-9C6B-D6C7DFDC589F}" vid="{4A3C46E8-61CC-4603-A589-7422A47A8E4A}"/>
+      <thm15:themeFamily xmlns:thm15="http://schemas.microsoft.com/office/thememl/2012/main" xmlns="" name="Office Theme" id="{62F939B6-93AF-4DB8-9C6B-D6C7DFDC589F}" vid="{4A3C46E8-61CC-4603-A589-7422A47A8E4A}"/>
     </a:ext>
   </a:extLst>
 </a:theme>

--- a/PlanseeGroup.pptx
+++ b/PlanseeGroup.pptx
@@ -2,10 +2,10 @@
 <file path=ppt/presentation.xml><?xml version="1.0" encoding="utf-8"?>
 <p:presentation xmlns:a="http://schemas.openxmlformats.org/drawingml/2006/main" xmlns:r="http://schemas.openxmlformats.org/officeDocument/2006/relationships" xmlns:p="http://schemas.openxmlformats.org/presentationml/2006/main" showSpecialPlsOnTitleSld="0" saveSubsetFonts="1">
   <p:sldMasterIdLst>
-    <p:sldMasterId id="2147483678" r:id="rId1"/>
+    <p:sldMasterId id="2147483696" r:id="rId1"/>
   </p:sldMasterIdLst>
   <p:notesMasterIdLst>
-    <p:notesMasterId r:id="rId24"/>
+    <p:notesMasterId r:id="rId26"/>
   </p:notesMasterIdLst>
   <p:sldIdLst>
     <p:sldId id="256" r:id="rId2"/>
@@ -30,8 +30,10 @@
     <p:sldId id="262" r:id="rId21"/>
     <p:sldId id="278" r:id="rId22"/>
     <p:sldId id="263" r:id="rId23"/>
+    <p:sldId id="281" r:id="rId24"/>
+    <p:sldId id="280" r:id="rId25"/>
   </p:sldIdLst>
-  <p:sldSz cx="12192000" cy="6858000"/>
+  <p:sldSz cx="9144000" cy="6858000" type="screen4x3"/>
   <p:notesSz cx="6858000" cy="9144000"/>
   <p:defaultTextStyle>
     <a:defPPr>
@@ -130,13 +132,13 @@
   </p:defaultTextStyle>
   <p:extLst>
     <p:ext uri="{EFAFB233-063F-42B5-8137-9DF3F51BA10A}">
-      <p15:sldGuideLst xmlns:p15="http://schemas.microsoft.com/office/powerpoint/2012/main" xmlns="">
-        <p15:guide id="1" orient="horz" pos="2160">
+      <p15:sldGuideLst xmlns:p15="http://schemas.microsoft.com/office/powerpoint/2012/main">
+        <p15:guide id="1" orient="horz" pos="2160" userDrawn="1">
           <p15:clr>
             <a:srgbClr val="A4A3A4"/>
           </p15:clr>
         </p15:guide>
-        <p15:guide id="2" pos="3840">
+        <p15:guide id="2" pos="2880" userDrawn="1">
           <p15:clr>
             <a:srgbClr val="A4A3A4"/>
           </p15:clr>
@@ -248,8 +250,8 @@
         </p:nvSpPr>
         <p:spPr>
           <a:xfrm>
-            <a:off x="685800" y="1143000"/>
-            <a:ext cx="5486400" cy="3086100"/>
+            <a:off x="1371600" y="1143000"/>
+            <a:ext cx="4114800" cy="3086100"/>
           </a:xfrm>
           <a:prstGeom prst="rect">
             <a:avLst/>
@@ -390,7 +392,7 @@
             <a:fld id="{48EDD995-683E-4D85-9C42-851AB99740B3}" type="slidenum">
               <a:rPr lang="de-AT" smtClean="0"/>
               <a:pPr/>
-              <a:t>‹Nr.›</a:t>
+              <a:t>‹#›</a:t>
             </a:fld>
             <a:endParaRPr lang="de-AT"/>
           </a:p>
@@ -399,7 +401,7 @@
     </p:spTree>
     <p:extLst>
       <p:ext uri="{BB962C8B-B14F-4D97-AF65-F5344CB8AC3E}">
-        <p14:creationId xmlns:p14="http://schemas.microsoft.com/office/powerpoint/2010/main" xmlns="" val="3666483263"/>
+        <p14:creationId xmlns:p14="http://schemas.microsoft.com/office/powerpoint/2010/main" val="3666483263"/>
       </p:ext>
     </p:extLst>
   </p:cSld>
@@ -526,7 +528,12 @@
             <p:ph type="sldImg"/>
           </p:nvPr>
         </p:nvSpPr>
-        <p:spPr/>
+        <p:spPr>
+          <a:xfrm>
+            <a:off x="1371600" y="1143000"/>
+            <a:ext cx="4114800" cy="3086100"/>
+          </a:xfrm>
+        </p:spPr>
       </p:sp>
       <p:sp>
         <p:nvSpPr>
@@ -574,7 +581,7 @@
     </p:spTree>
     <p:extLst>
       <p:ext uri="{BB962C8B-B14F-4D97-AF65-F5344CB8AC3E}">
-        <p14:creationId xmlns:p14="http://schemas.microsoft.com/office/powerpoint/2010/main" xmlns="" val="3271571902"/>
+        <p14:creationId xmlns:p14="http://schemas.microsoft.com/office/powerpoint/2010/main" val="3271571902"/>
       </p:ext>
     </p:extLst>
   </p:cSld>
@@ -611,7 +618,12 @@
             <p:ph type="sldImg"/>
           </p:nvPr>
         </p:nvSpPr>
-        <p:spPr/>
+        <p:spPr>
+          <a:xfrm>
+            <a:off x="1371600" y="1143000"/>
+            <a:ext cx="4114800" cy="3086100"/>
+          </a:xfrm>
+        </p:spPr>
       </p:sp>
       <p:sp>
         <p:nvSpPr>
@@ -811,7 +823,7 @@
     </p:spTree>
     <p:extLst>
       <p:ext uri="{BB962C8B-B14F-4D97-AF65-F5344CB8AC3E}">
-        <p14:creationId xmlns:p14="http://schemas.microsoft.com/office/powerpoint/2010/main" xmlns="" val="2156347808"/>
+        <p14:creationId xmlns:p14="http://schemas.microsoft.com/office/powerpoint/2010/main" val="2156347808"/>
       </p:ext>
     </p:extLst>
   </p:cSld>
@@ -848,7 +860,12 @@
             <p:ph type="sldImg"/>
           </p:nvPr>
         </p:nvSpPr>
-        <p:spPr/>
+        <p:spPr>
+          <a:xfrm>
+            <a:off x="1371600" y="1143000"/>
+            <a:ext cx="4114800" cy="3086100"/>
+          </a:xfrm>
+        </p:spPr>
       </p:sp>
       <p:sp>
         <p:nvSpPr>
@@ -880,6 +897,18 @@
             <a:endParaRPr lang="de-AT" baseline="0" dirty="0" smtClean="0"/>
           </a:p>
           <a:p>
+            <a:r>
+              <a:rPr lang="de-AT" sz="1200" b="0" i="0" u="none" strike="noStrike" kern="1200" dirty="0" smtClean="0">
+                <a:solidFill>
+                  <a:schemeClr val="tx1"/>
+                </a:solidFill>
+                <a:effectLst/>
+                <a:latin typeface="+mn-lt"/>
+                <a:ea typeface="+mn-ea"/>
+                <a:cs typeface="+mn-cs"/>
+              </a:rPr>
+              <a:t>Hersteller pulvermetallurgischer Werkstoffe</a:t>
+            </a:r>
             <a:endParaRPr lang="de-AT" dirty="0"/>
           </a:p>
         </p:txBody>
@@ -909,6 +938,11 @@
         </p:txBody>
       </p:sp>
     </p:spTree>
+    <p:extLst>
+      <p:ext uri="{BB962C8B-B14F-4D97-AF65-F5344CB8AC3E}">
+        <p14:creationId xmlns:p14="http://schemas.microsoft.com/office/powerpoint/2010/main" val="3921555160"/>
+      </p:ext>
+    </p:extLst>
   </p:cSld>
   <p:clrMapOvr>
     <a:masterClrMapping/>
@@ -943,7 +977,12 @@
             <p:ph type="sldImg"/>
           </p:nvPr>
         </p:nvSpPr>
-        <p:spPr/>
+        <p:spPr>
+          <a:xfrm>
+            <a:off x="1371600" y="1143000"/>
+            <a:ext cx="4114800" cy="3086100"/>
+          </a:xfrm>
+        </p:spPr>
       </p:sp>
       <p:sp>
         <p:nvSpPr>
@@ -1053,6 +1092,456 @@
         </p:txBody>
       </p:sp>
     </p:spTree>
+    <p:extLst>
+      <p:ext uri="{BB962C8B-B14F-4D97-AF65-F5344CB8AC3E}">
+        <p14:creationId xmlns:p14="http://schemas.microsoft.com/office/powerpoint/2010/main" val="3404701517"/>
+      </p:ext>
+    </p:extLst>
+  </p:cSld>
+  <p:clrMapOvr>
+    <a:masterClrMapping/>
+  </p:clrMapOvr>
+</p:notes>
+</file>
+
+<file path=ppt/notesSlides/notesSlide13.xml><?xml version="1.0" encoding="utf-8"?>
+<p:notes xmlns:a="http://schemas.openxmlformats.org/drawingml/2006/main" xmlns:r="http://schemas.openxmlformats.org/officeDocument/2006/relationships" xmlns:p="http://schemas.openxmlformats.org/presentationml/2006/main">
+  <p:cSld>
+    <p:spTree>
+      <p:nvGrpSpPr>
+        <p:cNvPr id="1" name=""/>
+        <p:cNvGrpSpPr/>
+        <p:nvPr/>
+      </p:nvGrpSpPr>
+      <p:grpSpPr>
+        <a:xfrm>
+          <a:off x="0" y="0"/>
+          <a:ext cx="0" cy="0"/>
+          <a:chOff x="0" y="0"/>
+          <a:chExt cx="0" cy="0"/>
+        </a:xfrm>
+      </p:grpSpPr>
+      <p:sp>
+        <p:nvSpPr>
+          <p:cNvPr id="2" name="Slide Image Placeholder 1"/>
+          <p:cNvSpPr>
+            <a:spLocks noGrp="1" noRot="1" noChangeAspect="1"/>
+          </p:cNvSpPr>
+          <p:nvPr>
+            <p:ph type="sldImg"/>
+          </p:nvPr>
+        </p:nvSpPr>
+        <p:spPr/>
+      </p:sp>
+      <p:sp>
+        <p:nvSpPr>
+          <p:cNvPr id="3" name="Notes Placeholder 2"/>
+          <p:cNvSpPr>
+            <a:spLocks noGrp="1"/>
+          </p:cNvSpPr>
+          <p:nvPr>
+            <p:ph type="body" idx="1"/>
+          </p:nvPr>
+        </p:nvSpPr>
+        <p:spPr/>
+        <p:txBody>
+          <a:bodyPr/>
+          <a:lstStyle/>
+          <a:p>
+            <a:r>
+              <a:rPr lang="de-AT" dirty="0" smtClean="0"/>
+              <a:t>Beschuss mit energiereichen Ionen</a:t>
+            </a:r>
+          </a:p>
+          <a:p>
+            <a:r>
+              <a:rPr lang="de-AT" dirty="0" smtClean="0"/>
+              <a:t>Atome in </a:t>
+            </a:r>
+            <a:r>
+              <a:rPr lang="de-AT" dirty="0" err="1" smtClean="0"/>
+              <a:t>Gasform</a:t>
+            </a:r>
+            <a:r>
+              <a:rPr lang="de-AT" dirty="0" smtClean="0"/>
+              <a:t> gelöst</a:t>
+            </a:r>
+          </a:p>
+          <a:p>
+            <a:endParaRPr lang="de-AT" dirty="0" smtClean="0"/>
+          </a:p>
+          <a:p>
+            <a:r>
+              <a:rPr lang="de-AT" dirty="0" smtClean="0"/>
+              <a:t>Oberflächenphysik</a:t>
+            </a:r>
+          </a:p>
+          <a:p>
+            <a:endParaRPr lang="de-AT" dirty="0" smtClean="0"/>
+          </a:p>
+          <a:p>
+            <a:r>
+              <a:rPr lang="de-AT" sz="1200" b="0" i="0" u="none" strike="noStrike" kern="1200" dirty="0" smtClean="0">
+                <a:solidFill>
+                  <a:schemeClr val="tx1"/>
+                </a:solidFill>
+                <a:effectLst/>
+                <a:latin typeface="+mn-lt"/>
+                <a:ea typeface="+mn-ea"/>
+                <a:cs typeface="+mn-cs"/>
+              </a:rPr>
+              <a:t>Hersteller pulvermetallurgischer Werkstoffe</a:t>
+            </a:r>
+            <a:endParaRPr lang="de-AT" dirty="0"/>
+          </a:p>
+        </p:txBody>
+      </p:sp>
+      <p:sp>
+        <p:nvSpPr>
+          <p:cNvPr id="4" name="Slide Number Placeholder 3"/>
+          <p:cNvSpPr>
+            <a:spLocks noGrp="1"/>
+          </p:cNvSpPr>
+          <p:nvPr>
+            <p:ph type="sldNum" sz="quarter" idx="10"/>
+          </p:nvPr>
+        </p:nvSpPr>
+        <p:spPr/>
+        <p:txBody>
+          <a:bodyPr/>
+          <a:lstStyle/>
+          <a:p>
+            <a:fld id="{48EDD995-683E-4D85-9C42-851AB99740B3}" type="slidenum">
+              <a:rPr lang="de-AT" smtClean="0"/>
+              <a:pPr/>
+              <a:t>17</a:t>
+            </a:fld>
+            <a:endParaRPr lang="de-AT"/>
+          </a:p>
+        </p:txBody>
+      </p:sp>
+    </p:spTree>
+    <p:extLst>
+      <p:ext uri="{BB962C8B-B14F-4D97-AF65-F5344CB8AC3E}">
+        <p14:creationId xmlns:p14="http://schemas.microsoft.com/office/powerpoint/2010/main" val="2314574489"/>
+      </p:ext>
+    </p:extLst>
+  </p:cSld>
+  <p:clrMapOvr>
+    <a:masterClrMapping/>
+  </p:clrMapOvr>
+</p:notes>
+</file>
+
+<file path=ppt/notesSlides/notesSlide14.xml><?xml version="1.0" encoding="utf-8"?>
+<p:notes xmlns:a="http://schemas.openxmlformats.org/drawingml/2006/main" xmlns:r="http://schemas.openxmlformats.org/officeDocument/2006/relationships" xmlns:p="http://schemas.openxmlformats.org/presentationml/2006/main">
+  <p:cSld>
+    <p:spTree>
+      <p:nvGrpSpPr>
+        <p:cNvPr id="1" name=""/>
+        <p:cNvGrpSpPr/>
+        <p:nvPr/>
+      </p:nvGrpSpPr>
+      <p:grpSpPr>
+        <a:xfrm>
+          <a:off x="0" y="0"/>
+          <a:ext cx="0" cy="0"/>
+          <a:chOff x="0" y="0"/>
+          <a:chExt cx="0" cy="0"/>
+        </a:xfrm>
+      </p:grpSpPr>
+      <p:sp>
+        <p:nvSpPr>
+          <p:cNvPr id="2" name="Slide Image Placeholder 1"/>
+          <p:cNvSpPr>
+            <a:spLocks noGrp="1" noRot="1" noChangeAspect="1"/>
+          </p:cNvSpPr>
+          <p:nvPr>
+            <p:ph type="sldImg"/>
+          </p:nvPr>
+        </p:nvSpPr>
+        <p:spPr/>
+      </p:sp>
+      <p:sp>
+        <p:nvSpPr>
+          <p:cNvPr id="3" name="Notes Placeholder 2"/>
+          <p:cNvSpPr>
+            <a:spLocks noGrp="1"/>
+          </p:cNvSpPr>
+          <p:nvPr>
+            <p:ph type="body" idx="1"/>
+          </p:nvPr>
+        </p:nvSpPr>
+        <p:spPr/>
+        <p:txBody>
+          <a:bodyPr/>
+          <a:lstStyle/>
+          <a:p>
+            <a:r>
+              <a:rPr lang="de-AT" dirty="0" smtClean="0"/>
+              <a:t>Zeitkonten sind ein Instrument zur Saldierung von Differenzen zwischen geleisteter und geschuldeter Arbeitszeit. Positive Differenzen gegenüber der vereinbarten Arbeitszeit werden in der Regel als Zeitguthaben oder Plusstunden bezeichnet; negative Differenzen als Zeitschulden oder Minusstunden. Damit leisten sie einen wichtigen Beitrag zum flexiblen und produktiven Einsatz der Arbeitszeit.</a:t>
+            </a:r>
+          </a:p>
+          <a:p>
+            <a:endParaRPr lang="de-AT" dirty="0" smtClean="0"/>
+          </a:p>
+          <a:p>
+            <a:r>
+              <a:rPr lang="de-AT" dirty="0" smtClean="0"/>
+              <a:t>GTAT großer Kunde Forschung an Solarenergie, Kristallwachstum</a:t>
+            </a:r>
+          </a:p>
+          <a:p>
+            <a:endParaRPr lang="de-AT" dirty="0" smtClean="0"/>
+          </a:p>
+          <a:p>
+            <a:r>
+              <a:rPr lang="de-AT" dirty="0" err="1" smtClean="0"/>
+              <a:t>Polema</a:t>
+            </a:r>
+            <a:r>
+              <a:rPr lang="de-AT" dirty="0" smtClean="0"/>
+              <a:t> stiehlt Info, da sie so gut sind</a:t>
+            </a:r>
+            <a:endParaRPr lang="de-AT" dirty="0"/>
+          </a:p>
+        </p:txBody>
+      </p:sp>
+      <p:sp>
+        <p:nvSpPr>
+          <p:cNvPr id="4" name="Slide Number Placeholder 3"/>
+          <p:cNvSpPr>
+            <a:spLocks noGrp="1"/>
+          </p:cNvSpPr>
+          <p:nvPr>
+            <p:ph type="sldNum" sz="quarter" idx="10"/>
+          </p:nvPr>
+        </p:nvSpPr>
+        <p:spPr/>
+        <p:txBody>
+          <a:bodyPr/>
+          <a:lstStyle/>
+          <a:p>
+            <a:fld id="{48EDD995-683E-4D85-9C42-851AB99740B3}" type="slidenum">
+              <a:rPr lang="de-AT" smtClean="0"/>
+              <a:pPr/>
+              <a:t>20</a:t>
+            </a:fld>
+            <a:endParaRPr lang="de-AT"/>
+          </a:p>
+        </p:txBody>
+      </p:sp>
+    </p:spTree>
+    <p:extLst>
+      <p:ext uri="{BB962C8B-B14F-4D97-AF65-F5344CB8AC3E}">
+        <p14:creationId xmlns:p14="http://schemas.microsoft.com/office/powerpoint/2010/main" val="2554465798"/>
+      </p:ext>
+    </p:extLst>
+  </p:cSld>
+  <p:clrMapOvr>
+    <a:masterClrMapping/>
+  </p:clrMapOvr>
+</p:notes>
+</file>
+
+<file path=ppt/notesSlides/notesSlide15.xml><?xml version="1.0" encoding="utf-8"?>
+<p:notes xmlns:a="http://schemas.openxmlformats.org/drawingml/2006/main" xmlns:r="http://schemas.openxmlformats.org/officeDocument/2006/relationships" xmlns:p="http://schemas.openxmlformats.org/presentationml/2006/main">
+  <p:cSld>
+    <p:spTree>
+      <p:nvGrpSpPr>
+        <p:cNvPr id="1" name=""/>
+        <p:cNvGrpSpPr/>
+        <p:nvPr/>
+      </p:nvGrpSpPr>
+      <p:grpSpPr>
+        <a:xfrm>
+          <a:off x="0" y="0"/>
+          <a:ext cx="0" cy="0"/>
+          <a:chOff x="0" y="0"/>
+          <a:chExt cx="0" cy="0"/>
+        </a:xfrm>
+      </p:grpSpPr>
+      <p:sp>
+        <p:nvSpPr>
+          <p:cNvPr id="2" name="Slide Image Placeholder 1"/>
+          <p:cNvSpPr>
+            <a:spLocks noGrp="1" noRot="1" noChangeAspect="1"/>
+          </p:cNvSpPr>
+          <p:nvPr>
+            <p:ph type="sldImg"/>
+          </p:nvPr>
+        </p:nvSpPr>
+        <p:spPr/>
+      </p:sp>
+      <p:sp>
+        <p:nvSpPr>
+          <p:cNvPr id="3" name="Notes Placeholder 2"/>
+          <p:cNvSpPr>
+            <a:spLocks noGrp="1"/>
+          </p:cNvSpPr>
+          <p:nvPr>
+            <p:ph type="body" idx="1"/>
+          </p:nvPr>
+        </p:nvSpPr>
+        <p:spPr/>
+        <p:txBody>
+          <a:bodyPr/>
+          <a:lstStyle/>
+          <a:p>
+            <a:r>
+              <a:rPr lang="de-AT" dirty="0" smtClean="0"/>
+              <a:t>Nicht die einzigen in diesem Gebiet</a:t>
+            </a:r>
+          </a:p>
+          <a:p>
+            <a:endParaRPr lang="de-AT" dirty="0" smtClean="0"/>
+          </a:p>
+          <a:p>
+            <a:r>
+              <a:rPr lang="de-AT" dirty="0" smtClean="0"/>
+              <a:t>Konkurrenz sowohl in Inland wie auch International</a:t>
+            </a:r>
+          </a:p>
+          <a:p>
+            <a:endParaRPr lang="de-AT" dirty="0" smtClean="0"/>
+          </a:p>
+          <a:p>
+            <a:r>
+              <a:rPr lang="de-AT" sz="1200" b="0" i="0" u="none" strike="noStrike" kern="1200" dirty="0" smtClean="0">
+                <a:solidFill>
+                  <a:schemeClr val="tx1"/>
+                </a:solidFill>
+                <a:effectLst/>
+                <a:latin typeface="+mn-lt"/>
+                <a:ea typeface="+mn-ea"/>
+                <a:cs typeface="+mn-cs"/>
+              </a:rPr>
+              <a:t>Hersteller pulvermetallurgischer Werkstoffe</a:t>
+            </a:r>
+            <a:endParaRPr lang="de-AT" dirty="0"/>
+          </a:p>
+        </p:txBody>
+      </p:sp>
+      <p:sp>
+        <p:nvSpPr>
+          <p:cNvPr id="4" name="Slide Number Placeholder 3"/>
+          <p:cNvSpPr>
+            <a:spLocks noGrp="1"/>
+          </p:cNvSpPr>
+          <p:nvPr>
+            <p:ph type="sldNum" sz="quarter" idx="10"/>
+          </p:nvPr>
+        </p:nvSpPr>
+        <p:spPr/>
+        <p:txBody>
+          <a:bodyPr/>
+          <a:lstStyle/>
+          <a:p>
+            <a:fld id="{48EDD995-683E-4D85-9C42-851AB99740B3}" type="slidenum">
+              <a:rPr lang="de-AT" smtClean="0"/>
+              <a:pPr/>
+              <a:t>21</a:t>
+            </a:fld>
+            <a:endParaRPr lang="de-AT"/>
+          </a:p>
+        </p:txBody>
+      </p:sp>
+    </p:spTree>
+    <p:extLst>
+      <p:ext uri="{BB962C8B-B14F-4D97-AF65-F5344CB8AC3E}">
+        <p14:creationId xmlns:p14="http://schemas.microsoft.com/office/powerpoint/2010/main" val="4203691350"/>
+      </p:ext>
+    </p:extLst>
+  </p:cSld>
+  <p:clrMapOvr>
+    <a:masterClrMapping/>
+  </p:clrMapOvr>
+</p:notes>
+</file>
+
+<file path=ppt/notesSlides/notesSlide16.xml><?xml version="1.0" encoding="utf-8"?>
+<p:notes xmlns:a="http://schemas.openxmlformats.org/drawingml/2006/main" xmlns:r="http://schemas.openxmlformats.org/officeDocument/2006/relationships" xmlns:p="http://schemas.openxmlformats.org/presentationml/2006/main">
+  <p:cSld>
+    <p:spTree>
+      <p:nvGrpSpPr>
+        <p:cNvPr id="1" name=""/>
+        <p:cNvGrpSpPr/>
+        <p:nvPr/>
+      </p:nvGrpSpPr>
+      <p:grpSpPr>
+        <a:xfrm>
+          <a:off x="0" y="0"/>
+          <a:ext cx="0" cy="0"/>
+          <a:chOff x="0" y="0"/>
+          <a:chExt cx="0" cy="0"/>
+        </a:xfrm>
+      </p:grpSpPr>
+      <p:sp>
+        <p:nvSpPr>
+          <p:cNvPr id="2" name="Slide Image Placeholder 1"/>
+          <p:cNvSpPr>
+            <a:spLocks noGrp="1" noRot="1" noChangeAspect="1"/>
+          </p:cNvSpPr>
+          <p:nvPr>
+            <p:ph type="sldImg"/>
+          </p:nvPr>
+        </p:nvSpPr>
+        <p:spPr>
+          <a:xfrm>
+            <a:off x="1371600" y="1143000"/>
+            <a:ext cx="4114800" cy="3086100"/>
+          </a:xfrm>
+        </p:spPr>
+      </p:sp>
+      <p:sp>
+        <p:nvSpPr>
+          <p:cNvPr id="3" name="Notes Placeholder 2"/>
+          <p:cNvSpPr>
+            <a:spLocks noGrp="1"/>
+          </p:cNvSpPr>
+          <p:nvPr>
+            <p:ph type="body" idx="1"/>
+          </p:nvPr>
+        </p:nvSpPr>
+        <p:spPr/>
+        <p:txBody>
+          <a:bodyPr/>
+          <a:lstStyle/>
+          <a:p>
+            <a:endParaRPr lang="de-AT" dirty="0"/>
+          </a:p>
+        </p:txBody>
+      </p:sp>
+      <p:sp>
+        <p:nvSpPr>
+          <p:cNvPr id="4" name="Slide Number Placeholder 3"/>
+          <p:cNvSpPr>
+            <a:spLocks noGrp="1"/>
+          </p:cNvSpPr>
+          <p:nvPr>
+            <p:ph type="sldNum" sz="quarter" idx="10"/>
+          </p:nvPr>
+        </p:nvSpPr>
+        <p:spPr/>
+        <p:txBody>
+          <a:bodyPr/>
+          <a:lstStyle/>
+          <a:p>
+            <a:fld id="{48EDD995-683E-4D85-9C42-851AB99740B3}" type="slidenum">
+              <a:rPr lang="de-AT" smtClean="0"/>
+              <a:pPr/>
+              <a:t>24</a:t>
+            </a:fld>
+            <a:endParaRPr lang="de-AT"/>
+          </a:p>
+        </p:txBody>
+      </p:sp>
+    </p:spTree>
+    <p:extLst>
+      <p:ext uri="{BB962C8B-B14F-4D97-AF65-F5344CB8AC3E}">
+        <p14:creationId xmlns:p14="http://schemas.microsoft.com/office/powerpoint/2010/main" val="1780044714"/>
+      </p:ext>
+    </p:extLst>
   </p:cSld>
   <p:clrMapOvr>
     <a:masterClrMapping/>
@@ -1087,7 +1576,12 @@
             <p:ph type="sldImg"/>
           </p:nvPr>
         </p:nvSpPr>
-        <p:spPr/>
+        <p:spPr>
+          <a:xfrm>
+            <a:off x="1371600" y="1143000"/>
+            <a:ext cx="4114800" cy="3086100"/>
+          </a:xfrm>
+        </p:spPr>
       </p:sp>
       <p:sp>
         <p:nvSpPr>
@@ -1135,7 +1629,7 @@
     </p:spTree>
     <p:extLst>
       <p:ext uri="{BB962C8B-B14F-4D97-AF65-F5344CB8AC3E}">
-        <p14:creationId xmlns:p14="http://schemas.microsoft.com/office/powerpoint/2010/main" xmlns="" val="1442596853"/>
+        <p14:creationId xmlns:p14="http://schemas.microsoft.com/office/powerpoint/2010/main" val="1442596853"/>
       </p:ext>
     </p:extLst>
   </p:cSld>
@@ -1172,7 +1666,12 @@
             <p:ph type="sldImg"/>
           </p:nvPr>
         </p:nvSpPr>
-        <p:spPr/>
+        <p:spPr>
+          <a:xfrm>
+            <a:off x="1371600" y="1143000"/>
+            <a:ext cx="4114800" cy="3086100"/>
+          </a:xfrm>
+        </p:spPr>
       </p:sp>
       <p:sp>
         <p:nvSpPr>
@@ -1298,7 +1797,7 @@
     </p:spTree>
     <p:extLst>
       <p:ext uri="{BB962C8B-B14F-4D97-AF65-F5344CB8AC3E}">
-        <p14:creationId xmlns:p14="http://schemas.microsoft.com/office/powerpoint/2010/main" xmlns="" val="3859399361"/>
+        <p14:creationId xmlns:p14="http://schemas.microsoft.com/office/powerpoint/2010/main" val="3859399361"/>
       </p:ext>
     </p:extLst>
   </p:cSld>
@@ -1335,7 +1834,12 @@
             <p:ph type="sldImg"/>
           </p:nvPr>
         </p:nvSpPr>
-        <p:spPr/>
+        <p:spPr>
+          <a:xfrm>
+            <a:off x="1371600" y="1143000"/>
+            <a:ext cx="4114800" cy="3086100"/>
+          </a:xfrm>
+        </p:spPr>
       </p:sp>
       <p:sp>
         <p:nvSpPr>
@@ -1644,7 +2148,7 @@
     </p:spTree>
     <p:extLst>
       <p:ext uri="{BB962C8B-B14F-4D97-AF65-F5344CB8AC3E}">
-        <p14:creationId xmlns:p14="http://schemas.microsoft.com/office/powerpoint/2010/main" xmlns="" val="2776548351"/>
+        <p14:creationId xmlns:p14="http://schemas.microsoft.com/office/powerpoint/2010/main" val="2776548351"/>
       </p:ext>
     </p:extLst>
   </p:cSld>
@@ -1681,7 +2185,12 @@
             <p:ph type="sldImg"/>
           </p:nvPr>
         </p:nvSpPr>
-        <p:spPr/>
+        <p:spPr>
+          <a:xfrm>
+            <a:off x="1371600" y="1143000"/>
+            <a:ext cx="4114800" cy="3086100"/>
+          </a:xfrm>
+        </p:spPr>
       </p:sp>
       <p:sp>
         <p:nvSpPr>
@@ -1879,7 +2388,7 @@
     </p:spTree>
     <p:extLst>
       <p:ext uri="{BB962C8B-B14F-4D97-AF65-F5344CB8AC3E}">
-        <p14:creationId xmlns:p14="http://schemas.microsoft.com/office/powerpoint/2010/main" xmlns="" val="954654109"/>
+        <p14:creationId xmlns:p14="http://schemas.microsoft.com/office/powerpoint/2010/main" val="954654109"/>
       </p:ext>
     </p:extLst>
   </p:cSld>
@@ -1916,7 +2425,12 @@
             <p:ph type="sldImg"/>
           </p:nvPr>
         </p:nvSpPr>
-        <p:spPr/>
+        <p:spPr>
+          <a:xfrm>
+            <a:off x="1371600" y="1143000"/>
+            <a:ext cx="4114800" cy="3086100"/>
+          </a:xfrm>
+        </p:spPr>
       </p:sp>
       <p:sp>
         <p:nvSpPr>
@@ -2200,7 +2714,7 @@
     </p:spTree>
     <p:extLst>
       <p:ext uri="{BB962C8B-B14F-4D97-AF65-F5344CB8AC3E}">
-        <p14:creationId xmlns:p14="http://schemas.microsoft.com/office/powerpoint/2010/main" xmlns="" val="250014390"/>
+        <p14:creationId xmlns:p14="http://schemas.microsoft.com/office/powerpoint/2010/main" val="250014390"/>
       </p:ext>
     </p:extLst>
   </p:cSld>
@@ -2237,7 +2751,12 @@
             <p:ph type="sldImg"/>
           </p:nvPr>
         </p:nvSpPr>
-        <p:spPr/>
+        <p:spPr>
+          <a:xfrm>
+            <a:off x="1371600" y="1143000"/>
+            <a:ext cx="4114800" cy="3086100"/>
+          </a:xfrm>
+        </p:spPr>
       </p:sp>
       <p:sp>
         <p:nvSpPr>
@@ -2346,7 +2865,7 @@
     </p:spTree>
     <p:extLst>
       <p:ext uri="{BB962C8B-B14F-4D97-AF65-F5344CB8AC3E}">
-        <p14:creationId xmlns:p14="http://schemas.microsoft.com/office/powerpoint/2010/main" xmlns="" val="3774248814"/>
+        <p14:creationId xmlns:p14="http://schemas.microsoft.com/office/powerpoint/2010/main" val="3774248814"/>
       </p:ext>
     </p:extLst>
   </p:cSld>
@@ -2383,7 +2902,12 @@
             <p:ph type="sldImg"/>
           </p:nvPr>
         </p:nvSpPr>
-        <p:spPr/>
+        <p:spPr>
+          <a:xfrm>
+            <a:off x="1371600" y="1143000"/>
+            <a:ext cx="4114800" cy="3086100"/>
+          </a:xfrm>
+        </p:spPr>
       </p:sp>
       <p:sp>
         <p:nvSpPr>
@@ -2458,7 +2982,7 @@
     </p:spTree>
     <p:extLst>
       <p:ext uri="{BB962C8B-B14F-4D97-AF65-F5344CB8AC3E}">
-        <p14:creationId xmlns:p14="http://schemas.microsoft.com/office/powerpoint/2010/main" xmlns="" val="3704177449"/>
+        <p14:creationId xmlns:p14="http://schemas.microsoft.com/office/powerpoint/2010/main" val="3704177449"/>
       </p:ext>
     </p:extLst>
   </p:cSld>
@@ -2495,7 +3019,12 @@
             <p:ph type="sldImg"/>
           </p:nvPr>
         </p:nvSpPr>
-        <p:spPr/>
+        <p:spPr>
+          <a:xfrm>
+            <a:off x="1371600" y="1143000"/>
+            <a:ext cx="4114800" cy="3086100"/>
+          </a:xfrm>
+        </p:spPr>
       </p:sp>
       <p:sp>
         <p:nvSpPr>
@@ -2559,7 +3088,7 @@
     </p:spTree>
     <p:extLst>
       <p:ext uri="{BB962C8B-B14F-4D97-AF65-F5344CB8AC3E}">
-        <p14:creationId xmlns:p14="http://schemas.microsoft.com/office/powerpoint/2010/main" xmlns="" val="1788490057"/>
+        <p14:creationId xmlns:p14="http://schemas.microsoft.com/office/powerpoint/2010/main" val="1788490057"/>
       </p:ext>
     </p:extLst>
   </p:cSld>
@@ -2598,8 +3127,8 @@
         </p:nvSpPr>
         <p:spPr>
           <a:xfrm>
-            <a:off x="1154955" y="1447800"/>
-            <a:ext cx="8825658" cy="3329581"/>
+            <a:off x="866442" y="1447801"/>
+            <a:ext cx="6620968" cy="3329581"/>
           </a:xfrm>
         </p:spPr>
         <p:txBody>
@@ -2630,8 +3159,8 @@
         </p:nvSpPr>
         <p:spPr>
           <a:xfrm>
-            <a:off x="1154955" y="4777380"/>
-            <a:ext cx="8825658" cy="861420"/>
+            <a:off x="866442" y="4777380"/>
+            <a:ext cx="6620968" cy="861420"/>
           </a:xfrm>
         </p:spPr>
         <p:txBody>
@@ -2803,7 +3332,7 @@
             <a:fld id="{7E4B9D8A-30A2-4509-8A2B-BAB999C5542B}" type="slidenum">
               <a:rPr lang="de-AT" smtClean="0"/>
               <a:pPr/>
-              <a:t>‹Nr.›</a:t>
+              <a:t>‹#›</a:t>
             </a:fld>
             <a:endParaRPr lang="de-AT"/>
           </a:p>
@@ -2812,7 +3341,7 @@
     </p:spTree>
     <p:extLst>
       <p:ext uri="{BB962C8B-B14F-4D97-AF65-F5344CB8AC3E}">
-        <p14:creationId xmlns:p14="http://schemas.microsoft.com/office/powerpoint/2010/main" xmlns="" val="3793954378"/>
+        <p14:creationId xmlns:p14="http://schemas.microsoft.com/office/powerpoint/2010/main" val="1167440172"/>
       </p:ext>
     </p:extLst>
   </p:cSld>
@@ -2851,8 +3380,8 @@
         </p:nvSpPr>
         <p:spPr>
           <a:xfrm>
-            <a:off x="1154956" y="4800587"/>
-            <a:ext cx="8825657" cy="566738"/>
+            <a:off x="866443" y="4800587"/>
+            <a:ext cx="6620967" cy="566738"/>
           </a:xfrm>
         </p:spPr>
         <p:txBody>
@@ -2885,8 +3414,8 @@
         </p:nvSpPr>
         <p:spPr>
           <a:xfrm>
-            <a:off x="1154955" y="685800"/>
-            <a:ext cx="8825658" cy="3640666"/>
+            <a:off x="866442" y="685800"/>
+            <a:ext cx="6620968" cy="3640666"/>
           </a:xfrm>
           <a:prstGeom prst="roundRect">
             <a:avLst>
@@ -2964,8 +3493,8 @@
         </p:nvSpPr>
         <p:spPr>
           <a:xfrm>
-            <a:off x="1154956" y="5367325"/>
-            <a:ext cx="8825656" cy="493712"/>
+            <a:off x="866443" y="5367325"/>
+            <a:ext cx="6620966" cy="493712"/>
           </a:xfrm>
         </p:spPr>
         <p:txBody>
@@ -3084,7 +3613,7 @@
             <a:fld id="{7E4B9D8A-30A2-4509-8A2B-BAB999C5542B}" type="slidenum">
               <a:rPr lang="de-AT" smtClean="0"/>
               <a:pPr/>
-              <a:t>‹Nr.›</a:t>
+              <a:t>‹#›</a:t>
             </a:fld>
             <a:endParaRPr lang="de-AT"/>
           </a:p>
@@ -3093,7 +3622,7 @@
     </p:spTree>
     <p:extLst>
       <p:ext uri="{BB962C8B-B14F-4D97-AF65-F5344CB8AC3E}">
-        <p14:creationId xmlns:p14="http://schemas.microsoft.com/office/powerpoint/2010/main" xmlns="" val="3308506492"/>
+        <p14:creationId xmlns:p14="http://schemas.microsoft.com/office/powerpoint/2010/main" val="2397216256"/>
       </p:ext>
     </p:extLst>
   </p:cSld>
@@ -3132,8 +3661,8 @@
         </p:nvSpPr>
         <p:spPr>
           <a:xfrm>
-            <a:off x="1154954" y="1447800"/>
-            <a:ext cx="8825659" cy="1981200"/>
+            <a:off x="866442" y="1447800"/>
+            <a:ext cx="6620968" cy="1981200"/>
           </a:xfrm>
         </p:spPr>
         <p:txBody>
@@ -3164,8 +3693,8 @@
         </p:nvSpPr>
         <p:spPr>
           <a:xfrm>
-            <a:off x="1154954" y="3657600"/>
-            <a:ext cx="8825659" cy="2362200"/>
+            <a:off x="866442" y="3657600"/>
+            <a:ext cx="6620968" cy="2362200"/>
           </a:xfrm>
         </p:spPr>
         <p:txBody>
@@ -3284,7 +3813,7 @@
             <a:fld id="{7E4B9D8A-30A2-4509-8A2B-BAB999C5542B}" type="slidenum">
               <a:rPr lang="de-AT" smtClean="0"/>
               <a:pPr/>
-              <a:t>‹Nr.›</a:t>
+              <a:t>‹#›</a:t>
             </a:fld>
             <a:endParaRPr lang="de-AT"/>
           </a:p>
@@ -3293,7 +3822,7 @@
     </p:spTree>
     <p:extLst>
       <p:ext uri="{BB962C8B-B14F-4D97-AF65-F5344CB8AC3E}">
-        <p14:creationId xmlns:p14="http://schemas.microsoft.com/office/powerpoint/2010/main" xmlns="" val="1490484669"/>
+        <p14:creationId xmlns:p14="http://schemas.microsoft.com/office/powerpoint/2010/main" val="2432206220"/>
       </p:ext>
     </p:extLst>
   </p:cSld>
@@ -3332,8 +3861,8 @@
         </p:nvSpPr>
         <p:spPr>
           <a:xfrm>
-            <a:off x="1574801" y="1447800"/>
-            <a:ext cx="7999315" cy="2323374"/>
+            <a:off x="1181409" y="1447800"/>
+            <a:ext cx="6001049" cy="2323374"/>
           </a:xfrm>
         </p:spPr>
         <p:txBody>
@@ -3364,8 +3893,8 @@
         </p:nvSpPr>
         <p:spPr>
           <a:xfrm>
-            <a:off x="1930400" y="3771174"/>
-            <a:ext cx="7279649" cy="342174"/>
+            <a:off x="1448177" y="3771174"/>
+            <a:ext cx="5461159" cy="342174"/>
           </a:xfrm>
         </p:spPr>
         <p:txBody>
@@ -3443,8 +3972,8 @@
         </p:nvSpPr>
         <p:spPr>
           <a:xfrm>
-            <a:off x="1154954" y="4350657"/>
-            <a:ext cx="8825659" cy="1676400"/>
+            <a:off x="866442" y="4350657"/>
+            <a:ext cx="6620968" cy="1676400"/>
           </a:xfrm>
         </p:spPr>
         <p:txBody>
@@ -3563,7 +4092,7 @@
             <a:fld id="{7E4B9D8A-30A2-4509-8A2B-BAB999C5542B}" type="slidenum">
               <a:rPr lang="de-AT" smtClean="0"/>
               <a:pPr/>
-              <a:t>‹Nr.›</a:t>
+              <a:t>‹#›</a:t>
             </a:fld>
             <a:endParaRPr lang="de-AT"/>
           </a:p>
@@ -3577,8 +4106,8 @@
         </p:nvSpPr>
         <p:spPr>
           <a:xfrm>
-            <a:off x="898295" y="971253"/>
-            <a:ext cx="801912" cy="1969770"/>
+            <a:off x="673897" y="971253"/>
+            <a:ext cx="601591" cy="1969770"/>
           </a:xfrm>
           <a:prstGeom prst="rect">
             <a:avLst/>
@@ -3610,7 +4139,7 @@
           <a:p>
             <a:pPr lvl="0"/>
             <a:r>
-              <a:rPr lang="en-US" dirty="0"/>
+              <a:rPr lang="en-US" sz="12200" dirty="0"/>
               <a:t>“</a:t>
             </a:r>
           </a:p>
@@ -3624,8 +4153,8 @@
         </p:nvSpPr>
         <p:spPr>
           <a:xfrm>
-            <a:off x="9330490" y="2613787"/>
-            <a:ext cx="801912" cy="1969770"/>
+            <a:off x="6999690" y="2613787"/>
+            <a:ext cx="601591" cy="1969770"/>
           </a:xfrm>
           <a:prstGeom prst="rect">
             <a:avLst/>
@@ -3657,7 +4186,7 @@
           <a:p>
             <a:pPr lvl="0"/>
             <a:r>
-              <a:rPr lang="en-US" dirty="0"/>
+              <a:rPr lang="en-US" sz="12200" dirty="0"/>
               <a:t>”</a:t>
             </a:r>
           </a:p>
@@ -3666,7 +4195,7 @@
     </p:spTree>
     <p:extLst>
       <p:ext uri="{BB962C8B-B14F-4D97-AF65-F5344CB8AC3E}">
-        <p14:creationId xmlns:p14="http://schemas.microsoft.com/office/powerpoint/2010/main" xmlns="" val="2469048308"/>
+        <p14:creationId xmlns:p14="http://schemas.microsoft.com/office/powerpoint/2010/main" val="2347361398"/>
       </p:ext>
     </p:extLst>
   </p:cSld>
@@ -3705,8 +4234,8 @@
         </p:nvSpPr>
         <p:spPr>
           <a:xfrm>
-            <a:off x="1154954" y="3124201"/>
-            <a:ext cx="8825660" cy="1653180"/>
+            <a:off x="866441" y="3124201"/>
+            <a:ext cx="6620969" cy="1653180"/>
           </a:xfrm>
         </p:spPr>
         <p:txBody>
@@ -3737,8 +4266,8 @@
         </p:nvSpPr>
         <p:spPr>
           <a:xfrm>
-            <a:off x="1154954" y="4777381"/>
-            <a:ext cx="8825659" cy="860400"/>
+            <a:off x="866442" y="4777381"/>
+            <a:ext cx="6620968" cy="860400"/>
           </a:xfrm>
         </p:spPr>
         <p:txBody>
@@ -3910,7 +4439,7 @@
             <a:fld id="{7E4B9D8A-30A2-4509-8A2B-BAB999C5542B}" type="slidenum">
               <a:rPr lang="de-AT" smtClean="0"/>
               <a:pPr/>
-              <a:t>‹Nr.›</a:t>
+              <a:t>‹#›</a:t>
             </a:fld>
             <a:endParaRPr lang="de-AT"/>
           </a:p>
@@ -3919,7 +4448,7 @@
     </p:spTree>
     <p:extLst>
       <p:ext uri="{BB962C8B-B14F-4D97-AF65-F5344CB8AC3E}">
-        <p14:creationId xmlns:p14="http://schemas.microsoft.com/office/powerpoint/2010/main" xmlns="" val="4252156178"/>
+        <p14:creationId xmlns:p14="http://schemas.microsoft.com/office/powerpoint/2010/main" val="2932766475"/>
       </p:ext>
     </p:extLst>
   </p:cSld>
@@ -3985,8 +4514,8 @@
         </p:nvSpPr>
         <p:spPr>
           <a:xfrm>
-            <a:off x="632947" y="1981200"/>
-            <a:ext cx="2946866" cy="576262"/>
+            <a:off x="474834" y="1981200"/>
+            <a:ext cx="2210725" cy="576262"/>
           </a:xfrm>
         </p:spPr>
         <p:txBody>
@@ -4059,8 +4588,8 @@
         </p:nvSpPr>
         <p:spPr>
           <a:xfrm>
-            <a:off x="652463" y="2667000"/>
-            <a:ext cx="2927350" cy="3589338"/>
+            <a:off x="489475" y="2667000"/>
+            <a:ext cx="2196084" cy="3589338"/>
           </a:xfrm>
         </p:spPr>
         <p:txBody>
@@ -4126,8 +4655,8 @@
         </p:nvSpPr>
         <p:spPr>
           <a:xfrm>
-            <a:off x="3883659" y="1981200"/>
-            <a:ext cx="2936241" cy="576262"/>
+            <a:off x="2913504" y="1981200"/>
+            <a:ext cx="2202754" cy="576262"/>
           </a:xfrm>
         </p:spPr>
         <p:txBody>
@@ -4200,8 +4729,8 @@
         </p:nvSpPr>
         <p:spPr>
           <a:xfrm>
-            <a:off x="3873106" y="2667000"/>
-            <a:ext cx="2946794" cy="3589338"/>
+            <a:off x="2905586" y="2667000"/>
+            <a:ext cx="2210671" cy="3589338"/>
           </a:xfrm>
         </p:spPr>
         <p:txBody>
@@ -4267,8 +4796,8 @@
         </p:nvSpPr>
         <p:spPr>
           <a:xfrm>
-            <a:off x="7124700" y="1981200"/>
-            <a:ext cx="2932113" cy="576262"/>
+            <a:off x="5344917" y="1981200"/>
+            <a:ext cx="2199658" cy="576262"/>
           </a:xfrm>
         </p:spPr>
         <p:txBody>
@@ -4341,8 +4870,8 @@
         </p:nvSpPr>
         <p:spPr>
           <a:xfrm>
-            <a:off x="7124700" y="2667000"/>
-            <a:ext cx="2932113" cy="3589338"/>
+            <a:off x="5344917" y="2667000"/>
+            <a:ext cx="2199658" cy="3589338"/>
           </a:xfrm>
         </p:spPr>
         <p:txBody>
@@ -4404,7 +4933,7 @@
         </p:nvCxnSpPr>
         <p:spPr>
           <a:xfrm>
-            <a:off x="3726142" y="2133600"/>
+            <a:off x="2795334" y="2133600"/>
             <a:ext cx="0" cy="3962400"/>
           </a:xfrm>
           <a:prstGeom prst="line">
@@ -4443,7 +4972,7 @@
         </p:nvCxnSpPr>
         <p:spPr>
           <a:xfrm>
-            <a:off x="6962227" y="2133600"/>
+            <a:off x="5223030" y="2133600"/>
             <a:ext cx="0" cy="3966882"/>
           </a:xfrm>
           <a:prstGeom prst="line">
@@ -4539,7 +5068,7 @@
             <a:fld id="{7E4B9D8A-30A2-4509-8A2B-BAB999C5542B}" type="slidenum">
               <a:rPr lang="de-AT" smtClean="0"/>
               <a:pPr/>
-              <a:t>‹Nr.›</a:t>
+              <a:t>‹#›</a:t>
             </a:fld>
             <a:endParaRPr lang="de-AT"/>
           </a:p>
@@ -4548,7 +5077,7 @@
     </p:spTree>
     <p:extLst>
       <p:ext uri="{BB962C8B-B14F-4D97-AF65-F5344CB8AC3E}">
-        <p14:creationId xmlns:p14="http://schemas.microsoft.com/office/powerpoint/2010/main" xmlns="" val="3525085879"/>
+        <p14:creationId xmlns:p14="http://schemas.microsoft.com/office/powerpoint/2010/main" val="2094422051"/>
       </p:ext>
     </p:extLst>
   </p:cSld>
@@ -4614,8 +5143,8 @@
         </p:nvSpPr>
         <p:spPr>
           <a:xfrm>
-            <a:off x="652463" y="4250949"/>
-            <a:ext cx="2940050" cy="576262"/>
+            <a:off x="489475" y="4250949"/>
+            <a:ext cx="2205612" cy="576262"/>
           </a:xfrm>
         </p:spPr>
         <p:txBody>
@@ -4688,8 +5217,8 @@
         </p:nvSpPr>
         <p:spPr>
           <a:xfrm>
-            <a:off x="652463" y="2209800"/>
-            <a:ext cx="2940050" cy="1524000"/>
+            <a:off x="489475" y="2209800"/>
+            <a:ext cx="2205612" cy="1524000"/>
           </a:xfrm>
           <a:prstGeom prst="roundRect">
             <a:avLst>
@@ -4767,8 +5296,8 @@
         </p:nvSpPr>
         <p:spPr>
           <a:xfrm>
-            <a:off x="652463" y="4827211"/>
-            <a:ext cx="2940050" cy="659189"/>
+            <a:off x="489475" y="4827212"/>
+            <a:ext cx="2205612" cy="659189"/>
           </a:xfrm>
         </p:spPr>
         <p:txBody>
@@ -4834,8 +5363,8 @@
         </p:nvSpPr>
         <p:spPr>
           <a:xfrm>
-            <a:off x="3889375" y="4250949"/>
-            <a:ext cx="2930525" cy="576262"/>
+            <a:off x="2917792" y="4250949"/>
+            <a:ext cx="2198466" cy="576262"/>
           </a:xfrm>
         </p:spPr>
         <p:txBody>
@@ -4908,8 +5437,8 @@
         </p:nvSpPr>
         <p:spPr>
           <a:xfrm>
-            <a:off x="3889374" y="2209800"/>
-            <a:ext cx="2930525" cy="1524000"/>
+            <a:off x="2917791" y="2209800"/>
+            <a:ext cx="2198466" cy="1524000"/>
           </a:xfrm>
           <a:prstGeom prst="roundRect">
             <a:avLst>
@@ -4987,8 +5516,8 @@
         </p:nvSpPr>
         <p:spPr>
           <a:xfrm>
-            <a:off x="3888022" y="4827210"/>
-            <a:ext cx="2934406" cy="659189"/>
+            <a:off x="2916776" y="4827211"/>
+            <a:ext cx="2201378" cy="659189"/>
           </a:xfrm>
         </p:spPr>
         <p:txBody>
@@ -5054,8 +5583,8 @@
         </p:nvSpPr>
         <p:spPr>
           <a:xfrm>
-            <a:off x="7124700" y="4250949"/>
-            <a:ext cx="2932113" cy="576262"/>
+            <a:off x="5344917" y="4250949"/>
+            <a:ext cx="2199658" cy="576262"/>
           </a:xfrm>
         </p:spPr>
         <p:txBody>
@@ -5128,8 +5657,8 @@
         </p:nvSpPr>
         <p:spPr>
           <a:xfrm>
-            <a:off x="7124699" y="2209800"/>
-            <a:ext cx="2932113" cy="1524000"/>
+            <a:off x="5344916" y="2209800"/>
+            <a:ext cx="2199658" cy="1524000"/>
           </a:xfrm>
           <a:prstGeom prst="roundRect">
             <a:avLst>
@@ -5207,8 +5736,8 @@
         </p:nvSpPr>
         <p:spPr>
           <a:xfrm>
-            <a:off x="7124575" y="4827208"/>
-            <a:ext cx="2935997" cy="659189"/>
+            <a:off x="5344824" y="4827209"/>
+            <a:ext cx="2202571" cy="659189"/>
           </a:xfrm>
         </p:spPr>
         <p:txBody>
@@ -5270,7 +5799,7 @@
         </p:nvCxnSpPr>
         <p:spPr>
           <a:xfrm>
-            <a:off x="3726142" y="2133600"/>
+            <a:off x="2795334" y="2133600"/>
             <a:ext cx="0" cy="3962400"/>
           </a:xfrm>
           <a:prstGeom prst="line">
@@ -5309,7 +5838,7 @@
         </p:nvCxnSpPr>
         <p:spPr>
           <a:xfrm>
-            <a:off x="6962227" y="2133600"/>
+            <a:off x="5223030" y="2133600"/>
             <a:ext cx="0" cy="3966882"/>
           </a:xfrm>
           <a:prstGeom prst="line">
@@ -5405,7 +5934,7 @@
             <a:fld id="{7E4B9D8A-30A2-4509-8A2B-BAB999C5542B}" type="slidenum">
               <a:rPr lang="de-AT" smtClean="0"/>
               <a:pPr/>
-              <a:t>‹Nr.›</a:t>
+              <a:t>‹#›</a:t>
             </a:fld>
             <a:endParaRPr lang="de-AT"/>
           </a:p>
@@ -5414,7 +5943,7 @@
     </p:spTree>
     <p:extLst>
       <p:ext uri="{BB962C8B-B14F-4D97-AF65-F5344CB8AC3E}">
-        <p14:creationId xmlns:p14="http://schemas.microsoft.com/office/powerpoint/2010/main" xmlns="" val="685570410"/>
+        <p14:creationId xmlns:p14="http://schemas.microsoft.com/office/powerpoint/2010/main" val="2911883683"/>
       </p:ext>
     </p:extLst>
   </p:cSld>
@@ -5581,7 +6110,7 @@
             <a:fld id="{7E4B9D8A-30A2-4509-8A2B-BAB999C5542B}" type="slidenum">
               <a:rPr lang="de-AT" smtClean="0"/>
               <a:pPr/>
-              <a:t>‹Nr.›</a:t>
+              <a:t>‹#›</a:t>
             </a:fld>
             <a:endParaRPr lang="de-AT"/>
           </a:p>
@@ -5590,7 +6119,7 @@
     </p:spTree>
     <p:extLst>
       <p:ext uri="{BB962C8B-B14F-4D97-AF65-F5344CB8AC3E}">
-        <p14:creationId xmlns:p14="http://schemas.microsoft.com/office/powerpoint/2010/main" xmlns="" val="664530646"/>
+        <p14:creationId xmlns:p14="http://schemas.microsoft.com/office/powerpoint/2010/main" val="1584337355"/>
       </p:ext>
     </p:extLst>
   </p:cSld>
@@ -5629,8 +6158,8 @@
         </p:nvSpPr>
         <p:spPr>
           <a:xfrm>
-            <a:off x="8304212" y="430213"/>
-            <a:ext cx="1752601" cy="5826125"/>
+            <a:off x="6229782" y="430214"/>
+            <a:ext cx="1314793" cy="5826125"/>
           </a:xfrm>
         </p:spPr>
         <p:txBody>
@@ -5657,8 +6186,8 @@
         </p:nvSpPr>
         <p:spPr>
           <a:xfrm>
-            <a:off x="652463" y="887414"/>
-            <a:ext cx="7423149" cy="5368924"/>
+            <a:off x="489475" y="773205"/>
+            <a:ext cx="5568812" cy="5483134"/>
           </a:xfrm>
         </p:spPr>
         <p:txBody>
@@ -5767,7 +6296,7 @@
             <a:fld id="{7E4B9D8A-30A2-4509-8A2B-BAB999C5542B}" type="slidenum">
               <a:rPr lang="de-AT" smtClean="0"/>
               <a:pPr/>
-              <a:t>‹Nr.›</a:t>
+              <a:t>‹#›</a:t>
             </a:fld>
             <a:endParaRPr lang="de-AT"/>
           </a:p>
@@ -5776,7 +6305,7 @@
     </p:spTree>
     <p:extLst>
       <p:ext uri="{BB962C8B-B14F-4D97-AF65-F5344CB8AC3E}">
-        <p14:creationId xmlns:p14="http://schemas.microsoft.com/office/powerpoint/2010/main" xmlns="" val="2294723738"/>
+        <p14:creationId xmlns:p14="http://schemas.microsoft.com/office/powerpoint/2010/main" val="3101684913"/>
       </p:ext>
     </p:extLst>
   </p:cSld>
@@ -5943,7 +6472,7 @@
             <a:fld id="{7E4B9D8A-30A2-4509-8A2B-BAB999C5542B}" type="slidenum">
               <a:rPr lang="de-AT" smtClean="0"/>
               <a:pPr/>
-              <a:t>‹Nr.›</a:t>
+              <a:t>‹#›</a:t>
             </a:fld>
             <a:endParaRPr lang="de-AT"/>
           </a:p>
@@ -5952,7 +6481,7 @@
     </p:spTree>
     <p:extLst>
       <p:ext uri="{BB962C8B-B14F-4D97-AF65-F5344CB8AC3E}">
-        <p14:creationId xmlns:p14="http://schemas.microsoft.com/office/powerpoint/2010/main" xmlns="" val="3387733372"/>
+        <p14:creationId xmlns:p14="http://schemas.microsoft.com/office/powerpoint/2010/main" val="2348028140"/>
       </p:ext>
     </p:extLst>
   </p:cSld>
@@ -5991,8 +6520,8 @@
         </p:nvSpPr>
         <p:spPr>
           <a:xfrm>
-            <a:off x="1154956" y="2861733"/>
-            <a:ext cx="8825657" cy="1915647"/>
+            <a:off x="866443" y="2861734"/>
+            <a:ext cx="6620967" cy="1915647"/>
           </a:xfrm>
         </p:spPr>
         <p:txBody>
@@ -6023,8 +6552,8 @@
         </p:nvSpPr>
         <p:spPr>
           <a:xfrm>
-            <a:off x="1154955" y="4777381"/>
-            <a:ext cx="8825658" cy="860400"/>
+            <a:off x="866442" y="4777381"/>
+            <a:ext cx="6620968" cy="860400"/>
           </a:xfrm>
         </p:spPr>
         <p:txBody>
@@ -6196,7 +6725,7 @@
             <a:fld id="{7E4B9D8A-30A2-4509-8A2B-BAB999C5542B}" type="slidenum">
               <a:rPr lang="de-AT" smtClean="0"/>
               <a:pPr/>
-              <a:t>‹Nr.›</a:t>
+              <a:t>‹#›</a:t>
             </a:fld>
             <a:endParaRPr lang="de-AT"/>
           </a:p>
@@ -6205,7 +6734,7 @@
     </p:spTree>
     <p:extLst>
       <p:ext uri="{BB962C8B-B14F-4D97-AF65-F5344CB8AC3E}">
-        <p14:creationId xmlns:p14="http://schemas.microsoft.com/office/powerpoint/2010/main" xmlns="" val="861049969"/>
+        <p14:creationId xmlns:p14="http://schemas.microsoft.com/office/powerpoint/2010/main" val="3602640151"/>
       </p:ext>
     </p:extLst>
   </p:cSld>
@@ -6267,8 +6796,8 @@
         </p:nvSpPr>
         <p:spPr>
           <a:xfrm>
-            <a:off x="1103312" y="2060575"/>
-            <a:ext cx="4396339" cy="4195763"/>
+            <a:off x="827700" y="2060576"/>
+            <a:ext cx="3298113" cy="4195763"/>
           </a:xfrm>
         </p:spPr>
         <p:txBody>
@@ -6354,8 +6883,8 @@
         </p:nvSpPr>
         <p:spPr>
           <a:xfrm>
-            <a:off x="5654493" y="2056092"/>
-            <a:ext cx="4396341" cy="4200245"/>
+            <a:off x="4241975" y="2056093"/>
+            <a:ext cx="3298115" cy="4200245"/>
           </a:xfrm>
         </p:spPr>
         <p:txBody>
@@ -6494,7 +7023,7 @@
             <a:fld id="{7E4B9D8A-30A2-4509-8A2B-BAB999C5542B}" type="slidenum">
               <a:rPr lang="de-AT" smtClean="0"/>
               <a:pPr/>
-              <a:t>‹Nr.›</a:t>
+              <a:t>‹#›</a:t>
             </a:fld>
             <a:endParaRPr lang="de-AT"/>
           </a:p>
@@ -6503,7 +7032,7 @@
     </p:spTree>
     <p:extLst>
       <p:ext uri="{BB962C8B-B14F-4D97-AF65-F5344CB8AC3E}">
-        <p14:creationId xmlns:p14="http://schemas.microsoft.com/office/powerpoint/2010/main" xmlns="" val="3418631485"/>
+        <p14:creationId xmlns:p14="http://schemas.microsoft.com/office/powerpoint/2010/main" val="4059186358"/>
       </p:ext>
     </p:extLst>
   </p:cSld>
@@ -6569,8 +7098,8 @@
         </p:nvSpPr>
         <p:spPr>
           <a:xfrm>
-            <a:off x="1103313" y="1905000"/>
-            <a:ext cx="4396338" cy="576262"/>
+            <a:off x="827700" y="1905000"/>
+            <a:ext cx="3298112" cy="576262"/>
           </a:xfrm>
         </p:spPr>
         <p:txBody>
@@ -6643,8 +7172,8 @@
         </p:nvSpPr>
         <p:spPr>
           <a:xfrm>
-            <a:off x="1103312" y="2514600"/>
-            <a:ext cx="4396339" cy="3741738"/>
+            <a:off x="827700" y="2514600"/>
+            <a:ext cx="3298113" cy="3741738"/>
           </a:xfrm>
         </p:spPr>
         <p:txBody>
@@ -6730,8 +7259,8 @@
         </p:nvSpPr>
         <p:spPr>
           <a:xfrm>
-            <a:off x="5654495" y="1905000"/>
-            <a:ext cx="4396339" cy="576262"/>
+            <a:off x="4241976" y="1905000"/>
+            <a:ext cx="3298113" cy="576262"/>
           </a:xfrm>
         </p:spPr>
         <p:txBody>
@@ -6804,8 +7333,8 @@
         </p:nvSpPr>
         <p:spPr>
           <a:xfrm>
-            <a:off x="5654495" y="2514600"/>
-            <a:ext cx="4396339" cy="3741738"/>
+            <a:off x="4241976" y="2514600"/>
+            <a:ext cx="3298113" cy="3741738"/>
           </a:xfrm>
         </p:spPr>
         <p:txBody>
@@ -6944,7 +7473,7 @@
             <a:fld id="{7E4B9D8A-30A2-4509-8A2B-BAB999C5542B}" type="slidenum">
               <a:rPr lang="de-AT" smtClean="0"/>
               <a:pPr/>
-              <a:t>‹Nr.›</a:t>
+              <a:t>‹#›</a:t>
             </a:fld>
             <a:endParaRPr lang="de-AT"/>
           </a:p>
@@ -6953,7 +7482,7 @@
     </p:spTree>
     <p:extLst>
       <p:ext uri="{BB962C8B-B14F-4D97-AF65-F5344CB8AC3E}">
-        <p14:creationId xmlns:p14="http://schemas.microsoft.com/office/powerpoint/2010/main" xmlns="" val="3065127639"/>
+        <p14:creationId xmlns:p14="http://schemas.microsoft.com/office/powerpoint/2010/main" val="128145665"/>
       </p:ext>
     </p:extLst>
   </p:cSld>
@@ -7068,7 +7597,7 @@
             <a:fld id="{7E4B9D8A-30A2-4509-8A2B-BAB999C5542B}" type="slidenum">
               <a:rPr lang="de-AT" smtClean="0"/>
               <a:pPr/>
-              <a:t>‹Nr.›</a:t>
+              <a:t>‹#›</a:t>
             </a:fld>
             <a:endParaRPr lang="de-AT"/>
           </a:p>
@@ -7077,7 +7606,7 @@
     </p:spTree>
     <p:extLst>
       <p:ext uri="{BB962C8B-B14F-4D97-AF65-F5344CB8AC3E}">
-        <p14:creationId xmlns:p14="http://schemas.microsoft.com/office/powerpoint/2010/main" xmlns="" val="1152056736"/>
+        <p14:creationId xmlns:p14="http://schemas.microsoft.com/office/powerpoint/2010/main" val="2102995425"/>
       </p:ext>
     </p:extLst>
   </p:cSld>
@@ -7169,7 +7698,7 @@
             <a:fld id="{7E4B9D8A-30A2-4509-8A2B-BAB999C5542B}" type="slidenum">
               <a:rPr lang="de-AT" smtClean="0"/>
               <a:pPr/>
-              <a:t>‹Nr.›</a:t>
+              <a:t>‹#›</a:t>
             </a:fld>
             <a:endParaRPr lang="de-AT"/>
           </a:p>
@@ -7178,7 +7707,7 @@
     </p:spTree>
     <p:extLst>
       <p:ext uri="{BB962C8B-B14F-4D97-AF65-F5344CB8AC3E}">
-        <p14:creationId xmlns:p14="http://schemas.microsoft.com/office/powerpoint/2010/main" xmlns="" val="2182156380"/>
+        <p14:creationId xmlns:p14="http://schemas.microsoft.com/office/powerpoint/2010/main" val="3361808613"/>
       </p:ext>
     </p:extLst>
   </p:cSld>
@@ -7217,8 +7746,8 @@
         </p:nvSpPr>
         <p:spPr>
           <a:xfrm>
-            <a:off x="1154953" y="1447800"/>
-            <a:ext cx="3401064" cy="1447800"/>
+            <a:off x="866441" y="1447800"/>
+            <a:ext cx="2551462" cy="1447800"/>
           </a:xfrm>
         </p:spPr>
         <p:txBody>
@@ -7249,8 +7778,8 @@
         </p:nvSpPr>
         <p:spPr>
           <a:xfrm>
-            <a:off x="4784616" y="1447800"/>
-            <a:ext cx="5195997" cy="4572000"/>
+            <a:off x="3589397" y="1447800"/>
+            <a:ext cx="3898013" cy="4572000"/>
           </a:xfrm>
         </p:spPr>
         <p:txBody>
@@ -7336,8 +7865,8 @@
         </p:nvSpPr>
         <p:spPr>
           <a:xfrm>
-            <a:off x="1154953" y="3129280"/>
-            <a:ext cx="3401063" cy="2895599"/>
+            <a:off x="866441" y="3129281"/>
+            <a:ext cx="2551462" cy="2895599"/>
           </a:xfrm>
         </p:spPr>
         <p:txBody>
@@ -7454,7 +7983,7 @@
             <a:fld id="{7E4B9D8A-30A2-4509-8A2B-BAB999C5542B}" type="slidenum">
               <a:rPr lang="de-AT" smtClean="0"/>
               <a:pPr/>
-              <a:t>‹Nr.›</a:t>
+              <a:t>‹#›</a:t>
             </a:fld>
             <a:endParaRPr lang="de-AT"/>
           </a:p>
@@ -7463,7 +7992,7 @@
     </p:spTree>
     <p:extLst>
       <p:ext uri="{BB962C8B-B14F-4D97-AF65-F5344CB8AC3E}">
-        <p14:creationId xmlns:p14="http://schemas.microsoft.com/office/powerpoint/2010/main" xmlns="" val="3265231234"/>
+        <p14:creationId xmlns:p14="http://schemas.microsoft.com/office/powerpoint/2010/main" val="1250153558"/>
       </p:ext>
     </p:extLst>
   </p:cSld>
@@ -7502,8 +8031,8 @@
         </p:nvSpPr>
         <p:spPr>
           <a:xfrm>
-            <a:off x="1153907" y="1854192"/>
-            <a:ext cx="5092906" cy="1574808"/>
+            <a:off x="865656" y="1854192"/>
+            <a:ext cx="3820674" cy="1574808"/>
           </a:xfrm>
         </p:spPr>
         <p:txBody>
@@ -7536,8 +8065,8 @@
         </p:nvSpPr>
         <p:spPr>
           <a:xfrm>
-            <a:off x="6949546" y="1143000"/>
-            <a:ext cx="3200400" cy="4572000"/>
+            <a:off x="5213517" y="1143000"/>
+            <a:ext cx="2400925" cy="4572000"/>
           </a:xfrm>
           <a:prstGeom prst="roundRect">
             <a:avLst>
@@ -7615,8 +8144,8 @@
         </p:nvSpPr>
         <p:spPr>
           <a:xfrm>
-            <a:off x="1154954" y="3657600"/>
-            <a:ext cx="5084979" cy="1371600"/>
+            <a:off x="866441" y="3657600"/>
+            <a:ext cx="3814728" cy="1371600"/>
           </a:xfrm>
         </p:spPr>
         <p:txBody>
@@ -7735,7 +8264,7 @@
             <a:fld id="{7E4B9D8A-30A2-4509-8A2B-BAB999C5542B}" type="slidenum">
               <a:rPr lang="de-AT" smtClean="0"/>
               <a:pPr/>
-              <a:t>‹Nr.›</a:t>
+              <a:t>‹#›</a:t>
             </a:fld>
             <a:endParaRPr lang="de-AT"/>
           </a:p>
@@ -7744,7 +8273,7 @@
     </p:spTree>
     <p:extLst>
       <p:ext uri="{BB962C8B-B14F-4D97-AF65-F5344CB8AC3E}">
-        <p14:creationId xmlns:p14="http://schemas.microsoft.com/office/powerpoint/2010/main" xmlns="" val="2900100903"/>
+        <p14:creationId xmlns:p14="http://schemas.microsoft.com/office/powerpoint/2010/main" val="332871982"/>
       </p:ext>
     </p:extLst>
   </p:cSld>
@@ -7776,73 +8305,15 @@
           <a:chExt cx="0" cy="0"/>
         </a:xfrm>
       </p:grpSpPr>
-      <p:pic>
-        <p:nvPicPr>
-          <p:cNvPr id="8" name="Picture 7"/>
-          <p:cNvPicPr>
-            <a:picLocks noChangeAspect="1"/>
-          </p:cNvPicPr>
+      <p:sp>
+        <p:nvSpPr>
+          <p:cNvPr id="22" name="Oval 21"/>
+          <p:cNvSpPr/>
           <p:nvPr/>
-        </p:nvPicPr>
-        <p:blipFill rotWithShape="1">
-          <a:blip r:embed="rId19">
-            <a:extLst>
-              <a:ext uri="{28A0092B-C50C-407E-A947-70E740481C1C}">
-                <a14:useLocalDpi xmlns:a14="http://schemas.microsoft.com/office/drawing/2010/main" xmlns="" val="0"/>
-              </a:ext>
-            </a:extLst>
-          </a:blip>
-          <a:srcRect l="3613"/>
-          <a:stretch/>
-        </p:blipFill>
+        </p:nvSpPr>
         <p:spPr>
           <a:xfrm>
-            <a:off x="0" y="2669685"/>
-            <a:ext cx="4037012" cy="4188315"/>
-          </a:xfrm>
-          <a:prstGeom prst="rect">
-            <a:avLst/>
-          </a:prstGeom>
-        </p:spPr>
-      </p:pic>
-      <p:pic>
-        <p:nvPicPr>
-          <p:cNvPr id="7" name="Picture 6"/>
-          <p:cNvPicPr>
-            <a:picLocks noChangeAspect="1"/>
-          </p:cNvPicPr>
-          <p:nvPr/>
-        </p:nvPicPr>
-        <p:blipFill rotWithShape="1">
-          <a:blip r:embed="rId20">
-            <a:extLst>
-              <a:ext uri="{28A0092B-C50C-407E-A947-70E740481C1C}">
-                <a14:useLocalDpi xmlns:a14="http://schemas.microsoft.com/office/drawing/2010/main" xmlns="" val="0"/>
-              </a:ext>
-            </a:extLst>
-          </a:blip>
-          <a:srcRect l="35640"/>
-          <a:stretch/>
-        </p:blipFill>
-        <p:spPr>
-          <a:xfrm>
-            <a:off x="0" y="2892347"/>
-            <a:ext cx="1522412" cy="2365453"/>
-          </a:xfrm>
-          <a:prstGeom prst="rect">
-            <a:avLst/>
-          </a:prstGeom>
-        </p:spPr>
-      </p:pic>
-      <p:sp>
-        <p:nvSpPr>
-          <p:cNvPr id="16" name="Oval 15"/>
-          <p:cNvSpPr/>
-          <p:nvPr/>
-        </p:nvSpPr>
-        <p:spPr>
-          <a:xfrm>
-            <a:off x="8609012" y="1676400"/>
+            <a:off x="6299432" y="1676400"/>
             <a:ext cx="2819400" cy="2819400"/>
           </a:xfrm>
           <a:prstGeom prst="ellipse">
@@ -7897,74 +8368,268 @@
           </a:fontRef>
         </p:style>
       </p:sp>
-      <p:pic>
-        <p:nvPicPr>
-          <p:cNvPr id="9" name="Picture 8"/>
-          <p:cNvPicPr>
-            <a:picLocks noChangeAspect="1"/>
-          </p:cNvPicPr>
+      <p:sp>
+        <p:nvSpPr>
+          <p:cNvPr id="23" name="Oval 22"/>
+          <p:cNvSpPr/>
           <p:nvPr/>
-        </p:nvPicPr>
-        <p:blipFill rotWithShape="1">
-          <a:blip r:embed="rId21">
-            <a:extLst>
-              <a:ext uri="{28A0092B-C50C-407E-A947-70E740481C1C}">
-                <a14:useLocalDpi xmlns:a14="http://schemas.microsoft.com/office/drawing/2010/main" xmlns="" val="0"/>
-              </a:ext>
-            </a:extLst>
-          </a:blip>
-          <a:srcRect t="28813"/>
-          <a:stretch/>
-        </p:blipFill>
+        </p:nvSpPr>
         <p:spPr>
           <a:xfrm>
-            <a:off x="7999412" y="0"/>
-            <a:ext cx="1603387" cy="1141407"/>
+            <a:off x="5689832" y="-457200"/>
+            <a:ext cx="1600200" cy="1600200"/>
           </a:xfrm>
-          <a:prstGeom prst="rect">
+          <a:prstGeom prst="ellipse">
             <a:avLst/>
           </a:prstGeom>
+          <a:gradFill flip="none" rotWithShape="1">
+            <a:gsLst>
+              <a:gs pos="0">
+                <a:schemeClr val="bg2">
+                  <a:lumMod val="60000"/>
+                  <a:lumOff val="40000"/>
+                  <a:alpha val="14000"/>
+                </a:schemeClr>
+              </a:gs>
+              <a:gs pos="73000">
+                <a:schemeClr val="bg2">
+                  <a:lumMod val="60000"/>
+                  <a:lumOff val="40000"/>
+                  <a:alpha val="0"/>
+                </a:schemeClr>
+              </a:gs>
+              <a:gs pos="36000">
+                <a:schemeClr val="bg2">
+                  <a:lumMod val="60000"/>
+                  <a:lumOff val="40000"/>
+                  <a:alpha val="7000"/>
+                </a:schemeClr>
+              </a:gs>
+            </a:gsLst>
+            <a:path path="circle">
+              <a:fillToRect l="50000" t="50000" r="50000" b="50000"/>
+            </a:path>
+            <a:tileRect/>
+          </a:gradFill>
+          <a:ln>
+            <a:noFill/>
+          </a:ln>
+          <a:effectLst/>
         </p:spPr>
-      </p:pic>
-      <p:pic>
-        <p:nvPicPr>
-          <p:cNvPr id="10" name="Picture 9"/>
-          <p:cNvPicPr>
-            <a:picLocks noChangeAspect="1"/>
-          </p:cNvPicPr>
+        <p:style>
+          <a:lnRef idx="1">
+            <a:schemeClr val="accent1"/>
+          </a:lnRef>
+          <a:fillRef idx="3">
+            <a:schemeClr val="accent1"/>
+          </a:fillRef>
+          <a:effectRef idx="2">
+            <a:schemeClr val="accent1"/>
+          </a:effectRef>
+          <a:fontRef idx="minor">
+            <a:schemeClr val="lt1"/>
+          </a:fontRef>
+        </p:style>
+      </p:sp>
+      <p:sp>
+        <p:nvSpPr>
+          <p:cNvPr id="24" name="Oval 23"/>
+          <p:cNvSpPr/>
           <p:nvPr/>
-        </p:nvPicPr>
-        <p:blipFill rotWithShape="1">
-          <a:blip r:embed="rId22">
-            <a:extLst>
-              <a:ext uri="{28A0092B-C50C-407E-A947-70E740481C1C}">
-                <a14:useLocalDpi xmlns:a14="http://schemas.microsoft.com/office/drawing/2010/main" xmlns="" val="0"/>
-              </a:ext>
-            </a:extLst>
-          </a:blip>
-          <a:srcRect b="23320"/>
-          <a:stretch/>
-        </p:blipFill>
+        </p:nvSpPr>
         <p:spPr>
           <a:xfrm>
-            <a:off x="8605878" y="6096000"/>
-            <a:ext cx="993734" cy="762000"/>
+            <a:off x="6299432" y="6096000"/>
+            <a:ext cx="990600" cy="990600"/>
           </a:xfrm>
-          <a:prstGeom prst="rect">
+          <a:prstGeom prst="ellipse">
             <a:avLst/>
           </a:prstGeom>
+          <a:gradFill flip="none" rotWithShape="1">
+            <a:gsLst>
+              <a:gs pos="0">
+                <a:schemeClr val="bg2">
+                  <a:lumMod val="60000"/>
+                  <a:lumOff val="40000"/>
+                  <a:alpha val="9000"/>
+                </a:schemeClr>
+              </a:gs>
+              <a:gs pos="66000">
+                <a:schemeClr val="bg2">
+                  <a:lumMod val="60000"/>
+                  <a:lumOff val="40000"/>
+                  <a:alpha val="0"/>
+                </a:schemeClr>
+              </a:gs>
+              <a:gs pos="36000">
+                <a:schemeClr val="bg2">
+                  <a:lumMod val="60000"/>
+                  <a:lumOff val="40000"/>
+                  <a:alpha val="5000"/>
+                </a:schemeClr>
+              </a:gs>
+            </a:gsLst>
+            <a:path path="circle">
+              <a:fillToRect l="50000" t="50000" r="50000" b="50000"/>
+            </a:path>
+            <a:tileRect/>
+          </a:gradFill>
+          <a:ln>
+            <a:noFill/>
+          </a:ln>
+          <a:effectLst/>
         </p:spPr>
-      </p:pic>
-      <p:sp>
-        <p:nvSpPr>
-          <p:cNvPr id="14" name="Rectangle 13"/>
+        <p:style>
+          <a:lnRef idx="1">
+            <a:schemeClr val="accent1"/>
+          </a:lnRef>
+          <a:fillRef idx="3">
+            <a:schemeClr val="accent1"/>
+          </a:fillRef>
+          <a:effectRef idx="2">
+            <a:schemeClr val="accent1"/>
+          </a:effectRef>
+          <a:fontRef idx="minor">
+            <a:schemeClr val="lt1"/>
+          </a:fontRef>
+        </p:style>
+      </p:sp>
+      <p:sp>
+        <p:nvSpPr>
+          <p:cNvPr id="20" name="Oval 19"/>
           <p:cNvSpPr/>
           <p:nvPr/>
         </p:nvSpPr>
         <p:spPr>
           <a:xfrm>
-            <a:off x="10437812" y="0"/>
-            <a:ext cx="685800" cy="1143000"/>
+            <a:off x="-153988" y="2667000"/>
+            <a:ext cx="4191000" cy="4191000"/>
+          </a:xfrm>
+          <a:prstGeom prst="ellipse">
+            <a:avLst/>
+          </a:prstGeom>
+          <a:gradFill flip="none" rotWithShape="1">
+            <a:gsLst>
+              <a:gs pos="0">
+                <a:schemeClr val="bg2">
+                  <a:lumMod val="60000"/>
+                  <a:lumOff val="40000"/>
+                  <a:alpha val="11000"/>
+                </a:schemeClr>
+              </a:gs>
+              <a:gs pos="75000">
+                <a:schemeClr val="bg2">
+                  <a:lumMod val="60000"/>
+                  <a:lumOff val="40000"/>
+                  <a:alpha val="0"/>
+                </a:schemeClr>
+              </a:gs>
+              <a:gs pos="36000">
+                <a:schemeClr val="bg2">
+                  <a:lumMod val="60000"/>
+                  <a:lumOff val="40000"/>
+                  <a:alpha val="10000"/>
+                </a:schemeClr>
+              </a:gs>
+            </a:gsLst>
+            <a:path path="circle">
+              <a:fillToRect l="50000" t="50000" r="50000" b="50000"/>
+            </a:path>
+            <a:tileRect/>
+          </a:gradFill>
+          <a:ln>
+            <a:noFill/>
+          </a:ln>
+          <a:effectLst/>
+        </p:spPr>
+        <p:style>
+          <a:lnRef idx="1">
+            <a:schemeClr val="accent1"/>
+          </a:lnRef>
+          <a:fillRef idx="3">
+            <a:schemeClr val="accent1"/>
+          </a:fillRef>
+          <a:effectRef idx="2">
+            <a:schemeClr val="accent1"/>
+          </a:effectRef>
+          <a:fontRef idx="minor">
+            <a:schemeClr val="lt1"/>
+          </a:fontRef>
+        </p:style>
+      </p:sp>
+      <p:sp>
+        <p:nvSpPr>
+          <p:cNvPr id="21" name="Oval 20"/>
+          <p:cNvSpPr/>
+          <p:nvPr/>
+        </p:nvSpPr>
+        <p:spPr>
+          <a:xfrm>
+            <a:off x="-839788" y="2895600"/>
+            <a:ext cx="2362200" cy="2362200"/>
+          </a:xfrm>
+          <a:prstGeom prst="ellipse">
+            <a:avLst/>
+          </a:prstGeom>
+          <a:gradFill flip="none" rotWithShape="1">
+            <a:gsLst>
+              <a:gs pos="0">
+                <a:schemeClr val="bg2">
+                  <a:lumMod val="60000"/>
+                  <a:lumOff val="40000"/>
+                  <a:alpha val="8000"/>
+                </a:schemeClr>
+              </a:gs>
+              <a:gs pos="72000">
+                <a:schemeClr val="bg2">
+                  <a:lumMod val="60000"/>
+                  <a:lumOff val="40000"/>
+                  <a:alpha val="0"/>
+                </a:schemeClr>
+              </a:gs>
+              <a:gs pos="36000">
+                <a:schemeClr val="bg2">
+                  <a:lumMod val="60000"/>
+                  <a:lumOff val="40000"/>
+                  <a:alpha val="8000"/>
+                </a:schemeClr>
+              </a:gs>
+            </a:gsLst>
+            <a:path path="circle">
+              <a:fillToRect l="50000" t="50000" r="50000" b="50000"/>
+            </a:path>
+            <a:tileRect/>
+          </a:gradFill>
+          <a:ln>
+            <a:noFill/>
+          </a:ln>
+          <a:effectLst/>
+        </p:spPr>
+        <p:style>
+          <a:lnRef idx="1">
+            <a:schemeClr val="accent1"/>
+          </a:lnRef>
+          <a:fillRef idx="3">
+            <a:schemeClr val="accent1"/>
+          </a:fillRef>
+          <a:effectRef idx="2">
+            <a:schemeClr val="accent1"/>
+          </a:effectRef>
+          <a:fontRef idx="minor">
+            <a:schemeClr val="lt1"/>
+          </a:fontRef>
+        </p:style>
+      </p:sp>
+      <p:sp>
+        <p:nvSpPr>
+          <p:cNvPr id="19" name="Rectangle 18"/>
+          <p:cNvSpPr/>
+          <p:nvPr/>
+        </p:nvSpPr>
+        <p:spPr>
+          <a:xfrm>
+            <a:off x="7745644" y="0"/>
+            <a:ext cx="685800" cy="1099458"/>
           </a:xfrm>
           <a:prstGeom prst="rect">
             <a:avLst/>
@@ -8003,8 +8668,8 @@
         </p:nvSpPr>
         <p:spPr>
           <a:xfrm>
-            <a:off x="646111" y="452718"/>
-            <a:ext cx="9404723" cy="1400530"/>
+            <a:off x="484710" y="452718"/>
+            <a:ext cx="7055380" cy="1400530"/>
           </a:xfrm>
           <a:prstGeom prst="rect">
             <a:avLst/>
@@ -8036,8 +8701,8 @@
         </p:nvSpPr>
         <p:spPr>
           <a:xfrm>
-            <a:off x="1103312" y="2052918"/>
-            <a:ext cx="8946541" cy="4195481"/>
+            <a:off x="827700" y="2052925"/>
+            <a:ext cx="6711654" cy="4195481"/>
           </a:xfrm>
           <a:prstGeom prst="rect">
             <a:avLst/>
@@ -8098,8 +8763,8 @@
         </p:nvSpPr>
         <p:spPr>
           <a:xfrm rot="5400000">
-            <a:off x="10155639" y="1790701"/>
-            <a:ext cx="990599" cy="304799"/>
+            <a:off x="7494989" y="1828771"/>
+            <a:ext cx="990599" cy="228659"/>
           </a:xfrm>
           <a:prstGeom prst="rect">
             <a:avLst/>
@@ -8141,8 +8806,8 @@
         </p:nvSpPr>
         <p:spPr>
           <a:xfrm rot="5400000">
-            <a:off x="8951573" y="3225297"/>
-            <a:ext cx="3859795" cy="304801"/>
+            <a:off x="6233335" y="3263371"/>
+            <a:ext cx="3859795" cy="228660"/>
           </a:xfrm>
           <a:prstGeom prst="rect">
             <a:avLst/>
@@ -8183,8 +8848,8 @@
         </p:nvSpPr>
         <p:spPr bwMode="gray">
           <a:xfrm>
-            <a:off x="10352540" y="295729"/>
-            <a:ext cx="838199" cy="767687"/>
+            <a:off x="7766431" y="295736"/>
+            <a:ext cx="628813" cy="767687"/>
           </a:xfrm>
           <a:prstGeom prst="rect">
             <a:avLst/>
@@ -8194,7 +8859,7 @@
           <a:bodyPr vert="horz" lIns="91440" tIns="45720" rIns="91440" bIns="45720" rtlCol="0" anchor="b"/>
           <a:lstStyle>
             <a:lvl1pPr algn="ctr">
-              <a:defRPr sz="2800" b="0" i="0">
+              <a:defRPr sz="2801" b="0" i="0">
                 <a:solidFill>
                   <a:schemeClr val="tx1">
                     <a:tint val="75000"/>
@@ -8207,7 +8872,7 @@
             <a:fld id="{7E4B9D8A-30A2-4509-8A2B-BAB999C5542B}" type="slidenum">
               <a:rPr lang="de-AT" smtClean="0"/>
               <a:pPr/>
-              <a:t>‹Nr.›</a:t>
+              <a:t>‹#›</a:t>
             </a:fld>
             <a:endParaRPr lang="de-AT"/>
           </a:p>
@@ -8216,34 +8881,34 @@
     </p:spTree>
     <p:extLst>
       <p:ext uri="{BB962C8B-B14F-4D97-AF65-F5344CB8AC3E}">
-        <p14:creationId xmlns:p14="http://schemas.microsoft.com/office/powerpoint/2010/main" xmlns="" val="3583848811"/>
+        <p14:creationId xmlns:p14="http://schemas.microsoft.com/office/powerpoint/2010/main" val="69976328"/>
       </p:ext>
     </p:extLst>
   </p:cSld>
   <p:clrMap bg1="dk1" tx1="lt1" bg2="dk2" tx2="lt2" accent1="accent1" accent2="accent2" accent3="accent3" accent4="accent4" accent5="accent5" accent6="accent6" hlink="hlink" folHlink="folHlink"/>
   <p:sldLayoutIdLst>
-    <p:sldLayoutId id="2147483679" r:id="rId1"/>
-    <p:sldLayoutId id="2147483680" r:id="rId2"/>
-    <p:sldLayoutId id="2147483681" r:id="rId3"/>
-    <p:sldLayoutId id="2147483682" r:id="rId4"/>
-    <p:sldLayoutId id="2147483683" r:id="rId5"/>
-    <p:sldLayoutId id="2147483684" r:id="rId6"/>
-    <p:sldLayoutId id="2147483685" r:id="rId7"/>
-    <p:sldLayoutId id="2147483686" r:id="rId8"/>
-    <p:sldLayoutId id="2147483687" r:id="rId9"/>
-    <p:sldLayoutId id="2147483688" r:id="rId10"/>
-    <p:sldLayoutId id="2147483689" r:id="rId11"/>
-    <p:sldLayoutId id="2147483690" r:id="rId12"/>
-    <p:sldLayoutId id="2147483691" r:id="rId13"/>
-    <p:sldLayoutId id="2147483692" r:id="rId14"/>
-    <p:sldLayoutId id="2147483693" r:id="rId15"/>
-    <p:sldLayoutId id="2147483694" r:id="rId16"/>
-    <p:sldLayoutId id="2147483695" r:id="rId17"/>
+    <p:sldLayoutId id="2147483697" r:id="rId1"/>
+    <p:sldLayoutId id="2147483698" r:id="rId2"/>
+    <p:sldLayoutId id="2147483699" r:id="rId3"/>
+    <p:sldLayoutId id="2147483700" r:id="rId4"/>
+    <p:sldLayoutId id="2147483701" r:id="rId5"/>
+    <p:sldLayoutId id="2147483702" r:id="rId6"/>
+    <p:sldLayoutId id="2147483703" r:id="rId7"/>
+    <p:sldLayoutId id="2147483704" r:id="rId8"/>
+    <p:sldLayoutId id="2147483705" r:id="rId9"/>
+    <p:sldLayoutId id="2147483706" r:id="rId10"/>
+    <p:sldLayoutId id="2147483707" r:id="rId11"/>
+    <p:sldLayoutId id="2147483708" r:id="rId12"/>
+    <p:sldLayoutId id="2147483709" r:id="rId13"/>
+    <p:sldLayoutId id="2147483710" r:id="rId14"/>
+    <p:sldLayoutId id="2147483711" r:id="rId15"/>
+    <p:sldLayoutId id="2147483712" r:id="rId16"/>
+    <p:sldLayoutId id="2147483713" r:id="rId17"/>
   </p:sldLayoutIdLst>
   <p:hf hdr="0"/>
   <p:txStyles>
     <p:titleStyle>
-      <a:lvl1pPr algn="l" defTabSz="457200" rtl="0" eaLnBrk="1" latinLnBrk="0" hangingPunct="1">
+      <a:lvl1pPr algn="l" defTabSz="457207" rtl="0" eaLnBrk="1" latinLnBrk="0" hangingPunct="1">
         <a:spcBef>
           <a:spcPct val="0"/>
         </a:spcBef>
@@ -8315,7 +8980,7 @@
       </a:lvl9pPr>
     </p:titleStyle>
     <p:bodyStyle>
-      <a:lvl1pPr marL="342900" indent="-342900" algn="l" defTabSz="457200" rtl="0" eaLnBrk="1" latinLnBrk="0" hangingPunct="1">
+      <a:lvl1pPr marL="342906" indent="-342906" algn="l" defTabSz="457207" rtl="0" eaLnBrk="1" latinLnBrk="0" hangingPunct="1">
         <a:spcBef>
           <a:spcPts val="1000"/>
         </a:spcBef>
@@ -8340,7 +9005,7 @@
           <a:cs typeface="+mj-cs"/>
         </a:defRPr>
       </a:lvl1pPr>
-      <a:lvl2pPr marL="742950" indent="-285750" algn="l" defTabSz="457200" rtl="0" eaLnBrk="1" latinLnBrk="0" hangingPunct="1">
+      <a:lvl2pPr marL="742962" indent="-285755" algn="l" defTabSz="457207" rtl="0" eaLnBrk="1" latinLnBrk="0" hangingPunct="1">
         <a:spcBef>
           <a:spcPts val="1000"/>
         </a:spcBef>
@@ -8365,7 +9030,7 @@
           <a:cs typeface="+mj-cs"/>
         </a:defRPr>
       </a:lvl2pPr>
-      <a:lvl3pPr marL="1143000" indent="-228600" algn="l" defTabSz="457200" rtl="0" eaLnBrk="1" latinLnBrk="0" hangingPunct="1">
+      <a:lvl3pPr marL="1143020" indent="-228604" algn="l" defTabSz="457207" rtl="0" eaLnBrk="1" latinLnBrk="0" hangingPunct="1">
         <a:spcBef>
           <a:spcPts val="1000"/>
         </a:spcBef>
@@ -8390,7 +9055,7 @@
           <a:cs typeface="+mj-cs"/>
         </a:defRPr>
       </a:lvl3pPr>
-      <a:lvl4pPr marL="1600200" indent="-228600" algn="l" defTabSz="457200" rtl="0" eaLnBrk="1" latinLnBrk="0" hangingPunct="1">
+      <a:lvl4pPr marL="1600227" indent="-228604" algn="l" defTabSz="457207" rtl="0" eaLnBrk="1" latinLnBrk="0" hangingPunct="1">
         <a:spcBef>
           <a:spcPts val="1000"/>
         </a:spcBef>
@@ -8415,7 +9080,7 @@
           <a:cs typeface="+mj-cs"/>
         </a:defRPr>
       </a:lvl4pPr>
-      <a:lvl5pPr marL="2057400" indent="-228600" algn="l" defTabSz="457200" rtl="0" eaLnBrk="1" latinLnBrk="0" hangingPunct="1">
+      <a:lvl5pPr marL="2057434" indent="-228604" algn="l" defTabSz="457207" rtl="0" eaLnBrk="1" latinLnBrk="0" hangingPunct="1">
         <a:spcBef>
           <a:spcPts val="1000"/>
         </a:spcBef>
@@ -8440,7 +9105,7 @@
           <a:cs typeface="+mj-cs"/>
         </a:defRPr>
       </a:lvl5pPr>
-      <a:lvl6pPr marL="2506000" indent="-228600" algn="l" defTabSz="457200" rtl="0" eaLnBrk="1" latinLnBrk="0" hangingPunct="1">
+      <a:lvl6pPr marL="2514642" indent="-228604" algn="l" defTabSz="457207" rtl="0" eaLnBrk="1" latinLnBrk="0" hangingPunct="1">
         <a:spcBef>
           <a:spcPts val="1000"/>
         </a:spcBef>
@@ -8465,7 +9130,7 @@
           <a:cs typeface="+mj-cs"/>
         </a:defRPr>
       </a:lvl6pPr>
-      <a:lvl7pPr marL="2971800" indent="-228600" algn="l" defTabSz="457200" rtl="0" eaLnBrk="1" latinLnBrk="0" hangingPunct="1">
+      <a:lvl7pPr marL="2971849" indent="-228604" algn="l" defTabSz="457207" rtl="0" eaLnBrk="1" latinLnBrk="0" hangingPunct="1">
         <a:spcBef>
           <a:spcPts val="1000"/>
         </a:spcBef>
@@ -8490,7 +9155,7 @@
           <a:cs typeface="+mj-cs"/>
         </a:defRPr>
       </a:lvl7pPr>
-      <a:lvl8pPr marL="3429000" indent="-228600" algn="l" defTabSz="457200" rtl="0" eaLnBrk="1" latinLnBrk="0" hangingPunct="1">
+      <a:lvl8pPr marL="3429057" indent="-228604" algn="l" defTabSz="457207" rtl="0" eaLnBrk="1" latinLnBrk="0" hangingPunct="1">
         <a:spcBef>
           <a:spcPts val="1000"/>
         </a:spcBef>
@@ -8515,7 +9180,7 @@
           <a:cs typeface="+mj-cs"/>
         </a:defRPr>
       </a:lvl8pPr>
-      <a:lvl9pPr marL="3886200" indent="-228600" algn="l" defTabSz="457200" rtl="0" eaLnBrk="1" latinLnBrk="0" hangingPunct="1">
+      <a:lvl9pPr marL="3886264" indent="-228604" algn="l" defTabSz="457207" rtl="0" eaLnBrk="1" latinLnBrk="0" hangingPunct="1">
         <a:spcBef>
           <a:spcPts val="1000"/>
         </a:spcBef>
@@ -8545,7 +9210,7 @@
       <a:defPPr>
         <a:defRPr lang="en-US"/>
       </a:defPPr>
-      <a:lvl1pPr marL="0" algn="l" defTabSz="457200" rtl="0" eaLnBrk="1" latinLnBrk="0" hangingPunct="1">
+      <a:lvl1pPr marL="0" algn="l" defTabSz="457207" rtl="0" eaLnBrk="1" latinLnBrk="0" hangingPunct="1">
         <a:defRPr sz="1800" kern="1200">
           <a:solidFill>
             <a:schemeClr val="tx1"/>
@@ -8555,7 +9220,7 @@
           <a:cs typeface="+mn-cs"/>
         </a:defRPr>
       </a:lvl1pPr>
-      <a:lvl2pPr marL="457200" algn="l" defTabSz="457200" rtl="0" eaLnBrk="1" latinLnBrk="0" hangingPunct="1">
+      <a:lvl2pPr marL="457207" algn="l" defTabSz="457207" rtl="0" eaLnBrk="1" latinLnBrk="0" hangingPunct="1">
         <a:defRPr sz="1800" kern="1200">
           <a:solidFill>
             <a:schemeClr val="tx1"/>
@@ -8565,7 +9230,7 @@
           <a:cs typeface="+mn-cs"/>
         </a:defRPr>
       </a:lvl2pPr>
-      <a:lvl3pPr marL="914400" algn="l" defTabSz="457200" rtl="0" eaLnBrk="1" latinLnBrk="0" hangingPunct="1">
+      <a:lvl3pPr marL="914415" algn="l" defTabSz="457207" rtl="0" eaLnBrk="1" latinLnBrk="0" hangingPunct="1">
         <a:defRPr sz="1800" kern="1200">
           <a:solidFill>
             <a:schemeClr val="tx1"/>
@@ -8575,7 +9240,7 @@
           <a:cs typeface="+mn-cs"/>
         </a:defRPr>
       </a:lvl3pPr>
-      <a:lvl4pPr marL="1371600" algn="l" defTabSz="457200" rtl="0" eaLnBrk="1" latinLnBrk="0" hangingPunct="1">
+      <a:lvl4pPr marL="1371622" algn="l" defTabSz="457207" rtl="0" eaLnBrk="1" latinLnBrk="0" hangingPunct="1">
         <a:defRPr sz="1800" kern="1200">
           <a:solidFill>
             <a:schemeClr val="tx1"/>
@@ -8585,7 +9250,7 @@
           <a:cs typeface="+mn-cs"/>
         </a:defRPr>
       </a:lvl4pPr>
-      <a:lvl5pPr marL="1828800" algn="l" defTabSz="457200" rtl="0" eaLnBrk="1" latinLnBrk="0" hangingPunct="1">
+      <a:lvl5pPr marL="1828831" algn="l" defTabSz="457207" rtl="0" eaLnBrk="1" latinLnBrk="0" hangingPunct="1">
         <a:defRPr sz="1800" kern="1200">
           <a:solidFill>
             <a:schemeClr val="tx1"/>
@@ -8595,7 +9260,7 @@
           <a:cs typeface="+mn-cs"/>
         </a:defRPr>
       </a:lvl5pPr>
-      <a:lvl6pPr marL="2286000" algn="l" defTabSz="457200" rtl="0" eaLnBrk="1" latinLnBrk="0" hangingPunct="1">
+      <a:lvl6pPr marL="2286038" algn="l" defTabSz="457207" rtl="0" eaLnBrk="1" latinLnBrk="0" hangingPunct="1">
         <a:defRPr sz="1800" kern="1200">
           <a:solidFill>
             <a:schemeClr val="tx1"/>
@@ -8605,7 +9270,7 @@
           <a:cs typeface="+mn-cs"/>
         </a:defRPr>
       </a:lvl6pPr>
-      <a:lvl7pPr marL="2743200" algn="l" defTabSz="457200" rtl="0" eaLnBrk="1" latinLnBrk="0" hangingPunct="1">
+      <a:lvl7pPr marL="2743246" algn="l" defTabSz="457207" rtl="0" eaLnBrk="1" latinLnBrk="0" hangingPunct="1">
         <a:defRPr sz="1800" kern="1200">
           <a:solidFill>
             <a:schemeClr val="tx1"/>
@@ -8615,7 +9280,7 @@
           <a:cs typeface="+mn-cs"/>
         </a:defRPr>
       </a:lvl7pPr>
-      <a:lvl8pPr marL="3200400" algn="l" defTabSz="457200" rtl="0" eaLnBrk="1" latinLnBrk="0" hangingPunct="1">
+      <a:lvl8pPr marL="3200453" algn="l" defTabSz="457207" rtl="0" eaLnBrk="1" latinLnBrk="0" hangingPunct="1">
         <a:defRPr sz="1800" kern="1200">
           <a:solidFill>
             <a:schemeClr val="tx1"/>
@@ -8625,7 +9290,7 @@
           <a:cs typeface="+mn-cs"/>
         </a:defRPr>
       </a:lvl8pPr>
-      <a:lvl9pPr marL="3657600" algn="l" defTabSz="457200" rtl="0" eaLnBrk="1" latinLnBrk="0" hangingPunct="1">
+      <a:lvl9pPr marL="3657661" algn="l" defTabSz="457207" rtl="0" eaLnBrk="1" latinLnBrk="0" hangingPunct="1">
         <a:defRPr sz="1800" kern="1200">
           <a:solidFill>
             <a:schemeClr val="tx1"/>
@@ -8718,13 +9383,20 @@
     </p:spTree>
     <p:extLst>
       <p:ext uri="{BB962C8B-B14F-4D97-AF65-F5344CB8AC3E}">
-        <p14:creationId xmlns:p14="http://schemas.microsoft.com/office/powerpoint/2010/main" xmlns="" val="3400851328"/>
+        <p14:creationId xmlns:p14="http://schemas.microsoft.com/office/powerpoint/2010/main" val="3400851328"/>
       </p:ext>
     </p:extLst>
   </p:cSld>
   <p:clrMapOvr>
     <a:masterClrMapping/>
   </p:clrMapOvr>
+  <p:timing>
+    <p:tnLst>
+      <p:par>
+        <p:cTn id="1" dur="indefinite" restart="never" nodeType="tmRoot"/>
+      </p:par>
+    </p:tnLst>
+  </p:timing>
 </p:sld>
 </file>
 
@@ -8768,7 +9440,7 @@
               <a:rPr lang="de-AT" dirty="0"/>
             </a:br>
             <a:r>
-              <a:rPr lang="de-AT" sz="2800" dirty="0"/>
+              <a:rPr lang="de-AT" sz="2100" dirty="0"/>
               <a:t>CERATIZIT Hartstoffe &amp; Werkzeuge</a:t>
             </a:r>
           </a:p>
@@ -8786,13 +9458,13 @@
         </p:nvSpPr>
         <p:spPr>
           <a:xfrm>
-            <a:off x="1103312" y="2036589"/>
-            <a:ext cx="8946541" cy="4195481"/>
+            <a:off x="827484" y="2384692"/>
+            <a:ext cx="6709906" cy="3146611"/>
           </a:xfrm>
         </p:spPr>
         <p:txBody>
           <a:bodyPr>
-            <a:normAutofit/>
+            <a:normAutofit fontScale="92500" lnSpcReduction="20000"/>
           </a:bodyPr>
           <a:lstStyle/>
           <a:p>
@@ -8949,13 +9621,20 @@
     </p:spTree>
     <p:extLst>
       <p:ext uri="{BB962C8B-B14F-4D97-AF65-F5344CB8AC3E}">
-        <p14:creationId xmlns:p14="http://schemas.microsoft.com/office/powerpoint/2010/main" xmlns="" val="2563290533"/>
+        <p14:creationId xmlns:p14="http://schemas.microsoft.com/office/powerpoint/2010/main" val="2563290533"/>
       </p:ext>
     </p:extLst>
   </p:cSld>
   <p:clrMapOvr>
     <a:masterClrMapping/>
   </p:clrMapOvr>
+  <p:timing>
+    <p:tnLst>
+      <p:par>
+        <p:cTn id="1" dur="indefinite" restart="never" nodeType="tmRoot"/>
+      </p:par>
+    </p:tnLst>
+  </p:timing>
 </p:sld>
 </file>
 
@@ -8999,10 +9678,9 @@
               <a:rPr lang="de-AT" dirty="0" smtClean="0"/>
             </a:br>
             <a:r>
-              <a:rPr lang="de-AT" sz="2800" dirty="0" smtClean="0"/>
+              <a:rPr lang="de-AT" sz="2100" dirty="0"/>
               <a:t>Anteile</a:t>
             </a:r>
-            <a:endParaRPr lang="de-AT" sz="2800" dirty="0"/>
           </a:p>
         </p:txBody>
       </p:sp>
@@ -9019,7 +9697,7 @@
         <p:spPr/>
         <p:txBody>
           <a:bodyPr>
-            <a:normAutofit lnSpcReduction="10000"/>
+            <a:normAutofit fontScale="92500" lnSpcReduction="20000"/>
           </a:bodyPr>
           <a:lstStyle/>
           <a:p>
@@ -9150,13 +9828,20 @@
     </p:spTree>
     <p:extLst>
       <p:ext uri="{BB962C8B-B14F-4D97-AF65-F5344CB8AC3E}">
-        <p14:creationId xmlns:p14="http://schemas.microsoft.com/office/powerpoint/2010/main" xmlns="" val="2520681511"/>
+        <p14:creationId xmlns:p14="http://schemas.microsoft.com/office/powerpoint/2010/main" val="2520681511"/>
       </p:ext>
     </p:extLst>
   </p:cSld>
   <p:clrMapOvr>
     <a:masterClrMapping/>
   </p:clrMapOvr>
+  <p:timing>
+    <p:tnLst>
+      <p:par>
+        <p:cTn id="1" dur="indefinite" restart="never" nodeType="tmRoot"/>
+      </p:par>
+    </p:tnLst>
+  </p:timing>
 </p:sld>
 </file>
 
@@ -9200,10 +9885,9 @@
               <a:rPr lang="de-AT" dirty="0" smtClean="0"/>
             </a:br>
             <a:r>
-              <a:rPr lang="de-AT" sz="2800" dirty="0" smtClean="0"/>
+              <a:rPr lang="de-AT" sz="2100" dirty="0"/>
               <a:t>Beteiligung</a:t>
             </a:r>
-            <a:endParaRPr lang="de-AT" sz="2800" dirty="0"/>
           </a:p>
         </p:txBody>
       </p:sp>
@@ -9479,13 +10163,20 @@
     </p:spTree>
     <p:extLst>
       <p:ext uri="{BB962C8B-B14F-4D97-AF65-F5344CB8AC3E}">
-        <p14:creationId xmlns:p14="http://schemas.microsoft.com/office/powerpoint/2010/main" xmlns="" val="2332188972"/>
+        <p14:creationId xmlns:p14="http://schemas.microsoft.com/office/powerpoint/2010/main" val="2332188972"/>
       </p:ext>
     </p:extLst>
   </p:cSld>
   <p:clrMapOvr>
     <a:masterClrMapping/>
   </p:clrMapOvr>
+  <p:timing>
+    <p:tnLst>
+      <p:par>
+        <p:cTn id="1" dur="indefinite" restart="never" nodeType="tmRoot"/>
+      </p:par>
+    </p:tnLst>
+  </p:timing>
 </p:sld>
 </file>
 
@@ -9529,10 +10220,9 @@
               <a:rPr lang="de-AT" dirty="0" smtClean="0"/>
             </a:br>
             <a:r>
-              <a:rPr lang="de-AT" sz="2800" dirty="0" smtClean="0"/>
+              <a:rPr lang="de-AT" sz="2100" dirty="0"/>
               <a:t>Übersicht</a:t>
             </a:r>
-            <a:endParaRPr lang="de-AT" sz="2800" dirty="0"/>
           </a:p>
         </p:txBody>
       </p:sp>
@@ -9619,7 +10309,7 @@
           <a:blip r:embed="rId2">
             <a:extLst>
               <a:ext uri="{28A0092B-C50C-407E-A947-70E740481C1C}">
-                <a14:useLocalDpi xmlns:a14="http://schemas.microsoft.com/office/drawing/2010/main" xmlns="" val="0"/>
+                <a14:useLocalDpi xmlns:a14="http://schemas.microsoft.com/office/drawing/2010/main" val="0"/>
               </a:ext>
             </a:extLst>
           </a:blip>
@@ -9629,8 +10319,8 @@
         </p:blipFill>
         <p:spPr>
           <a:xfrm>
-            <a:off x="861392" y="1485347"/>
-            <a:ext cx="8441634" cy="4761948"/>
+            <a:off x="646044" y="1971260"/>
+            <a:ext cx="6331226" cy="3571461"/>
           </a:xfrm>
           <a:prstGeom prst="rect">
             <a:avLst/>
@@ -9645,8 +10335,8 @@
         </p:nvSpPr>
         <p:spPr>
           <a:xfrm>
-            <a:off x="861392" y="6346371"/>
-            <a:ext cx="4762842" cy="246221"/>
+            <a:off x="646044" y="5617029"/>
+            <a:ext cx="3608680" cy="207749"/>
           </a:xfrm>
           <a:prstGeom prst="rect">
             <a:avLst/>
@@ -9660,7 +10350,7 @@
           <a:lstStyle/>
           <a:p>
             <a:r>
-              <a:rPr lang="de-AT" sz="1000" dirty="0"/>
+              <a:rPr lang="de-AT" sz="750" dirty="0"/>
               <a:t>Quelle: http://www.globaltungsten.com/en/about-us_plansee-group.htm</a:t>
             </a:r>
           </a:p>
@@ -9669,13 +10359,20 @@
     </p:spTree>
     <p:extLst>
       <p:ext uri="{BB962C8B-B14F-4D97-AF65-F5344CB8AC3E}">
-        <p14:creationId xmlns:p14="http://schemas.microsoft.com/office/powerpoint/2010/main" xmlns="" val="303228601"/>
+        <p14:creationId xmlns:p14="http://schemas.microsoft.com/office/powerpoint/2010/main" val="303228601"/>
       </p:ext>
     </p:extLst>
   </p:cSld>
   <p:clrMapOvr>
     <a:masterClrMapping/>
   </p:clrMapOvr>
+  <p:timing>
+    <p:tnLst>
+      <p:par>
+        <p:cTn id="1" dur="indefinite" restart="never" nodeType="tmRoot"/>
+      </p:par>
+    </p:tnLst>
+  </p:timing>
 </p:sld>
 </file>
 
@@ -9719,10 +10416,9 @@
               <a:rPr lang="de-AT" dirty="0" smtClean="0"/>
             </a:br>
             <a:r>
-              <a:rPr lang="de-AT" sz="2800" dirty="0" smtClean="0"/>
+              <a:rPr lang="de-AT" sz="2100" dirty="0"/>
               <a:t>Standorte</a:t>
             </a:r>
-            <a:endParaRPr lang="de-AT" sz="2800" dirty="0"/>
           </a:p>
         </p:txBody>
       </p:sp>
@@ -9805,23 +10501,21 @@
           </p:cNvPicPr>
           <p:nvPr/>
         </p:nvPicPr>
-        <p:blipFill>
+        <p:blipFill rotWithShape="1">
           <a:blip r:embed="rId2">
             <a:extLst>
               <a:ext uri="{28A0092B-C50C-407E-A947-70E740481C1C}">
-                <a14:useLocalDpi xmlns:a14="http://schemas.microsoft.com/office/drawing/2010/main" xmlns="" val="0"/>
+                <a14:useLocalDpi xmlns:a14="http://schemas.microsoft.com/office/drawing/2010/main" val="0"/>
               </a:ext>
             </a:extLst>
           </a:blip>
-          <a:srcRect/>
-          <a:stretch>
-            <a:fillRect/>
-          </a:stretch>
+          <a:srcRect l="2494" t="12856" r="7251"/>
+          <a:stretch/>
         </p:blipFill>
         <p:spPr bwMode="auto">
           <a:xfrm>
-            <a:off x="1490519" y="1833494"/>
-            <a:ext cx="7986530" cy="4632620"/>
+            <a:off x="161858" y="1447801"/>
+            <a:ext cx="7604573" cy="4259035"/>
           </a:xfrm>
           <a:prstGeom prst="rect">
             <a:avLst/>
@@ -9829,7 +10523,7 @@
           <a:noFill/>
           <a:extLst>
             <a:ext uri="{909E8E84-426E-40DD-AFC4-6F175D3DCCD1}">
-              <a14:hiddenFill xmlns:a14="http://schemas.microsoft.com/office/drawing/2010/main" xmlns="">
+              <a14:hiddenFill xmlns:a14="http://schemas.microsoft.com/office/drawing/2010/main">
                 <a:solidFill>
                   <a:srgbClr val="FFFFFF"/>
                 </a:solidFill>
@@ -9846,8 +10540,8 @@
         </p:nvSpPr>
         <p:spPr>
           <a:xfrm>
-            <a:off x="1490518" y="6519054"/>
-            <a:ext cx="6011582" cy="246221"/>
+            <a:off x="1117889" y="5746541"/>
+            <a:ext cx="4548040" cy="207749"/>
           </a:xfrm>
           <a:prstGeom prst="rect">
             <a:avLst/>
@@ -9861,7 +10555,7 @@
           <a:lstStyle/>
           <a:p>
             <a:r>
-              <a:rPr lang="de-AT" sz="1000" dirty="0"/>
+              <a:rPr lang="de-AT" sz="750" dirty="0"/>
               <a:t>Quelle: http://www.plansee-group.com/fileadmin/customer/dokumente/ZDF/ZDF_2014_D.pdf</a:t>
             </a:r>
           </a:p>
@@ -9870,13 +10564,20 @@
     </p:spTree>
     <p:extLst>
       <p:ext uri="{BB962C8B-B14F-4D97-AF65-F5344CB8AC3E}">
-        <p14:creationId xmlns:p14="http://schemas.microsoft.com/office/powerpoint/2010/main" xmlns="" val="3868227916"/>
+        <p14:creationId xmlns:p14="http://schemas.microsoft.com/office/powerpoint/2010/main" val="3868227916"/>
       </p:ext>
     </p:extLst>
   </p:cSld>
   <p:clrMapOvr>
     <a:masterClrMapping/>
   </p:clrMapOvr>
+  <p:timing>
+    <p:tnLst>
+      <p:par>
+        <p:cTn id="1" dur="indefinite" restart="never" nodeType="tmRoot"/>
+      </p:par>
+    </p:tnLst>
+  </p:timing>
 </p:sld>
 </file>
 
@@ -9947,15 +10648,7 @@
             <a:pPr lvl="1"/>
             <a:r>
               <a:rPr lang="de-AT" dirty="0" smtClean="0"/>
-              <a:t>Öfen, Beschichtungsanlagen, </a:t>
-            </a:r>
-            <a:r>
-              <a:rPr lang="de-AT" dirty="0" smtClean="0"/>
-              <a:t>Lampenkomponenten, </a:t>
-            </a:r>
-            <a:r>
-              <a:rPr lang="de-AT" dirty="0" smtClean="0"/>
-              <a:t>Werkzeuge</a:t>
+              <a:t>Öfen, Beschichtungsanlagen, Lampenkomponenten, Werkzeuge</a:t>
             </a:r>
           </a:p>
           <a:p>
@@ -9984,7 +10677,6 @@
               <a:rPr lang="de-AT" dirty="0" smtClean="0"/>
               <a:t>Qualitätsmanagement ISO 9001:2008 zertifiziert</a:t>
             </a:r>
-            <a:endParaRPr lang="de-AT" dirty="0" smtClean="0"/>
           </a:p>
           <a:p>
             <a:r>
@@ -9997,7 +10689,6 @@
               <a:rPr lang="de-AT" dirty="0" smtClean="0"/>
               <a:t>Umweltmanagementnorm 14001:2004 zertifiziert</a:t>
             </a:r>
-            <a:endParaRPr lang="de-AT" dirty="0" smtClean="0"/>
           </a:p>
         </p:txBody>
       </p:sp>
@@ -10075,13 +10766,20 @@
     </p:spTree>
     <p:extLst>
       <p:ext uri="{BB962C8B-B14F-4D97-AF65-F5344CB8AC3E}">
-        <p14:creationId xmlns:p14="http://schemas.microsoft.com/office/powerpoint/2010/main" xmlns="" val="262729864"/>
+        <p14:creationId xmlns:p14="http://schemas.microsoft.com/office/powerpoint/2010/main" val="262729864"/>
       </p:ext>
     </p:extLst>
   </p:cSld>
   <p:clrMapOvr>
     <a:masterClrMapping/>
   </p:clrMapOvr>
+  <p:timing>
+    <p:tnLst>
+      <p:par>
+        <p:cTn id="1" dur="indefinite" restart="never" nodeType="tmRoot"/>
+      </p:par>
+    </p:tnLst>
+  </p:timing>
 </p:sld>
 </file>
 
@@ -10151,7 +10849,6 @@
               <a:rPr lang="de-AT" dirty="0" smtClean="0"/>
               <a:t>Molybdän</a:t>
             </a:r>
-            <a:endParaRPr lang="de-AT" dirty="0" smtClean="0"/>
           </a:p>
           <a:p>
             <a:pPr lvl="1"/>
@@ -10159,7 +10856,6 @@
               <a:rPr lang="de-AT" dirty="0" smtClean="0"/>
               <a:t>Wolfram</a:t>
             </a:r>
-            <a:endParaRPr lang="de-AT" dirty="0" smtClean="0"/>
           </a:p>
           <a:p>
             <a:pPr lvl="1"/>
@@ -10167,7 +10863,6 @@
               <a:rPr lang="de-AT" dirty="0" smtClean="0"/>
               <a:t>Wolframschwermetall</a:t>
             </a:r>
-            <a:endParaRPr lang="de-AT" dirty="0" smtClean="0"/>
           </a:p>
           <a:p>
             <a:pPr lvl="1"/>
@@ -10175,7 +10870,6 @@
               <a:rPr lang="de-AT" dirty="0" smtClean="0"/>
               <a:t>Tantal</a:t>
             </a:r>
-            <a:endParaRPr lang="de-AT" dirty="0" smtClean="0"/>
           </a:p>
           <a:p>
             <a:pPr lvl="1"/>
@@ -10183,7 +10877,6 @@
               <a:rPr lang="de-AT" dirty="0" smtClean="0"/>
               <a:t>Niob</a:t>
             </a:r>
-            <a:endParaRPr lang="de-AT" dirty="0" smtClean="0"/>
           </a:p>
           <a:p>
             <a:pPr lvl="1"/>
@@ -10191,7 +10884,6 @@
               <a:rPr lang="de-AT" dirty="0" smtClean="0"/>
               <a:t>Chrom</a:t>
             </a:r>
-            <a:endParaRPr lang="de-AT" dirty="0" smtClean="0"/>
           </a:p>
         </p:txBody>
       </p:sp>
@@ -10271,6 +10963,13 @@
   <p:clrMapOvr>
     <a:masterClrMapping/>
   </p:clrMapOvr>
+  <p:timing>
+    <p:tnLst>
+      <p:par>
+        <p:cTn id="1" dur="indefinite" restart="never" nodeType="tmRoot"/>
+      </p:par>
+    </p:tnLst>
+  </p:timing>
 </p:sld>
 </file>
 
@@ -10326,8 +11025,8 @@
         </p:nvSpPr>
         <p:spPr>
           <a:xfrm>
-            <a:off x="1103312" y="2052918"/>
-            <a:ext cx="9214404" cy="4321095"/>
+            <a:off x="827484" y="2396939"/>
+            <a:ext cx="6910803" cy="3240821"/>
           </a:xfrm>
         </p:spPr>
         <p:txBody>
@@ -10336,7 +11035,7 @@
           <a:p>
             <a:r>
               <a:rPr lang="de-AT" dirty="0" err="1" smtClean="0"/>
-              <a:t>Sputern</a:t>
+              <a:t>Sputtern</a:t>
             </a:r>
             <a:endParaRPr lang="de-AT" dirty="0" smtClean="0"/>
           </a:p>
@@ -10450,7 +11149,7 @@
           <p:nvPr/>
         </p:nvPicPr>
         <p:blipFill>
-          <a:blip r:embed="rId2"/>
+          <a:blip r:embed="rId3"/>
           <a:srcRect/>
           <a:stretch>
             <a:fillRect/>
@@ -10458,8 +11157,8 @@
         </p:blipFill>
         <p:spPr bwMode="auto">
           <a:xfrm>
-            <a:off x="5053394" y="1631840"/>
-            <a:ext cx="4700205" cy="4700205"/>
+            <a:off x="4636709" y="2236284"/>
+            <a:ext cx="3071315" cy="3071315"/>
           </a:xfrm>
           <a:prstGeom prst="rect">
             <a:avLst/>
@@ -10472,6 +11171,13 @@
   <p:clrMapOvr>
     <a:masterClrMapping/>
   </p:clrMapOvr>
+  <p:timing>
+    <p:tnLst>
+      <p:par>
+        <p:cTn id="1" dur="indefinite" restart="never" nodeType="tmRoot"/>
+      </p:par>
+    </p:tnLst>
+  </p:timing>
 </p:sld>
 </file>
 
@@ -10672,13 +11378,20 @@
     </p:spTree>
     <p:extLst>
       <p:ext uri="{BB962C8B-B14F-4D97-AF65-F5344CB8AC3E}">
-        <p14:creationId xmlns:p14="http://schemas.microsoft.com/office/powerpoint/2010/main" xmlns="" val="4000049594"/>
+        <p14:creationId xmlns:p14="http://schemas.microsoft.com/office/powerpoint/2010/main" val="4000049594"/>
       </p:ext>
     </p:extLst>
   </p:cSld>
   <p:clrMapOvr>
     <a:masterClrMapping/>
   </p:clrMapOvr>
+  <p:timing>
+    <p:tnLst>
+      <p:par>
+        <p:cTn id="1" dur="indefinite" restart="never" nodeType="tmRoot"/>
+      </p:par>
+    </p:tnLst>
+  </p:timing>
 </p:sld>
 </file>
 
@@ -10805,7 +11518,7 @@
           <a:blip r:embed="rId2">
             <a:extLst>
               <a:ext uri="{28A0092B-C50C-407E-A947-70E740481C1C}">
-                <a14:useLocalDpi xmlns:a14="http://schemas.microsoft.com/office/drawing/2010/main" xmlns="" val="0"/>
+                <a14:useLocalDpi xmlns:a14="http://schemas.microsoft.com/office/drawing/2010/main" val="0"/>
               </a:ext>
             </a:extLst>
           </a:blip>
@@ -10816,8 +11529,8 @@
         </p:blipFill>
         <p:spPr bwMode="auto">
           <a:xfrm>
-            <a:off x="975526" y="1325148"/>
-            <a:ext cx="8720802" cy="4718224"/>
+            <a:off x="731644" y="1851111"/>
+            <a:ext cx="6540602" cy="3538668"/>
           </a:xfrm>
           <a:prstGeom prst="rect">
             <a:avLst/>
@@ -10825,7 +11538,7 @@
           <a:noFill/>
           <a:extLst>
             <a:ext uri="{909E8E84-426E-40DD-AFC4-6F175D3DCCD1}">
-              <a14:hiddenFill xmlns:a14="http://schemas.microsoft.com/office/drawing/2010/main" xmlns="">
+              <a14:hiddenFill xmlns:a14="http://schemas.microsoft.com/office/drawing/2010/main">
                 <a:solidFill>
                   <a:srgbClr val="FFFFFF"/>
                 </a:solidFill>
@@ -10842,8 +11555,8 @@
         </p:nvSpPr>
         <p:spPr>
           <a:xfrm>
-            <a:off x="975525" y="6108118"/>
-            <a:ext cx="4799712" cy="246221"/>
+            <a:off x="731644" y="5438339"/>
+            <a:ext cx="3637534" cy="207749"/>
           </a:xfrm>
           <a:prstGeom prst="rect">
             <a:avLst/>
@@ -10857,12 +11570,8 @@
           <a:lstStyle/>
           <a:p>
             <a:r>
-              <a:rPr lang="de-AT" sz="1000" dirty="0" smtClean="0"/>
-              <a:t>Quelle: </a:t>
-            </a:r>
-            <a:r>
-              <a:rPr lang="de-AT" sz="1000" dirty="0"/>
-              <a:t>http://www.plansee-group.com/de/ueber-uns/geschaeftsbericht/</a:t>
+              <a:rPr lang="de-AT" sz="750" dirty="0"/>
+              <a:t>Quelle: http://www.plansee-group.com/de/ueber-uns/geschaeftsbericht/</a:t>
             </a:r>
           </a:p>
         </p:txBody>
@@ -10870,13 +11579,20 @@
     </p:spTree>
     <p:extLst>
       <p:ext uri="{BB962C8B-B14F-4D97-AF65-F5344CB8AC3E}">
-        <p14:creationId xmlns:p14="http://schemas.microsoft.com/office/powerpoint/2010/main" xmlns="" val="1089068210"/>
+        <p14:creationId xmlns:p14="http://schemas.microsoft.com/office/powerpoint/2010/main" val="1089068210"/>
       </p:ext>
     </p:extLst>
   </p:cSld>
   <p:clrMapOvr>
     <a:masterClrMapping/>
   </p:clrMapOvr>
+  <p:timing>
+    <p:tnLst>
+      <p:par>
+        <p:cTn id="1" dur="indefinite" restart="never" nodeType="tmRoot"/>
+      </p:par>
+    </p:tnLst>
+  </p:timing>
 </p:sld>
 </file>
 
@@ -11075,8 +11791,8 @@
         </p:blipFill>
         <p:spPr bwMode="auto">
           <a:xfrm>
-            <a:off x="4871545" y="2972641"/>
-            <a:ext cx="5531185" cy="1431194"/>
+            <a:off x="4279123" y="3134858"/>
+            <a:ext cx="3260231" cy="843585"/>
           </a:xfrm>
           <a:prstGeom prst="rect">
             <a:avLst/>
@@ -11087,13 +11803,20 @@
     </p:spTree>
     <p:extLst>
       <p:ext uri="{BB962C8B-B14F-4D97-AF65-F5344CB8AC3E}">
-        <p14:creationId xmlns:p14="http://schemas.microsoft.com/office/powerpoint/2010/main" xmlns="" val="186061554"/>
+        <p14:creationId xmlns:p14="http://schemas.microsoft.com/office/powerpoint/2010/main" val="186061554"/>
       </p:ext>
     </p:extLst>
   </p:cSld>
   <p:clrMapOvr>
     <a:masterClrMapping/>
   </p:clrMapOvr>
+  <p:timing>
+    <p:tnLst>
+      <p:par>
+        <p:cTn id="1" dur="indefinite" restart="never" nodeType="tmRoot"/>
+      </p:par>
+    </p:tnLst>
+  </p:timing>
 </p:sld>
 </file>
 
@@ -11158,15 +11881,7 @@
           <a:p>
             <a:r>
               <a:rPr lang="de-AT" dirty="0" smtClean="0"/>
-              <a:t>Immer </a:t>
-            </a:r>
-            <a:r>
-              <a:rPr lang="de-AT" dirty="0" smtClean="0"/>
-              <a:t>mehr Konkurrenz auf </a:t>
-            </a:r>
-            <a:r>
-              <a:rPr lang="de-AT" dirty="0" smtClean="0"/>
-              <a:t>China</a:t>
+              <a:t>Immer mehr Konkurrenz auf China</a:t>
             </a:r>
           </a:p>
           <a:p>
@@ -11182,7 +11897,6 @@
               <a:rPr lang="de-AT" dirty="0" smtClean="0"/>
               <a:t>Kostensteigerung</a:t>
             </a:r>
-            <a:endParaRPr lang="de-AT" dirty="0" smtClean="0"/>
           </a:p>
           <a:p>
             <a:endParaRPr lang="de-AT" dirty="0"/>
@@ -11198,25 +11912,16 @@
             </a:r>
             <a:r>
               <a:rPr lang="de-AT" dirty="0" smtClean="0"/>
-              <a:t>Pleite </a:t>
-            </a:r>
+              <a:t>Pleite drängt zu flexible Arbeiter</a:t>
+            </a:r>
+          </a:p>
+          <a:p>
+            <a:endParaRPr lang="de-AT" dirty="0"/>
+          </a:p>
+          <a:p>
             <a:r>
               <a:rPr lang="de-AT" dirty="0" smtClean="0"/>
-              <a:t>drängt zu flexible Arbeiter</a:t>
-            </a:r>
-            <a:endParaRPr lang="de-AT" dirty="0" smtClean="0"/>
-          </a:p>
-          <a:p>
-            <a:endParaRPr lang="de-AT" dirty="0"/>
-          </a:p>
-          <a:p>
-            <a:r>
-              <a:rPr lang="de-AT" dirty="0" smtClean="0"/>
-              <a:t>Zeitkonten für Mitarbeiter </a:t>
-            </a:r>
-            <a:r>
-              <a:rPr lang="de-AT" dirty="0" smtClean="0"/>
-              <a:t>eingeführt</a:t>
+              <a:t>Zeitkonten für Mitarbeiter eingeführt</a:t>
             </a:r>
           </a:p>
           <a:p>
@@ -11311,13 +12016,20 @@
     </p:spTree>
     <p:extLst>
       <p:ext uri="{BB962C8B-B14F-4D97-AF65-F5344CB8AC3E}">
-        <p14:creationId xmlns:p14="http://schemas.microsoft.com/office/powerpoint/2010/main" xmlns="" val="3223418011"/>
+        <p14:creationId xmlns:p14="http://schemas.microsoft.com/office/powerpoint/2010/main" val="3223418011"/>
       </p:ext>
     </p:extLst>
   </p:cSld>
   <p:clrMapOvr>
     <a:masterClrMapping/>
   </p:clrMapOvr>
+  <p:timing>
+    <p:tnLst>
+      <p:par>
+        <p:cTn id="1" dur="indefinite" restart="never" nodeType="tmRoot"/>
+      </p:par>
+    </p:tnLst>
+  </p:timing>
 </p:sld>
 </file>
 
@@ -11399,11 +12111,7 @@
             <a:pPr lvl="1"/>
             <a:r>
               <a:rPr lang="de-AT" dirty="0" smtClean="0"/>
-              <a:t>GERUK </a:t>
-            </a:r>
-            <a:r>
-              <a:rPr lang="de-AT" dirty="0" smtClean="0"/>
-              <a:t>GmbH (Deutschland)</a:t>
+              <a:t>GERUK GmbH (Deutschland)</a:t>
             </a:r>
           </a:p>
           <a:p>
@@ -11429,6 +12137,17 @@
             <a:r>
               <a:rPr lang="de-AT" dirty="0" smtClean="0"/>
               <a:t>2004</a:t>
+            </a:r>
+          </a:p>
+          <a:p>
+            <a:pPr lvl="2"/>
+            <a:endParaRPr lang="de-AT" dirty="0"/>
+          </a:p>
+          <a:p>
+            <a:pPr lvl="1"/>
+            <a:r>
+              <a:rPr lang="de-AT" dirty="0" smtClean="0"/>
+              <a:t>China schnelle Entwicklung</a:t>
             </a:r>
             <a:endParaRPr lang="de-AT" dirty="0"/>
           </a:p>
@@ -11510,6 +12229,13 @@
   <p:clrMapOvr>
     <a:masterClrMapping/>
   </p:clrMapOvr>
+  <p:timing>
+    <p:tnLst>
+      <p:par>
+        <p:cTn id="1" dur="indefinite" restart="never" nodeType="tmRoot"/>
+      </p:par>
+    </p:tnLst>
+  </p:timing>
 </p:sld>
 </file>
 
@@ -11546,12 +12272,38 @@
           <a:lstStyle/>
           <a:p>
             <a:r>
+              <a:rPr lang="de-AT" dirty="0">
+                <a:solidFill>
+                  <a:srgbClr val="EBEBEB"/>
+                </a:solidFill>
+                <a:ea typeface="DejaVu Sans"/>
+              </a:rPr>
+              <a:t>ERP </a:t>
+            </a:r>
+            <a:r>
+              <a:rPr lang="de-AT" dirty="0" smtClean="0">
+                <a:solidFill>
+                  <a:srgbClr val="EBEBEB"/>
+                </a:solidFill>
+                <a:ea typeface="DejaVu Sans"/>
+              </a:rPr>
+              <a:t>Auswahl:</a:t>
+            </a:r>
+            <a:r>
               <a:rPr lang="de-AT" dirty="0"/>
-              <a:t>ERP </a:t>
-            </a:r>
-            <a:r>
-              <a:rPr lang="de-AT" dirty="0" smtClean="0"/>
-              <a:t>Auswahl</a:t>
+              <a:t/>
+            </a:r>
+            <a:br>
+              <a:rPr lang="de-AT" dirty="0"/>
+            </a:br>
+            <a:r>
+              <a:rPr lang="de-AT" dirty="0">
+                <a:solidFill>
+                  <a:srgbClr val="EBEBEB"/>
+                </a:solidFill>
+                <a:ea typeface="DejaVu Sans"/>
+              </a:rPr>
+              <a:t>SAP ERP 6.0</a:t>
             </a:r>
             <a:endParaRPr lang="de-AT" dirty="0"/>
           </a:p>
@@ -11569,9 +12321,71 @@
         </p:nvSpPr>
         <p:spPr/>
         <p:txBody>
-          <a:bodyPr/>
-          <a:lstStyle/>
-          <a:p>
+          <a:bodyPr>
+            <a:normAutofit/>
+          </a:bodyPr>
+          <a:lstStyle/>
+          <a:p>
+            <a:r>
+              <a:rPr lang="de-AT" dirty="0">
+                <a:solidFill>
+                  <a:srgbClr val="FFFFFF"/>
+                </a:solidFill>
+                <a:ea typeface="DejaVu Sans"/>
+              </a:rPr>
+              <a:t>Deutscher Anbieter → daher gut im Deutschsprachigen Markt </a:t>
+            </a:r>
+            <a:r>
+              <a:rPr lang="de-AT" dirty="0" smtClean="0">
+                <a:solidFill>
+                  <a:srgbClr val="FFFFFF"/>
+                </a:solidFill>
+                <a:ea typeface="DejaVu Sans"/>
+              </a:rPr>
+              <a:t>vertreten</a:t>
+            </a:r>
+          </a:p>
+          <a:p>
+            <a:endParaRPr lang="de-AT" dirty="0">
+              <a:solidFill>
+                <a:srgbClr val="FFFFFF"/>
+              </a:solidFill>
+            </a:endParaRPr>
+          </a:p>
+          <a:p>
+            <a:r>
+              <a:rPr lang="de-AT" dirty="0">
+                <a:solidFill>
+                  <a:srgbClr val="FFFFFF"/>
+                </a:solidFill>
+                <a:ea typeface="DejaVu Sans"/>
+              </a:rPr>
+              <a:t>Bereits weit verbreitet in der Metallindustrie</a:t>
+            </a:r>
+            <a:endParaRPr lang="de-AT" dirty="0"/>
+          </a:p>
+          <a:p>
+            <a:endParaRPr lang="de-AT" dirty="0" smtClean="0"/>
+          </a:p>
+          <a:p>
+            <a:r>
+              <a:rPr lang="de-AT" dirty="0">
+                <a:solidFill>
+                  <a:srgbClr val="FFFFFF"/>
+                </a:solidFill>
+                <a:ea typeface="DejaVu Sans"/>
+              </a:rPr>
+              <a:t>Gute Abdeckung der </a:t>
+            </a:r>
+            <a:r>
+              <a:rPr lang="de-AT" dirty="0" smtClean="0">
+                <a:solidFill>
+                  <a:srgbClr val="FFFFFF"/>
+                </a:solidFill>
+                <a:ea typeface="DejaVu Sans"/>
+              </a:rPr>
+              <a:t>Anforderungen</a:t>
+            </a:r>
             <a:endParaRPr lang="de-AT" dirty="0"/>
           </a:p>
         </p:txBody>
@@ -11650,13 +12464,335 @@
     </p:spTree>
     <p:extLst>
       <p:ext uri="{BB962C8B-B14F-4D97-AF65-F5344CB8AC3E}">
-        <p14:creationId xmlns:p14="http://schemas.microsoft.com/office/powerpoint/2010/main" xmlns="" val="2641605786"/>
+        <p14:creationId xmlns:p14="http://schemas.microsoft.com/office/powerpoint/2010/main" val="2641605786"/>
       </p:ext>
     </p:extLst>
   </p:cSld>
   <p:clrMapOvr>
     <a:masterClrMapping/>
   </p:clrMapOvr>
+  <p:timing>
+    <p:tnLst>
+      <p:par>
+        <p:cTn id="1" dur="indefinite" restart="never" nodeType="tmRoot"/>
+      </p:par>
+    </p:tnLst>
+  </p:timing>
+</p:sld>
+</file>
+
+<file path=ppt/slides/slide23.xml><?xml version="1.0" encoding="utf-8"?>
+<p:sld xmlns:a="http://schemas.openxmlformats.org/drawingml/2006/main" xmlns:r="http://schemas.openxmlformats.org/officeDocument/2006/relationships" xmlns:p="http://schemas.openxmlformats.org/presentationml/2006/main">
+  <p:cSld>
+    <p:spTree>
+      <p:nvGrpSpPr>
+        <p:cNvPr id="1" name=""/>
+        <p:cNvGrpSpPr/>
+        <p:nvPr/>
+      </p:nvGrpSpPr>
+      <p:grpSpPr>
+        <a:xfrm>
+          <a:off x="0" y="0"/>
+          <a:ext cx="0" cy="0"/>
+          <a:chOff x="0" y="0"/>
+          <a:chExt cx="0" cy="0"/>
+        </a:xfrm>
+      </p:grpSpPr>
+      <p:sp>
+        <p:nvSpPr>
+          <p:cNvPr id="243" name="CustomShape 1"/>
+          <p:cNvSpPr/>
+          <p:nvPr/>
+        </p:nvSpPr>
+        <p:spPr>
+          <a:xfrm>
+            <a:off x="484650" y="1196910"/>
+            <a:ext cx="7052670" cy="1049490"/>
+          </a:xfrm>
+          <a:prstGeom prst="rect">
+            <a:avLst/>
+          </a:prstGeom>
+          <a:noFill/>
+          <a:ln>
+            <a:noFill/>
+          </a:ln>
+        </p:spPr>
+        <p:style>
+          <a:lnRef idx="0">
+            <a:scrgbClr r="0" g="0" b="0"/>
+          </a:lnRef>
+          <a:fillRef idx="0">
+            <a:scrgbClr r="0" g="0" b="0"/>
+          </a:fillRef>
+          <a:effectRef idx="0">
+            <a:scrgbClr r="0" g="0" b="0"/>
+          </a:effectRef>
+          <a:fontRef idx="minor"/>
+        </p:style>
+      </p:sp>
+      <p:pic>
+        <p:nvPicPr>
+          <p:cNvPr id="244" name="Picture 243"/>
+          <p:cNvPicPr/>
+          <p:nvPr/>
+        </p:nvPicPr>
+        <p:blipFill>
+          <a:blip r:embed="rId2"/>
+          <a:stretch/>
+        </p:blipFill>
+        <p:spPr>
+          <a:xfrm>
+            <a:off x="939060" y="857520"/>
+            <a:ext cx="7290270" cy="5142960"/>
+          </a:xfrm>
+          <a:prstGeom prst="rect">
+            <a:avLst/>
+          </a:prstGeom>
+          <a:ln>
+            <a:noFill/>
+          </a:ln>
+        </p:spPr>
+      </p:pic>
+    </p:spTree>
+    <p:extLst>
+      <p:ext uri="{BB962C8B-B14F-4D97-AF65-F5344CB8AC3E}">
+        <p14:creationId xmlns:p14="http://schemas.microsoft.com/office/powerpoint/2010/main" val="1953244191"/>
+      </p:ext>
+    </p:extLst>
+  </p:cSld>
+  <p:clrMapOvr>
+    <a:masterClrMapping/>
+  </p:clrMapOvr>
+  <p:timing>
+    <p:tnLst>
+      <p:par>
+        <p:cTn id="1" dur="indefinite" restart="never" nodeType="tmRoot">
+          <p:childTnLst>
+            <p:seq>
+              <p:cTn id="2" nodeType="mainSeq"/>
+              <p:prevCondLst>
+                <p:cond evt="onPrev" delay="0">
+                  <p:tgtEl>
+                    <p:sldTgt/>
+                  </p:tgtEl>
+                </p:cond>
+              </p:prevCondLst>
+              <p:nextCondLst>
+                <p:cond evt="onNext" delay="0">
+                  <p:tgtEl>
+                    <p:sldTgt/>
+                  </p:tgtEl>
+                </p:cond>
+              </p:nextCondLst>
+            </p:seq>
+          </p:childTnLst>
+        </p:cTn>
+      </p:par>
+    </p:tnLst>
+  </p:timing>
+</p:sld>
+</file>
+
+<file path=ppt/slides/slide24.xml><?xml version="1.0" encoding="utf-8"?>
+<p:sld xmlns:a="http://schemas.openxmlformats.org/drawingml/2006/main" xmlns:r="http://schemas.openxmlformats.org/officeDocument/2006/relationships" xmlns:p="http://schemas.openxmlformats.org/presentationml/2006/main">
+  <p:cSld>
+    <p:spTree>
+      <p:nvGrpSpPr>
+        <p:cNvPr id="1" name=""/>
+        <p:cNvGrpSpPr/>
+        <p:nvPr/>
+      </p:nvGrpSpPr>
+      <p:grpSpPr>
+        <a:xfrm>
+          <a:off x="0" y="0"/>
+          <a:ext cx="0" cy="0"/>
+          <a:chOff x="0" y="0"/>
+          <a:chExt cx="0" cy="0"/>
+        </a:xfrm>
+      </p:grpSpPr>
+      <p:sp>
+        <p:nvSpPr>
+          <p:cNvPr id="2" name="Title 1"/>
+          <p:cNvSpPr>
+            <a:spLocks noGrp="1"/>
+          </p:cNvSpPr>
+          <p:nvPr>
+            <p:ph type="title"/>
+          </p:nvPr>
+        </p:nvSpPr>
+        <p:spPr/>
+        <p:txBody>
+          <a:bodyPr/>
+          <a:lstStyle/>
+          <a:p>
+            <a:r>
+              <a:rPr lang="en-US" dirty="0" err="1">
+                <a:solidFill>
+                  <a:srgbClr val="EBEBEB"/>
+                </a:solidFill>
+                <a:ea typeface="DejaVu Sans"/>
+              </a:rPr>
+              <a:t>Bereits</a:t>
+            </a:r>
+            <a:r>
+              <a:rPr lang="en-US" dirty="0">
+                <a:solidFill>
+                  <a:srgbClr val="EBEBEB"/>
+                </a:solidFill>
+                <a:ea typeface="DejaVu Sans"/>
+              </a:rPr>
+              <a:t> in </a:t>
+            </a:r>
+            <a:r>
+              <a:rPr lang="en-US" dirty="0" err="1">
+                <a:solidFill>
+                  <a:srgbClr val="EBEBEB"/>
+                </a:solidFill>
+                <a:ea typeface="DejaVu Sans"/>
+              </a:rPr>
+              <a:t>Verwendung</a:t>
+            </a:r>
+            <a:r>
+              <a:rPr lang="en-US" dirty="0"/>
+              <a:t/>
+            </a:r>
+            <a:br>
+              <a:rPr lang="en-US" dirty="0"/>
+            </a:br>
+            <a:endParaRPr lang="de-AT" dirty="0"/>
+          </a:p>
+        </p:txBody>
+      </p:sp>
+      <p:sp>
+        <p:nvSpPr>
+          <p:cNvPr id="3" name="Content Placeholder 2"/>
+          <p:cNvSpPr>
+            <a:spLocks noGrp="1"/>
+          </p:cNvSpPr>
+          <p:nvPr>
+            <p:ph idx="1"/>
+          </p:nvPr>
+        </p:nvSpPr>
+        <p:spPr/>
+        <p:txBody>
+          <a:bodyPr/>
+          <a:lstStyle/>
+          <a:p>
+            <a:endParaRPr lang="de-AT" dirty="0"/>
+          </a:p>
+        </p:txBody>
+      </p:sp>
+      <p:sp>
+        <p:nvSpPr>
+          <p:cNvPr id="4" name="Date Placeholder 3"/>
+          <p:cNvSpPr>
+            <a:spLocks noGrp="1"/>
+          </p:cNvSpPr>
+          <p:nvPr>
+            <p:ph type="dt" sz="half" idx="10"/>
+          </p:nvPr>
+        </p:nvSpPr>
+        <p:spPr/>
+        <p:txBody>
+          <a:bodyPr/>
+          <a:lstStyle/>
+          <a:p>
+            <a:fld id="{5DC49387-FBA4-4741-9A41-019152E901E7}" type="datetime1">
+              <a:rPr lang="de-AT" smtClean="0"/>
+              <a:pPr/>
+              <a:t>12.03.2015</a:t>
+            </a:fld>
+            <a:endParaRPr lang="de-AT"/>
+          </a:p>
+        </p:txBody>
+      </p:sp>
+      <p:sp>
+        <p:nvSpPr>
+          <p:cNvPr id="5" name="Footer Placeholder 4"/>
+          <p:cNvSpPr>
+            <a:spLocks noGrp="1"/>
+          </p:cNvSpPr>
+          <p:nvPr>
+            <p:ph type="ftr" sz="quarter" idx="11"/>
+          </p:nvPr>
+        </p:nvSpPr>
+        <p:spPr/>
+        <p:txBody>
+          <a:bodyPr/>
+          <a:lstStyle/>
+          <a:p>
+            <a:r>
+              <a:rPr lang="de-AT" smtClean="0"/>
+              <a:t>Plansee Group - TGM 5AHITT</a:t>
+            </a:r>
+            <a:endParaRPr lang="de-AT"/>
+          </a:p>
+        </p:txBody>
+      </p:sp>
+      <p:sp>
+        <p:nvSpPr>
+          <p:cNvPr id="6" name="Slide Number Placeholder 5"/>
+          <p:cNvSpPr>
+            <a:spLocks noGrp="1"/>
+          </p:cNvSpPr>
+          <p:nvPr>
+            <p:ph type="sldNum" sz="quarter" idx="12"/>
+          </p:nvPr>
+        </p:nvSpPr>
+        <p:spPr/>
+        <p:txBody>
+          <a:bodyPr/>
+          <a:lstStyle/>
+          <a:p>
+            <a:fld id="{7E4B9D8A-30A2-4509-8A2B-BAB999C5542B}" type="slidenum">
+              <a:rPr lang="de-AT" smtClean="0"/>
+              <a:pPr/>
+              <a:t>24</a:t>
+            </a:fld>
+            <a:endParaRPr lang="de-AT"/>
+          </a:p>
+        </p:txBody>
+      </p:sp>
+      <p:pic>
+        <p:nvPicPr>
+          <p:cNvPr id="7" name="Picture 6"/>
+          <p:cNvPicPr/>
+          <p:nvPr/>
+        </p:nvPicPr>
+        <p:blipFill>
+          <a:blip r:embed="rId3"/>
+          <a:stretch/>
+        </p:blipFill>
+        <p:spPr>
+          <a:xfrm>
+            <a:off x="-11385" y="1920375"/>
+            <a:ext cx="9166770" cy="3017250"/>
+          </a:xfrm>
+          <a:prstGeom prst="rect">
+            <a:avLst/>
+          </a:prstGeom>
+          <a:ln>
+            <a:noFill/>
+          </a:ln>
+        </p:spPr>
+      </p:pic>
+    </p:spTree>
+    <p:extLst>
+      <p:ext uri="{BB962C8B-B14F-4D97-AF65-F5344CB8AC3E}">
+        <p14:creationId xmlns:p14="http://schemas.microsoft.com/office/powerpoint/2010/main" val="779719126"/>
+      </p:ext>
+    </p:extLst>
+  </p:cSld>
+  <p:clrMapOvr>
+    <a:masterClrMapping/>
+  </p:clrMapOvr>
+  <p:timing>
+    <p:tnLst>
+      <p:par>
+        <p:cTn id="1" dur="indefinite" restart="never" nodeType="tmRoot"/>
+      </p:par>
+    </p:tnLst>
+  </p:timing>
 </p:sld>
 </file>
 
@@ -11717,11 +12853,7 @@
           <a:p>
             <a:r>
               <a:rPr lang="de-AT" dirty="0" smtClean="0"/>
-              <a:t>Österreichischer </a:t>
-            </a:r>
-            <a:r>
-              <a:rPr lang="de-AT" dirty="0" smtClean="0"/>
-              <a:t>Hersteller </a:t>
+              <a:t>Österreichischer Hersteller </a:t>
             </a:r>
             <a:r>
               <a:rPr lang="de-AT" dirty="0"/>
@@ -11849,13 +12981,20 @@
     </p:spTree>
     <p:extLst>
       <p:ext uri="{BB962C8B-B14F-4D97-AF65-F5344CB8AC3E}">
-        <p14:creationId xmlns:p14="http://schemas.microsoft.com/office/powerpoint/2010/main" xmlns="" val="321305427"/>
+        <p14:creationId xmlns:p14="http://schemas.microsoft.com/office/powerpoint/2010/main" val="321305427"/>
       </p:ext>
     </p:extLst>
   </p:cSld>
   <p:clrMapOvr>
     <a:masterClrMapping/>
   </p:clrMapOvr>
+  <p:timing>
+    <p:tnLst>
+      <p:par>
+        <p:cTn id="1" dur="indefinite" restart="never" nodeType="tmRoot"/>
+      </p:par>
+    </p:tnLst>
+  </p:timing>
 </p:sld>
 </file>
 
@@ -12091,13 +13230,20 @@
     </p:spTree>
     <p:extLst>
       <p:ext uri="{BB962C8B-B14F-4D97-AF65-F5344CB8AC3E}">
-        <p14:creationId xmlns:p14="http://schemas.microsoft.com/office/powerpoint/2010/main" xmlns="" val="1646207177"/>
+        <p14:creationId xmlns:p14="http://schemas.microsoft.com/office/powerpoint/2010/main" val="1646207177"/>
       </p:ext>
     </p:extLst>
   </p:cSld>
   <p:clrMapOvr>
     <a:masterClrMapping/>
   </p:clrMapOvr>
+  <p:timing>
+    <p:tnLst>
+      <p:par>
+        <p:cTn id="1" dur="indefinite" restart="never" nodeType="tmRoot"/>
+      </p:par>
+    </p:tnLst>
+  </p:timing>
 </p:sld>
 </file>
 
@@ -12157,7 +13303,7 @@
         <p:spPr/>
         <p:txBody>
           <a:bodyPr>
-            <a:normAutofit fontScale="92500" lnSpcReduction="10000"/>
+            <a:normAutofit fontScale="85000" lnSpcReduction="10000"/>
           </a:bodyPr>
           <a:lstStyle/>
           <a:p>
@@ -12306,13 +13452,20 @@
     </p:spTree>
     <p:extLst>
       <p:ext uri="{BB962C8B-B14F-4D97-AF65-F5344CB8AC3E}">
-        <p14:creationId xmlns:p14="http://schemas.microsoft.com/office/powerpoint/2010/main" xmlns="" val="4039147378"/>
+        <p14:creationId xmlns:p14="http://schemas.microsoft.com/office/powerpoint/2010/main" val="4039147378"/>
       </p:ext>
     </p:extLst>
   </p:cSld>
   <p:clrMapOvr>
     <a:masterClrMapping/>
   </p:clrMapOvr>
+  <p:timing>
+    <p:tnLst>
+      <p:par>
+        <p:cTn id="1" dur="indefinite" restart="never" nodeType="tmRoot"/>
+      </p:par>
+    </p:tnLst>
+  </p:timing>
 </p:sld>
 </file>
 
@@ -12570,13 +13723,20 @@
     </p:spTree>
     <p:extLst>
       <p:ext uri="{BB962C8B-B14F-4D97-AF65-F5344CB8AC3E}">
-        <p14:creationId xmlns:p14="http://schemas.microsoft.com/office/powerpoint/2010/main" xmlns="" val="2132913966"/>
+        <p14:creationId xmlns:p14="http://schemas.microsoft.com/office/powerpoint/2010/main" val="2132913966"/>
       </p:ext>
     </p:extLst>
   </p:cSld>
   <p:clrMapOvr>
     <a:masterClrMapping/>
   </p:clrMapOvr>
+  <p:timing>
+    <p:tnLst>
+      <p:par>
+        <p:cTn id="1" dur="indefinite" restart="never" nodeType="tmRoot"/>
+      </p:par>
+    </p:tnLst>
+  </p:timing>
 </p:sld>
 </file>
 
@@ -12620,10 +13780,9 @@
               <a:rPr lang="de-AT" dirty="0" smtClean="0"/>
             </a:br>
             <a:r>
-              <a:rPr lang="de-AT" sz="2800" dirty="0" smtClean="0"/>
+              <a:rPr lang="de-AT" sz="2100" dirty="0"/>
               <a:t>PLANSEE Hochleistungswerkstoffe</a:t>
             </a:r>
-            <a:endParaRPr lang="de-AT" sz="2800" dirty="0"/>
           </a:p>
         </p:txBody>
       </p:sp>
@@ -12639,7 +13798,9 @@
         </p:nvSpPr>
         <p:spPr/>
         <p:txBody>
-          <a:bodyPr/>
+          <a:bodyPr>
+            <a:normAutofit lnSpcReduction="10000"/>
+          </a:bodyPr>
           <a:lstStyle/>
           <a:p>
             <a:r>
@@ -12771,13 +13932,20 @@
     </p:spTree>
     <p:extLst>
       <p:ext uri="{BB962C8B-B14F-4D97-AF65-F5344CB8AC3E}">
-        <p14:creationId xmlns:p14="http://schemas.microsoft.com/office/powerpoint/2010/main" xmlns="" val="1858526223"/>
+        <p14:creationId xmlns:p14="http://schemas.microsoft.com/office/powerpoint/2010/main" val="1858526223"/>
       </p:ext>
     </p:extLst>
   </p:cSld>
   <p:clrMapOvr>
     <a:masterClrMapping/>
   </p:clrMapOvr>
+  <p:timing>
+    <p:tnLst>
+      <p:par>
+        <p:cTn id="1" dur="indefinite" restart="never" nodeType="tmRoot"/>
+      </p:par>
+    </p:tnLst>
+  </p:timing>
 </p:sld>
 </file>
 
@@ -12821,14 +13989,14 @@
               <a:rPr lang="de-AT" dirty="0"/>
             </a:br>
             <a:r>
-              <a:rPr lang="de-AT" sz="2800" dirty="0" smtClean="0"/>
+              <a:rPr lang="de-AT" sz="2100" dirty="0"/>
               <a:t>Global Tungsten &amp; </a:t>
             </a:r>
             <a:r>
-              <a:rPr lang="de-AT" sz="2800" dirty="0" err="1" smtClean="0"/>
+              <a:rPr lang="de-AT" sz="2100" dirty="0" err="1"/>
               <a:t>Powders</a:t>
             </a:r>
-            <a:endParaRPr lang="de-AT" sz="2800" dirty="0"/>
+            <a:endParaRPr lang="de-AT" sz="2100" dirty="0"/>
           </a:p>
         </p:txBody>
       </p:sp>
@@ -12845,7 +14013,7 @@
         <p:spPr/>
         <p:txBody>
           <a:bodyPr>
-            <a:normAutofit lnSpcReduction="10000"/>
+            <a:normAutofit fontScale="92500" lnSpcReduction="20000"/>
           </a:bodyPr>
           <a:lstStyle/>
           <a:p>
@@ -12985,13 +14153,20 @@
     </p:spTree>
     <p:extLst>
       <p:ext uri="{BB962C8B-B14F-4D97-AF65-F5344CB8AC3E}">
-        <p14:creationId xmlns:p14="http://schemas.microsoft.com/office/powerpoint/2010/main" xmlns="" val="516867145"/>
+        <p14:creationId xmlns:p14="http://schemas.microsoft.com/office/powerpoint/2010/main" val="516867145"/>
       </p:ext>
     </p:extLst>
   </p:cSld>
   <p:clrMapOvr>
     <a:masterClrMapping/>
   </p:clrMapOvr>
+  <p:timing>
+    <p:tnLst>
+      <p:par>
+        <p:cTn id="1" dur="indefinite" restart="never" nodeType="tmRoot"/>
+      </p:par>
+    </p:tnLst>
+  </p:timing>
 </p:sld>
 </file>
 
@@ -13035,10 +14210,9 @@
               <a:rPr lang="de-AT" dirty="0" smtClean="0"/>
             </a:br>
             <a:r>
-              <a:rPr lang="de-AT" sz="2800" dirty="0" smtClean="0"/>
+              <a:rPr lang="de-AT" sz="2100" dirty="0"/>
               <a:t>CERATIZIT Hartstoffe &amp; Werkzeuge</a:t>
             </a:r>
-            <a:endParaRPr lang="de-AT" sz="2800" dirty="0"/>
           </a:p>
         </p:txBody>
       </p:sp>
@@ -13054,7 +14228,9 @@
         </p:nvSpPr>
         <p:spPr/>
         <p:txBody>
-          <a:bodyPr/>
+          <a:bodyPr>
+            <a:normAutofit lnSpcReduction="10000"/>
+          </a:bodyPr>
           <a:lstStyle/>
           <a:p>
             <a:r>
@@ -13177,13 +14353,20 @@
     </p:spTree>
     <p:extLst>
       <p:ext uri="{BB962C8B-B14F-4D97-AF65-F5344CB8AC3E}">
-        <p14:creationId xmlns:p14="http://schemas.microsoft.com/office/powerpoint/2010/main" xmlns="" val="2743977351"/>
+        <p14:creationId xmlns:p14="http://schemas.microsoft.com/office/powerpoint/2010/main" val="2743977351"/>
       </p:ext>
     </p:extLst>
   </p:cSld>
   <p:clrMapOvr>
     <a:masterClrMapping/>
   </p:clrMapOvr>
+  <p:timing>
+    <p:tnLst>
+      <p:par>
+        <p:cTn id="1" dur="indefinite" restart="never" nodeType="tmRoot"/>
+      </p:par>
+    </p:tnLst>
+  </p:timing>
 </p:sld>
 </file>
 
@@ -13216,7 +14399,7 @@
         <a:srgbClr val="6AAC90"/>
       </a:accent4>
       <a:accent5>
-        <a:srgbClr val="54849A"/>
+        <a:srgbClr val="5F9C9D"/>
       </a:accent5>
       <a:accent6>
         <a:srgbClr val="9E5E9B"/>
@@ -13225,12 +14408,12 @@
         <a:srgbClr val="58C1BA"/>
       </a:hlink>
       <a:folHlink>
-        <a:srgbClr val="9DFFCB"/>
+        <a:srgbClr val="9DD0CB"/>
       </a:folHlink>
     </a:clrScheme>
     <a:fontScheme name="Ion">
       <a:majorFont>
-        <a:latin typeface="Century Gothic"/>
+        <a:latin typeface="Century Gothic" panose="020B0502020202020204"/>
         <a:ea typeface=""/>
         <a:cs typeface=""/>
         <a:font script="Jpan" typeface="メイリオ"/>
@@ -13265,7 +14448,7 @@
         <a:font script="Geor" typeface="Sylfaen"/>
       </a:majorFont>
       <a:minorFont>
-        <a:latin typeface="Century Gothic"/>
+        <a:latin typeface="Century Gothic" panose="020B0502020202020204"/>
         <a:ea typeface=""/>
         <a:cs typeface=""/>
         <a:font script="Jpan" typeface="メイリオ"/>
@@ -13447,7 +14630,7 @@
   <a:extraClrSchemeLst/>
   <a:extLst>
     <a:ext uri="{05A4C25C-085E-4340-85A3-A5531E510DB2}">
-      <thm15:themeFamily xmlns:thm15="http://schemas.microsoft.com/office/thememl/2012/main" xmlns="" name="Ion" id="{B8441ADB-2E43-4AF7-B97A-BD870242C6A8}" vid="{292E63A9-BB86-4E3D-B92A-7223C6510D2E}"/>
+      <thm15:themeFamily xmlns:thm15="http://schemas.microsoft.com/office/thememl/2012/main" name="Ion" id="{B8441ADB-2E43-4AF7-B97A-BD870242C6A8}" vid="{292E63A9-BB86-4E3D-B92A-7223C6510D2E}"/>
     </a:ext>
   </a:extLst>
 </a:theme>
@@ -13708,7 +14891,7 @@
   <a:extraClrSchemeLst/>
   <a:extLst>
     <a:ext uri="{05A4C25C-085E-4340-85A3-A5531E510DB2}">
-      <thm15:themeFamily xmlns:thm15="http://schemas.microsoft.com/office/thememl/2012/main" xmlns="" name="Office Theme" id="{62F939B6-93AF-4DB8-9C6B-D6C7DFDC589F}" vid="{4A3C46E8-61CC-4603-A589-7422A47A8E4A}"/>
+      <thm15:themeFamily xmlns:thm15="http://schemas.microsoft.com/office/thememl/2012/main" name="Office Theme" id="{62F939B6-93AF-4DB8-9C6B-D6C7DFDC589F}" vid="{4A3C46E8-61CC-4603-A589-7422A47A8E4A}"/>
     </a:ext>
   </a:extLst>
 </a:theme>

--- a/PlanseeGroup.pptx
+++ b/PlanseeGroup.pptx
@@ -392,7 +392,7 @@
             <a:fld id="{48EDD995-683E-4D85-9C42-851AB99740B3}" type="slidenum">
               <a:rPr lang="de-AT" smtClean="0"/>
               <a:pPr/>
-              <a:t>‹#›</a:t>
+              <a:t>‹Nr.›</a:t>
             </a:fld>
             <a:endParaRPr lang="de-AT"/>
           </a:p>
@@ -3332,7 +3332,7 @@
             <a:fld id="{7E4B9D8A-30A2-4509-8A2B-BAB999C5542B}" type="slidenum">
               <a:rPr lang="de-AT" smtClean="0"/>
               <a:pPr/>
-              <a:t>‹#›</a:t>
+              <a:t>‹Nr.›</a:t>
             </a:fld>
             <a:endParaRPr lang="de-AT"/>
           </a:p>
@@ -3613,7 +3613,7 @@
             <a:fld id="{7E4B9D8A-30A2-4509-8A2B-BAB999C5542B}" type="slidenum">
               <a:rPr lang="de-AT" smtClean="0"/>
               <a:pPr/>
-              <a:t>‹#›</a:t>
+              <a:t>‹Nr.›</a:t>
             </a:fld>
             <a:endParaRPr lang="de-AT"/>
           </a:p>
@@ -3813,7 +3813,7 @@
             <a:fld id="{7E4B9D8A-30A2-4509-8A2B-BAB999C5542B}" type="slidenum">
               <a:rPr lang="de-AT" smtClean="0"/>
               <a:pPr/>
-              <a:t>‹#›</a:t>
+              <a:t>‹Nr.›</a:t>
             </a:fld>
             <a:endParaRPr lang="de-AT"/>
           </a:p>
@@ -4092,7 +4092,7 @@
             <a:fld id="{7E4B9D8A-30A2-4509-8A2B-BAB999C5542B}" type="slidenum">
               <a:rPr lang="de-AT" smtClean="0"/>
               <a:pPr/>
-              <a:t>‹#›</a:t>
+              <a:t>‹Nr.›</a:t>
             </a:fld>
             <a:endParaRPr lang="de-AT"/>
           </a:p>
@@ -4439,7 +4439,7 @@
             <a:fld id="{7E4B9D8A-30A2-4509-8A2B-BAB999C5542B}" type="slidenum">
               <a:rPr lang="de-AT" smtClean="0"/>
               <a:pPr/>
-              <a:t>‹#›</a:t>
+              <a:t>‹Nr.›</a:t>
             </a:fld>
             <a:endParaRPr lang="de-AT"/>
           </a:p>
@@ -5068,7 +5068,7 @@
             <a:fld id="{7E4B9D8A-30A2-4509-8A2B-BAB999C5542B}" type="slidenum">
               <a:rPr lang="de-AT" smtClean="0"/>
               <a:pPr/>
-              <a:t>‹#›</a:t>
+              <a:t>‹Nr.›</a:t>
             </a:fld>
             <a:endParaRPr lang="de-AT"/>
           </a:p>
@@ -5934,7 +5934,7 @@
             <a:fld id="{7E4B9D8A-30A2-4509-8A2B-BAB999C5542B}" type="slidenum">
               <a:rPr lang="de-AT" smtClean="0"/>
               <a:pPr/>
-              <a:t>‹#›</a:t>
+              <a:t>‹Nr.›</a:t>
             </a:fld>
             <a:endParaRPr lang="de-AT"/>
           </a:p>
@@ -6110,7 +6110,7 @@
             <a:fld id="{7E4B9D8A-30A2-4509-8A2B-BAB999C5542B}" type="slidenum">
               <a:rPr lang="de-AT" smtClean="0"/>
               <a:pPr/>
-              <a:t>‹#›</a:t>
+              <a:t>‹Nr.›</a:t>
             </a:fld>
             <a:endParaRPr lang="de-AT"/>
           </a:p>
@@ -6296,7 +6296,7 @@
             <a:fld id="{7E4B9D8A-30A2-4509-8A2B-BAB999C5542B}" type="slidenum">
               <a:rPr lang="de-AT" smtClean="0"/>
               <a:pPr/>
-              <a:t>‹#›</a:t>
+              <a:t>‹Nr.›</a:t>
             </a:fld>
             <a:endParaRPr lang="de-AT"/>
           </a:p>
@@ -6472,7 +6472,7 @@
             <a:fld id="{7E4B9D8A-30A2-4509-8A2B-BAB999C5542B}" type="slidenum">
               <a:rPr lang="de-AT" smtClean="0"/>
               <a:pPr/>
-              <a:t>‹#›</a:t>
+              <a:t>‹Nr.›</a:t>
             </a:fld>
             <a:endParaRPr lang="de-AT"/>
           </a:p>
@@ -6725,7 +6725,7 @@
             <a:fld id="{7E4B9D8A-30A2-4509-8A2B-BAB999C5542B}" type="slidenum">
               <a:rPr lang="de-AT" smtClean="0"/>
               <a:pPr/>
-              <a:t>‹#›</a:t>
+              <a:t>‹Nr.›</a:t>
             </a:fld>
             <a:endParaRPr lang="de-AT"/>
           </a:p>
@@ -7023,7 +7023,7 @@
             <a:fld id="{7E4B9D8A-30A2-4509-8A2B-BAB999C5542B}" type="slidenum">
               <a:rPr lang="de-AT" smtClean="0"/>
               <a:pPr/>
-              <a:t>‹#›</a:t>
+              <a:t>‹Nr.›</a:t>
             </a:fld>
             <a:endParaRPr lang="de-AT"/>
           </a:p>
@@ -7473,7 +7473,7 @@
             <a:fld id="{7E4B9D8A-30A2-4509-8A2B-BAB999C5542B}" type="slidenum">
               <a:rPr lang="de-AT" smtClean="0"/>
               <a:pPr/>
-              <a:t>‹#›</a:t>
+              <a:t>‹Nr.›</a:t>
             </a:fld>
             <a:endParaRPr lang="de-AT"/>
           </a:p>
@@ -7597,7 +7597,7 @@
             <a:fld id="{7E4B9D8A-30A2-4509-8A2B-BAB999C5542B}" type="slidenum">
               <a:rPr lang="de-AT" smtClean="0"/>
               <a:pPr/>
-              <a:t>‹#›</a:t>
+              <a:t>‹Nr.›</a:t>
             </a:fld>
             <a:endParaRPr lang="de-AT"/>
           </a:p>
@@ -7698,7 +7698,7 @@
             <a:fld id="{7E4B9D8A-30A2-4509-8A2B-BAB999C5542B}" type="slidenum">
               <a:rPr lang="de-AT" smtClean="0"/>
               <a:pPr/>
-              <a:t>‹#›</a:t>
+              <a:t>‹Nr.›</a:t>
             </a:fld>
             <a:endParaRPr lang="de-AT"/>
           </a:p>
@@ -7983,7 +7983,7 @@
             <a:fld id="{7E4B9D8A-30A2-4509-8A2B-BAB999C5542B}" type="slidenum">
               <a:rPr lang="de-AT" smtClean="0"/>
               <a:pPr/>
-              <a:t>‹#›</a:t>
+              <a:t>‹Nr.›</a:t>
             </a:fld>
             <a:endParaRPr lang="de-AT"/>
           </a:p>
@@ -8264,7 +8264,7 @@
             <a:fld id="{7E4B9D8A-30A2-4509-8A2B-BAB999C5542B}" type="slidenum">
               <a:rPr lang="de-AT" smtClean="0"/>
               <a:pPr/>
-              <a:t>‹#›</a:t>
+              <a:t>‹Nr.›</a:t>
             </a:fld>
             <a:endParaRPr lang="de-AT"/>
           </a:p>
@@ -8872,7 +8872,7 @@
             <a:fld id="{7E4B9D8A-30A2-4509-8A2B-BAB999C5542B}" type="slidenum">
               <a:rPr lang="de-AT" smtClean="0"/>
               <a:pPr/>
-              <a:t>‹#›</a:t>
+              <a:t>‹Nr.›</a:t>
             </a:fld>
             <a:endParaRPr lang="de-AT"/>
           </a:p>
@@ -13303,41 +13303,32 @@
         <p:spPr/>
         <p:txBody>
           <a:bodyPr>
-            <a:normAutofit fontScale="85000" lnSpcReduction="10000"/>
+            <a:normAutofit/>
           </a:bodyPr>
           <a:lstStyle/>
           <a:p>
             <a:r>
               <a:rPr lang="de-AT" dirty="0" smtClean="0"/>
-              <a:t>Führender Anbieter weltweit</a:t>
-            </a:r>
+              <a:t>Führender </a:t>
+            </a:r>
+            <a:r>
+              <a:rPr lang="de-AT" dirty="0" smtClean="0"/>
+              <a:t>Anbieter von Hochtechnologie-Werkstoffe </a:t>
+            </a:r>
+            <a:r>
+              <a:rPr lang="de-AT" dirty="0"/>
+              <a:t>Molybdän </a:t>
+            </a:r>
+            <a:r>
+              <a:rPr lang="de-AT" dirty="0" smtClean="0"/>
+              <a:t>und Wolfram</a:t>
+            </a:r>
+            <a:endParaRPr lang="de-AT" dirty="0" smtClean="0"/>
           </a:p>
           <a:p>
             <a:pPr marL="0" indent="0">
               <a:buNone/>
             </a:pPr>
-            <a:r>
-              <a:rPr lang="de-AT" dirty="0"/>
-              <a:t>	Hochtechnologie-Werkstoffe Molybdän und </a:t>
-            </a:r>
-            <a:r>
-              <a:rPr lang="de-AT" dirty="0" smtClean="0"/>
-              <a:t>Wolfram</a:t>
-            </a:r>
-          </a:p>
-          <a:p>
-            <a:pPr marL="0" indent="0">
-              <a:buNone/>
-            </a:pPr>
-            <a:endParaRPr lang="de-AT" dirty="0" smtClean="0"/>
-          </a:p>
-          <a:p>
-            <a:r>
-              <a:rPr lang="de-AT" dirty="0"/>
-              <a:t>Geschäftsaktivitäten nehmen führende Markposition an</a:t>
-            </a:r>
-          </a:p>
-          <a:p>
             <a:endParaRPr lang="de-AT" dirty="0"/>
           </a:p>
           <a:p>
@@ -13347,8 +13338,13 @@
             </a:r>
             <a:r>
               <a:rPr lang="de-AT" dirty="0" smtClean="0"/>
-              <a:t> entwickelt sich besser als Markt</a:t>
-            </a:r>
+              <a:t> entwickelt sich besser als </a:t>
+            </a:r>
+            <a:r>
+              <a:rPr lang="de-AT" dirty="0" smtClean="0"/>
+              <a:t> der Markt</a:t>
+            </a:r>
+            <a:endParaRPr lang="de-AT" dirty="0" smtClean="0"/>
           </a:p>
           <a:p>
             <a:endParaRPr lang="de-AT" dirty="0"/>
@@ -13418,10 +13414,14 @@
           <a:lstStyle/>
           <a:p>
             <a:r>
-              <a:rPr lang="de-AT" smtClean="0"/>
-              <a:t>Plansee Group - TGM 5AHITT</a:t>
-            </a:r>
-            <a:endParaRPr lang="de-AT"/>
+              <a:rPr lang="de-AT" dirty="0" err="1" smtClean="0"/>
+              <a:t>Plansee</a:t>
+            </a:r>
+            <a:r>
+              <a:rPr lang="de-AT" dirty="0" smtClean="0"/>
+              <a:t> Group - TGM 5AHITT</a:t>
+            </a:r>
+            <a:endParaRPr lang="de-AT" dirty="0"/>
           </a:p>
         </p:txBody>
       </p:sp>
